--- a/Slides/Lesson1.4.pptx
+++ b/Slides/Lesson1.4.pptx
@@ -4,9 +4,17 @@
   <p:sldMasterIdLst>
     <p:sldMasterId id="2147483648" r:id="rId1"/>
   </p:sldMasterIdLst>
+  <p:notesMasterIdLst>
+    <p:notesMasterId r:id="rId9"/>
+  </p:notesMasterIdLst>
   <p:sldIdLst>
     <p:sldId id="256" r:id="rId2"/>
     <p:sldId id="257" r:id="rId3"/>
+    <p:sldId id="258" r:id="rId4"/>
+    <p:sldId id="259" r:id="rId5"/>
+    <p:sldId id="260" r:id="rId6"/>
+    <p:sldId id="261" r:id="rId7"/>
+    <p:sldId id="262" r:id="rId8"/>
   </p:sldIdLst>
   <p:sldSz cx="12192000" cy="6858000"/>
   <p:notesSz cx="6858000" cy="9144000"/>
@@ -111,6 +119,3075 @@
     </p:ext>
   </p:extLst>
 </p:presentation>
+</file>
+
+<file path=ppt/diagrams/colors1.xml><?xml version="1.0" encoding="utf-8"?>
+<dgm:colorsDef xmlns:dgm="http://schemas.openxmlformats.org/drawingml/2006/diagram" xmlns:a="http://schemas.openxmlformats.org/drawingml/2006/main" uniqueId="urn:microsoft.com/office/officeart/2005/8/colors/colorful2">
+  <dgm:title val=""/>
+  <dgm:desc val=""/>
+  <dgm:catLst>
+    <dgm:cat type="colorful" pri="10200"/>
+  </dgm:catLst>
+  <dgm:styleLbl name="node0">
+    <dgm:fillClrLst meth="repeat">
+      <a:schemeClr val="accent1"/>
+    </dgm:fillClrLst>
+    <dgm:linClrLst meth="repeat">
+      <a:schemeClr val="lt1"/>
+    </dgm:linClrLst>
+    <dgm:effectClrLst/>
+    <dgm:txLinClrLst/>
+    <dgm:txFillClrLst/>
+    <dgm:txEffectClrLst/>
+  </dgm:styleLbl>
+  <dgm:styleLbl name="node1">
+    <dgm:fillClrLst>
+      <a:schemeClr val="accent2"/>
+      <a:schemeClr val="accent3"/>
+    </dgm:fillClrLst>
+    <dgm:linClrLst meth="repeat">
+      <a:schemeClr val="lt1"/>
+    </dgm:linClrLst>
+    <dgm:effectClrLst/>
+    <dgm:txLinClrLst/>
+    <dgm:txFillClrLst/>
+    <dgm:txEffectClrLst/>
+  </dgm:styleLbl>
+  <dgm:styleLbl name="alignNode1">
+    <dgm:fillClrLst>
+      <a:schemeClr val="accent2"/>
+      <a:schemeClr val="accent3"/>
+    </dgm:fillClrLst>
+    <dgm:linClrLst>
+      <a:schemeClr val="accent2"/>
+      <a:schemeClr val="accent3"/>
+    </dgm:linClrLst>
+    <dgm:effectClrLst/>
+    <dgm:txLinClrLst/>
+    <dgm:txFillClrLst/>
+    <dgm:txEffectClrLst/>
+  </dgm:styleLbl>
+  <dgm:styleLbl name="lnNode1">
+    <dgm:fillClrLst>
+      <a:schemeClr val="accent2"/>
+      <a:schemeClr val="accent3"/>
+    </dgm:fillClrLst>
+    <dgm:linClrLst meth="repeat">
+      <a:schemeClr val="lt1"/>
+    </dgm:linClrLst>
+    <dgm:effectClrLst/>
+    <dgm:txLinClrLst/>
+    <dgm:txFillClrLst/>
+    <dgm:txEffectClrLst/>
+  </dgm:styleLbl>
+  <dgm:styleLbl name="vennNode1">
+    <dgm:fillClrLst>
+      <a:schemeClr val="accent2">
+        <a:alpha val="50000"/>
+      </a:schemeClr>
+      <a:schemeClr val="accent3">
+        <a:alpha val="50000"/>
+      </a:schemeClr>
+    </dgm:fillClrLst>
+    <dgm:linClrLst meth="repeat">
+      <a:schemeClr val="lt1"/>
+    </dgm:linClrLst>
+    <dgm:effectClrLst/>
+    <dgm:txLinClrLst/>
+    <dgm:txFillClrLst/>
+    <dgm:txEffectClrLst/>
+  </dgm:styleLbl>
+  <dgm:styleLbl name="node2">
+    <dgm:fillClrLst>
+      <a:schemeClr val="accent3"/>
+    </dgm:fillClrLst>
+    <dgm:linClrLst meth="repeat">
+      <a:schemeClr val="lt1"/>
+    </dgm:linClrLst>
+    <dgm:effectClrLst/>
+    <dgm:txLinClrLst/>
+    <dgm:txFillClrLst/>
+    <dgm:txEffectClrLst/>
+  </dgm:styleLbl>
+  <dgm:styleLbl name="node3">
+    <dgm:fillClrLst>
+      <a:schemeClr val="accent4"/>
+    </dgm:fillClrLst>
+    <dgm:linClrLst meth="repeat">
+      <a:schemeClr val="lt1"/>
+    </dgm:linClrLst>
+    <dgm:effectClrLst/>
+    <dgm:txLinClrLst/>
+    <dgm:txFillClrLst/>
+    <dgm:txEffectClrLst/>
+  </dgm:styleLbl>
+  <dgm:styleLbl name="node4">
+    <dgm:fillClrLst>
+      <a:schemeClr val="accent5"/>
+    </dgm:fillClrLst>
+    <dgm:linClrLst meth="repeat">
+      <a:schemeClr val="lt1"/>
+    </dgm:linClrLst>
+    <dgm:effectClrLst/>
+    <dgm:txLinClrLst/>
+    <dgm:txFillClrLst/>
+    <dgm:txEffectClrLst/>
+  </dgm:styleLbl>
+  <dgm:styleLbl name="fgImgPlace1">
+    <dgm:fillClrLst>
+      <a:schemeClr val="accent2">
+        <a:tint val="50000"/>
+      </a:schemeClr>
+      <a:schemeClr val="accent3">
+        <a:tint val="50000"/>
+      </a:schemeClr>
+    </dgm:fillClrLst>
+    <dgm:linClrLst meth="repeat">
+      <a:schemeClr val="lt1"/>
+    </dgm:linClrLst>
+    <dgm:effectClrLst/>
+    <dgm:txLinClrLst/>
+    <dgm:txFillClrLst meth="repeat">
+      <a:schemeClr val="lt1"/>
+    </dgm:txFillClrLst>
+    <dgm:txEffectClrLst/>
+  </dgm:styleLbl>
+  <dgm:styleLbl name="alignImgPlace1">
+    <dgm:fillClrLst>
+      <a:schemeClr val="accent2">
+        <a:tint val="50000"/>
+      </a:schemeClr>
+      <a:schemeClr val="accent3">
+        <a:tint val="20000"/>
+      </a:schemeClr>
+    </dgm:fillClrLst>
+    <dgm:linClrLst meth="repeat">
+      <a:schemeClr val="lt1"/>
+    </dgm:linClrLst>
+    <dgm:effectClrLst/>
+    <dgm:txLinClrLst/>
+    <dgm:txFillClrLst meth="repeat">
+      <a:schemeClr val="lt1"/>
+    </dgm:txFillClrLst>
+    <dgm:txEffectClrLst/>
+  </dgm:styleLbl>
+  <dgm:styleLbl name="bgImgPlace1">
+    <dgm:fillClrLst>
+      <a:schemeClr val="accent2">
+        <a:tint val="50000"/>
+      </a:schemeClr>
+      <a:schemeClr val="accent3">
+        <a:tint val="20000"/>
+      </a:schemeClr>
+    </dgm:fillClrLst>
+    <dgm:linClrLst meth="repeat">
+      <a:schemeClr val="lt1"/>
+    </dgm:linClrLst>
+    <dgm:effectClrLst/>
+    <dgm:txLinClrLst/>
+    <dgm:txFillClrLst meth="repeat">
+      <a:schemeClr val="lt1"/>
+    </dgm:txFillClrLst>
+    <dgm:txEffectClrLst/>
+  </dgm:styleLbl>
+  <dgm:styleLbl name="sibTrans2D1">
+    <dgm:fillClrLst>
+      <a:schemeClr val="accent2"/>
+      <a:schemeClr val="accent3"/>
+    </dgm:fillClrLst>
+    <dgm:linClrLst meth="repeat">
+      <a:schemeClr val="lt1"/>
+    </dgm:linClrLst>
+    <dgm:effectClrLst/>
+    <dgm:txLinClrLst/>
+    <dgm:txFillClrLst/>
+    <dgm:txEffectClrLst/>
+  </dgm:styleLbl>
+  <dgm:styleLbl name="fgSibTrans2D1">
+    <dgm:fillClrLst>
+      <a:schemeClr val="accent2"/>
+      <a:schemeClr val="accent3"/>
+    </dgm:fillClrLst>
+    <dgm:linClrLst meth="repeat">
+      <a:schemeClr val="lt1"/>
+    </dgm:linClrLst>
+    <dgm:effectClrLst/>
+    <dgm:txLinClrLst/>
+    <dgm:txFillClrLst meth="repeat">
+      <a:schemeClr val="lt1"/>
+    </dgm:txFillClrLst>
+    <dgm:txEffectClrLst/>
+  </dgm:styleLbl>
+  <dgm:styleLbl name="bgSibTrans2D1">
+    <dgm:fillClrLst>
+      <a:schemeClr val="accent2"/>
+      <a:schemeClr val="accent3"/>
+    </dgm:fillClrLst>
+    <dgm:linClrLst meth="repeat">
+      <a:schemeClr val="lt1"/>
+    </dgm:linClrLst>
+    <dgm:effectClrLst/>
+    <dgm:txLinClrLst/>
+    <dgm:txFillClrLst meth="repeat">
+      <a:schemeClr val="lt1"/>
+    </dgm:txFillClrLst>
+    <dgm:txEffectClrLst/>
+  </dgm:styleLbl>
+  <dgm:styleLbl name="sibTrans1D1">
+    <dgm:fillClrLst/>
+    <dgm:linClrLst>
+      <a:schemeClr val="accent2"/>
+      <a:schemeClr val="accent3"/>
+    </dgm:linClrLst>
+    <dgm:effectClrLst/>
+    <dgm:txLinClrLst/>
+    <dgm:txFillClrLst meth="repeat">
+      <a:schemeClr val="tx1"/>
+    </dgm:txFillClrLst>
+    <dgm:txEffectClrLst/>
+  </dgm:styleLbl>
+  <dgm:styleLbl name="callout">
+    <dgm:fillClrLst meth="repeat">
+      <a:schemeClr val="accent2"/>
+    </dgm:fillClrLst>
+    <dgm:linClrLst meth="repeat">
+      <a:schemeClr val="accent2">
+        <a:tint val="50000"/>
+      </a:schemeClr>
+    </dgm:linClrLst>
+    <dgm:effectClrLst/>
+    <dgm:txLinClrLst/>
+    <dgm:txFillClrLst meth="repeat">
+      <a:schemeClr val="tx1"/>
+    </dgm:txFillClrLst>
+    <dgm:txEffectClrLst/>
+  </dgm:styleLbl>
+  <dgm:styleLbl name="asst0">
+    <dgm:fillClrLst meth="repeat">
+      <a:schemeClr val="accent2"/>
+    </dgm:fillClrLst>
+    <dgm:linClrLst meth="repeat">
+      <a:schemeClr val="lt1">
+        <a:shade val="80000"/>
+      </a:schemeClr>
+    </dgm:linClrLst>
+    <dgm:effectClrLst/>
+    <dgm:txLinClrLst/>
+    <dgm:txFillClrLst/>
+    <dgm:txEffectClrLst/>
+  </dgm:styleLbl>
+  <dgm:styleLbl name="asst1">
+    <dgm:fillClrLst meth="repeat">
+      <a:schemeClr val="accent3"/>
+    </dgm:fillClrLst>
+    <dgm:linClrLst meth="repeat">
+      <a:schemeClr val="lt1">
+        <a:shade val="80000"/>
+      </a:schemeClr>
+    </dgm:linClrLst>
+    <dgm:effectClrLst/>
+    <dgm:txLinClrLst/>
+    <dgm:txFillClrLst/>
+    <dgm:txEffectClrLst/>
+  </dgm:styleLbl>
+  <dgm:styleLbl name="asst2">
+    <dgm:fillClrLst>
+      <a:schemeClr val="accent4"/>
+    </dgm:fillClrLst>
+    <dgm:linClrLst meth="repeat">
+      <a:schemeClr val="lt1"/>
+    </dgm:linClrLst>
+    <dgm:effectClrLst/>
+    <dgm:txLinClrLst/>
+    <dgm:txFillClrLst/>
+    <dgm:txEffectClrLst/>
+  </dgm:styleLbl>
+  <dgm:styleLbl name="asst3">
+    <dgm:fillClrLst>
+      <a:schemeClr val="accent5"/>
+    </dgm:fillClrLst>
+    <dgm:linClrLst meth="repeat">
+      <a:schemeClr val="lt1"/>
+    </dgm:linClrLst>
+    <dgm:effectClrLst/>
+    <dgm:txLinClrLst/>
+    <dgm:txFillClrLst/>
+    <dgm:txEffectClrLst/>
+  </dgm:styleLbl>
+  <dgm:styleLbl name="asst4">
+    <dgm:fillClrLst>
+      <a:schemeClr val="accent6"/>
+    </dgm:fillClrLst>
+    <dgm:linClrLst meth="repeat">
+      <a:schemeClr val="lt1"/>
+    </dgm:linClrLst>
+    <dgm:effectClrLst/>
+    <dgm:txLinClrLst/>
+    <dgm:txFillClrLst/>
+    <dgm:txEffectClrLst/>
+  </dgm:styleLbl>
+  <dgm:styleLbl name="parChTrans2D1">
+    <dgm:fillClrLst meth="repeat">
+      <a:schemeClr val="accent2"/>
+    </dgm:fillClrLst>
+    <dgm:linClrLst meth="repeat">
+      <a:schemeClr val="lt1"/>
+    </dgm:linClrLst>
+    <dgm:effectClrLst/>
+    <dgm:txLinClrLst/>
+    <dgm:txFillClrLst meth="repeat">
+      <a:schemeClr val="lt1"/>
+    </dgm:txFillClrLst>
+    <dgm:txEffectClrLst/>
+  </dgm:styleLbl>
+  <dgm:styleLbl name="parChTrans2D2">
+    <dgm:fillClrLst meth="repeat">
+      <a:schemeClr val="accent3"/>
+    </dgm:fillClrLst>
+    <dgm:linClrLst meth="repeat">
+      <a:schemeClr val="lt1"/>
+    </dgm:linClrLst>
+    <dgm:effectClrLst/>
+    <dgm:txLinClrLst/>
+    <dgm:txFillClrLst/>
+    <dgm:txEffectClrLst/>
+  </dgm:styleLbl>
+  <dgm:styleLbl name="parChTrans2D3">
+    <dgm:fillClrLst meth="repeat">
+      <a:schemeClr val="accent4"/>
+    </dgm:fillClrLst>
+    <dgm:linClrLst meth="repeat">
+      <a:schemeClr val="lt1"/>
+    </dgm:linClrLst>
+    <dgm:effectClrLst/>
+    <dgm:txLinClrLst/>
+    <dgm:txFillClrLst/>
+    <dgm:txEffectClrLst/>
+  </dgm:styleLbl>
+  <dgm:styleLbl name="parChTrans2D4">
+    <dgm:fillClrLst meth="repeat">
+      <a:schemeClr val="accent5"/>
+    </dgm:fillClrLst>
+    <dgm:linClrLst meth="repeat">
+      <a:schemeClr val="lt1"/>
+    </dgm:linClrLst>
+    <dgm:effectClrLst/>
+    <dgm:txLinClrLst/>
+    <dgm:txFillClrLst meth="repeat">
+      <a:schemeClr val="lt1"/>
+    </dgm:txFillClrLst>
+    <dgm:txEffectClrLst/>
+  </dgm:styleLbl>
+  <dgm:styleLbl name="parChTrans1D1">
+    <dgm:fillClrLst meth="repeat">
+      <a:schemeClr val="accent2"/>
+    </dgm:fillClrLst>
+    <dgm:linClrLst meth="repeat">
+      <a:schemeClr val="accent2"/>
+    </dgm:linClrLst>
+    <dgm:effectClrLst/>
+    <dgm:txLinClrLst/>
+    <dgm:txFillClrLst meth="repeat">
+      <a:schemeClr val="tx1"/>
+    </dgm:txFillClrLst>
+    <dgm:txEffectClrLst/>
+  </dgm:styleLbl>
+  <dgm:styleLbl name="parChTrans1D2">
+    <dgm:fillClrLst meth="repeat">
+      <a:schemeClr val="accent2">
+        <a:tint val="90000"/>
+      </a:schemeClr>
+    </dgm:fillClrLst>
+    <dgm:linClrLst meth="repeat">
+      <a:schemeClr val="accent3"/>
+    </dgm:linClrLst>
+    <dgm:effectClrLst/>
+    <dgm:txLinClrLst/>
+    <dgm:txFillClrLst meth="repeat">
+      <a:schemeClr val="tx1"/>
+    </dgm:txFillClrLst>
+    <dgm:txEffectClrLst/>
+  </dgm:styleLbl>
+  <dgm:styleLbl name="parChTrans1D3">
+    <dgm:fillClrLst meth="repeat">
+      <a:schemeClr val="accent2">
+        <a:tint val="70000"/>
+      </a:schemeClr>
+    </dgm:fillClrLst>
+    <dgm:linClrLst meth="repeat">
+      <a:schemeClr val="accent4"/>
+    </dgm:linClrLst>
+    <dgm:effectClrLst/>
+    <dgm:txLinClrLst/>
+    <dgm:txFillClrLst meth="repeat">
+      <a:schemeClr val="tx1"/>
+    </dgm:txFillClrLst>
+    <dgm:txEffectClrLst/>
+  </dgm:styleLbl>
+  <dgm:styleLbl name="parChTrans1D4">
+    <dgm:fillClrLst meth="repeat">
+      <a:schemeClr val="accent2">
+        <a:tint val="50000"/>
+      </a:schemeClr>
+    </dgm:fillClrLst>
+    <dgm:linClrLst meth="repeat">
+      <a:schemeClr val="accent5"/>
+    </dgm:linClrLst>
+    <dgm:effectClrLst/>
+    <dgm:txLinClrLst/>
+    <dgm:txFillClrLst meth="repeat">
+      <a:schemeClr val="tx1"/>
+    </dgm:txFillClrLst>
+    <dgm:txEffectClrLst/>
+  </dgm:styleLbl>
+  <dgm:styleLbl name="fgAcc1">
+    <dgm:fillClrLst meth="repeat">
+      <a:schemeClr val="lt1">
+        <a:alpha val="90000"/>
+      </a:schemeClr>
+    </dgm:fillClrLst>
+    <dgm:linClrLst>
+      <a:schemeClr val="accent2"/>
+      <a:schemeClr val="accent3"/>
+    </dgm:linClrLst>
+    <dgm:effectClrLst/>
+    <dgm:txLinClrLst/>
+    <dgm:txFillClrLst meth="repeat">
+      <a:schemeClr val="dk1"/>
+    </dgm:txFillClrLst>
+    <dgm:txEffectClrLst/>
+  </dgm:styleLbl>
+  <dgm:styleLbl name="conFgAcc1">
+    <dgm:fillClrLst meth="repeat">
+      <a:schemeClr val="lt1">
+        <a:alpha val="90000"/>
+      </a:schemeClr>
+    </dgm:fillClrLst>
+    <dgm:linClrLst>
+      <a:schemeClr val="accent2"/>
+      <a:schemeClr val="accent3"/>
+    </dgm:linClrLst>
+    <dgm:effectClrLst/>
+    <dgm:txLinClrLst/>
+    <dgm:txFillClrLst meth="repeat">
+      <a:schemeClr val="dk1"/>
+    </dgm:txFillClrLst>
+    <dgm:txEffectClrLst/>
+  </dgm:styleLbl>
+  <dgm:styleLbl name="alignAcc1">
+    <dgm:fillClrLst meth="repeat">
+      <a:schemeClr val="lt1">
+        <a:alpha val="90000"/>
+      </a:schemeClr>
+    </dgm:fillClrLst>
+    <dgm:linClrLst>
+      <a:schemeClr val="accent2"/>
+      <a:schemeClr val="accent3"/>
+    </dgm:linClrLst>
+    <dgm:effectClrLst/>
+    <dgm:txLinClrLst/>
+    <dgm:txFillClrLst meth="repeat">
+      <a:schemeClr val="dk1"/>
+    </dgm:txFillClrLst>
+    <dgm:txEffectClrLst/>
+  </dgm:styleLbl>
+  <dgm:styleLbl name="trAlignAcc1">
+    <dgm:fillClrLst meth="repeat">
+      <a:schemeClr val="lt1">
+        <a:alpha val="40000"/>
+      </a:schemeClr>
+    </dgm:fillClrLst>
+    <dgm:linClrLst meth="repeat">
+      <a:schemeClr val="accent2"/>
+    </dgm:linClrLst>
+    <dgm:effectClrLst/>
+    <dgm:txLinClrLst/>
+    <dgm:txFillClrLst meth="repeat">
+      <a:schemeClr val="dk1"/>
+    </dgm:txFillClrLst>
+    <dgm:txEffectClrLst/>
+  </dgm:styleLbl>
+  <dgm:styleLbl name="bgAcc1">
+    <dgm:fillClrLst meth="repeat">
+      <a:schemeClr val="lt1">
+        <a:alpha val="90000"/>
+      </a:schemeClr>
+    </dgm:fillClrLst>
+    <dgm:linClrLst>
+      <a:schemeClr val="accent2"/>
+      <a:schemeClr val="accent3"/>
+    </dgm:linClrLst>
+    <dgm:effectClrLst/>
+    <dgm:txLinClrLst/>
+    <dgm:txFillClrLst meth="repeat">
+      <a:schemeClr val="dk1"/>
+    </dgm:txFillClrLst>
+    <dgm:txEffectClrLst/>
+  </dgm:styleLbl>
+  <dgm:styleLbl name="solidFgAcc1">
+    <dgm:fillClrLst meth="repeat">
+      <a:schemeClr val="lt1"/>
+    </dgm:fillClrLst>
+    <dgm:linClrLst>
+      <a:schemeClr val="accent2"/>
+      <a:schemeClr val="accent3"/>
+    </dgm:linClrLst>
+    <dgm:effectClrLst/>
+    <dgm:txLinClrLst/>
+    <dgm:txFillClrLst meth="repeat">
+      <a:schemeClr val="dk1"/>
+    </dgm:txFillClrLst>
+    <dgm:txEffectClrLst/>
+  </dgm:styleLbl>
+  <dgm:styleLbl name="solidAlignAcc1">
+    <dgm:fillClrLst meth="repeat">
+      <a:schemeClr val="lt1"/>
+    </dgm:fillClrLst>
+    <dgm:linClrLst>
+      <a:schemeClr val="accent2"/>
+      <a:schemeClr val="accent3"/>
+    </dgm:linClrLst>
+    <dgm:effectClrLst/>
+    <dgm:txLinClrLst/>
+    <dgm:txFillClrLst meth="repeat">
+      <a:schemeClr val="dk1"/>
+    </dgm:txFillClrLst>
+    <dgm:txEffectClrLst/>
+  </dgm:styleLbl>
+  <dgm:styleLbl name="solidBgAcc1">
+    <dgm:fillClrLst meth="repeat">
+      <a:schemeClr val="lt1"/>
+    </dgm:fillClrLst>
+    <dgm:linClrLst>
+      <a:schemeClr val="accent2"/>
+      <a:schemeClr val="accent3"/>
+    </dgm:linClrLst>
+    <dgm:effectClrLst/>
+    <dgm:txLinClrLst/>
+    <dgm:txFillClrLst meth="repeat">
+      <a:schemeClr val="dk1"/>
+    </dgm:txFillClrLst>
+    <dgm:txEffectClrLst/>
+  </dgm:styleLbl>
+  <dgm:styleLbl name="fgAccFollowNode1">
+    <dgm:fillClrLst>
+      <a:schemeClr val="accent2">
+        <a:tint val="40000"/>
+        <a:alpha val="90000"/>
+      </a:schemeClr>
+      <a:schemeClr val="accent3">
+        <a:tint val="40000"/>
+        <a:alpha val="90000"/>
+      </a:schemeClr>
+    </dgm:fillClrLst>
+    <dgm:linClrLst>
+      <a:schemeClr val="accent2">
+        <a:tint val="40000"/>
+        <a:alpha val="90000"/>
+      </a:schemeClr>
+      <a:schemeClr val="accent3">
+        <a:tint val="40000"/>
+        <a:alpha val="90000"/>
+      </a:schemeClr>
+    </dgm:linClrLst>
+    <dgm:effectClrLst/>
+    <dgm:txLinClrLst/>
+    <dgm:txFillClrLst meth="repeat">
+      <a:schemeClr val="dk1"/>
+    </dgm:txFillClrLst>
+    <dgm:txEffectClrLst/>
+  </dgm:styleLbl>
+  <dgm:styleLbl name="alignAccFollowNode1">
+    <dgm:fillClrLst>
+      <a:schemeClr val="accent2">
+        <a:tint val="40000"/>
+        <a:alpha val="90000"/>
+      </a:schemeClr>
+      <a:schemeClr val="accent3">
+        <a:tint val="40000"/>
+        <a:alpha val="90000"/>
+      </a:schemeClr>
+    </dgm:fillClrLst>
+    <dgm:linClrLst>
+      <a:schemeClr val="accent2">
+        <a:tint val="40000"/>
+        <a:alpha val="90000"/>
+      </a:schemeClr>
+      <a:schemeClr val="accent3">
+        <a:tint val="40000"/>
+        <a:alpha val="90000"/>
+      </a:schemeClr>
+    </dgm:linClrLst>
+    <dgm:effectClrLst/>
+    <dgm:txLinClrLst/>
+    <dgm:txFillClrLst meth="repeat">
+      <a:schemeClr val="dk1"/>
+    </dgm:txFillClrLst>
+    <dgm:txEffectClrLst/>
+  </dgm:styleLbl>
+  <dgm:styleLbl name="bgAccFollowNode1">
+    <dgm:fillClrLst>
+      <a:schemeClr val="accent2">
+        <a:tint val="40000"/>
+        <a:alpha val="90000"/>
+      </a:schemeClr>
+      <a:schemeClr val="accent3">
+        <a:tint val="40000"/>
+        <a:alpha val="90000"/>
+      </a:schemeClr>
+    </dgm:fillClrLst>
+    <dgm:linClrLst>
+      <a:schemeClr val="accent2">
+        <a:tint val="40000"/>
+        <a:alpha val="90000"/>
+      </a:schemeClr>
+      <a:schemeClr val="accent3">
+        <a:tint val="40000"/>
+        <a:alpha val="90000"/>
+      </a:schemeClr>
+    </dgm:linClrLst>
+    <dgm:effectClrLst/>
+    <dgm:txLinClrLst/>
+    <dgm:txFillClrLst meth="repeat">
+      <a:schemeClr val="dk1"/>
+    </dgm:txFillClrLst>
+    <dgm:txEffectClrLst/>
+  </dgm:styleLbl>
+  <dgm:styleLbl name="fgAcc0">
+    <dgm:fillClrLst meth="repeat">
+      <a:schemeClr val="lt1">
+        <a:alpha val="90000"/>
+      </a:schemeClr>
+    </dgm:fillClrLst>
+    <dgm:linClrLst>
+      <a:schemeClr val="accent1"/>
+    </dgm:linClrLst>
+    <dgm:effectClrLst/>
+    <dgm:txLinClrLst/>
+    <dgm:txFillClrLst meth="repeat">
+      <a:schemeClr val="dk1"/>
+    </dgm:txFillClrLst>
+    <dgm:txEffectClrLst/>
+  </dgm:styleLbl>
+  <dgm:styleLbl name="fgAcc2">
+    <dgm:fillClrLst meth="repeat">
+      <a:schemeClr val="lt1">
+        <a:alpha val="90000"/>
+      </a:schemeClr>
+    </dgm:fillClrLst>
+    <dgm:linClrLst>
+      <a:schemeClr val="accent3"/>
+    </dgm:linClrLst>
+    <dgm:effectClrLst/>
+    <dgm:txLinClrLst/>
+    <dgm:txFillClrLst meth="repeat">
+      <a:schemeClr val="dk1"/>
+    </dgm:txFillClrLst>
+    <dgm:txEffectClrLst/>
+  </dgm:styleLbl>
+  <dgm:styleLbl name="fgAcc3">
+    <dgm:fillClrLst meth="repeat">
+      <a:schemeClr val="lt1">
+        <a:alpha val="90000"/>
+      </a:schemeClr>
+    </dgm:fillClrLst>
+    <dgm:linClrLst>
+      <a:schemeClr val="accent4"/>
+    </dgm:linClrLst>
+    <dgm:effectClrLst/>
+    <dgm:txLinClrLst/>
+    <dgm:txFillClrLst meth="repeat">
+      <a:schemeClr val="dk1"/>
+    </dgm:txFillClrLst>
+    <dgm:txEffectClrLst/>
+  </dgm:styleLbl>
+  <dgm:styleLbl name="fgAcc4">
+    <dgm:fillClrLst meth="repeat">
+      <a:schemeClr val="lt1">
+        <a:alpha val="90000"/>
+      </a:schemeClr>
+    </dgm:fillClrLst>
+    <dgm:linClrLst>
+      <a:schemeClr val="accent5"/>
+    </dgm:linClrLst>
+    <dgm:effectClrLst/>
+    <dgm:txLinClrLst/>
+    <dgm:txFillClrLst meth="repeat">
+      <a:schemeClr val="dk1"/>
+    </dgm:txFillClrLst>
+    <dgm:txEffectClrLst/>
+  </dgm:styleLbl>
+  <dgm:styleLbl name="bgShp">
+    <dgm:fillClrLst meth="repeat">
+      <a:schemeClr val="accent2">
+        <a:tint val="40000"/>
+      </a:schemeClr>
+    </dgm:fillClrLst>
+    <dgm:linClrLst meth="repeat">
+      <a:schemeClr val="dk1"/>
+    </dgm:linClrLst>
+    <dgm:effectClrLst/>
+    <dgm:txLinClrLst/>
+    <dgm:txFillClrLst meth="repeat">
+      <a:schemeClr val="dk1"/>
+    </dgm:txFillClrLst>
+    <dgm:txEffectClrLst/>
+  </dgm:styleLbl>
+  <dgm:styleLbl name="dkBgShp">
+    <dgm:fillClrLst meth="repeat">
+      <a:schemeClr val="accent2">
+        <a:shade val="90000"/>
+      </a:schemeClr>
+    </dgm:fillClrLst>
+    <dgm:linClrLst meth="repeat">
+      <a:schemeClr val="dk1"/>
+    </dgm:linClrLst>
+    <dgm:effectClrLst/>
+    <dgm:txLinClrLst/>
+    <dgm:txFillClrLst meth="repeat">
+      <a:schemeClr val="lt1"/>
+    </dgm:txFillClrLst>
+    <dgm:txEffectClrLst/>
+  </dgm:styleLbl>
+  <dgm:styleLbl name="trBgShp">
+    <dgm:fillClrLst meth="repeat">
+      <a:schemeClr val="accent2">
+        <a:tint val="50000"/>
+        <a:alpha val="40000"/>
+      </a:schemeClr>
+    </dgm:fillClrLst>
+    <dgm:linClrLst meth="repeat">
+      <a:schemeClr val="accent2"/>
+    </dgm:linClrLst>
+    <dgm:effectClrLst/>
+    <dgm:txLinClrLst/>
+    <dgm:txFillClrLst meth="repeat">
+      <a:schemeClr val="lt1"/>
+    </dgm:txFillClrLst>
+    <dgm:txEffectClrLst/>
+  </dgm:styleLbl>
+  <dgm:styleLbl name="fgShp">
+    <dgm:fillClrLst meth="repeat">
+      <a:schemeClr val="accent2">
+        <a:tint val="40000"/>
+      </a:schemeClr>
+    </dgm:fillClrLst>
+    <dgm:linClrLst meth="repeat">
+      <a:schemeClr val="lt1"/>
+    </dgm:linClrLst>
+    <dgm:effectClrLst/>
+    <dgm:txLinClrLst/>
+    <dgm:txFillClrLst meth="repeat">
+      <a:schemeClr val="dk1"/>
+    </dgm:txFillClrLst>
+    <dgm:txEffectClrLst/>
+  </dgm:styleLbl>
+  <dgm:styleLbl name="revTx">
+    <dgm:fillClrLst meth="repeat">
+      <a:schemeClr val="lt1">
+        <a:alpha val="0"/>
+      </a:schemeClr>
+    </dgm:fillClrLst>
+    <dgm:linClrLst meth="repeat">
+      <a:schemeClr val="dk1">
+        <a:alpha val="0"/>
+      </a:schemeClr>
+    </dgm:linClrLst>
+    <dgm:effectClrLst/>
+    <dgm:txLinClrLst/>
+    <dgm:txFillClrLst meth="repeat">
+      <a:schemeClr val="tx1"/>
+    </dgm:txFillClrLst>
+    <dgm:txEffectClrLst/>
+  </dgm:styleLbl>
+</dgm:colorsDef>
+</file>
+
+<file path=ppt/diagrams/data1.xml><?xml version="1.0" encoding="utf-8"?>
+<dgm:dataModel xmlns:dgm="http://schemas.openxmlformats.org/drawingml/2006/diagram" xmlns:a="http://schemas.openxmlformats.org/drawingml/2006/main">
+  <dgm:ptLst>
+    <dgm:pt modelId="{B20BFF05-2D7C-406C-BE42-72362095B0AB}" type="doc">
+      <dgm:prSet loTypeId="urn:microsoft.com/office/officeart/2005/8/layout/vList2" loCatId="list" qsTypeId="urn:microsoft.com/office/officeart/2005/8/quickstyle/simple4" qsCatId="simple" csTypeId="urn:microsoft.com/office/officeart/2005/8/colors/colorful2" csCatId="colorful" phldr="1"/>
+      <dgm:spPr/>
+      <dgm:t>
+        <a:bodyPr/>
+        <a:lstStyle/>
+        <a:p>
+          <a:endParaRPr lang="en-US"/>
+        </a:p>
+      </dgm:t>
+    </dgm:pt>
+    <dgm:pt modelId="{C0C224DC-49F5-45AD-B2A4-3A9A902C6CD3}">
+      <dgm:prSet/>
+      <dgm:spPr/>
+      <dgm:t>
+        <a:bodyPr/>
+        <a:lstStyle/>
+        <a:p>
+          <a:r>
+            <a:rPr lang="en-US" dirty="0"/>
+            <a:t>Encapsulation</a:t>
+          </a:r>
+        </a:p>
+      </dgm:t>
+    </dgm:pt>
+    <dgm:pt modelId="{4C1A7971-F0B5-417F-AA24-1C45F6FB7DF5}" type="parTrans" cxnId="{4DC4BD54-81F2-4B29-A331-A9861EAEC815}">
+      <dgm:prSet/>
+      <dgm:spPr/>
+      <dgm:t>
+        <a:bodyPr/>
+        <a:lstStyle/>
+        <a:p>
+          <a:endParaRPr lang="en-US"/>
+        </a:p>
+      </dgm:t>
+    </dgm:pt>
+    <dgm:pt modelId="{A090C12B-1EAC-4D4E-AFAB-722E2D5E7CF1}" type="sibTrans" cxnId="{4DC4BD54-81F2-4B29-A331-A9861EAEC815}">
+      <dgm:prSet/>
+      <dgm:spPr/>
+      <dgm:t>
+        <a:bodyPr/>
+        <a:lstStyle/>
+        <a:p>
+          <a:endParaRPr lang="en-US"/>
+        </a:p>
+      </dgm:t>
+    </dgm:pt>
+    <dgm:pt modelId="{1198B08C-1DCD-490A-90F0-728B36F89AA2}">
+      <dgm:prSet/>
+      <dgm:spPr/>
+      <dgm:t>
+        <a:bodyPr/>
+        <a:lstStyle/>
+        <a:p>
+          <a:r>
+            <a:rPr lang="en-US"/>
+            <a:t>Inheritance</a:t>
+          </a:r>
+        </a:p>
+      </dgm:t>
+    </dgm:pt>
+    <dgm:pt modelId="{8901CB10-4A0E-489D-ADD8-791E254B443A}" type="parTrans" cxnId="{948998F9-146E-44C5-9880-B27D730798F8}">
+      <dgm:prSet/>
+      <dgm:spPr/>
+      <dgm:t>
+        <a:bodyPr/>
+        <a:lstStyle/>
+        <a:p>
+          <a:endParaRPr lang="en-US"/>
+        </a:p>
+      </dgm:t>
+    </dgm:pt>
+    <dgm:pt modelId="{A179441A-25A1-4A16-8084-D44D99943200}" type="sibTrans" cxnId="{948998F9-146E-44C5-9880-B27D730798F8}">
+      <dgm:prSet/>
+      <dgm:spPr/>
+      <dgm:t>
+        <a:bodyPr/>
+        <a:lstStyle/>
+        <a:p>
+          <a:endParaRPr lang="en-US"/>
+        </a:p>
+      </dgm:t>
+    </dgm:pt>
+    <dgm:pt modelId="{6FCA6C80-568C-4F40-8C66-192843AE64A7}">
+      <dgm:prSet/>
+      <dgm:spPr/>
+      <dgm:t>
+        <a:bodyPr/>
+        <a:lstStyle/>
+        <a:p>
+          <a:r>
+            <a:rPr lang="en-US"/>
+            <a:t>Polymorphism</a:t>
+          </a:r>
+        </a:p>
+      </dgm:t>
+    </dgm:pt>
+    <dgm:pt modelId="{3B595B72-ECA5-4C44-9183-09160E309AC5}" type="parTrans" cxnId="{B9C43332-76F9-4222-B5BD-78C511D51149}">
+      <dgm:prSet/>
+      <dgm:spPr/>
+      <dgm:t>
+        <a:bodyPr/>
+        <a:lstStyle/>
+        <a:p>
+          <a:endParaRPr lang="en-US"/>
+        </a:p>
+      </dgm:t>
+    </dgm:pt>
+    <dgm:pt modelId="{6D3A8786-F421-4034-B408-148B0081D90A}" type="sibTrans" cxnId="{B9C43332-76F9-4222-B5BD-78C511D51149}">
+      <dgm:prSet/>
+      <dgm:spPr/>
+      <dgm:t>
+        <a:bodyPr/>
+        <a:lstStyle/>
+        <a:p>
+          <a:endParaRPr lang="en-US"/>
+        </a:p>
+      </dgm:t>
+    </dgm:pt>
+    <dgm:pt modelId="{C72A999B-5A62-4528-A723-3A0B503B89BA}" type="pres">
+      <dgm:prSet presAssocID="{B20BFF05-2D7C-406C-BE42-72362095B0AB}" presName="linear" presStyleCnt="0">
+        <dgm:presLayoutVars>
+          <dgm:animLvl val="lvl"/>
+          <dgm:resizeHandles val="exact"/>
+        </dgm:presLayoutVars>
+      </dgm:prSet>
+      <dgm:spPr/>
+    </dgm:pt>
+    <dgm:pt modelId="{B3647F89-D7B3-4FC1-A301-77C512876A40}" type="pres">
+      <dgm:prSet presAssocID="{C0C224DC-49F5-45AD-B2A4-3A9A902C6CD3}" presName="parentText" presStyleLbl="node1" presStyleIdx="0" presStyleCnt="3">
+        <dgm:presLayoutVars>
+          <dgm:chMax val="0"/>
+          <dgm:bulletEnabled val="1"/>
+        </dgm:presLayoutVars>
+      </dgm:prSet>
+      <dgm:spPr/>
+    </dgm:pt>
+    <dgm:pt modelId="{A03CB413-F824-4AA4-9FDF-2792F2B3A889}" type="pres">
+      <dgm:prSet presAssocID="{A090C12B-1EAC-4D4E-AFAB-722E2D5E7CF1}" presName="spacer" presStyleCnt="0"/>
+      <dgm:spPr/>
+    </dgm:pt>
+    <dgm:pt modelId="{C8180897-1354-40D4-87EC-57110859F3F2}" type="pres">
+      <dgm:prSet presAssocID="{1198B08C-1DCD-490A-90F0-728B36F89AA2}" presName="parentText" presStyleLbl="node1" presStyleIdx="1" presStyleCnt="3">
+        <dgm:presLayoutVars>
+          <dgm:chMax val="0"/>
+          <dgm:bulletEnabled val="1"/>
+        </dgm:presLayoutVars>
+      </dgm:prSet>
+      <dgm:spPr/>
+    </dgm:pt>
+    <dgm:pt modelId="{FD4DB893-877B-469C-9A68-73DCAF37125E}" type="pres">
+      <dgm:prSet presAssocID="{A179441A-25A1-4A16-8084-D44D99943200}" presName="spacer" presStyleCnt="0"/>
+      <dgm:spPr/>
+    </dgm:pt>
+    <dgm:pt modelId="{5B68F75E-F695-42AA-9A67-B9AB1B220F9C}" type="pres">
+      <dgm:prSet presAssocID="{6FCA6C80-568C-4F40-8C66-192843AE64A7}" presName="parentText" presStyleLbl="node1" presStyleIdx="2" presStyleCnt="3">
+        <dgm:presLayoutVars>
+          <dgm:chMax val="0"/>
+          <dgm:bulletEnabled val="1"/>
+        </dgm:presLayoutVars>
+      </dgm:prSet>
+      <dgm:spPr/>
+    </dgm:pt>
+  </dgm:ptLst>
+  <dgm:cxnLst>
+    <dgm:cxn modelId="{B9C43332-76F9-4222-B5BD-78C511D51149}" srcId="{B20BFF05-2D7C-406C-BE42-72362095B0AB}" destId="{6FCA6C80-568C-4F40-8C66-192843AE64A7}" srcOrd="2" destOrd="0" parTransId="{3B595B72-ECA5-4C44-9183-09160E309AC5}" sibTransId="{6D3A8786-F421-4034-B408-148B0081D90A}"/>
+    <dgm:cxn modelId="{C6659051-02D1-47DD-9D7D-F58219A3395B}" type="presOf" srcId="{6FCA6C80-568C-4F40-8C66-192843AE64A7}" destId="{5B68F75E-F695-42AA-9A67-B9AB1B220F9C}" srcOrd="0" destOrd="0" presId="urn:microsoft.com/office/officeart/2005/8/layout/vList2"/>
+    <dgm:cxn modelId="{4DC4BD54-81F2-4B29-A331-A9861EAEC815}" srcId="{B20BFF05-2D7C-406C-BE42-72362095B0AB}" destId="{C0C224DC-49F5-45AD-B2A4-3A9A902C6CD3}" srcOrd="0" destOrd="0" parTransId="{4C1A7971-F0B5-417F-AA24-1C45F6FB7DF5}" sibTransId="{A090C12B-1EAC-4D4E-AFAB-722E2D5E7CF1}"/>
+    <dgm:cxn modelId="{BAD42358-FDA8-4CAA-B8E2-6B249E902F35}" type="presOf" srcId="{1198B08C-1DCD-490A-90F0-728B36F89AA2}" destId="{C8180897-1354-40D4-87EC-57110859F3F2}" srcOrd="0" destOrd="0" presId="urn:microsoft.com/office/officeart/2005/8/layout/vList2"/>
+    <dgm:cxn modelId="{D1962495-597F-4E11-86FF-3627EB386A01}" type="presOf" srcId="{B20BFF05-2D7C-406C-BE42-72362095B0AB}" destId="{C72A999B-5A62-4528-A723-3A0B503B89BA}" srcOrd="0" destOrd="0" presId="urn:microsoft.com/office/officeart/2005/8/layout/vList2"/>
+    <dgm:cxn modelId="{2CA43FD4-BEDE-4BB8-BF02-D54A843D790D}" type="presOf" srcId="{C0C224DC-49F5-45AD-B2A4-3A9A902C6CD3}" destId="{B3647F89-D7B3-4FC1-A301-77C512876A40}" srcOrd="0" destOrd="0" presId="urn:microsoft.com/office/officeart/2005/8/layout/vList2"/>
+    <dgm:cxn modelId="{948998F9-146E-44C5-9880-B27D730798F8}" srcId="{B20BFF05-2D7C-406C-BE42-72362095B0AB}" destId="{1198B08C-1DCD-490A-90F0-728B36F89AA2}" srcOrd="1" destOrd="0" parTransId="{8901CB10-4A0E-489D-ADD8-791E254B443A}" sibTransId="{A179441A-25A1-4A16-8084-D44D99943200}"/>
+    <dgm:cxn modelId="{DC27A7B3-FE19-4AD9-9946-CADE34936456}" type="presParOf" srcId="{C72A999B-5A62-4528-A723-3A0B503B89BA}" destId="{B3647F89-D7B3-4FC1-A301-77C512876A40}" srcOrd="0" destOrd="0" presId="urn:microsoft.com/office/officeart/2005/8/layout/vList2"/>
+    <dgm:cxn modelId="{E59C69A8-E947-4CBC-9895-073B89ACF017}" type="presParOf" srcId="{C72A999B-5A62-4528-A723-3A0B503B89BA}" destId="{A03CB413-F824-4AA4-9FDF-2792F2B3A889}" srcOrd="1" destOrd="0" presId="urn:microsoft.com/office/officeart/2005/8/layout/vList2"/>
+    <dgm:cxn modelId="{932CF8EE-F9FF-434F-9F7C-5E12697F9023}" type="presParOf" srcId="{C72A999B-5A62-4528-A723-3A0B503B89BA}" destId="{C8180897-1354-40D4-87EC-57110859F3F2}" srcOrd="2" destOrd="0" presId="urn:microsoft.com/office/officeart/2005/8/layout/vList2"/>
+    <dgm:cxn modelId="{9F42BD78-FEED-4DA8-8F34-B54911615AD7}" type="presParOf" srcId="{C72A999B-5A62-4528-A723-3A0B503B89BA}" destId="{FD4DB893-877B-469C-9A68-73DCAF37125E}" srcOrd="3" destOrd="0" presId="urn:microsoft.com/office/officeart/2005/8/layout/vList2"/>
+    <dgm:cxn modelId="{29FFAAE4-25C0-46FC-8D1C-A87F2B73D330}" type="presParOf" srcId="{C72A999B-5A62-4528-A723-3A0B503B89BA}" destId="{5B68F75E-F695-42AA-9A67-B9AB1B220F9C}" srcOrd="4" destOrd="0" presId="urn:microsoft.com/office/officeart/2005/8/layout/vList2"/>
+  </dgm:cxnLst>
+  <dgm:bg/>
+  <dgm:whole/>
+  <dgm:extLst>
+    <a:ext uri="http://schemas.microsoft.com/office/drawing/2008/diagram">
+      <dsp:dataModelExt xmlns:dsp="http://schemas.microsoft.com/office/drawing/2008/diagram" relId="rId7" minVer="http://schemas.openxmlformats.org/drawingml/2006/diagram"/>
+    </a:ext>
+  </dgm:extLst>
+</dgm:dataModel>
+</file>
+
+<file path=ppt/diagrams/drawing1.xml><?xml version="1.0" encoding="utf-8"?>
+<dsp:drawing xmlns:dgm="http://schemas.openxmlformats.org/drawingml/2006/diagram" xmlns:dsp="http://schemas.microsoft.com/office/drawing/2008/diagram" xmlns:a="http://schemas.openxmlformats.org/drawingml/2006/main">
+  <dsp:spTree>
+    <dsp:nvGrpSpPr>
+      <dsp:cNvPr id="0" name=""/>
+      <dsp:cNvGrpSpPr/>
+    </dsp:nvGrpSpPr>
+    <dsp:grpSpPr/>
+    <dsp:sp modelId="{B3647F89-D7B3-4FC1-A301-77C512876A40}">
+      <dsp:nvSpPr>
+        <dsp:cNvPr id="0" name=""/>
+        <dsp:cNvSpPr/>
+      </dsp:nvSpPr>
+      <dsp:spPr>
+        <a:xfrm>
+          <a:off x="0" y="18854"/>
+          <a:ext cx="6692813" cy="1474200"/>
+        </a:xfrm>
+        <a:prstGeom prst="roundRect">
+          <a:avLst/>
+        </a:prstGeom>
+        <a:gradFill rotWithShape="0">
+          <a:gsLst>
+            <a:gs pos="0">
+              <a:schemeClr val="accent2">
+                <a:hueOff val="0"/>
+                <a:satOff val="0"/>
+                <a:lumOff val="0"/>
+                <a:alphaOff val="0"/>
+                <a:tint val="96000"/>
+                <a:lumMod val="100000"/>
+              </a:schemeClr>
+            </a:gs>
+            <a:gs pos="78000">
+              <a:schemeClr val="accent2">
+                <a:hueOff val="0"/>
+                <a:satOff val="0"/>
+                <a:lumOff val="0"/>
+                <a:alphaOff val="0"/>
+                <a:shade val="94000"/>
+                <a:lumMod val="94000"/>
+              </a:schemeClr>
+            </a:gs>
+          </a:gsLst>
+          <a:lin ang="5400000" scaled="0"/>
+        </a:gradFill>
+        <a:ln>
+          <a:noFill/>
+        </a:ln>
+        <a:effectLst>
+          <a:outerShdw blurRad="38100" dist="25400" dir="5400000" rotWithShape="0">
+            <a:srgbClr val="000000">
+              <a:alpha val="35000"/>
+            </a:srgbClr>
+          </a:outerShdw>
+        </a:effectLst>
+      </dsp:spPr>
+      <dsp:style>
+        <a:lnRef idx="0">
+          <a:scrgbClr r="0" g="0" b="0"/>
+        </a:lnRef>
+        <a:fillRef idx="3">
+          <a:scrgbClr r="0" g="0" b="0"/>
+        </a:fillRef>
+        <a:effectRef idx="2">
+          <a:scrgbClr r="0" g="0" b="0"/>
+        </a:effectRef>
+        <a:fontRef idx="minor">
+          <a:schemeClr val="lt1"/>
+        </a:fontRef>
+      </dsp:style>
+      <dsp:txBody>
+        <a:bodyPr spcFirstLastPara="0" vert="horz" wrap="square" lIns="240030" tIns="240030" rIns="240030" bIns="240030" numCol="1" spcCol="1270" anchor="ctr" anchorCtr="0">
+          <a:noAutofit/>
+        </a:bodyPr>
+        <a:lstStyle/>
+        <a:p>
+          <a:pPr marL="0" lvl="0" indent="0" algn="l" defTabSz="2800350">
+            <a:lnSpc>
+              <a:spcPct val="90000"/>
+            </a:lnSpc>
+            <a:spcBef>
+              <a:spcPct val="0"/>
+            </a:spcBef>
+            <a:spcAft>
+              <a:spcPct val="35000"/>
+            </a:spcAft>
+            <a:buNone/>
+          </a:pPr>
+          <a:r>
+            <a:rPr lang="en-US" sz="6300" kern="1200" dirty="0"/>
+            <a:t>Encapsulation</a:t>
+          </a:r>
+        </a:p>
+      </dsp:txBody>
+      <dsp:txXfrm>
+        <a:off x="71965" y="90819"/>
+        <a:ext cx="6548883" cy="1330270"/>
+      </dsp:txXfrm>
+    </dsp:sp>
+    <dsp:sp modelId="{C8180897-1354-40D4-87EC-57110859F3F2}">
+      <dsp:nvSpPr>
+        <dsp:cNvPr id="0" name=""/>
+        <dsp:cNvSpPr/>
+      </dsp:nvSpPr>
+      <dsp:spPr>
+        <a:xfrm>
+          <a:off x="0" y="1674494"/>
+          <a:ext cx="6692813" cy="1474200"/>
+        </a:xfrm>
+        <a:prstGeom prst="roundRect">
+          <a:avLst/>
+        </a:prstGeom>
+        <a:gradFill rotWithShape="0">
+          <a:gsLst>
+            <a:gs pos="0">
+              <a:schemeClr val="accent2">
+                <a:hueOff val="-1356225"/>
+                <a:satOff val="-828"/>
+                <a:lumOff val="3235"/>
+                <a:alphaOff val="0"/>
+                <a:tint val="96000"/>
+                <a:lumMod val="100000"/>
+              </a:schemeClr>
+            </a:gs>
+            <a:gs pos="78000">
+              <a:schemeClr val="accent2">
+                <a:hueOff val="-1356225"/>
+                <a:satOff val="-828"/>
+                <a:lumOff val="3235"/>
+                <a:alphaOff val="0"/>
+                <a:shade val="94000"/>
+                <a:lumMod val="94000"/>
+              </a:schemeClr>
+            </a:gs>
+          </a:gsLst>
+          <a:lin ang="5400000" scaled="0"/>
+        </a:gradFill>
+        <a:ln>
+          <a:noFill/>
+        </a:ln>
+        <a:effectLst>
+          <a:outerShdw blurRad="38100" dist="25400" dir="5400000" rotWithShape="0">
+            <a:srgbClr val="000000">
+              <a:alpha val="35000"/>
+            </a:srgbClr>
+          </a:outerShdw>
+        </a:effectLst>
+      </dsp:spPr>
+      <dsp:style>
+        <a:lnRef idx="0">
+          <a:scrgbClr r="0" g="0" b="0"/>
+        </a:lnRef>
+        <a:fillRef idx="3">
+          <a:scrgbClr r="0" g="0" b="0"/>
+        </a:fillRef>
+        <a:effectRef idx="2">
+          <a:scrgbClr r="0" g="0" b="0"/>
+        </a:effectRef>
+        <a:fontRef idx="minor">
+          <a:schemeClr val="lt1"/>
+        </a:fontRef>
+      </dsp:style>
+      <dsp:txBody>
+        <a:bodyPr spcFirstLastPara="0" vert="horz" wrap="square" lIns="240030" tIns="240030" rIns="240030" bIns="240030" numCol="1" spcCol="1270" anchor="ctr" anchorCtr="0">
+          <a:noAutofit/>
+        </a:bodyPr>
+        <a:lstStyle/>
+        <a:p>
+          <a:pPr marL="0" lvl="0" indent="0" algn="l" defTabSz="2800350">
+            <a:lnSpc>
+              <a:spcPct val="90000"/>
+            </a:lnSpc>
+            <a:spcBef>
+              <a:spcPct val="0"/>
+            </a:spcBef>
+            <a:spcAft>
+              <a:spcPct val="35000"/>
+            </a:spcAft>
+            <a:buNone/>
+          </a:pPr>
+          <a:r>
+            <a:rPr lang="en-US" sz="6300" kern="1200"/>
+            <a:t>Inheritance</a:t>
+          </a:r>
+        </a:p>
+      </dsp:txBody>
+      <dsp:txXfrm>
+        <a:off x="71965" y="1746459"/>
+        <a:ext cx="6548883" cy="1330270"/>
+      </dsp:txXfrm>
+    </dsp:sp>
+    <dsp:sp modelId="{5B68F75E-F695-42AA-9A67-B9AB1B220F9C}">
+      <dsp:nvSpPr>
+        <dsp:cNvPr id="0" name=""/>
+        <dsp:cNvSpPr/>
+      </dsp:nvSpPr>
+      <dsp:spPr>
+        <a:xfrm>
+          <a:off x="0" y="3330135"/>
+          <a:ext cx="6692813" cy="1474200"/>
+        </a:xfrm>
+        <a:prstGeom prst="roundRect">
+          <a:avLst/>
+        </a:prstGeom>
+        <a:gradFill rotWithShape="0">
+          <a:gsLst>
+            <a:gs pos="0">
+              <a:schemeClr val="accent2">
+                <a:hueOff val="-2712450"/>
+                <a:satOff val="-1656"/>
+                <a:lumOff val="6471"/>
+                <a:alphaOff val="0"/>
+                <a:tint val="96000"/>
+                <a:lumMod val="100000"/>
+              </a:schemeClr>
+            </a:gs>
+            <a:gs pos="78000">
+              <a:schemeClr val="accent2">
+                <a:hueOff val="-2712450"/>
+                <a:satOff val="-1656"/>
+                <a:lumOff val="6471"/>
+                <a:alphaOff val="0"/>
+                <a:shade val="94000"/>
+                <a:lumMod val="94000"/>
+              </a:schemeClr>
+            </a:gs>
+          </a:gsLst>
+          <a:lin ang="5400000" scaled="0"/>
+        </a:gradFill>
+        <a:ln>
+          <a:noFill/>
+        </a:ln>
+        <a:effectLst>
+          <a:outerShdw blurRad="38100" dist="25400" dir="5400000" rotWithShape="0">
+            <a:srgbClr val="000000">
+              <a:alpha val="35000"/>
+            </a:srgbClr>
+          </a:outerShdw>
+        </a:effectLst>
+      </dsp:spPr>
+      <dsp:style>
+        <a:lnRef idx="0">
+          <a:scrgbClr r="0" g="0" b="0"/>
+        </a:lnRef>
+        <a:fillRef idx="3">
+          <a:scrgbClr r="0" g="0" b="0"/>
+        </a:fillRef>
+        <a:effectRef idx="2">
+          <a:scrgbClr r="0" g="0" b="0"/>
+        </a:effectRef>
+        <a:fontRef idx="minor">
+          <a:schemeClr val="lt1"/>
+        </a:fontRef>
+      </dsp:style>
+      <dsp:txBody>
+        <a:bodyPr spcFirstLastPara="0" vert="horz" wrap="square" lIns="240030" tIns="240030" rIns="240030" bIns="240030" numCol="1" spcCol="1270" anchor="ctr" anchorCtr="0">
+          <a:noAutofit/>
+        </a:bodyPr>
+        <a:lstStyle/>
+        <a:p>
+          <a:pPr marL="0" lvl="0" indent="0" algn="l" defTabSz="2800350">
+            <a:lnSpc>
+              <a:spcPct val="90000"/>
+            </a:lnSpc>
+            <a:spcBef>
+              <a:spcPct val="0"/>
+            </a:spcBef>
+            <a:spcAft>
+              <a:spcPct val="35000"/>
+            </a:spcAft>
+            <a:buNone/>
+          </a:pPr>
+          <a:r>
+            <a:rPr lang="en-US" sz="6300" kern="1200"/>
+            <a:t>Polymorphism</a:t>
+          </a:r>
+        </a:p>
+      </dsp:txBody>
+      <dsp:txXfrm>
+        <a:off x="71965" y="3402100"/>
+        <a:ext cx="6548883" cy="1330270"/>
+      </dsp:txXfrm>
+    </dsp:sp>
+  </dsp:spTree>
+</dsp:drawing>
+</file>
+
+<file path=ppt/diagrams/layout1.xml><?xml version="1.0" encoding="utf-8"?>
+<dgm:layoutDef xmlns:dgm="http://schemas.openxmlformats.org/drawingml/2006/diagram" xmlns:a="http://schemas.openxmlformats.org/drawingml/2006/main" uniqueId="urn:microsoft.com/office/officeart/2005/8/layout/vList2">
+  <dgm:title val=""/>
+  <dgm:desc val=""/>
+  <dgm:catLst>
+    <dgm:cat type="list" pri="3000"/>
+    <dgm:cat type="convert" pri="1000"/>
+  </dgm:catLst>
+  <dgm:sampData>
+    <dgm:dataModel>
+      <dgm:ptLst>
+        <dgm:pt modelId="0" type="doc"/>
+        <dgm:pt modelId="1">
+          <dgm:prSet phldr="1"/>
+        </dgm:pt>
+        <dgm:pt modelId="11">
+          <dgm:prSet phldr="1"/>
+        </dgm:pt>
+        <dgm:pt modelId="2">
+          <dgm:prSet phldr="1"/>
+        </dgm:pt>
+        <dgm:pt modelId="21">
+          <dgm:prSet phldr="1"/>
+        </dgm:pt>
+      </dgm:ptLst>
+      <dgm:cxnLst>
+        <dgm:cxn modelId="4" srcId="0" destId="1" srcOrd="0" destOrd="0"/>
+        <dgm:cxn modelId="5" srcId="0" destId="2" srcOrd="1" destOrd="0"/>
+        <dgm:cxn modelId="12" srcId="1" destId="11" srcOrd="0" destOrd="0"/>
+        <dgm:cxn modelId="23" srcId="2" destId="21" srcOrd="0" destOrd="0"/>
+      </dgm:cxnLst>
+      <dgm:bg/>
+      <dgm:whole/>
+    </dgm:dataModel>
+  </dgm:sampData>
+  <dgm:styleData>
+    <dgm:dataModel>
+      <dgm:ptLst>
+        <dgm:pt modelId="0" type="doc"/>
+        <dgm:pt modelId="1"/>
+        <dgm:pt modelId="2"/>
+      </dgm:ptLst>
+      <dgm:cxnLst>
+        <dgm:cxn modelId="3" srcId="0" destId="1" srcOrd="0" destOrd="0"/>
+        <dgm:cxn modelId="4" srcId="0" destId="2" srcOrd="1" destOrd="0"/>
+      </dgm:cxnLst>
+      <dgm:bg/>
+      <dgm:whole/>
+    </dgm:dataModel>
+  </dgm:styleData>
+  <dgm:clrData>
+    <dgm:dataModel>
+      <dgm:ptLst>
+        <dgm:pt modelId="0" type="doc"/>
+        <dgm:pt modelId="1"/>
+        <dgm:pt modelId="2"/>
+        <dgm:pt modelId="3"/>
+        <dgm:pt modelId="4"/>
+      </dgm:ptLst>
+      <dgm:cxnLst>
+        <dgm:cxn modelId="5" srcId="0" destId="1" srcOrd="0" destOrd="0"/>
+        <dgm:cxn modelId="6" srcId="0" destId="2" srcOrd="1" destOrd="0"/>
+        <dgm:cxn modelId="7" srcId="0" destId="3" srcOrd="2" destOrd="0"/>
+        <dgm:cxn modelId="8" srcId="0" destId="4" srcOrd="3" destOrd="0"/>
+      </dgm:cxnLst>
+      <dgm:bg/>
+      <dgm:whole/>
+    </dgm:dataModel>
+  </dgm:clrData>
+  <dgm:layoutNode name="linear">
+    <dgm:varLst>
+      <dgm:animLvl val="lvl"/>
+      <dgm:resizeHandles val="exact"/>
+    </dgm:varLst>
+    <dgm:alg type="lin">
+      <dgm:param type="linDir" val="fromT"/>
+      <dgm:param type="vertAlign" val="mid"/>
+    </dgm:alg>
+    <dgm:shape xmlns:r="http://schemas.openxmlformats.org/officeDocument/2006/relationships" r:blip="">
+      <dgm:adjLst/>
+    </dgm:shape>
+    <dgm:presOf/>
+    <dgm:constrLst>
+      <dgm:constr type="w" for="ch" forName="parentText" refType="w"/>
+      <dgm:constr type="h" for="ch" forName="parentText" refType="primFontSz" refFor="ch" refForName="parentText" fact="0.52"/>
+      <dgm:constr type="w" for="ch" forName="childText" refType="w"/>
+      <dgm:constr type="h" for="ch" forName="childText" refType="primFontSz" refFor="ch" refForName="parentText" fact="0.46"/>
+      <dgm:constr type="h" for="ch" forName="parentText" op="equ"/>
+      <dgm:constr type="primFontSz" for="ch" forName="parentText" op="equ" val="65"/>
+      <dgm:constr type="primFontSz" for="ch" forName="childText" refType="primFontSz" refFor="ch" refForName="parentText" op="equ"/>
+      <dgm:constr type="h" for="ch" forName="spacer" refType="primFontSz" refFor="ch" refForName="parentText" fact="0.08"/>
+    </dgm:constrLst>
+    <dgm:ruleLst>
+      <dgm:rule type="primFontSz" for="ch" forName="parentText" val="5" fact="NaN" max="NaN"/>
+    </dgm:ruleLst>
+    <dgm:forEach name="Name0" axis="ch" ptType="node">
+      <dgm:layoutNode name="parentText" styleLbl="node1">
+        <dgm:varLst>
+          <dgm:chMax val="0"/>
+          <dgm:bulletEnabled val="1"/>
+        </dgm:varLst>
+        <dgm:alg type="tx">
+          <dgm:param type="parTxLTRAlign" val="l"/>
+          <dgm:param type="parTxRTLAlign" val="r"/>
+        </dgm:alg>
+        <dgm:shape xmlns:r="http://schemas.openxmlformats.org/officeDocument/2006/relationships" type="roundRect" r:blip="">
+          <dgm:adjLst/>
+        </dgm:shape>
+        <dgm:presOf axis="self"/>
+        <dgm:constrLst>
+          <dgm:constr type="tMarg" refType="primFontSz" fact="0.3"/>
+          <dgm:constr type="bMarg" refType="primFontSz" fact="0.3"/>
+          <dgm:constr type="lMarg" refType="primFontSz" fact="0.3"/>
+          <dgm:constr type="rMarg" refType="primFontSz" fact="0.3"/>
+        </dgm:constrLst>
+        <dgm:ruleLst>
+          <dgm:rule type="h" val="INF" fact="NaN" max="NaN"/>
+        </dgm:ruleLst>
+      </dgm:layoutNode>
+      <dgm:choose name="Name1">
+        <dgm:if name="Name2" axis="ch" ptType="node" func="cnt" op="gte" val="1">
+          <dgm:layoutNode name="childText" styleLbl="revTx">
+            <dgm:varLst>
+              <dgm:bulletEnabled val="1"/>
+            </dgm:varLst>
+            <dgm:alg type="tx">
+              <dgm:param type="stBulletLvl" val="1"/>
+              <dgm:param type="lnSpAfChP" val="20"/>
+            </dgm:alg>
+            <dgm:shape xmlns:r="http://schemas.openxmlformats.org/officeDocument/2006/relationships" type="rect" r:blip="">
+              <dgm:adjLst/>
+            </dgm:shape>
+            <dgm:presOf axis="des" ptType="node"/>
+            <dgm:constrLst>
+              <dgm:constr type="tMarg" refType="primFontSz" fact="0.1"/>
+              <dgm:constr type="bMarg" refType="primFontSz" fact="0.1"/>
+              <dgm:constr type="lMarg" refType="w" fact="0.09"/>
+            </dgm:constrLst>
+            <dgm:ruleLst>
+              <dgm:rule type="h" val="INF" fact="NaN" max="NaN"/>
+            </dgm:ruleLst>
+          </dgm:layoutNode>
+        </dgm:if>
+        <dgm:else name="Name3">
+          <dgm:choose name="Name4">
+            <dgm:if name="Name5" axis="par ch" ptType="doc node" func="cnt" op="gte" val="2">
+              <dgm:forEach name="Name6" axis="followSib" ptType="sibTrans" cnt="1">
+                <dgm:layoutNode name="spacer">
+                  <dgm:alg type="sp"/>
+                  <dgm:shape xmlns:r="http://schemas.openxmlformats.org/officeDocument/2006/relationships" r:blip="">
+                    <dgm:adjLst/>
+                  </dgm:shape>
+                  <dgm:presOf/>
+                  <dgm:constrLst/>
+                  <dgm:ruleLst/>
+                </dgm:layoutNode>
+              </dgm:forEach>
+            </dgm:if>
+            <dgm:else name="Name7"/>
+          </dgm:choose>
+        </dgm:else>
+      </dgm:choose>
+    </dgm:forEach>
+  </dgm:layoutNode>
+</dgm:layoutDef>
+</file>
+
+<file path=ppt/diagrams/quickStyle1.xml><?xml version="1.0" encoding="utf-8"?>
+<dgm:styleDef xmlns:dgm="http://schemas.openxmlformats.org/drawingml/2006/diagram" xmlns:a="http://schemas.openxmlformats.org/drawingml/2006/main" uniqueId="urn:microsoft.com/office/officeart/2005/8/quickstyle/simple4">
+  <dgm:title val=""/>
+  <dgm:desc val=""/>
+  <dgm:catLst>
+    <dgm:cat type="simple" pri="10400"/>
+  </dgm:catLst>
+  <dgm:scene3d>
+    <a:camera prst="orthographicFront"/>
+    <a:lightRig rig="threePt" dir="t"/>
+  </dgm:scene3d>
+  <dgm:styleLbl name="node0">
+    <dgm:scene3d>
+      <a:camera prst="orthographicFront"/>
+      <a:lightRig rig="threePt" dir="t"/>
+    </dgm:scene3d>
+    <dgm:sp3d/>
+    <dgm:txPr/>
+    <dgm:style>
+      <a:lnRef idx="0">
+        <a:scrgbClr r="0" g="0" b="0"/>
+      </a:lnRef>
+      <a:fillRef idx="3">
+        <a:scrgbClr r="0" g="0" b="0"/>
+      </a:fillRef>
+      <a:effectRef idx="2">
+        <a:scrgbClr r="0" g="0" b="0"/>
+      </a:effectRef>
+      <a:fontRef idx="minor">
+        <a:schemeClr val="lt1"/>
+      </a:fontRef>
+    </dgm:style>
+  </dgm:styleLbl>
+  <dgm:styleLbl name="lnNode1">
+    <dgm:scene3d>
+      <a:camera prst="orthographicFront"/>
+      <a:lightRig rig="threePt" dir="t"/>
+    </dgm:scene3d>
+    <dgm:sp3d/>
+    <dgm:txPr/>
+    <dgm:style>
+      <a:lnRef idx="1">
+        <a:scrgbClr r="0" g="0" b="0"/>
+      </a:lnRef>
+      <a:fillRef idx="3">
+        <a:scrgbClr r="0" g="0" b="0"/>
+      </a:fillRef>
+      <a:effectRef idx="2">
+        <a:scrgbClr r="0" g="0" b="0"/>
+      </a:effectRef>
+      <a:fontRef idx="minor">
+        <a:schemeClr val="lt1"/>
+      </a:fontRef>
+    </dgm:style>
+  </dgm:styleLbl>
+  <dgm:styleLbl name="vennNode1">
+    <dgm:scene3d>
+      <a:camera prst="orthographicFront"/>
+      <a:lightRig rig="threePt" dir="t"/>
+    </dgm:scene3d>
+    <dgm:sp3d/>
+    <dgm:txPr/>
+    <dgm:style>
+      <a:lnRef idx="0">
+        <a:scrgbClr r="0" g="0" b="0"/>
+      </a:lnRef>
+      <a:fillRef idx="3">
+        <a:scrgbClr r="0" g="0" b="0"/>
+      </a:fillRef>
+      <a:effectRef idx="0">
+        <a:scrgbClr r="0" g="0" b="0"/>
+      </a:effectRef>
+      <a:fontRef idx="minor">
+        <a:schemeClr val="tx1"/>
+      </a:fontRef>
+    </dgm:style>
+  </dgm:styleLbl>
+  <dgm:styleLbl name="alignNode1">
+    <dgm:scene3d>
+      <a:camera prst="orthographicFront"/>
+      <a:lightRig rig="threePt" dir="t"/>
+    </dgm:scene3d>
+    <dgm:sp3d/>
+    <dgm:txPr/>
+    <dgm:style>
+      <a:lnRef idx="1">
+        <a:scrgbClr r="0" g="0" b="0"/>
+      </a:lnRef>
+      <a:fillRef idx="3">
+        <a:scrgbClr r="0" g="0" b="0"/>
+      </a:fillRef>
+      <a:effectRef idx="2">
+        <a:scrgbClr r="0" g="0" b="0"/>
+      </a:effectRef>
+      <a:fontRef idx="minor">
+        <a:schemeClr val="lt1"/>
+      </a:fontRef>
+    </dgm:style>
+  </dgm:styleLbl>
+  <dgm:styleLbl name="node1">
+    <dgm:scene3d>
+      <a:camera prst="orthographicFront"/>
+      <a:lightRig rig="threePt" dir="t"/>
+    </dgm:scene3d>
+    <dgm:sp3d/>
+    <dgm:txPr/>
+    <dgm:style>
+      <a:lnRef idx="0">
+        <a:scrgbClr r="0" g="0" b="0"/>
+      </a:lnRef>
+      <a:fillRef idx="3">
+        <a:scrgbClr r="0" g="0" b="0"/>
+      </a:fillRef>
+      <a:effectRef idx="2">
+        <a:scrgbClr r="0" g="0" b="0"/>
+      </a:effectRef>
+      <a:fontRef idx="minor">
+        <a:schemeClr val="lt1"/>
+      </a:fontRef>
+    </dgm:style>
+  </dgm:styleLbl>
+  <dgm:styleLbl name="node2">
+    <dgm:scene3d>
+      <a:camera prst="orthographicFront"/>
+      <a:lightRig rig="threePt" dir="t"/>
+    </dgm:scene3d>
+    <dgm:sp3d/>
+    <dgm:txPr/>
+    <dgm:style>
+      <a:lnRef idx="0">
+        <a:scrgbClr r="0" g="0" b="0"/>
+      </a:lnRef>
+      <a:fillRef idx="3">
+        <a:scrgbClr r="0" g="0" b="0"/>
+      </a:fillRef>
+      <a:effectRef idx="2">
+        <a:scrgbClr r="0" g="0" b="0"/>
+      </a:effectRef>
+      <a:fontRef idx="minor">
+        <a:schemeClr val="lt1"/>
+      </a:fontRef>
+    </dgm:style>
+  </dgm:styleLbl>
+  <dgm:styleLbl name="node3">
+    <dgm:scene3d>
+      <a:camera prst="orthographicFront"/>
+      <a:lightRig rig="threePt" dir="t"/>
+    </dgm:scene3d>
+    <dgm:sp3d/>
+    <dgm:txPr/>
+    <dgm:style>
+      <a:lnRef idx="0">
+        <a:scrgbClr r="0" g="0" b="0"/>
+      </a:lnRef>
+      <a:fillRef idx="3">
+        <a:scrgbClr r="0" g="0" b="0"/>
+      </a:fillRef>
+      <a:effectRef idx="2">
+        <a:scrgbClr r="0" g="0" b="0"/>
+      </a:effectRef>
+      <a:fontRef idx="minor">
+        <a:schemeClr val="lt1"/>
+      </a:fontRef>
+    </dgm:style>
+  </dgm:styleLbl>
+  <dgm:styleLbl name="node4">
+    <dgm:scene3d>
+      <a:camera prst="orthographicFront"/>
+      <a:lightRig rig="threePt" dir="t"/>
+    </dgm:scene3d>
+    <dgm:sp3d/>
+    <dgm:txPr/>
+    <dgm:style>
+      <a:lnRef idx="0">
+        <a:scrgbClr r="0" g="0" b="0"/>
+      </a:lnRef>
+      <a:fillRef idx="3">
+        <a:scrgbClr r="0" g="0" b="0"/>
+      </a:fillRef>
+      <a:effectRef idx="2">
+        <a:scrgbClr r="0" g="0" b="0"/>
+      </a:effectRef>
+      <a:fontRef idx="minor">
+        <a:schemeClr val="lt1"/>
+      </a:fontRef>
+    </dgm:style>
+  </dgm:styleLbl>
+  <dgm:styleLbl name="fgImgPlace1">
+    <dgm:scene3d>
+      <a:camera prst="orthographicFront"/>
+      <a:lightRig rig="threePt" dir="t"/>
+    </dgm:scene3d>
+    <dgm:sp3d/>
+    <dgm:txPr/>
+    <dgm:style>
+      <a:lnRef idx="0">
+        <a:scrgbClr r="0" g="0" b="0"/>
+      </a:lnRef>
+      <a:fillRef idx="1">
+        <a:scrgbClr r="0" g="0" b="0"/>
+      </a:fillRef>
+      <a:effectRef idx="2">
+        <a:scrgbClr r="0" g="0" b="0"/>
+      </a:effectRef>
+      <a:fontRef idx="minor"/>
+    </dgm:style>
+  </dgm:styleLbl>
+  <dgm:styleLbl name="alignImgPlace1">
+    <dgm:scene3d>
+      <a:camera prst="orthographicFront"/>
+      <a:lightRig rig="threePt" dir="t"/>
+    </dgm:scene3d>
+    <dgm:sp3d/>
+    <dgm:txPr/>
+    <dgm:style>
+      <a:lnRef idx="0">
+        <a:scrgbClr r="0" g="0" b="0"/>
+      </a:lnRef>
+      <a:fillRef idx="1">
+        <a:scrgbClr r="0" g="0" b="0"/>
+      </a:fillRef>
+      <a:effectRef idx="2">
+        <a:scrgbClr r="0" g="0" b="0"/>
+      </a:effectRef>
+      <a:fontRef idx="minor"/>
+    </dgm:style>
+  </dgm:styleLbl>
+  <dgm:styleLbl name="bgImgPlace1">
+    <dgm:scene3d>
+      <a:camera prst="orthographicFront"/>
+      <a:lightRig rig="threePt" dir="t"/>
+    </dgm:scene3d>
+    <dgm:sp3d/>
+    <dgm:txPr/>
+    <dgm:style>
+      <a:lnRef idx="0">
+        <a:scrgbClr r="0" g="0" b="0"/>
+      </a:lnRef>
+      <a:fillRef idx="1">
+        <a:scrgbClr r="0" g="0" b="0"/>
+      </a:fillRef>
+      <a:effectRef idx="2">
+        <a:scrgbClr r="0" g="0" b="0"/>
+      </a:effectRef>
+      <a:fontRef idx="minor"/>
+    </dgm:style>
+  </dgm:styleLbl>
+  <dgm:styleLbl name="sibTrans2D1">
+    <dgm:scene3d>
+      <a:camera prst="orthographicFront"/>
+      <a:lightRig rig="threePt" dir="t"/>
+    </dgm:scene3d>
+    <dgm:sp3d/>
+    <dgm:txPr/>
+    <dgm:style>
+      <a:lnRef idx="0">
+        <a:scrgbClr r="0" g="0" b="0"/>
+      </a:lnRef>
+      <a:fillRef idx="3">
+        <a:scrgbClr r="0" g="0" b="0"/>
+      </a:fillRef>
+      <a:effectRef idx="2">
+        <a:scrgbClr r="0" g="0" b="0"/>
+      </a:effectRef>
+      <a:fontRef idx="minor">
+        <a:schemeClr val="lt1"/>
+      </a:fontRef>
+    </dgm:style>
+  </dgm:styleLbl>
+  <dgm:styleLbl name="fgSibTrans2D1">
+    <dgm:scene3d>
+      <a:camera prst="orthographicFront"/>
+      <a:lightRig rig="threePt" dir="t"/>
+    </dgm:scene3d>
+    <dgm:sp3d/>
+    <dgm:txPr/>
+    <dgm:style>
+      <a:lnRef idx="0">
+        <a:scrgbClr r="0" g="0" b="0"/>
+      </a:lnRef>
+      <a:fillRef idx="3">
+        <a:scrgbClr r="0" g="0" b="0"/>
+      </a:fillRef>
+      <a:effectRef idx="2">
+        <a:scrgbClr r="0" g="0" b="0"/>
+      </a:effectRef>
+      <a:fontRef idx="minor">
+        <a:schemeClr val="lt1"/>
+      </a:fontRef>
+    </dgm:style>
+  </dgm:styleLbl>
+  <dgm:styleLbl name="bgSibTrans2D1">
+    <dgm:scene3d>
+      <a:camera prst="orthographicFront"/>
+      <a:lightRig rig="threePt" dir="t"/>
+    </dgm:scene3d>
+    <dgm:sp3d/>
+    <dgm:txPr/>
+    <dgm:style>
+      <a:lnRef idx="0">
+        <a:scrgbClr r="0" g="0" b="0"/>
+      </a:lnRef>
+      <a:fillRef idx="3">
+        <a:scrgbClr r="0" g="0" b="0"/>
+      </a:fillRef>
+      <a:effectRef idx="2">
+        <a:scrgbClr r="0" g="0" b="0"/>
+      </a:effectRef>
+      <a:fontRef idx="minor">
+        <a:schemeClr val="lt1"/>
+      </a:fontRef>
+    </dgm:style>
+  </dgm:styleLbl>
+  <dgm:styleLbl name="sibTrans1D1">
+    <dgm:scene3d>
+      <a:camera prst="orthographicFront"/>
+      <a:lightRig rig="threePt" dir="t"/>
+    </dgm:scene3d>
+    <dgm:sp3d/>
+    <dgm:txPr/>
+    <dgm:style>
+      <a:lnRef idx="1">
+        <a:scrgbClr r="0" g="0" b="0"/>
+      </a:lnRef>
+      <a:fillRef idx="0">
+        <a:scrgbClr r="0" g="0" b="0"/>
+      </a:fillRef>
+      <a:effectRef idx="0">
+        <a:scrgbClr r="0" g="0" b="0"/>
+      </a:effectRef>
+      <a:fontRef idx="minor"/>
+    </dgm:style>
+  </dgm:styleLbl>
+  <dgm:styleLbl name="callout">
+    <dgm:scene3d>
+      <a:camera prst="orthographicFront"/>
+      <a:lightRig rig="threePt" dir="t"/>
+    </dgm:scene3d>
+    <dgm:sp3d/>
+    <dgm:txPr/>
+    <dgm:style>
+      <a:lnRef idx="2">
+        <a:scrgbClr r="0" g="0" b="0"/>
+      </a:lnRef>
+      <a:fillRef idx="1">
+        <a:scrgbClr r="0" g="0" b="0"/>
+      </a:fillRef>
+      <a:effectRef idx="1">
+        <a:scrgbClr r="0" g="0" b="0"/>
+      </a:effectRef>
+      <a:fontRef idx="minor"/>
+    </dgm:style>
+  </dgm:styleLbl>
+  <dgm:styleLbl name="asst0">
+    <dgm:scene3d>
+      <a:camera prst="orthographicFront"/>
+      <a:lightRig rig="threePt" dir="t"/>
+    </dgm:scene3d>
+    <dgm:sp3d/>
+    <dgm:txPr/>
+    <dgm:style>
+      <a:lnRef idx="0">
+        <a:scrgbClr r="0" g="0" b="0"/>
+      </a:lnRef>
+      <a:fillRef idx="3">
+        <a:scrgbClr r="0" g="0" b="0"/>
+      </a:fillRef>
+      <a:effectRef idx="2">
+        <a:scrgbClr r="0" g="0" b="0"/>
+      </a:effectRef>
+      <a:fontRef idx="minor">
+        <a:schemeClr val="lt1"/>
+      </a:fontRef>
+    </dgm:style>
+  </dgm:styleLbl>
+  <dgm:styleLbl name="asst1">
+    <dgm:scene3d>
+      <a:camera prst="orthographicFront"/>
+      <a:lightRig rig="threePt" dir="t"/>
+    </dgm:scene3d>
+    <dgm:sp3d/>
+    <dgm:txPr/>
+    <dgm:style>
+      <a:lnRef idx="0">
+        <a:scrgbClr r="0" g="0" b="0"/>
+      </a:lnRef>
+      <a:fillRef idx="3">
+        <a:scrgbClr r="0" g="0" b="0"/>
+      </a:fillRef>
+      <a:effectRef idx="2">
+        <a:scrgbClr r="0" g="0" b="0"/>
+      </a:effectRef>
+      <a:fontRef idx="minor">
+        <a:schemeClr val="lt1"/>
+      </a:fontRef>
+    </dgm:style>
+  </dgm:styleLbl>
+  <dgm:styleLbl name="asst2">
+    <dgm:scene3d>
+      <a:camera prst="orthographicFront"/>
+      <a:lightRig rig="threePt" dir="t"/>
+    </dgm:scene3d>
+    <dgm:sp3d/>
+    <dgm:txPr/>
+    <dgm:style>
+      <a:lnRef idx="0">
+        <a:scrgbClr r="0" g="0" b="0"/>
+      </a:lnRef>
+      <a:fillRef idx="3">
+        <a:scrgbClr r="0" g="0" b="0"/>
+      </a:fillRef>
+      <a:effectRef idx="2">
+        <a:scrgbClr r="0" g="0" b="0"/>
+      </a:effectRef>
+      <a:fontRef idx="minor">
+        <a:schemeClr val="lt1"/>
+      </a:fontRef>
+    </dgm:style>
+  </dgm:styleLbl>
+  <dgm:styleLbl name="asst3">
+    <dgm:scene3d>
+      <a:camera prst="orthographicFront"/>
+      <a:lightRig rig="threePt" dir="t"/>
+    </dgm:scene3d>
+    <dgm:sp3d/>
+    <dgm:txPr/>
+    <dgm:style>
+      <a:lnRef idx="0">
+        <a:scrgbClr r="0" g="0" b="0"/>
+      </a:lnRef>
+      <a:fillRef idx="3">
+        <a:scrgbClr r="0" g="0" b="0"/>
+      </a:fillRef>
+      <a:effectRef idx="2">
+        <a:scrgbClr r="0" g="0" b="0"/>
+      </a:effectRef>
+      <a:fontRef idx="minor">
+        <a:schemeClr val="lt1"/>
+      </a:fontRef>
+    </dgm:style>
+  </dgm:styleLbl>
+  <dgm:styleLbl name="asst4">
+    <dgm:scene3d>
+      <a:camera prst="orthographicFront"/>
+      <a:lightRig rig="threePt" dir="t"/>
+    </dgm:scene3d>
+    <dgm:sp3d/>
+    <dgm:txPr/>
+    <dgm:style>
+      <a:lnRef idx="0">
+        <a:scrgbClr r="0" g="0" b="0"/>
+      </a:lnRef>
+      <a:fillRef idx="3">
+        <a:scrgbClr r="0" g="0" b="0"/>
+      </a:fillRef>
+      <a:effectRef idx="2">
+        <a:scrgbClr r="0" g="0" b="0"/>
+      </a:effectRef>
+      <a:fontRef idx="minor">
+        <a:schemeClr val="lt1"/>
+      </a:fontRef>
+    </dgm:style>
+  </dgm:styleLbl>
+  <dgm:styleLbl name="parChTrans2D1">
+    <dgm:scene3d>
+      <a:camera prst="orthographicFront"/>
+      <a:lightRig rig="threePt" dir="t"/>
+    </dgm:scene3d>
+    <dgm:sp3d/>
+    <dgm:txPr/>
+    <dgm:style>
+      <a:lnRef idx="0">
+        <a:scrgbClr r="0" g="0" b="0"/>
+      </a:lnRef>
+      <a:fillRef idx="3">
+        <a:scrgbClr r="0" g="0" b="0"/>
+      </a:fillRef>
+      <a:effectRef idx="2">
+        <a:scrgbClr r="0" g="0" b="0"/>
+      </a:effectRef>
+      <a:fontRef idx="minor">
+        <a:schemeClr val="lt1"/>
+      </a:fontRef>
+    </dgm:style>
+  </dgm:styleLbl>
+  <dgm:styleLbl name="parChTrans2D2">
+    <dgm:scene3d>
+      <a:camera prst="orthographicFront"/>
+      <a:lightRig rig="threePt" dir="t"/>
+    </dgm:scene3d>
+    <dgm:sp3d/>
+    <dgm:txPr/>
+    <dgm:style>
+      <a:lnRef idx="0">
+        <a:scrgbClr r="0" g="0" b="0"/>
+      </a:lnRef>
+      <a:fillRef idx="3">
+        <a:scrgbClr r="0" g="0" b="0"/>
+      </a:fillRef>
+      <a:effectRef idx="2">
+        <a:scrgbClr r="0" g="0" b="0"/>
+      </a:effectRef>
+      <a:fontRef idx="minor">
+        <a:schemeClr val="lt1"/>
+      </a:fontRef>
+    </dgm:style>
+  </dgm:styleLbl>
+  <dgm:styleLbl name="parChTrans2D3">
+    <dgm:scene3d>
+      <a:camera prst="orthographicFront"/>
+      <a:lightRig rig="threePt" dir="t"/>
+    </dgm:scene3d>
+    <dgm:sp3d/>
+    <dgm:txPr/>
+    <dgm:style>
+      <a:lnRef idx="1">
+        <a:scrgbClr r="0" g="0" b="0"/>
+      </a:lnRef>
+      <a:fillRef idx="3">
+        <a:scrgbClr r="0" g="0" b="0"/>
+      </a:fillRef>
+      <a:effectRef idx="2">
+        <a:scrgbClr r="0" g="0" b="0"/>
+      </a:effectRef>
+      <a:fontRef idx="minor">
+        <a:schemeClr val="lt1"/>
+      </a:fontRef>
+    </dgm:style>
+  </dgm:styleLbl>
+  <dgm:styleLbl name="parChTrans2D4">
+    <dgm:scene3d>
+      <a:camera prst="orthographicFront"/>
+      <a:lightRig rig="threePt" dir="t"/>
+    </dgm:scene3d>
+    <dgm:sp3d/>
+    <dgm:txPr/>
+    <dgm:style>
+      <a:lnRef idx="1">
+        <a:scrgbClr r="0" g="0" b="0"/>
+      </a:lnRef>
+      <a:fillRef idx="3">
+        <a:scrgbClr r="0" g="0" b="0"/>
+      </a:fillRef>
+      <a:effectRef idx="2">
+        <a:scrgbClr r="0" g="0" b="0"/>
+      </a:effectRef>
+      <a:fontRef idx="minor">
+        <a:schemeClr val="lt1"/>
+      </a:fontRef>
+    </dgm:style>
+  </dgm:styleLbl>
+  <dgm:styleLbl name="parChTrans1D1">
+    <dgm:scene3d>
+      <a:camera prst="orthographicFront"/>
+      <a:lightRig rig="threePt" dir="t"/>
+    </dgm:scene3d>
+    <dgm:sp3d/>
+    <dgm:txPr/>
+    <dgm:style>
+      <a:lnRef idx="1">
+        <a:scrgbClr r="0" g="0" b="0"/>
+      </a:lnRef>
+      <a:fillRef idx="0">
+        <a:scrgbClr r="0" g="0" b="0"/>
+      </a:fillRef>
+      <a:effectRef idx="0">
+        <a:scrgbClr r="0" g="0" b="0"/>
+      </a:effectRef>
+      <a:fontRef idx="minor"/>
+    </dgm:style>
+  </dgm:styleLbl>
+  <dgm:styleLbl name="parChTrans1D2">
+    <dgm:scene3d>
+      <a:camera prst="orthographicFront"/>
+      <a:lightRig rig="threePt" dir="t"/>
+    </dgm:scene3d>
+    <dgm:sp3d/>
+    <dgm:txPr/>
+    <dgm:style>
+      <a:lnRef idx="1">
+        <a:scrgbClr r="0" g="0" b="0"/>
+      </a:lnRef>
+      <a:fillRef idx="0">
+        <a:scrgbClr r="0" g="0" b="0"/>
+      </a:fillRef>
+      <a:effectRef idx="0">
+        <a:scrgbClr r="0" g="0" b="0"/>
+      </a:effectRef>
+      <a:fontRef idx="minor"/>
+    </dgm:style>
+  </dgm:styleLbl>
+  <dgm:styleLbl name="parChTrans1D3">
+    <dgm:scene3d>
+      <a:camera prst="orthographicFront"/>
+      <a:lightRig rig="threePt" dir="t"/>
+    </dgm:scene3d>
+    <dgm:sp3d/>
+    <dgm:txPr/>
+    <dgm:style>
+      <a:lnRef idx="1">
+        <a:scrgbClr r="0" g="0" b="0"/>
+      </a:lnRef>
+      <a:fillRef idx="0">
+        <a:scrgbClr r="0" g="0" b="0"/>
+      </a:fillRef>
+      <a:effectRef idx="0">
+        <a:scrgbClr r="0" g="0" b="0"/>
+      </a:effectRef>
+      <a:fontRef idx="minor"/>
+    </dgm:style>
+  </dgm:styleLbl>
+  <dgm:styleLbl name="parChTrans1D4">
+    <dgm:scene3d>
+      <a:camera prst="orthographicFront"/>
+      <a:lightRig rig="threePt" dir="t"/>
+    </dgm:scene3d>
+    <dgm:sp3d/>
+    <dgm:txPr/>
+    <dgm:style>
+      <a:lnRef idx="1">
+        <a:scrgbClr r="0" g="0" b="0"/>
+      </a:lnRef>
+      <a:fillRef idx="0">
+        <a:scrgbClr r="0" g="0" b="0"/>
+      </a:fillRef>
+      <a:effectRef idx="0">
+        <a:scrgbClr r="0" g="0" b="0"/>
+      </a:effectRef>
+      <a:fontRef idx="minor"/>
+    </dgm:style>
+  </dgm:styleLbl>
+  <dgm:styleLbl name="fgAcc1">
+    <dgm:scene3d>
+      <a:camera prst="orthographicFront"/>
+      <a:lightRig rig="threePt" dir="t"/>
+    </dgm:scene3d>
+    <dgm:sp3d/>
+    <dgm:txPr/>
+    <dgm:style>
+      <a:lnRef idx="1">
+        <a:scrgbClr r="0" g="0" b="0"/>
+      </a:lnRef>
+      <a:fillRef idx="1">
+        <a:scrgbClr r="0" g="0" b="0"/>
+      </a:fillRef>
+      <a:effectRef idx="0">
+        <a:scrgbClr r="0" g="0" b="0"/>
+      </a:effectRef>
+      <a:fontRef idx="minor"/>
+    </dgm:style>
+  </dgm:styleLbl>
+  <dgm:styleLbl name="conFgAcc1">
+    <dgm:scene3d>
+      <a:camera prst="orthographicFront"/>
+      <a:lightRig rig="threePt" dir="t"/>
+    </dgm:scene3d>
+    <dgm:sp3d/>
+    <dgm:txPr/>
+    <dgm:style>
+      <a:lnRef idx="1">
+        <a:scrgbClr r="0" g="0" b="0"/>
+      </a:lnRef>
+      <a:fillRef idx="1">
+        <a:scrgbClr r="0" g="0" b="0"/>
+      </a:fillRef>
+      <a:effectRef idx="0">
+        <a:scrgbClr r="0" g="0" b="0"/>
+      </a:effectRef>
+      <a:fontRef idx="minor"/>
+    </dgm:style>
+  </dgm:styleLbl>
+  <dgm:styleLbl name="alignAcc1">
+    <dgm:scene3d>
+      <a:camera prst="orthographicFront"/>
+      <a:lightRig rig="threePt" dir="t"/>
+    </dgm:scene3d>
+    <dgm:sp3d/>
+    <dgm:txPr/>
+    <dgm:style>
+      <a:lnRef idx="1">
+        <a:scrgbClr r="0" g="0" b="0"/>
+      </a:lnRef>
+      <a:fillRef idx="1">
+        <a:scrgbClr r="0" g="0" b="0"/>
+      </a:fillRef>
+      <a:effectRef idx="0">
+        <a:scrgbClr r="0" g="0" b="0"/>
+      </a:effectRef>
+      <a:fontRef idx="minor"/>
+    </dgm:style>
+  </dgm:styleLbl>
+  <dgm:styleLbl name="trAlignAcc1">
+    <dgm:scene3d>
+      <a:camera prst="orthographicFront"/>
+      <a:lightRig rig="threePt" dir="t"/>
+    </dgm:scene3d>
+    <dgm:sp3d/>
+    <dgm:txPr/>
+    <dgm:style>
+      <a:lnRef idx="1">
+        <a:scrgbClr r="0" g="0" b="0"/>
+      </a:lnRef>
+      <a:fillRef idx="1">
+        <a:scrgbClr r="0" g="0" b="0"/>
+      </a:fillRef>
+      <a:effectRef idx="0">
+        <a:scrgbClr r="0" g="0" b="0"/>
+      </a:effectRef>
+      <a:fontRef idx="minor"/>
+    </dgm:style>
+  </dgm:styleLbl>
+  <dgm:styleLbl name="bgAcc1">
+    <dgm:scene3d>
+      <a:camera prst="orthographicFront"/>
+      <a:lightRig rig="threePt" dir="t"/>
+    </dgm:scene3d>
+    <dgm:sp3d/>
+    <dgm:txPr/>
+    <dgm:style>
+      <a:lnRef idx="1">
+        <a:scrgbClr r="0" g="0" b="0"/>
+      </a:lnRef>
+      <a:fillRef idx="1">
+        <a:scrgbClr r="0" g="0" b="0"/>
+      </a:fillRef>
+      <a:effectRef idx="0">
+        <a:scrgbClr r="0" g="0" b="0"/>
+      </a:effectRef>
+      <a:fontRef idx="minor"/>
+    </dgm:style>
+  </dgm:styleLbl>
+  <dgm:styleLbl name="solidFgAcc1">
+    <dgm:scene3d>
+      <a:camera prst="orthographicFront"/>
+      <a:lightRig rig="threePt" dir="t"/>
+    </dgm:scene3d>
+    <dgm:sp3d/>
+    <dgm:txPr/>
+    <dgm:style>
+      <a:lnRef idx="1">
+        <a:scrgbClr r="0" g="0" b="0"/>
+      </a:lnRef>
+      <a:fillRef idx="1">
+        <a:scrgbClr r="0" g="0" b="0"/>
+      </a:fillRef>
+      <a:effectRef idx="0">
+        <a:scrgbClr r="0" g="0" b="0"/>
+      </a:effectRef>
+      <a:fontRef idx="minor"/>
+    </dgm:style>
+  </dgm:styleLbl>
+  <dgm:styleLbl name="solidAlignAcc1">
+    <dgm:scene3d>
+      <a:camera prst="orthographicFront"/>
+      <a:lightRig rig="threePt" dir="t"/>
+    </dgm:scene3d>
+    <dgm:sp3d/>
+    <dgm:txPr/>
+    <dgm:style>
+      <a:lnRef idx="1">
+        <a:scrgbClr r="0" g="0" b="0"/>
+      </a:lnRef>
+      <a:fillRef idx="1">
+        <a:scrgbClr r="0" g="0" b="0"/>
+      </a:fillRef>
+      <a:effectRef idx="0">
+        <a:scrgbClr r="0" g="0" b="0"/>
+      </a:effectRef>
+      <a:fontRef idx="minor"/>
+    </dgm:style>
+  </dgm:styleLbl>
+  <dgm:styleLbl name="solidBgAcc1">
+    <dgm:scene3d>
+      <a:camera prst="orthographicFront"/>
+      <a:lightRig rig="threePt" dir="t"/>
+    </dgm:scene3d>
+    <dgm:sp3d/>
+    <dgm:txPr/>
+    <dgm:style>
+      <a:lnRef idx="1">
+        <a:scrgbClr r="0" g="0" b="0"/>
+      </a:lnRef>
+      <a:fillRef idx="1">
+        <a:scrgbClr r="0" g="0" b="0"/>
+      </a:fillRef>
+      <a:effectRef idx="0">
+        <a:scrgbClr r="0" g="0" b="0"/>
+      </a:effectRef>
+      <a:fontRef idx="minor"/>
+    </dgm:style>
+  </dgm:styleLbl>
+  <dgm:styleLbl name="fgAccFollowNode1">
+    <dgm:scene3d>
+      <a:camera prst="orthographicFront"/>
+      <a:lightRig rig="threePt" dir="t"/>
+    </dgm:scene3d>
+    <dgm:sp3d/>
+    <dgm:txPr/>
+    <dgm:style>
+      <a:lnRef idx="1">
+        <a:scrgbClr r="0" g="0" b="0"/>
+      </a:lnRef>
+      <a:fillRef idx="1">
+        <a:scrgbClr r="0" g="0" b="0"/>
+      </a:fillRef>
+      <a:effectRef idx="0">
+        <a:scrgbClr r="0" g="0" b="0"/>
+      </a:effectRef>
+      <a:fontRef idx="minor"/>
+    </dgm:style>
+  </dgm:styleLbl>
+  <dgm:styleLbl name="alignAccFollowNode1">
+    <dgm:scene3d>
+      <a:camera prst="orthographicFront"/>
+      <a:lightRig rig="threePt" dir="t"/>
+    </dgm:scene3d>
+    <dgm:sp3d/>
+    <dgm:txPr/>
+    <dgm:style>
+      <a:lnRef idx="1">
+        <a:scrgbClr r="0" g="0" b="0"/>
+      </a:lnRef>
+      <a:fillRef idx="1">
+        <a:scrgbClr r="0" g="0" b="0"/>
+      </a:fillRef>
+      <a:effectRef idx="0">
+        <a:scrgbClr r="0" g="0" b="0"/>
+      </a:effectRef>
+      <a:fontRef idx="minor"/>
+    </dgm:style>
+  </dgm:styleLbl>
+  <dgm:styleLbl name="bgAccFollowNode1">
+    <dgm:scene3d>
+      <a:camera prst="orthographicFront"/>
+      <a:lightRig rig="threePt" dir="t"/>
+    </dgm:scene3d>
+    <dgm:sp3d/>
+    <dgm:txPr/>
+    <dgm:style>
+      <a:lnRef idx="1">
+        <a:scrgbClr r="0" g="0" b="0"/>
+      </a:lnRef>
+      <a:fillRef idx="1">
+        <a:scrgbClr r="0" g="0" b="0"/>
+      </a:fillRef>
+      <a:effectRef idx="0">
+        <a:scrgbClr r="0" g="0" b="0"/>
+      </a:effectRef>
+      <a:fontRef idx="minor"/>
+    </dgm:style>
+  </dgm:styleLbl>
+  <dgm:styleLbl name="fgAcc0">
+    <dgm:scene3d>
+      <a:camera prst="orthographicFront"/>
+      <a:lightRig rig="threePt" dir="t"/>
+    </dgm:scene3d>
+    <dgm:sp3d/>
+    <dgm:txPr/>
+    <dgm:style>
+      <a:lnRef idx="1">
+        <a:scrgbClr r="0" g="0" b="0"/>
+      </a:lnRef>
+      <a:fillRef idx="1">
+        <a:scrgbClr r="0" g="0" b="0"/>
+      </a:fillRef>
+      <a:effectRef idx="0">
+        <a:scrgbClr r="0" g="0" b="0"/>
+      </a:effectRef>
+      <a:fontRef idx="minor"/>
+    </dgm:style>
+  </dgm:styleLbl>
+  <dgm:styleLbl name="fgAcc2">
+    <dgm:scene3d>
+      <a:camera prst="orthographicFront"/>
+      <a:lightRig rig="threePt" dir="t"/>
+    </dgm:scene3d>
+    <dgm:sp3d/>
+    <dgm:txPr/>
+    <dgm:style>
+      <a:lnRef idx="1">
+        <a:scrgbClr r="0" g="0" b="0"/>
+      </a:lnRef>
+      <a:fillRef idx="1">
+        <a:scrgbClr r="0" g="0" b="0"/>
+      </a:fillRef>
+      <a:effectRef idx="0">
+        <a:scrgbClr r="0" g="0" b="0"/>
+      </a:effectRef>
+      <a:fontRef idx="minor"/>
+    </dgm:style>
+  </dgm:styleLbl>
+  <dgm:styleLbl name="fgAcc3">
+    <dgm:scene3d>
+      <a:camera prst="orthographicFront"/>
+      <a:lightRig rig="threePt" dir="t"/>
+    </dgm:scene3d>
+    <dgm:sp3d/>
+    <dgm:txPr/>
+    <dgm:style>
+      <a:lnRef idx="1">
+        <a:scrgbClr r="0" g="0" b="0"/>
+      </a:lnRef>
+      <a:fillRef idx="1">
+        <a:scrgbClr r="0" g="0" b="0"/>
+      </a:fillRef>
+      <a:effectRef idx="0">
+        <a:scrgbClr r="0" g="0" b="0"/>
+      </a:effectRef>
+      <a:fontRef idx="minor"/>
+    </dgm:style>
+  </dgm:styleLbl>
+  <dgm:styleLbl name="fgAcc4">
+    <dgm:scene3d>
+      <a:camera prst="orthographicFront"/>
+      <a:lightRig rig="threePt" dir="t"/>
+    </dgm:scene3d>
+    <dgm:sp3d/>
+    <dgm:txPr/>
+    <dgm:style>
+      <a:lnRef idx="1">
+        <a:scrgbClr r="0" g="0" b="0"/>
+      </a:lnRef>
+      <a:fillRef idx="1">
+        <a:scrgbClr r="0" g="0" b="0"/>
+      </a:fillRef>
+      <a:effectRef idx="0">
+        <a:scrgbClr r="0" g="0" b="0"/>
+      </a:effectRef>
+      <a:fontRef idx="minor"/>
+    </dgm:style>
+  </dgm:styleLbl>
+  <dgm:styleLbl name="bgShp">
+    <dgm:scene3d>
+      <a:camera prst="orthographicFront"/>
+      <a:lightRig rig="threePt" dir="t"/>
+    </dgm:scene3d>
+    <dgm:sp3d/>
+    <dgm:txPr/>
+    <dgm:style>
+      <a:lnRef idx="0">
+        <a:scrgbClr r="0" g="0" b="0"/>
+      </a:lnRef>
+      <a:fillRef idx="1">
+        <a:scrgbClr r="0" g="0" b="0"/>
+      </a:fillRef>
+      <a:effectRef idx="2">
+        <a:scrgbClr r="0" g="0" b="0"/>
+      </a:effectRef>
+      <a:fontRef idx="minor"/>
+    </dgm:style>
+  </dgm:styleLbl>
+  <dgm:styleLbl name="dkBgShp">
+    <dgm:scene3d>
+      <a:camera prst="orthographicFront"/>
+      <a:lightRig rig="threePt" dir="t"/>
+    </dgm:scene3d>
+    <dgm:sp3d/>
+    <dgm:txPr/>
+    <dgm:style>
+      <a:lnRef idx="0">
+        <a:scrgbClr r="0" g="0" b="0"/>
+      </a:lnRef>
+      <a:fillRef idx="1">
+        <a:scrgbClr r="0" g="0" b="0"/>
+      </a:fillRef>
+      <a:effectRef idx="2">
+        <a:scrgbClr r="0" g="0" b="0"/>
+      </a:effectRef>
+      <a:fontRef idx="minor"/>
+    </dgm:style>
+  </dgm:styleLbl>
+  <dgm:styleLbl name="trBgShp">
+    <dgm:scene3d>
+      <a:camera prst="orthographicFront"/>
+      <a:lightRig rig="threePt" dir="t"/>
+    </dgm:scene3d>
+    <dgm:sp3d/>
+    <dgm:txPr/>
+    <dgm:style>
+      <a:lnRef idx="0">
+        <a:scrgbClr r="0" g="0" b="0"/>
+      </a:lnRef>
+      <a:fillRef idx="1">
+        <a:scrgbClr r="0" g="0" b="0"/>
+      </a:fillRef>
+      <a:effectRef idx="0">
+        <a:scrgbClr r="0" g="0" b="0"/>
+      </a:effectRef>
+      <a:fontRef idx="minor"/>
+    </dgm:style>
+  </dgm:styleLbl>
+  <dgm:styleLbl name="fgShp">
+    <dgm:scene3d>
+      <a:camera prst="orthographicFront"/>
+      <a:lightRig rig="threePt" dir="t"/>
+    </dgm:scene3d>
+    <dgm:sp3d/>
+    <dgm:txPr/>
+    <dgm:style>
+      <a:lnRef idx="0">
+        <a:scrgbClr r="0" g="0" b="0"/>
+      </a:lnRef>
+      <a:fillRef idx="3">
+        <a:scrgbClr r="0" g="0" b="0"/>
+      </a:fillRef>
+      <a:effectRef idx="2">
+        <a:scrgbClr r="0" g="0" b="0"/>
+      </a:effectRef>
+      <a:fontRef idx="minor"/>
+    </dgm:style>
+  </dgm:styleLbl>
+  <dgm:styleLbl name="revTx">
+    <dgm:scene3d>
+      <a:camera prst="orthographicFront"/>
+      <a:lightRig rig="threePt" dir="t"/>
+    </dgm:scene3d>
+    <dgm:sp3d/>
+    <dgm:txPr/>
+    <dgm:style>
+      <a:lnRef idx="0">
+        <a:scrgbClr r="0" g="0" b="0"/>
+      </a:lnRef>
+      <a:fillRef idx="0">
+        <a:scrgbClr r="0" g="0" b="0"/>
+      </a:fillRef>
+      <a:effectRef idx="0">
+        <a:scrgbClr r="0" g="0" b="0"/>
+      </a:effectRef>
+      <a:fontRef idx="minor"/>
+    </dgm:style>
+  </dgm:styleLbl>
+</dgm:styleDef>
+</file>
+
+<file path=ppt/notesMasters/notesMaster1.xml><?xml version="1.0" encoding="utf-8"?>
+<p:notesMaster xmlns:a="http://schemas.openxmlformats.org/drawingml/2006/main" xmlns:r="http://schemas.openxmlformats.org/officeDocument/2006/relationships" xmlns:p="http://schemas.openxmlformats.org/presentationml/2006/main">
+  <p:cSld>
+    <p:bg>
+      <p:bgRef idx="1001">
+        <a:schemeClr val="bg1"/>
+      </p:bgRef>
+    </p:bg>
+    <p:spTree>
+      <p:nvGrpSpPr>
+        <p:cNvPr id="1" name=""/>
+        <p:cNvGrpSpPr/>
+        <p:nvPr/>
+      </p:nvGrpSpPr>
+      <p:grpSpPr>
+        <a:xfrm>
+          <a:off x="0" y="0"/>
+          <a:ext cx="0" cy="0"/>
+          <a:chOff x="0" y="0"/>
+          <a:chExt cx="0" cy="0"/>
+        </a:xfrm>
+      </p:grpSpPr>
+      <p:sp>
+        <p:nvSpPr>
+          <p:cNvPr id="2" name="Header Placeholder 1"/>
+          <p:cNvSpPr>
+            <a:spLocks noGrp="1"/>
+          </p:cNvSpPr>
+          <p:nvPr>
+            <p:ph type="hdr" sz="quarter"/>
+          </p:nvPr>
+        </p:nvSpPr>
+        <p:spPr>
+          <a:xfrm>
+            <a:off x="0" y="0"/>
+            <a:ext cx="2971800" cy="458788"/>
+          </a:xfrm>
+          <a:prstGeom prst="rect">
+            <a:avLst/>
+          </a:prstGeom>
+        </p:spPr>
+        <p:txBody>
+          <a:bodyPr vert="horz" lIns="91440" tIns="45720" rIns="91440" bIns="45720" rtlCol="0"/>
+          <a:lstStyle>
+            <a:lvl1pPr algn="l">
+              <a:defRPr sz="1200"/>
+            </a:lvl1pPr>
+          </a:lstStyle>
+          <a:p>
+            <a:endParaRPr lang="en-US"/>
+          </a:p>
+        </p:txBody>
+      </p:sp>
+      <p:sp>
+        <p:nvSpPr>
+          <p:cNvPr id="3" name="Date Placeholder 2"/>
+          <p:cNvSpPr>
+            <a:spLocks noGrp="1"/>
+          </p:cNvSpPr>
+          <p:nvPr>
+            <p:ph type="dt" idx="1"/>
+          </p:nvPr>
+        </p:nvSpPr>
+        <p:spPr>
+          <a:xfrm>
+            <a:off x="3884613" y="0"/>
+            <a:ext cx="2971800" cy="458788"/>
+          </a:xfrm>
+          <a:prstGeom prst="rect">
+            <a:avLst/>
+          </a:prstGeom>
+        </p:spPr>
+        <p:txBody>
+          <a:bodyPr vert="horz" lIns="91440" tIns="45720" rIns="91440" bIns="45720" rtlCol="0"/>
+          <a:lstStyle>
+            <a:lvl1pPr algn="r">
+              <a:defRPr sz="1200"/>
+            </a:lvl1pPr>
+          </a:lstStyle>
+          <a:p>
+            <a:fld id="{E5E8C84B-D8A8-47B3-B318-2DA646335F2F}" type="datetimeFigureOut">
+              <a:rPr lang="en-US" smtClean="0"/>
+              <a:t>4/16/2019</a:t>
+            </a:fld>
+            <a:endParaRPr lang="en-US"/>
+          </a:p>
+        </p:txBody>
+      </p:sp>
+      <p:sp>
+        <p:nvSpPr>
+          <p:cNvPr id="4" name="Slide Image Placeholder 3"/>
+          <p:cNvSpPr>
+            <a:spLocks noGrp="1" noRot="1" noChangeAspect="1"/>
+          </p:cNvSpPr>
+          <p:nvPr>
+            <p:ph type="sldImg" idx="2"/>
+          </p:nvPr>
+        </p:nvSpPr>
+        <p:spPr>
+          <a:xfrm>
+            <a:off x="685800" y="1143000"/>
+            <a:ext cx="5486400" cy="3086100"/>
+          </a:xfrm>
+          <a:prstGeom prst="rect">
+            <a:avLst/>
+          </a:prstGeom>
+          <a:noFill/>
+          <a:ln w="12700">
+            <a:solidFill>
+              <a:prstClr val="black"/>
+            </a:solidFill>
+          </a:ln>
+        </p:spPr>
+        <p:txBody>
+          <a:bodyPr vert="horz" lIns="91440" tIns="45720" rIns="91440" bIns="45720" rtlCol="0" anchor="ctr"/>
+          <a:lstStyle/>
+          <a:p>
+            <a:endParaRPr lang="en-US"/>
+          </a:p>
+        </p:txBody>
+      </p:sp>
+      <p:sp>
+        <p:nvSpPr>
+          <p:cNvPr id="5" name="Notes Placeholder 4"/>
+          <p:cNvSpPr>
+            <a:spLocks noGrp="1"/>
+          </p:cNvSpPr>
+          <p:nvPr>
+            <p:ph type="body" sz="quarter" idx="3"/>
+          </p:nvPr>
+        </p:nvSpPr>
+        <p:spPr>
+          <a:xfrm>
+            <a:off x="685800" y="4400550"/>
+            <a:ext cx="5486400" cy="3600450"/>
+          </a:xfrm>
+          <a:prstGeom prst="rect">
+            <a:avLst/>
+          </a:prstGeom>
+        </p:spPr>
+        <p:txBody>
+          <a:bodyPr vert="horz" lIns="91440" tIns="45720" rIns="91440" bIns="45720" rtlCol="0"/>
+          <a:lstStyle/>
+          <a:p>
+            <a:pPr lvl="0"/>
+            <a:r>
+              <a:rPr lang="en-US"/>
+              <a:t>Click to edit Master text styles</a:t>
+            </a:r>
+          </a:p>
+          <a:p>
+            <a:pPr lvl="1"/>
+            <a:r>
+              <a:rPr lang="en-US"/>
+              <a:t>Second level</a:t>
+            </a:r>
+          </a:p>
+          <a:p>
+            <a:pPr lvl="2"/>
+            <a:r>
+              <a:rPr lang="en-US"/>
+              <a:t>Third level</a:t>
+            </a:r>
+          </a:p>
+          <a:p>
+            <a:pPr lvl="3"/>
+            <a:r>
+              <a:rPr lang="en-US"/>
+              <a:t>Fourth level</a:t>
+            </a:r>
+          </a:p>
+          <a:p>
+            <a:pPr lvl="4"/>
+            <a:r>
+              <a:rPr lang="en-US"/>
+              <a:t>Fifth level</a:t>
+            </a:r>
+          </a:p>
+        </p:txBody>
+      </p:sp>
+      <p:sp>
+        <p:nvSpPr>
+          <p:cNvPr id="6" name="Footer Placeholder 5"/>
+          <p:cNvSpPr>
+            <a:spLocks noGrp="1"/>
+          </p:cNvSpPr>
+          <p:nvPr>
+            <p:ph type="ftr" sz="quarter" idx="4"/>
+          </p:nvPr>
+        </p:nvSpPr>
+        <p:spPr>
+          <a:xfrm>
+            <a:off x="0" y="8685213"/>
+            <a:ext cx="2971800" cy="458787"/>
+          </a:xfrm>
+          <a:prstGeom prst="rect">
+            <a:avLst/>
+          </a:prstGeom>
+        </p:spPr>
+        <p:txBody>
+          <a:bodyPr vert="horz" lIns="91440" tIns="45720" rIns="91440" bIns="45720" rtlCol="0" anchor="b"/>
+          <a:lstStyle>
+            <a:lvl1pPr algn="l">
+              <a:defRPr sz="1200"/>
+            </a:lvl1pPr>
+          </a:lstStyle>
+          <a:p>
+            <a:endParaRPr lang="en-US"/>
+          </a:p>
+        </p:txBody>
+      </p:sp>
+      <p:sp>
+        <p:nvSpPr>
+          <p:cNvPr id="7" name="Slide Number Placeholder 6"/>
+          <p:cNvSpPr>
+            <a:spLocks noGrp="1"/>
+          </p:cNvSpPr>
+          <p:nvPr>
+            <p:ph type="sldNum" sz="quarter" idx="5"/>
+          </p:nvPr>
+        </p:nvSpPr>
+        <p:spPr>
+          <a:xfrm>
+            <a:off x="3884613" y="8685213"/>
+            <a:ext cx="2971800" cy="458787"/>
+          </a:xfrm>
+          <a:prstGeom prst="rect">
+            <a:avLst/>
+          </a:prstGeom>
+        </p:spPr>
+        <p:txBody>
+          <a:bodyPr vert="horz" lIns="91440" tIns="45720" rIns="91440" bIns="45720" rtlCol="0" anchor="b"/>
+          <a:lstStyle>
+            <a:lvl1pPr algn="r">
+              <a:defRPr sz="1200"/>
+            </a:lvl1pPr>
+          </a:lstStyle>
+          <a:p>
+            <a:fld id="{4C397B2A-FCB2-4CFC-8D19-A7AE88AABFF9}" type="slidenum">
+              <a:rPr lang="en-US" smtClean="0"/>
+              <a:t>‹#›</a:t>
+            </a:fld>
+            <a:endParaRPr lang="en-US"/>
+          </a:p>
+        </p:txBody>
+      </p:sp>
+    </p:spTree>
+    <p:extLst>
+      <p:ext uri="{BB962C8B-B14F-4D97-AF65-F5344CB8AC3E}">
+        <p14:creationId xmlns:p14="http://schemas.microsoft.com/office/powerpoint/2010/main" val="44249252"/>
+      </p:ext>
+    </p:extLst>
+  </p:cSld>
+  <p:clrMap bg1="lt1" tx1="dk1" bg2="lt2" tx2="dk2" accent1="accent1" accent2="accent2" accent3="accent3" accent4="accent4" accent5="accent5" accent6="accent6" hlink="hlink" folHlink="folHlink"/>
+  <p:notesStyle>
+    <a:lvl1pPr marL="0" algn="l" defTabSz="914400" rtl="0" eaLnBrk="1" latinLnBrk="0" hangingPunct="1">
+      <a:defRPr sz="1200" kern="1200">
+        <a:solidFill>
+          <a:schemeClr val="tx1"/>
+        </a:solidFill>
+        <a:latin typeface="+mn-lt"/>
+        <a:ea typeface="+mn-ea"/>
+        <a:cs typeface="+mn-cs"/>
+      </a:defRPr>
+    </a:lvl1pPr>
+    <a:lvl2pPr marL="457200" algn="l" defTabSz="914400" rtl="0" eaLnBrk="1" latinLnBrk="0" hangingPunct="1">
+      <a:defRPr sz="1200" kern="1200">
+        <a:solidFill>
+          <a:schemeClr val="tx1"/>
+        </a:solidFill>
+        <a:latin typeface="+mn-lt"/>
+        <a:ea typeface="+mn-ea"/>
+        <a:cs typeface="+mn-cs"/>
+      </a:defRPr>
+    </a:lvl2pPr>
+    <a:lvl3pPr marL="914400" algn="l" defTabSz="914400" rtl="0" eaLnBrk="1" latinLnBrk="0" hangingPunct="1">
+      <a:defRPr sz="1200" kern="1200">
+        <a:solidFill>
+          <a:schemeClr val="tx1"/>
+        </a:solidFill>
+        <a:latin typeface="+mn-lt"/>
+        <a:ea typeface="+mn-ea"/>
+        <a:cs typeface="+mn-cs"/>
+      </a:defRPr>
+    </a:lvl3pPr>
+    <a:lvl4pPr marL="1371600" algn="l" defTabSz="914400" rtl="0" eaLnBrk="1" latinLnBrk="0" hangingPunct="1">
+      <a:defRPr sz="1200" kern="1200">
+        <a:solidFill>
+          <a:schemeClr val="tx1"/>
+        </a:solidFill>
+        <a:latin typeface="+mn-lt"/>
+        <a:ea typeface="+mn-ea"/>
+        <a:cs typeface="+mn-cs"/>
+      </a:defRPr>
+    </a:lvl4pPr>
+    <a:lvl5pPr marL="1828800" algn="l" defTabSz="914400" rtl="0" eaLnBrk="1" latinLnBrk="0" hangingPunct="1">
+      <a:defRPr sz="1200" kern="1200">
+        <a:solidFill>
+          <a:schemeClr val="tx1"/>
+        </a:solidFill>
+        <a:latin typeface="+mn-lt"/>
+        <a:ea typeface="+mn-ea"/>
+        <a:cs typeface="+mn-cs"/>
+      </a:defRPr>
+    </a:lvl5pPr>
+    <a:lvl6pPr marL="2286000" algn="l" defTabSz="914400" rtl="0" eaLnBrk="1" latinLnBrk="0" hangingPunct="1">
+      <a:defRPr sz="1200" kern="1200">
+        <a:solidFill>
+          <a:schemeClr val="tx1"/>
+        </a:solidFill>
+        <a:latin typeface="+mn-lt"/>
+        <a:ea typeface="+mn-ea"/>
+        <a:cs typeface="+mn-cs"/>
+      </a:defRPr>
+    </a:lvl6pPr>
+    <a:lvl7pPr marL="2743200" algn="l" defTabSz="914400" rtl="0" eaLnBrk="1" latinLnBrk="0" hangingPunct="1">
+      <a:defRPr sz="1200" kern="1200">
+        <a:solidFill>
+          <a:schemeClr val="tx1"/>
+        </a:solidFill>
+        <a:latin typeface="+mn-lt"/>
+        <a:ea typeface="+mn-ea"/>
+        <a:cs typeface="+mn-cs"/>
+      </a:defRPr>
+    </a:lvl7pPr>
+    <a:lvl8pPr marL="3200400" algn="l" defTabSz="914400" rtl="0" eaLnBrk="1" latinLnBrk="0" hangingPunct="1">
+      <a:defRPr sz="1200" kern="1200">
+        <a:solidFill>
+          <a:schemeClr val="tx1"/>
+        </a:solidFill>
+        <a:latin typeface="+mn-lt"/>
+        <a:ea typeface="+mn-ea"/>
+        <a:cs typeface="+mn-cs"/>
+      </a:defRPr>
+    </a:lvl8pPr>
+    <a:lvl9pPr marL="3657600" algn="l" defTabSz="914400" rtl="0" eaLnBrk="1" latinLnBrk="0" hangingPunct="1">
+      <a:defRPr sz="1200" kern="1200">
+        <a:solidFill>
+          <a:schemeClr val="tx1"/>
+        </a:solidFill>
+        <a:latin typeface="+mn-lt"/>
+        <a:ea typeface="+mn-ea"/>
+        <a:cs typeface="+mn-cs"/>
+      </a:defRPr>
+    </a:lvl9pPr>
+  </p:notesStyle>
+</p:notesMaster>
+</file>
+
+<file path=ppt/notesSlides/notesSlide1.xml><?xml version="1.0" encoding="utf-8"?>
+<p:notes xmlns:a="http://schemas.openxmlformats.org/drawingml/2006/main" xmlns:r="http://schemas.openxmlformats.org/officeDocument/2006/relationships" xmlns:p="http://schemas.openxmlformats.org/presentationml/2006/main">
+  <p:cSld>
+    <p:spTree>
+      <p:nvGrpSpPr>
+        <p:cNvPr id="1" name=""/>
+        <p:cNvGrpSpPr/>
+        <p:nvPr/>
+      </p:nvGrpSpPr>
+      <p:grpSpPr>
+        <a:xfrm>
+          <a:off x="0" y="0"/>
+          <a:ext cx="0" cy="0"/>
+          <a:chOff x="0" y="0"/>
+          <a:chExt cx="0" cy="0"/>
+        </a:xfrm>
+      </p:grpSpPr>
+      <p:sp>
+        <p:nvSpPr>
+          <p:cNvPr id="2" name="Slide Image Placeholder 1"/>
+          <p:cNvSpPr>
+            <a:spLocks noGrp="1" noRot="1" noChangeAspect="1"/>
+          </p:cNvSpPr>
+          <p:nvPr>
+            <p:ph type="sldImg"/>
+          </p:nvPr>
+        </p:nvSpPr>
+        <p:spPr/>
+      </p:sp>
+      <p:sp>
+        <p:nvSpPr>
+          <p:cNvPr id="3" name="Notes Placeholder 2"/>
+          <p:cNvSpPr>
+            <a:spLocks noGrp="1"/>
+          </p:cNvSpPr>
+          <p:nvPr>
+            <p:ph type="body" idx="1"/>
+          </p:nvPr>
+        </p:nvSpPr>
+        <p:spPr/>
+        <p:txBody>
+          <a:bodyPr/>
+          <a:lstStyle/>
+          <a:p>
+            <a:endParaRPr lang="en-US" dirty="0"/>
+          </a:p>
+        </p:txBody>
+      </p:sp>
+      <p:sp>
+        <p:nvSpPr>
+          <p:cNvPr id="4" name="Slide Number Placeholder 3"/>
+          <p:cNvSpPr>
+            <a:spLocks noGrp="1"/>
+          </p:cNvSpPr>
+          <p:nvPr>
+            <p:ph type="sldNum" sz="quarter" idx="5"/>
+          </p:nvPr>
+        </p:nvSpPr>
+        <p:spPr/>
+        <p:txBody>
+          <a:bodyPr/>
+          <a:lstStyle/>
+          <a:p>
+            <a:fld id="{4C397B2A-FCB2-4CFC-8D19-A7AE88AABFF9}" type="slidenum">
+              <a:rPr lang="en-US" smtClean="0"/>
+              <a:t>4</a:t>
+            </a:fld>
+            <a:endParaRPr lang="en-US"/>
+          </a:p>
+        </p:txBody>
+      </p:sp>
+    </p:spTree>
+    <p:extLst>
+      <p:ext uri="{BB962C8B-B14F-4D97-AF65-F5344CB8AC3E}">
+        <p14:creationId xmlns:p14="http://schemas.microsoft.com/office/powerpoint/2010/main" val="3792370055"/>
+      </p:ext>
+    </p:extLst>
+  </p:cSld>
+  <p:clrMapOvr>
+    <a:masterClrMapping/>
+  </p:clrMapOvr>
+</p:notes>
+</file>
+
+<file path=ppt/notesSlides/notesSlide2.xml><?xml version="1.0" encoding="utf-8"?>
+<p:notes xmlns:a="http://schemas.openxmlformats.org/drawingml/2006/main" xmlns:r="http://schemas.openxmlformats.org/officeDocument/2006/relationships" xmlns:p="http://schemas.openxmlformats.org/presentationml/2006/main">
+  <p:cSld>
+    <p:spTree>
+      <p:nvGrpSpPr>
+        <p:cNvPr id="1" name=""/>
+        <p:cNvGrpSpPr/>
+        <p:nvPr/>
+      </p:nvGrpSpPr>
+      <p:grpSpPr>
+        <a:xfrm>
+          <a:off x="0" y="0"/>
+          <a:ext cx="0" cy="0"/>
+          <a:chOff x="0" y="0"/>
+          <a:chExt cx="0" cy="0"/>
+        </a:xfrm>
+      </p:grpSpPr>
+      <p:sp>
+        <p:nvSpPr>
+          <p:cNvPr id="2" name="Slide Image Placeholder 1"/>
+          <p:cNvSpPr>
+            <a:spLocks noGrp="1" noRot="1" noChangeAspect="1"/>
+          </p:cNvSpPr>
+          <p:nvPr>
+            <p:ph type="sldImg"/>
+          </p:nvPr>
+        </p:nvSpPr>
+        <p:spPr/>
+      </p:sp>
+      <p:sp>
+        <p:nvSpPr>
+          <p:cNvPr id="3" name="Notes Placeholder 2"/>
+          <p:cNvSpPr>
+            <a:spLocks noGrp="1"/>
+          </p:cNvSpPr>
+          <p:nvPr>
+            <p:ph type="body" idx="1"/>
+          </p:nvPr>
+        </p:nvSpPr>
+        <p:spPr/>
+        <p:txBody>
+          <a:bodyPr/>
+          <a:lstStyle/>
+          <a:p>
+            <a:r>
+              <a:rPr lang="en-US" dirty="0"/>
+              <a:t>Many will try to confuse encapsulation with abstraction, but they are not the same thing, and abstraction is not an OOP pillar.</a:t>
+            </a:r>
+          </a:p>
+        </p:txBody>
+      </p:sp>
+      <p:sp>
+        <p:nvSpPr>
+          <p:cNvPr id="4" name="Slide Number Placeholder 3"/>
+          <p:cNvSpPr>
+            <a:spLocks noGrp="1"/>
+          </p:cNvSpPr>
+          <p:nvPr>
+            <p:ph type="sldNum" sz="quarter" idx="5"/>
+          </p:nvPr>
+        </p:nvSpPr>
+        <p:spPr/>
+        <p:txBody>
+          <a:bodyPr/>
+          <a:lstStyle/>
+          <a:p>
+            <a:fld id="{4C397B2A-FCB2-4CFC-8D19-A7AE88AABFF9}" type="slidenum">
+              <a:rPr lang="en-US" smtClean="0"/>
+              <a:t>5</a:t>
+            </a:fld>
+            <a:endParaRPr lang="en-US"/>
+          </a:p>
+        </p:txBody>
+      </p:sp>
+    </p:spTree>
+    <p:extLst>
+      <p:ext uri="{BB962C8B-B14F-4D97-AF65-F5344CB8AC3E}">
+        <p14:creationId xmlns:p14="http://schemas.microsoft.com/office/powerpoint/2010/main" val="4273625908"/>
+      </p:ext>
+    </p:extLst>
+  </p:cSld>
+  <p:clrMapOvr>
+    <a:masterClrMapping/>
+  </p:clrMapOvr>
+</p:notes>
+</file>
+
+<file path=ppt/notesSlides/notesSlide3.xml><?xml version="1.0" encoding="utf-8"?>
+<p:notes xmlns:a="http://schemas.openxmlformats.org/drawingml/2006/main" xmlns:r="http://schemas.openxmlformats.org/officeDocument/2006/relationships" xmlns:p="http://schemas.openxmlformats.org/presentationml/2006/main">
+  <p:cSld>
+    <p:spTree>
+      <p:nvGrpSpPr>
+        <p:cNvPr id="1" name=""/>
+        <p:cNvGrpSpPr/>
+        <p:nvPr/>
+      </p:nvGrpSpPr>
+      <p:grpSpPr>
+        <a:xfrm>
+          <a:off x="0" y="0"/>
+          <a:ext cx="0" cy="0"/>
+          <a:chOff x="0" y="0"/>
+          <a:chExt cx="0" cy="0"/>
+        </a:xfrm>
+      </p:grpSpPr>
+      <p:sp>
+        <p:nvSpPr>
+          <p:cNvPr id="2" name="Slide Image Placeholder 1"/>
+          <p:cNvSpPr>
+            <a:spLocks noGrp="1" noRot="1" noChangeAspect="1"/>
+          </p:cNvSpPr>
+          <p:nvPr>
+            <p:ph type="sldImg"/>
+          </p:nvPr>
+        </p:nvSpPr>
+        <p:spPr/>
+      </p:sp>
+      <p:sp>
+        <p:nvSpPr>
+          <p:cNvPr id="3" name="Notes Placeholder 2"/>
+          <p:cNvSpPr>
+            <a:spLocks noGrp="1"/>
+          </p:cNvSpPr>
+          <p:nvPr>
+            <p:ph type="body" idx="1"/>
+          </p:nvPr>
+        </p:nvSpPr>
+        <p:spPr/>
+        <p:txBody>
+          <a:bodyPr/>
+          <a:lstStyle/>
+          <a:p>
+            <a:r>
+              <a:rPr lang="en-US" dirty="0"/>
+              <a:t>Before doing Polymorphism, go to code examples for Encapsulation and Inheritance</a:t>
+            </a:r>
+          </a:p>
+        </p:txBody>
+      </p:sp>
+      <p:sp>
+        <p:nvSpPr>
+          <p:cNvPr id="4" name="Slide Number Placeholder 3"/>
+          <p:cNvSpPr>
+            <a:spLocks noGrp="1"/>
+          </p:cNvSpPr>
+          <p:nvPr>
+            <p:ph type="sldNum" sz="quarter" idx="5"/>
+          </p:nvPr>
+        </p:nvSpPr>
+        <p:spPr/>
+        <p:txBody>
+          <a:bodyPr/>
+          <a:lstStyle/>
+          <a:p>
+            <a:fld id="{4C397B2A-FCB2-4CFC-8D19-A7AE88AABFF9}" type="slidenum">
+              <a:rPr lang="en-US" smtClean="0"/>
+              <a:t>7</a:t>
+            </a:fld>
+            <a:endParaRPr lang="en-US"/>
+          </a:p>
+        </p:txBody>
+      </p:sp>
+    </p:spTree>
+    <p:extLst>
+      <p:ext uri="{BB962C8B-B14F-4D97-AF65-F5344CB8AC3E}">
+        <p14:creationId xmlns:p14="http://schemas.microsoft.com/office/powerpoint/2010/main" val="3874238815"/>
+      </p:ext>
+    </p:extLst>
+  </p:cSld>
+  <p:clrMapOvr>
+    <a:masterClrMapping/>
+  </p:clrMapOvr>
+</p:notes>
 </file>
 
 <file path=ppt/slideLayouts/slideLayout1.xml><?xml version="1.0" encoding="utf-8"?>
@@ -859,7 +3936,7 @@
             <a:fld id="{B61BEF0D-F0BB-DE4B-95CE-6DB70DBA9567}" type="datetimeFigureOut">
               <a:rPr lang="en-US" dirty="0"/>
               <a:pPr/>
-              <a:t>4/9/2019</a:t>
+              <a:t>4/16/2019</a:t>
             </a:fld>
             <a:endParaRPr lang="en-US" dirty="0"/>
           </a:p>
@@ -1107,7 +4184,7 @@
             <a:fld id="{B61BEF0D-F0BB-DE4B-95CE-6DB70DBA9567}" type="datetimeFigureOut">
               <a:rPr lang="en-US" dirty="0"/>
               <a:pPr/>
-              <a:t>4/9/2019</a:t>
+              <a:t>4/16/2019</a:t>
             </a:fld>
             <a:endParaRPr lang="en-US" dirty="0"/>
           </a:p>
@@ -1418,7 +4495,7 @@
             <a:fld id="{B61BEF0D-F0BB-DE4B-95CE-6DB70DBA9567}" type="datetimeFigureOut">
               <a:rPr lang="en-US" dirty="0"/>
               <a:pPr/>
-              <a:t>4/9/2019</a:t>
+              <a:t>4/16/2019</a:t>
             </a:fld>
             <a:endParaRPr lang="en-US" dirty="0"/>
           </a:p>
@@ -1748,7 +4825,7 @@
             <a:fld id="{B61BEF0D-F0BB-DE4B-95CE-6DB70DBA9567}" type="datetimeFigureOut">
               <a:rPr lang="en-US" dirty="0"/>
               <a:pPr/>
-              <a:t>4/9/2019</a:t>
+              <a:t>4/16/2019</a:t>
             </a:fld>
             <a:endParaRPr lang="en-US" dirty="0"/>
           </a:p>
@@ -2059,7 +5136,7 @@
             <a:fld id="{B61BEF0D-F0BB-DE4B-95CE-6DB70DBA9567}" type="datetimeFigureOut">
               <a:rPr lang="en-US" dirty="0"/>
               <a:pPr/>
-              <a:t>4/9/2019</a:t>
+              <a:t>4/16/2019</a:t>
             </a:fld>
             <a:endParaRPr lang="en-US" dirty="0"/>
           </a:p>
@@ -2449,7 +5526,7 @@
             <a:fld id="{B61BEF0D-F0BB-DE4B-95CE-6DB70DBA9567}" type="datetimeFigureOut">
               <a:rPr lang="en-US" dirty="0"/>
               <a:pPr/>
-              <a:t>4/9/2019</a:t>
+              <a:t>4/16/2019</a:t>
             </a:fld>
             <a:endParaRPr lang="en-US" dirty="0"/>
           </a:p>
@@ -2615,7 +5692,7 @@
           <a:p>
             <a:fld id="{55C6B4A9-1611-4792-9094-5F34BCA07E0B}" type="datetimeFigureOut">
               <a:rPr lang="en-US" dirty="0"/>
-              <a:t>4/9/2019</a:t>
+              <a:t>4/16/2019</a:t>
             </a:fld>
             <a:endParaRPr lang="en-US" dirty="0"/>
           </a:p>
@@ -2791,7 +5868,7 @@
             <a:fld id="{B61BEF0D-F0BB-DE4B-95CE-6DB70DBA9567}" type="datetimeFigureOut">
               <a:rPr lang="en-US" dirty="0"/>
               <a:pPr/>
-              <a:t>4/9/2019</a:t>
+              <a:t>4/16/2019</a:t>
             </a:fld>
             <a:endParaRPr lang="en-US" dirty="0"/>
           </a:p>
@@ -2957,7 +6034,7 @@
           <a:p>
             <a:fld id="{42A54C80-263E-416B-A8E0-580EDEADCBDC}" type="datetimeFigureOut">
               <a:rPr lang="en-US" dirty="0"/>
-              <a:t>4/9/2019</a:t>
+              <a:t>4/16/2019</a:t>
             </a:fld>
             <a:endParaRPr lang="en-US" dirty="0"/>
           </a:p>
@@ -3200,7 +6277,7 @@
             <a:fld id="{B61BEF0D-F0BB-DE4B-95CE-6DB70DBA9567}" type="datetimeFigureOut">
               <a:rPr lang="en-US" dirty="0"/>
               <a:pPr/>
-              <a:t>4/9/2019</a:t>
+              <a:t>4/16/2019</a:t>
             </a:fld>
             <a:endParaRPr lang="en-US" dirty="0"/>
           </a:p>
@@ -3428,7 +6505,7 @@
           <a:p>
             <a:fld id="{42A54C80-263E-416B-A8E0-580EDEADCBDC}" type="datetimeFigureOut">
               <a:rPr lang="en-US" dirty="0"/>
-              <a:t>4/9/2019</a:t>
+              <a:t>4/16/2019</a:t>
             </a:fld>
             <a:endParaRPr lang="en-US" dirty="0"/>
           </a:p>
@@ -3798,7 +6875,7 @@
             <a:fld id="{B61BEF0D-F0BB-DE4B-95CE-6DB70DBA9567}" type="datetimeFigureOut">
               <a:rPr lang="en-US" dirty="0"/>
               <a:pPr/>
-              <a:t>4/9/2019</a:t>
+              <a:t>4/16/2019</a:t>
             </a:fld>
             <a:endParaRPr lang="en-US" dirty="0"/>
           </a:p>
@@ -3918,7 +6995,7 @@
             <a:fld id="{B61BEF0D-F0BB-DE4B-95CE-6DB70DBA9567}" type="datetimeFigureOut">
               <a:rPr lang="en-US" dirty="0"/>
               <a:pPr/>
-              <a:t>4/9/2019</a:t>
+              <a:t>4/16/2019</a:t>
             </a:fld>
             <a:endParaRPr lang="en-US" dirty="0"/>
           </a:p>
@@ -4010,7 +7087,7 @@
             <a:fld id="{B61BEF0D-F0BB-DE4B-95CE-6DB70DBA9567}" type="datetimeFigureOut">
               <a:rPr lang="en-US" dirty="0"/>
               <a:pPr/>
-              <a:t>4/9/2019</a:t>
+              <a:t>4/16/2019</a:t>
             </a:fld>
             <a:endParaRPr lang="en-US" dirty="0"/>
           </a:p>
@@ -4261,7 +7338,7 @@
           <a:p>
             <a:fld id="{42A54C80-263E-416B-A8E0-580EDEADCBDC}" type="datetimeFigureOut">
               <a:rPr lang="en-US" dirty="0"/>
-              <a:t>4/9/2019</a:t>
+              <a:t>4/16/2019</a:t>
             </a:fld>
             <a:endParaRPr lang="en-US" dirty="0"/>
           </a:p>
@@ -4563,7 +7640,7 @@
             <a:fld id="{B61BEF0D-F0BB-DE4B-95CE-6DB70DBA9567}" type="datetimeFigureOut">
               <a:rPr lang="en-US" dirty="0"/>
               <a:pPr/>
-              <a:t>4/9/2019</a:t>
+              <a:t>4/16/2019</a:t>
             </a:fld>
             <a:endParaRPr lang="en-US" dirty="0"/>
           </a:p>
@@ -5261,7 +8338,7 @@
             <a:fld id="{B61BEF0D-F0BB-DE4B-95CE-6DB70DBA9567}" type="datetimeFigureOut">
               <a:rPr lang="en-US" dirty="0"/>
               <a:pPr/>
-              <a:t>4/9/2019</a:t>
+              <a:t>4/16/2019</a:t>
             </a:fld>
             <a:endParaRPr lang="en-US" dirty="0"/>
           </a:p>
@@ -5883,7 +8960,12 @@
             <p:ph type="title"/>
           </p:nvPr>
         </p:nvSpPr>
-        <p:spPr/>
+        <p:spPr>
+          <a:xfrm>
+            <a:off x="677334" y="609600"/>
+            <a:ext cx="8596668" cy="1320800"/>
+          </a:xfrm>
+        </p:spPr>
         <p:txBody>
           <a:bodyPr/>
           <a:lstStyle/>
@@ -5916,6 +8998,40 @@
           <a:bodyPr/>
           <a:lstStyle/>
           <a:p>
+            <a:r>
+              <a:rPr lang="en-US" dirty="0"/>
+              <a:t>As technology has grown and has been applied to different types of problems, different </a:t>
+            </a:r>
+            <a:r>
+              <a:rPr lang="en-US" b="1" u="sng" dirty="0"/>
+              <a:t>paradigms</a:t>
+            </a:r>
+            <a:r>
+              <a:rPr lang="en-US" dirty="0"/>
+              <a:t> were invented to approach these various problems.</a:t>
+            </a:r>
+          </a:p>
+          <a:p>
+            <a:r>
+              <a:rPr lang="en-US" dirty="0"/>
+              <a:t>There are many types of programming paradigms, and they are used to classify languages based on their features and behaviors.</a:t>
+            </a:r>
+          </a:p>
+          <a:p>
+            <a:r>
+              <a:rPr lang="en-US" dirty="0"/>
+              <a:t>A language is not confined to a single paradigm, but some may argue otherwise. </a:t>
+            </a:r>
+          </a:p>
+          <a:p>
+            <a:r>
+              <a:rPr lang="en-US" dirty="0"/>
+              <a:t>Java was built for the use of </a:t>
+            </a:r>
+            <a:r>
+              <a:rPr lang="en-US" b="1" u="sng" dirty="0"/>
+              <a:t>Object Oriented Programming</a:t>
+            </a:r>
             <a:endParaRPr lang="en-US" dirty="0"/>
           </a:p>
         </p:txBody>
@@ -5924,6 +9040,1682 @@
     <p:extLst>
       <p:ext uri="{BB962C8B-B14F-4D97-AF65-F5344CB8AC3E}">
         <p14:creationId xmlns:p14="http://schemas.microsoft.com/office/powerpoint/2010/main" val="982411891"/>
+      </p:ext>
+    </p:extLst>
+  </p:cSld>
+  <p:clrMapOvr>
+    <a:masterClrMapping/>
+  </p:clrMapOvr>
+</p:sld>
+</file>
+
+<file path=ppt/slides/slide3.xml><?xml version="1.0" encoding="utf-8"?>
+<p:sld xmlns:a="http://schemas.openxmlformats.org/drawingml/2006/main" xmlns:r="http://schemas.openxmlformats.org/officeDocument/2006/relationships" xmlns:p="http://schemas.openxmlformats.org/presentationml/2006/main">
+  <p:cSld>
+    <p:spTree>
+      <p:nvGrpSpPr>
+        <p:cNvPr id="1" name=""/>
+        <p:cNvGrpSpPr/>
+        <p:nvPr/>
+      </p:nvGrpSpPr>
+      <p:grpSpPr>
+        <a:xfrm>
+          <a:off x="0" y="0"/>
+          <a:ext cx="0" cy="0"/>
+          <a:chOff x="0" y="0"/>
+          <a:chExt cx="0" cy="0"/>
+        </a:xfrm>
+      </p:grpSpPr>
+      <p:sp>
+        <p:nvSpPr>
+          <p:cNvPr id="2" name="Title 1">
+            <a:extLst>
+              <a:ext uri="{FF2B5EF4-FFF2-40B4-BE49-F238E27FC236}">
+                <a16:creationId xmlns:a16="http://schemas.microsoft.com/office/drawing/2014/main" id="{D958F0DB-C351-4C3D-8317-40733288CA6A}"/>
+              </a:ext>
+            </a:extLst>
+          </p:cNvPr>
+          <p:cNvSpPr>
+            <a:spLocks noGrp="1"/>
+          </p:cNvSpPr>
+          <p:nvPr>
+            <p:ph type="title"/>
+          </p:nvPr>
+        </p:nvSpPr>
+        <p:spPr>
+          <a:xfrm>
+            <a:off x="677334" y="609600"/>
+            <a:ext cx="8596668" cy="1320800"/>
+          </a:xfrm>
+        </p:spPr>
+        <p:txBody>
+          <a:bodyPr/>
+          <a:lstStyle/>
+          <a:p>
+            <a:r>
+              <a:rPr lang="en-US"/>
+              <a:t>So What is an Object Anyways?</a:t>
+            </a:r>
+            <a:endParaRPr lang="en-US" dirty="0"/>
+          </a:p>
+        </p:txBody>
+      </p:sp>
+      <p:sp>
+        <p:nvSpPr>
+          <p:cNvPr id="3" name="Content Placeholder 2">
+            <a:extLst>
+              <a:ext uri="{FF2B5EF4-FFF2-40B4-BE49-F238E27FC236}">
+                <a16:creationId xmlns:a16="http://schemas.microsoft.com/office/drawing/2014/main" id="{5F45FA66-CBC8-4230-80FE-A86ED3D02245}"/>
+              </a:ext>
+            </a:extLst>
+          </p:cNvPr>
+          <p:cNvSpPr>
+            <a:spLocks noGrp="1"/>
+          </p:cNvSpPr>
+          <p:nvPr>
+            <p:ph idx="1"/>
+          </p:nvPr>
+        </p:nvSpPr>
+        <p:spPr>
+          <a:xfrm>
+            <a:off x="677334" y="2160589"/>
+            <a:ext cx="8596668" cy="3880773"/>
+          </a:xfrm>
+        </p:spPr>
+        <p:txBody>
+          <a:bodyPr>
+            <a:normAutofit lnSpcReduction="10000"/>
+          </a:bodyPr>
+          <a:lstStyle/>
+          <a:p>
+            <a:r>
+              <a:rPr lang="en-US"/>
+              <a:t>An object is an abstract idea for solving problems. </a:t>
+            </a:r>
+          </a:p>
+          <a:p>
+            <a:r>
+              <a:rPr lang="en-US"/>
+              <a:t>An object is defined by its </a:t>
+            </a:r>
+            <a:r>
+              <a:rPr lang="en-US" b="1" u="sng"/>
+              <a:t>state</a:t>
+            </a:r>
+            <a:r>
+              <a:rPr lang="en-US"/>
+              <a:t> and </a:t>
+            </a:r>
+            <a:r>
+              <a:rPr lang="en-US" b="1" u="sng"/>
+              <a:t>behavior</a:t>
+            </a:r>
+            <a:r>
+              <a:rPr lang="en-US"/>
+              <a:t>, state being information about an individual object, and behavior being what that object can do.</a:t>
+            </a:r>
+          </a:p>
+          <a:p>
+            <a:r>
+              <a:rPr lang="en-US"/>
+              <a:t>The state of an object is all the data that makes up that object. For example, the state of a bank account object would be something like a routing number, balance, account holder name, etc.</a:t>
+            </a:r>
+          </a:p>
+          <a:p>
+            <a:r>
+              <a:rPr lang="en-US"/>
+              <a:t>The behavior of an object can act on the sate of the object, manipulating its own state, the state of an other object, or simply performing actions based on those sates. Some examples for behavior in a bank account object would be deposit, withdraw, check balance.</a:t>
+            </a:r>
+          </a:p>
+          <a:p>
+            <a:r>
+              <a:rPr lang="en-US"/>
+              <a:t>Note how I have not talked about programming yet. Objects should not be thought of as programming concepts, as they can be used to solve problems outside of computing.</a:t>
+            </a:r>
+          </a:p>
+          <a:p>
+            <a:endParaRPr lang="en-US" dirty="0"/>
+          </a:p>
+        </p:txBody>
+      </p:sp>
+    </p:spTree>
+    <p:extLst>
+      <p:ext uri="{BB962C8B-B14F-4D97-AF65-F5344CB8AC3E}">
+        <p14:creationId xmlns:p14="http://schemas.microsoft.com/office/powerpoint/2010/main" val="1488583579"/>
+      </p:ext>
+    </p:extLst>
+  </p:cSld>
+  <p:clrMapOvr>
+    <a:masterClrMapping/>
+  </p:clrMapOvr>
+</p:sld>
+</file>
+
+<file path=ppt/slides/slide4.xml><?xml version="1.0" encoding="utf-8"?>
+<p:sld xmlns:a="http://schemas.openxmlformats.org/drawingml/2006/main" xmlns:r="http://schemas.openxmlformats.org/officeDocument/2006/relationships" xmlns:p="http://schemas.openxmlformats.org/presentationml/2006/main">
+  <p:cSld>
+    <p:bg>
+      <p:bgPr>
+        <a:solidFill>
+          <a:schemeClr val="bg1"/>
+        </a:solidFill>
+        <a:effectLst/>
+      </p:bgPr>
+    </p:bg>
+    <p:spTree>
+      <p:nvGrpSpPr>
+        <p:cNvPr id="1" name=""/>
+        <p:cNvGrpSpPr/>
+        <p:nvPr/>
+      </p:nvGrpSpPr>
+      <p:grpSpPr>
+        <a:xfrm>
+          <a:off x="0" y="0"/>
+          <a:ext cx="0" cy="0"/>
+          <a:chOff x="0" y="0"/>
+          <a:chExt cx="0" cy="0"/>
+        </a:xfrm>
+      </p:grpSpPr>
+      <p:sp useBgFill="1">
+        <p:nvSpPr>
+          <p:cNvPr id="19" name="Rectangle 18">
+            <a:extLst>
+              <a:ext uri="{FF2B5EF4-FFF2-40B4-BE49-F238E27FC236}">
+                <a16:creationId xmlns:a16="http://schemas.microsoft.com/office/drawing/2014/main" id="{CB5AA8A5-25CC-4295-892F-367FCDAF2BF6}"/>
+              </a:ext>
+              <a:ext uri="{C183D7F6-B498-43B3-948B-1728B52AA6E4}">
+                <adec:decorative xmlns:adec="http://schemas.microsoft.com/office/drawing/2017/decorative" val="1"/>
+              </a:ext>
+            </a:extLst>
+          </p:cNvPr>
+          <p:cNvSpPr>
+            <a:spLocks noGrp="1" noRot="1" noChangeAspect="1" noMove="1" noResize="1" noEditPoints="1" noAdjustHandles="1" noChangeArrowheads="1" noChangeShapeType="1" noTextEdit="1"/>
+          </p:cNvSpPr>
+          <p:nvPr>
+            <p:extLst>
+              <p:ext uri="{386F3935-93C4-4BCD-93E2-E3B085C9AB24}">
+                <p16:designElem xmlns:p16="http://schemas.microsoft.com/office/powerpoint/2015/main" val="1"/>
+              </p:ext>
+            </p:extLst>
+          </p:nvPr>
+        </p:nvSpPr>
+        <p:spPr>
+          <a:xfrm>
+            <a:off x="0" y="0"/>
+            <a:ext cx="12192000" cy="6858000"/>
+          </a:xfrm>
+          <a:prstGeom prst="rect">
+            <a:avLst/>
+          </a:prstGeom>
+          <a:ln>
+            <a:noFill/>
+          </a:ln>
+        </p:spPr>
+        <p:style>
+          <a:lnRef idx="2">
+            <a:schemeClr val="accent1">
+              <a:shade val="50000"/>
+            </a:schemeClr>
+          </a:lnRef>
+          <a:fillRef idx="1">
+            <a:schemeClr val="accent1"/>
+          </a:fillRef>
+          <a:effectRef idx="0">
+            <a:schemeClr val="accent1"/>
+          </a:effectRef>
+          <a:fontRef idx="minor">
+            <a:schemeClr val="lt1"/>
+          </a:fontRef>
+        </p:style>
+        <p:txBody>
+          <a:bodyPr rtlCol="0" anchor="ctr"/>
+          <a:lstStyle/>
+          <a:p>
+            <a:pPr algn="ctr"/>
+            <a:endParaRPr lang="en-US"/>
+          </a:p>
+        </p:txBody>
+      </p:sp>
+      <p:grpSp>
+        <p:nvGrpSpPr>
+          <p:cNvPr id="21" name="Group 20">
+            <a:extLst>
+              <a:ext uri="{FF2B5EF4-FFF2-40B4-BE49-F238E27FC236}">
+                <a16:creationId xmlns:a16="http://schemas.microsoft.com/office/drawing/2014/main" id="{09DD65AA-8280-4962-92F3-DF1CB53349DB}"/>
+              </a:ext>
+              <a:ext uri="{C183D7F6-B498-43B3-948B-1728B52AA6E4}">
+                <adec:decorative xmlns:adec="http://schemas.microsoft.com/office/drawing/2017/decorative" val="1"/>
+              </a:ext>
+            </a:extLst>
+          </p:cNvPr>
+          <p:cNvGrpSpPr>
+            <a:grpSpLocks noGrp="1" noUngrp="1" noRot="1" noChangeAspect="1" noMove="1" noResize="1"/>
+          </p:cNvGrpSpPr>
+          <p:nvPr>
+            <p:extLst>
+              <p:ext uri="{386F3935-93C4-4BCD-93E2-E3B085C9AB24}">
+                <p16:designElem xmlns:p16="http://schemas.microsoft.com/office/powerpoint/2015/main" val="1"/>
+              </p:ext>
+            </p:extLst>
+          </p:nvPr>
+        </p:nvGrpSpPr>
+        <p:grpSpPr>
+          <a:xfrm>
+            <a:off x="979068" y="-8467"/>
+            <a:ext cx="4766733" cy="6866467"/>
+            <a:chOff x="7425267" y="-8467"/>
+            <a:chExt cx="4766733" cy="6866467"/>
+          </a:xfrm>
+        </p:grpSpPr>
+        <p:cxnSp>
+          <p:nvCxnSpPr>
+            <p:cNvPr id="22" name="Straight Connector 21">
+              <a:extLst>
+                <a:ext uri="{FF2B5EF4-FFF2-40B4-BE49-F238E27FC236}">
+                  <a16:creationId xmlns:a16="http://schemas.microsoft.com/office/drawing/2014/main" id="{88942788-FC6D-44C2-BFC1-6F064710DA0C}"/>
+                </a:ext>
+                <a:ext uri="{C183D7F6-B498-43B3-948B-1728B52AA6E4}">
+                  <adec:decorative xmlns:adec="http://schemas.microsoft.com/office/drawing/2017/decorative" val="1"/>
+                </a:ext>
+              </a:extLst>
+            </p:cNvPr>
+            <p:cNvCxnSpPr/>
+            <p:nvPr>
+              <p:extLst>
+                <p:ext uri="{386F3935-93C4-4BCD-93E2-E3B085C9AB24}">
+                  <p16:designElem xmlns:p16="http://schemas.microsoft.com/office/powerpoint/2015/main" val="1"/>
+                </p:ext>
+              </p:extLst>
+            </p:nvPr>
+          </p:nvCxnSpPr>
+          <p:spPr>
+            <a:xfrm>
+              <a:off x="9371012" y="0"/>
+              <a:ext cx="1219200" cy="6858000"/>
+            </a:xfrm>
+            <a:prstGeom prst="line">
+              <a:avLst/>
+            </a:prstGeom>
+            <a:ln w="9525">
+              <a:solidFill>
+                <a:srgbClr val="BFBFBF">
+                  <a:alpha val="75000"/>
+                </a:srgbClr>
+              </a:solidFill>
+            </a:ln>
+          </p:spPr>
+          <p:style>
+            <a:lnRef idx="2">
+              <a:schemeClr val="accent1"/>
+            </a:lnRef>
+            <a:fillRef idx="0">
+              <a:schemeClr val="accent1"/>
+            </a:fillRef>
+            <a:effectRef idx="1">
+              <a:schemeClr val="accent1"/>
+            </a:effectRef>
+            <a:fontRef idx="minor">
+              <a:schemeClr val="tx1"/>
+            </a:fontRef>
+          </p:style>
+        </p:cxnSp>
+        <p:cxnSp>
+          <p:nvCxnSpPr>
+            <p:cNvPr id="23" name="Straight Connector 22">
+              <a:extLst>
+                <a:ext uri="{FF2B5EF4-FFF2-40B4-BE49-F238E27FC236}">
+                  <a16:creationId xmlns:a16="http://schemas.microsoft.com/office/drawing/2014/main" id="{01093AC6-E5C2-4894-A520-5BE11049F27B}"/>
+                </a:ext>
+                <a:ext uri="{C183D7F6-B498-43B3-948B-1728B52AA6E4}">
+                  <adec:decorative xmlns:adec="http://schemas.microsoft.com/office/drawing/2017/decorative" val="1"/>
+                </a:ext>
+              </a:extLst>
+            </p:cNvPr>
+            <p:cNvCxnSpPr/>
+            <p:nvPr>
+              <p:extLst>
+                <p:ext uri="{386F3935-93C4-4BCD-93E2-E3B085C9AB24}">
+                  <p16:designElem xmlns:p16="http://schemas.microsoft.com/office/powerpoint/2015/main" val="1"/>
+                </p:ext>
+              </p:extLst>
+            </p:nvPr>
+          </p:nvCxnSpPr>
+          <p:spPr>
+            <a:xfrm flipH="1">
+              <a:off x="7425267" y="3681413"/>
+              <a:ext cx="4763558" cy="3176587"/>
+            </a:xfrm>
+            <a:prstGeom prst="line">
+              <a:avLst/>
+            </a:prstGeom>
+            <a:ln w="9525">
+              <a:solidFill>
+                <a:srgbClr val="BFBFBF">
+                  <a:alpha val="80000"/>
+                </a:srgbClr>
+              </a:solidFill>
+            </a:ln>
+          </p:spPr>
+          <p:style>
+            <a:lnRef idx="2">
+              <a:schemeClr val="accent1"/>
+            </a:lnRef>
+            <a:fillRef idx="0">
+              <a:schemeClr val="accent1"/>
+            </a:fillRef>
+            <a:effectRef idx="1">
+              <a:schemeClr val="accent1"/>
+            </a:effectRef>
+            <a:fontRef idx="minor">
+              <a:schemeClr val="tx1"/>
+            </a:fontRef>
+          </p:style>
+        </p:cxnSp>
+        <p:sp>
+          <p:nvSpPr>
+            <p:cNvPr id="24" name="Rectangle 23">
+              <a:extLst>
+                <a:ext uri="{FF2B5EF4-FFF2-40B4-BE49-F238E27FC236}">
+                  <a16:creationId xmlns:a16="http://schemas.microsoft.com/office/drawing/2014/main" id="{F2EF9281-EAD8-4973-938C-52DECCD0F64B}"/>
+                </a:ext>
+                <a:ext uri="{C183D7F6-B498-43B3-948B-1728B52AA6E4}">
+                  <adec:decorative xmlns:adec="http://schemas.microsoft.com/office/drawing/2017/decorative" val="1"/>
+                </a:ext>
+              </a:extLst>
+            </p:cNvPr>
+            <p:cNvSpPr/>
+            <p:nvPr>
+              <p:extLst>
+                <p:ext uri="{386F3935-93C4-4BCD-93E2-E3B085C9AB24}">
+                  <p16:designElem xmlns:p16="http://schemas.microsoft.com/office/powerpoint/2015/main" val="1"/>
+                </p:ext>
+              </p:extLst>
+            </p:nvPr>
+          </p:nvSpPr>
+          <p:spPr>
+            <a:xfrm>
+              <a:off x="9181476" y="-8467"/>
+              <a:ext cx="3007349" cy="6866467"/>
+            </a:xfrm>
+            <a:custGeom>
+              <a:avLst/>
+              <a:gdLst/>
+              <a:ahLst/>
+              <a:cxnLst/>
+              <a:rect l="l" t="t" r="r" b="b"/>
+              <a:pathLst>
+                <a:path w="3007349" h="6866467">
+                  <a:moveTo>
+                    <a:pt x="2045532" y="0"/>
+                  </a:moveTo>
+                  <a:lnTo>
+                    <a:pt x="3007349" y="0"/>
+                  </a:lnTo>
+                  <a:lnTo>
+                    <a:pt x="3007349" y="6866467"/>
+                  </a:lnTo>
+                  <a:lnTo>
+                    <a:pt x="0" y="6866467"/>
+                  </a:lnTo>
+                  <a:lnTo>
+                    <a:pt x="2045532" y="0"/>
+                  </a:lnTo>
+                  <a:close/>
+                </a:path>
+              </a:pathLst>
+            </a:custGeom>
+            <a:solidFill>
+              <a:schemeClr val="accent1">
+                <a:alpha val="30000"/>
+              </a:schemeClr>
+            </a:solidFill>
+            <a:ln>
+              <a:noFill/>
+            </a:ln>
+            <a:effectLst/>
+          </p:spPr>
+          <p:style>
+            <a:lnRef idx="1">
+              <a:schemeClr val="accent1"/>
+            </a:lnRef>
+            <a:fillRef idx="3">
+              <a:schemeClr val="accent1"/>
+            </a:fillRef>
+            <a:effectRef idx="2">
+              <a:schemeClr val="accent1"/>
+            </a:effectRef>
+            <a:fontRef idx="minor">
+              <a:schemeClr val="lt1"/>
+            </a:fontRef>
+          </p:style>
+        </p:sp>
+        <p:sp>
+          <p:nvSpPr>
+            <p:cNvPr id="25" name="Rectangle 25">
+              <a:extLst>
+                <a:ext uri="{FF2B5EF4-FFF2-40B4-BE49-F238E27FC236}">
+                  <a16:creationId xmlns:a16="http://schemas.microsoft.com/office/drawing/2014/main" id="{F4D52681-7A79-4750-8E02-7C30DBAFE9E2}"/>
+                </a:ext>
+                <a:ext uri="{C183D7F6-B498-43B3-948B-1728B52AA6E4}">
+                  <adec:decorative xmlns:adec="http://schemas.microsoft.com/office/drawing/2017/decorative" val="1"/>
+                </a:ext>
+              </a:extLst>
+            </p:cNvPr>
+            <p:cNvSpPr/>
+            <p:nvPr>
+              <p:extLst>
+                <p:ext uri="{386F3935-93C4-4BCD-93E2-E3B085C9AB24}">
+                  <p16:designElem xmlns:p16="http://schemas.microsoft.com/office/powerpoint/2015/main" val="1"/>
+                </p:ext>
+              </p:extLst>
+            </p:nvPr>
+          </p:nvSpPr>
+          <p:spPr>
+            <a:xfrm>
+              <a:off x="9603442" y="-8467"/>
+              <a:ext cx="2588558" cy="6866467"/>
+            </a:xfrm>
+            <a:custGeom>
+              <a:avLst/>
+              <a:gdLst/>
+              <a:ahLst/>
+              <a:cxnLst/>
+              <a:rect l="l" t="t" r="r" b="b"/>
+              <a:pathLst>
+                <a:path w="2573311" h="6866467">
+                  <a:moveTo>
+                    <a:pt x="0" y="0"/>
+                  </a:moveTo>
+                  <a:lnTo>
+                    <a:pt x="2573311" y="0"/>
+                  </a:lnTo>
+                  <a:lnTo>
+                    <a:pt x="2573311" y="6866467"/>
+                  </a:lnTo>
+                  <a:lnTo>
+                    <a:pt x="1202336" y="6866467"/>
+                  </a:lnTo>
+                  <a:lnTo>
+                    <a:pt x="0" y="0"/>
+                  </a:lnTo>
+                  <a:close/>
+                </a:path>
+              </a:pathLst>
+            </a:custGeom>
+            <a:solidFill>
+              <a:schemeClr val="accent1">
+                <a:alpha val="20000"/>
+              </a:schemeClr>
+            </a:solidFill>
+            <a:ln>
+              <a:noFill/>
+            </a:ln>
+            <a:effectLst/>
+          </p:spPr>
+          <p:style>
+            <a:lnRef idx="1">
+              <a:schemeClr val="accent1"/>
+            </a:lnRef>
+            <a:fillRef idx="3">
+              <a:schemeClr val="accent1"/>
+            </a:fillRef>
+            <a:effectRef idx="2">
+              <a:schemeClr val="accent1"/>
+            </a:effectRef>
+            <a:fontRef idx="minor">
+              <a:schemeClr val="lt1"/>
+            </a:fontRef>
+          </p:style>
+        </p:sp>
+        <p:sp>
+          <p:nvSpPr>
+            <p:cNvPr id="26" name="Isosceles Triangle 25">
+              <a:extLst>
+                <a:ext uri="{FF2B5EF4-FFF2-40B4-BE49-F238E27FC236}">
+                  <a16:creationId xmlns:a16="http://schemas.microsoft.com/office/drawing/2014/main" id="{F132E88E-8003-49D3-88BD-E18DF69650A5}"/>
+                </a:ext>
+                <a:ext uri="{C183D7F6-B498-43B3-948B-1728B52AA6E4}">
+                  <adec:decorative xmlns:adec="http://schemas.microsoft.com/office/drawing/2017/decorative" val="1"/>
+                </a:ext>
+              </a:extLst>
+            </p:cNvPr>
+            <p:cNvSpPr/>
+            <p:nvPr>
+              <p:extLst>
+                <p:ext uri="{386F3935-93C4-4BCD-93E2-E3B085C9AB24}">
+                  <p16:designElem xmlns:p16="http://schemas.microsoft.com/office/powerpoint/2015/main" val="1"/>
+                </p:ext>
+              </p:extLst>
+            </p:nvPr>
+          </p:nvSpPr>
+          <p:spPr>
+            <a:xfrm>
+              <a:off x="8932333" y="3048000"/>
+              <a:ext cx="3259667" cy="3810000"/>
+            </a:xfrm>
+            <a:prstGeom prst="triangle">
+              <a:avLst>
+                <a:gd name="adj" fmla="val 100000"/>
+              </a:avLst>
+            </a:prstGeom>
+            <a:solidFill>
+              <a:schemeClr val="accent1">
+                <a:lumMod val="75000"/>
+                <a:alpha val="72000"/>
+              </a:schemeClr>
+            </a:solidFill>
+            <a:ln>
+              <a:noFill/>
+            </a:ln>
+            <a:effectLst/>
+          </p:spPr>
+          <p:style>
+            <a:lnRef idx="1">
+              <a:schemeClr val="accent1"/>
+            </a:lnRef>
+            <a:fillRef idx="3">
+              <a:schemeClr val="accent1"/>
+            </a:fillRef>
+            <a:effectRef idx="2">
+              <a:schemeClr val="accent1"/>
+            </a:effectRef>
+            <a:fontRef idx="minor">
+              <a:schemeClr val="lt1"/>
+            </a:fontRef>
+          </p:style>
+        </p:sp>
+        <p:sp>
+          <p:nvSpPr>
+            <p:cNvPr id="27" name="Rectangle 27">
+              <a:extLst>
+                <a:ext uri="{FF2B5EF4-FFF2-40B4-BE49-F238E27FC236}">
+                  <a16:creationId xmlns:a16="http://schemas.microsoft.com/office/drawing/2014/main" id="{8C986A99-157C-40D0-97AD-371B6F55E3F1}"/>
+                </a:ext>
+                <a:ext uri="{C183D7F6-B498-43B3-948B-1728B52AA6E4}">
+                  <adec:decorative xmlns:adec="http://schemas.microsoft.com/office/drawing/2017/decorative" val="1"/>
+                </a:ext>
+              </a:extLst>
+            </p:cNvPr>
+            <p:cNvSpPr/>
+            <p:nvPr>
+              <p:extLst>
+                <p:ext uri="{386F3935-93C4-4BCD-93E2-E3B085C9AB24}">
+                  <p16:designElem xmlns:p16="http://schemas.microsoft.com/office/powerpoint/2015/main" val="1"/>
+                </p:ext>
+              </p:extLst>
+            </p:nvPr>
+          </p:nvSpPr>
+          <p:spPr>
+            <a:xfrm>
+              <a:off x="9334500" y="-8467"/>
+              <a:ext cx="2854326" cy="6866467"/>
+            </a:xfrm>
+            <a:custGeom>
+              <a:avLst/>
+              <a:gdLst/>
+              <a:ahLst/>
+              <a:cxnLst/>
+              <a:rect l="l" t="t" r="r" b="b"/>
+              <a:pathLst>
+                <a:path w="2858013" h="6866467">
+                  <a:moveTo>
+                    <a:pt x="0" y="0"/>
+                  </a:moveTo>
+                  <a:lnTo>
+                    <a:pt x="2858013" y="0"/>
+                  </a:lnTo>
+                  <a:lnTo>
+                    <a:pt x="2858013" y="6866467"/>
+                  </a:lnTo>
+                  <a:lnTo>
+                    <a:pt x="2473942" y="6866467"/>
+                  </a:lnTo>
+                  <a:lnTo>
+                    <a:pt x="0" y="0"/>
+                  </a:lnTo>
+                  <a:close/>
+                </a:path>
+              </a:pathLst>
+            </a:custGeom>
+            <a:solidFill>
+              <a:schemeClr val="accent1">
+                <a:lumMod val="75000"/>
+                <a:alpha val="60000"/>
+              </a:schemeClr>
+            </a:solidFill>
+            <a:ln>
+              <a:noFill/>
+            </a:ln>
+            <a:effectLst/>
+          </p:spPr>
+          <p:style>
+            <a:lnRef idx="1">
+              <a:schemeClr val="accent1"/>
+            </a:lnRef>
+            <a:fillRef idx="3">
+              <a:schemeClr val="accent1"/>
+            </a:fillRef>
+            <a:effectRef idx="2">
+              <a:schemeClr val="accent1"/>
+            </a:effectRef>
+            <a:fontRef idx="minor">
+              <a:schemeClr val="lt1"/>
+            </a:fontRef>
+          </p:style>
+        </p:sp>
+        <p:sp>
+          <p:nvSpPr>
+            <p:cNvPr id="28" name="Rectangle 28">
+              <a:extLst>
+                <a:ext uri="{FF2B5EF4-FFF2-40B4-BE49-F238E27FC236}">
+                  <a16:creationId xmlns:a16="http://schemas.microsoft.com/office/drawing/2014/main" id="{264123D5-6D32-4F54-BAD5-43A5BAF6AF6D}"/>
+                </a:ext>
+                <a:ext uri="{C183D7F6-B498-43B3-948B-1728B52AA6E4}">
+                  <adec:decorative xmlns:adec="http://schemas.microsoft.com/office/drawing/2017/decorative" val="1"/>
+                </a:ext>
+              </a:extLst>
+            </p:cNvPr>
+            <p:cNvSpPr/>
+            <p:nvPr>
+              <p:extLst>
+                <p:ext uri="{386F3935-93C4-4BCD-93E2-E3B085C9AB24}">
+                  <p16:designElem xmlns:p16="http://schemas.microsoft.com/office/powerpoint/2015/main" val="1"/>
+                </p:ext>
+              </p:extLst>
+            </p:nvPr>
+          </p:nvSpPr>
+          <p:spPr>
+            <a:xfrm>
+              <a:off x="10898730" y="-8467"/>
+              <a:ext cx="1290094" cy="6866467"/>
+            </a:xfrm>
+            <a:custGeom>
+              <a:avLst/>
+              <a:gdLst/>
+              <a:ahLst/>
+              <a:cxnLst/>
+              <a:rect l="l" t="t" r="r" b="b"/>
+              <a:pathLst>
+                <a:path w="1290094" h="6858000">
+                  <a:moveTo>
+                    <a:pt x="1019735" y="0"/>
+                  </a:moveTo>
+                  <a:lnTo>
+                    <a:pt x="1290094" y="0"/>
+                  </a:lnTo>
+                  <a:lnTo>
+                    <a:pt x="1290094" y="6858000"/>
+                  </a:lnTo>
+                  <a:lnTo>
+                    <a:pt x="0" y="6858000"/>
+                  </a:lnTo>
+                  <a:lnTo>
+                    <a:pt x="1019735" y="0"/>
+                  </a:lnTo>
+                  <a:close/>
+                </a:path>
+              </a:pathLst>
+            </a:custGeom>
+            <a:solidFill>
+              <a:schemeClr val="accent1">
+                <a:lumMod val="60000"/>
+                <a:lumOff val="40000"/>
+                <a:alpha val="70000"/>
+              </a:schemeClr>
+            </a:solidFill>
+            <a:ln>
+              <a:noFill/>
+            </a:ln>
+            <a:effectLst/>
+          </p:spPr>
+          <p:style>
+            <a:lnRef idx="1">
+              <a:schemeClr val="accent1"/>
+            </a:lnRef>
+            <a:fillRef idx="3">
+              <a:schemeClr val="accent1"/>
+            </a:fillRef>
+            <a:effectRef idx="2">
+              <a:schemeClr val="accent1"/>
+            </a:effectRef>
+            <a:fontRef idx="minor">
+              <a:schemeClr val="lt1"/>
+            </a:fontRef>
+          </p:style>
+        </p:sp>
+        <p:sp>
+          <p:nvSpPr>
+            <p:cNvPr id="29" name="Rectangle 29">
+              <a:extLst>
+                <a:ext uri="{FF2B5EF4-FFF2-40B4-BE49-F238E27FC236}">
+                  <a16:creationId xmlns:a16="http://schemas.microsoft.com/office/drawing/2014/main" id="{5FCA8C06-6A3E-4C39-9EF2-117987331988}"/>
+                </a:ext>
+                <a:ext uri="{C183D7F6-B498-43B3-948B-1728B52AA6E4}">
+                  <adec:decorative xmlns:adec="http://schemas.microsoft.com/office/drawing/2017/decorative" val="1"/>
+                </a:ext>
+              </a:extLst>
+            </p:cNvPr>
+            <p:cNvSpPr/>
+            <p:nvPr>
+              <p:extLst>
+                <p:ext uri="{386F3935-93C4-4BCD-93E2-E3B085C9AB24}">
+                  <p16:designElem xmlns:p16="http://schemas.microsoft.com/office/powerpoint/2015/main" val="1"/>
+                </p:ext>
+              </p:extLst>
+            </p:nvPr>
+          </p:nvSpPr>
+          <p:spPr>
+            <a:xfrm>
+              <a:off x="10938999" y="-8467"/>
+              <a:ext cx="1249825" cy="6866467"/>
+            </a:xfrm>
+            <a:custGeom>
+              <a:avLst/>
+              <a:gdLst/>
+              <a:ahLst/>
+              <a:cxnLst/>
+              <a:rect l="l" t="t" r="r" b="b"/>
+              <a:pathLst>
+                <a:path w="1249825" h="6858000">
+                  <a:moveTo>
+                    <a:pt x="0" y="0"/>
+                  </a:moveTo>
+                  <a:lnTo>
+                    <a:pt x="1249825" y="0"/>
+                  </a:lnTo>
+                  <a:lnTo>
+                    <a:pt x="1249825" y="6858000"/>
+                  </a:lnTo>
+                  <a:lnTo>
+                    <a:pt x="1109382" y="6858000"/>
+                  </a:lnTo>
+                  <a:lnTo>
+                    <a:pt x="0" y="0"/>
+                  </a:lnTo>
+                  <a:close/>
+                </a:path>
+              </a:pathLst>
+            </a:custGeom>
+            <a:solidFill>
+              <a:schemeClr val="accent1">
+                <a:alpha val="65000"/>
+              </a:schemeClr>
+            </a:solidFill>
+            <a:ln>
+              <a:noFill/>
+            </a:ln>
+            <a:effectLst/>
+          </p:spPr>
+          <p:style>
+            <a:lnRef idx="1">
+              <a:schemeClr val="accent1"/>
+            </a:lnRef>
+            <a:fillRef idx="3">
+              <a:schemeClr val="accent1"/>
+            </a:fillRef>
+            <a:effectRef idx="2">
+              <a:schemeClr val="accent1"/>
+            </a:effectRef>
+            <a:fontRef idx="minor">
+              <a:schemeClr val="lt1"/>
+            </a:fontRef>
+          </p:style>
+        </p:sp>
+        <p:sp>
+          <p:nvSpPr>
+            <p:cNvPr id="30" name="Isosceles Triangle 29">
+              <a:extLst>
+                <a:ext uri="{FF2B5EF4-FFF2-40B4-BE49-F238E27FC236}">
+                  <a16:creationId xmlns:a16="http://schemas.microsoft.com/office/drawing/2014/main" id="{3F93416A-6C44-4D77-A94A-DEBC035EA62C}"/>
+                </a:ext>
+                <a:ext uri="{C183D7F6-B498-43B3-948B-1728B52AA6E4}">
+                  <adec:decorative xmlns:adec="http://schemas.microsoft.com/office/drawing/2017/decorative" val="1"/>
+                </a:ext>
+              </a:extLst>
+            </p:cNvPr>
+            <p:cNvSpPr/>
+            <p:nvPr>
+              <p:extLst>
+                <p:ext uri="{386F3935-93C4-4BCD-93E2-E3B085C9AB24}">
+                  <p16:designElem xmlns:p16="http://schemas.microsoft.com/office/powerpoint/2015/main" val="1"/>
+                </p:ext>
+              </p:extLst>
+            </p:nvPr>
+          </p:nvSpPr>
+          <p:spPr>
+            <a:xfrm>
+              <a:off x="10371666" y="3589867"/>
+              <a:ext cx="1817159" cy="3268133"/>
+            </a:xfrm>
+            <a:prstGeom prst="triangle">
+              <a:avLst>
+                <a:gd name="adj" fmla="val 100000"/>
+              </a:avLst>
+            </a:prstGeom>
+            <a:solidFill>
+              <a:schemeClr val="accent1">
+                <a:alpha val="80000"/>
+              </a:schemeClr>
+            </a:solidFill>
+            <a:ln>
+              <a:noFill/>
+            </a:ln>
+            <a:effectLst/>
+          </p:spPr>
+          <p:style>
+            <a:lnRef idx="1">
+              <a:schemeClr val="accent1"/>
+            </a:lnRef>
+            <a:fillRef idx="3">
+              <a:schemeClr val="accent1"/>
+            </a:fillRef>
+            <a:effectRef idx="2">
+              <a:schemeClr val="accent1"/>
+            </a:effectRef>
+            <a:fontRef idx="minor">
+              <a:schemeClr val="lt1"/>
+            </a:fontRef>
+          </p:style>
+        </p:sp>
+      </p:grpSp>
+      <p:sp>
+        <p:nvSpPr>
+          <p:cNvPr id="2" name="Title 1">
+            <a:extLst>
+              <a:ext uri="{FF2B5EF4-FFF2-40B4-BE49-F238E27FC236}">
+                <a16:creationId xmlns:a16="http://schemas.microsoft.com/office/drawing/2014/main" id="{FE6A857C-B06B-47CD-B28F-61583DD1A64C}"/>
+              </a:ext>
+            </a:extLst>
+          </p:cNvPr>
+          <p:cNvSpPr>
+            <a:spLocks noGrp="1"/>
+          </p:cNvSpPr>
+          <p:nvPr>
+            <p:ph type="title"/>
+          </p:nvPr>
+        </p:nvSpPr>
+        <p:spPr>
+          <a:xfrm>
+            <a:off x="652481" y="1382486"/>
+            <a:ext cx="3547581" cy="4093028"/>
+          </a:xfrm>
+        </p:spPr>
+        <p:txBody>
+          <a:bodyPr anchor="ctr">
+            <a:normAutofit/>
+          </a:bodyPr>
+          <a:lstStyle/>
+          <a:p>
+            <a:r>
+              <a:rPr lang="en-US" sz="4400">
+                <a:solidFill>
+                  <a:schemeClr val="accent1">
+                    <a:lumMod val="75000"/>
+                  </a:schemeClr>
+                </a:solidFill>
+              </a:rPr>
+              <a:t>The Three Pillars of OOP</a:t>
+            </a:r>
+          </a:p>
+        </p:txBody>
+      </p:sp>
+      <p:sp>
+        <p:nvSpPr>
+          <p:cNvPr id="32" name="Rectangle 31">
+            <a:extLst>
+              <a:ext uri="{FF2B5EF4-FFF2-40B4-BE49-F238E27FC236}">
+                <a16:creationId xmlns:a16="http://schemas.microsoft.com/office/drawing/2014/main" id="{24C6BC13-FB1E-48CC-B421-3D06039728B4}"/>
+              </a:ext>
+              <a:ext uri="{C183D7F6-B498-43B3-948B-1728B52AA6E4}">
+                <adec:decorative xmlns:adec="http://schemas.microsoft.com/office/drawing/2017/decorative" val="1"/>
+              </a:ext>
+            </a:extLst>
+          </p:cNvPr>
+          <p:cNvSpPr>
+            <a:spLocks noGrp="1" noRot="1" noChangeAspect="1" noMove="1" noResize="1" noEditPoints="1" noAdjustHandles="1" noChangeArrowheads="1" noChangeShapeType="1" noTextEdit="1"/>
+          </p:cNvSpPr>
+          <p:nvPr>
+            <p:extLst>
+              <p:ext uri="{386F3935-93C4-4BCD-93E2-E3B085C9AB24}">
+                <p16:designElem xmlns:p16="http://schemas.microsoft.com/office/powerpoint/2015/main" val="1"/>
+              </p:ext>
+            </p:extLst>
+          </p:nvPr>
+        </p:nvSpPr>
+        <p:spPr>
+          <a:xfrm>
+            <a:off x="5742625" y="0"/>
+            <a:ext cx="6449375" cy="6858000"/>
+          </a:xfrm>
+          <a:prstGeom prst="rect">
+            <a:avLst/>
+          </a:prstGeom>
+          <a:ln>
+            <a:noFill/>
+          </a:ln>
+        </p:spPr>
+        <p:style>
+          <a:lnRef idx="2">
+            <a:schemeClr val="accent1">
+              <a:shade val="50000"/>
+            </a:schemeClr>
+          </a:lnRef>
+          <a:fillRef idx="1">
+            <a:schemeClr val="accent1"/>
+          </a:fillRef>
+          <a:effectRef idx="0">
+            <a:schemeClr val="accent1"/>
+          </a:effectRef>
+          <a:fontRef idx="minor">
+            <a:schemeClr val="lt1"/>
+          </a:fontRef>
+        </p:style>
+        <p:txBody>
+          <a:bodyPr rtlCol="0" anchor="ctr"/>
+          <a:lstStyle/>
+          <a:p>
+            <a:pPr algn="ctr"/>
+            <a:endParaRPr lang="en-US"/>
+          </a:p>
+        </p:txBody>
+      </p:sp>
+      <p:graphicFrame>
+        <p:nvGraphicFramePr>
+          <p:cNvPr id="5" name="Content Placeholder 2">
+            <a:extLst>
+              <a:ext uri="{FF2B5EF4-FFF2-40B4-BE49-F238E27FC236}">
+                <a16:creationId xmlns:a16="http://schemas.microsoft.com/office/drawing/2014/main" id="{DDA9F705-295A-425B-89F0-2B4DBD453658}"/>
+              </a:ext>
+            </a:extLst>
+          </p:cNvPr>
+          <p:cNvGraphicFramePr>
+            <a:graphicFrameLocks noGrp="1"/>
+          </p:cNvGraphicFramePr>
+          <p:nvPr>
+            <p:ph idx="1"/>
+            <p:extLst>
+              <p:ext uri="{D42A27DB-BD31-4B8C-83A1-F6EECF244321}">
+                <p14:modId xmlns:p14="http://schemas.microsoft.com/office/powerpoint/2010/main" val="4040574480"/>
+              </p:ext>
+            </p:extLst>
+          </p:nvPr>
+        </p:nvGraphicFramePr>
+        <p:xfrm>
+          <a:off x="4852543" y="944564"/>
+          <a:ext cx="6692814" cy="4823190"/>
+        </p:xfrm>
+        <a:graphic>
+          <a:graphicData uri="http://schemas.openxmlformats.org/drawingml/2006/diagram">
+            <dgm:relIds xmlns:dgm="http://schemas.openxmlformats.org/drawingml/2006/diagram" xmlns:r="http://schemas.openxmlformats.org/officeDocument/2006/relationships" r:dm="rId3" r:lo="rId4" r:qs="rId5" r:cs="rId6"/>
+          </a:graphicData>
+        </a:graphic>
+      </p:graphicFrame>
+    </p:spTree>
+    <p:extLst>
+      <p:ext uri="{BB962C8B-B14F-4D97-AF65-F5344CB8AC3E}">
+        <p14:creationId xmlns:p14="http://schemas.microsoft.com/office/powerpoint/2010/main" val="2478632775"/>
+      </p:ext>
+    </p:extLst>
+  </p:cSld>
+  <p:clrMapOvr>
+    <a:masterClrMapping/>
+  </p:clrMapOvr>
+</p:sld>
+</file>
+
+<file path=ppt/slides/slide5.xml><?xml version="1.0" encoding="utf-8"?>
+<p:sld xmlns:a="http://schemas.openxmlformats.org/drawingml/2006/main" xmlns:r="http://schemas.openxmlformats.org/officeDocument/2006/relationships" xmlns:p="http://schemas.openxmlformats.org/presentationml/2006/main">
+  <p:cSld>
+    <p:spTree>
+      <p:nvGrpSpPr>
+        <p:cNvPr id="1" name=""/>
+        <p:cNvGrpSpPr/>
+        <p:nvPr/>
+      </p:nvGrpSpPr>
+      <p:grpSpPr>
+        <a:xfrm>
+          <a:off x="0" y="0"/>
+          <a:ext cx="0" cy="0"/>
+          <a:chOff x="0" y="0"/>
+          <a:chExt cx="0" cy="0"/>
+        </a:xfrm>
+      </p:grpSpPr>
+      <p:sp>
+        <p:nvSpPr>
+          <p:cNvPr id="2" name="Title 1">
+            <a:extLst>
+              <a:ext uri="{FF2B5EF4-FFF2-40B4-BE49-F238E27FC236}">
+                <a16:creationId xmlns:a16="http://schemas.microsoft.com/office/drawing/2014/main" id="{6666FD3D-C560-4C17-A8FE-7C93FAC8BF19}"/>
+              </a:ext>
+            </a:extLst>
+          </p:cNvPr>
+          <p:cNvSpPr>
+            <a:spLocks noGrp="1"/>
+          </p:cNvSpPr>
+          <p:nvPr>
+            <p:ph type="title"/>
+          </p:nvPr>
+        </p:nvSpPr>
+        <p:spPr/>
+        <p:txBody>
+          <a:bodyPr/>
+          <a:lstStyle/>
+          <a:p>
+            <a:r>
+              <a:rPr lang="en-US" dirty="0"/>
+              <a:t>Encapsulation</a:t>
+            </a:r>
+          </a:p>
+        </p:txBody>
+      </p:sp>
+      <p:sp>
+        <p:nvSpPr>
+          <p:cNvPr id="3" name="Content Placeholder 2">
+            <a:extLst>
+              <a:ext uri="{FF2B5EF4-FFF2-40B4-BE49-F238E27FC236}">
+                <a16:creationId xmlns:a16="http://schemas.microsoft.com/office/drawing/2014/main" id="{2710929E-0D78-4853-AC3B-82F87B836FC0}"/>
+              </a:ext>
+            </a:extLst>
+          </p:cNvPr>
+          <p:cNvSpPr>
+            <a:spLocks noGrp="1"/>
+          </p:cNvSpPr>
+          <p:nvPr>
+            <p:ph idx="1"/>
+          </p:nvPr>
+        </p:nvSpPr>
+        <p:spPr/>
+        <p:txBody>
+          <a:bodyPr>
+            <a:normAutofit fontScale="92500" lnSpcReduction="20000"/>
+          </a:bodyPr>
+          <a:lstStyle/>
+          <a:p>
+            <a:r>
+              <a:rPr lang="en-US" b="1" u="sng" dirty="0"/>
+              <a:t>Encapsulation</a:t>
+            </a:r>
+            <a:r>
+              <a:rPr lang="en-US" dirty="0"/>
+              <a:t> is the process of combining the state and behavior of an object into a single unit. </a:t>
+            </a:r>
+          </a:p>
+          <a:p>
+            <a:r>
+              <a:rPr lang="en-US" dirty="0"/>
+              <a:t>In Java, we perform Encapsulation in the form of a </a:t>
+            </a:r>
+            <a:r>
+              <a:rPr lang="en-US" b="1" u="sng" dirty="0"/>
+              <a:t>class</a:t>
+            </a:r>
+            <a:r>
+              <a:rPr lang="en-US" dirty="0"/>
+              <a:t>. </a:t>
+            </a:r>
+          </a:p>
+          <a:p>
+            <a:r>
+              <a:rPr lang="en-US" dirty="0"/>
+              <a:t>A class is the code that will implement an object. </a:t>
+            </a:r>
+          </a:p>
+          <a:p>
+            <a:r>
+              <a:rPr lang="en-US" dirty="0"/>
+              <a:t>A class is like a blueprint, and objects are created from classes, note that they are </a:t>
+            </a:r>
+            <a:r>
+              <a:rPr lang="en-US" b="1" u="sng" dirty="0"/>
+              <a:t>not</a:t>
+            </a:r>
+            <a:r>
+              <a:rPr lang="en-US" dirty="0"/>
+              <a:t> the same thing.</a:t>
+            </a:r>
+          </a:p>
+          <a:p>
+            <a:r>
+              <a:rPr lang="en-US" dirty="0"/>
+              <a:t>In Java, an object is an </a:t>
+            </a:r>
+            <a:r>
+              <a:rPr lang="en-US" i="1" dirty="0"/>
+              <a:t>instance</a:t>
+            </a:r>
+            <a:r>
+              <a:rPr lang="en-US" dirty="0"/>
+              <a:t> of a class. </a:t>
+            </a:r>
+          </a:p>
+          <a:p>
+            <a:r>
+              <a:rPr lang="en-US" dirty="0"/>
+              <a:t>There can be several instances of the same class.</a:t>
+            </a:r>
+          </a:p>
+          <a:p>
+            <a:r>
+              <a:rPr lang="en-US" dirty="0"/>
+              <a:t>The state of the object is defined by the </a:t>
+            </a:r>
+            <a:r>
+              <a:rPr lang="en-US" b="1" u="sng" dirty="0"/>
+              <a:t>data fields</a:t>
+            </a:r>
+            <a:r>
+              <a:rPr lang="en-US" dirty="0"/>
+              <a:t>, or </a:t>
+            </a:r>
+            <a:r>
+              <a:rPr lang="en-US" b="1" u="sng" dirty="0"/>
+              <a:t>instance variables</a:t>
+            </a:r>
+            <a:r>
+              <a:rPr lang="en-US" dirty="0"/>
+              <a:t> in a class.</a:t>
+            </a:r>
+          </a:p>
+          <a:p>
+            <a:r>
+              <a:rPr lang="en-US" dirty="0"/>
+              <a:t>The behavior of the object is defined by the </a:t>
+            </a:r>
+            <a:r>
+              <a:rPr lang="en-US" b="1" u="sng" dirty="0"/>
+              <a:t>methods</a:t>
+            </a:r>
+            <a:r>
+              <a:rPr lang="en-US" dirty="0"/>
+              <a:t> in a class.</a:t>
+            </a:r>
+          </a:p>
+          <a:p>
+            <a:r>
+              <a:rPr lang="en-US" dirty="0"/>
+              <a:t>We have written several simple classes already!</a:t>
+            </a:r>
+          </a:p>
+        </p:txBody>
+      </p:sp>
+    </p:spTree>
+    <p:extLst>
+      <p:ext uri="{BB962C8B-B14F-4D97-AF65-F5344CB8AC3E}">
+        <p14:creationId xmlns:p14="http://schemas.microsoft.com/office/powerpoint/2010/main" val="2828156100"/>
+      </p:ext>
+    </p:extLst>
+  </p:cSld>
+  <p:clrMapOvr>
+    <a:masterClrMapping/>
+  </p:clrMapOvr>
+</p:sld>
+</file>
+
+<file path=ppt/slides/slide6.xml><?xml version="1.0" encoding="utf-8"?>
+<p:sld xmlns:a="http://schemas.openxmlformats.org/drawingml/2006/main" xmlns:r="http://schemas.openxmlformats.org/officeDocument/2006/relationships" xmlns:p="http://schemas.openxmlformats.org/presentationml/2006/main">
+  <p:cSld>
+    <p:bg>
+      <p:bgPr>
+        <a:solidFill>
+          <a:schemeClr val="bg1"/>
+        </a:solidFill>
+        <a:effectLst/>
+      </p:bgPr>
+    </p:bg>
+    <p:spTree>
+      <p:nvGrpSpPr>
+        <p:cNvPr id="1" name=""/>
+        <p:cNvGrpSpPr/>
+        <p:nvPr/>
+      </p:nvGrpSpPr>
+      <p:grpSpPr>
+        <a:xfrm>
+          <a:off x="0" y="0"/>
+          <a:ext cx="0" cy="0"/>
+          <a:chOff x="0" y="0"/>
+          <a:chExt cx="0" cy="0"/>
+        </a:xfrm>
+      </p:grpSpPr>
+      <p:sp>
+        <p:nvSpPr>
+          <p:cNvPr id="2" name="Title 1">
+            <a:extLst>
+              <a:ext uri="{FF2B5EF4-FFF2-40B4-BE49-F238E27FC236}">
+                <a16:creationId xmlns:a16="http://schemas.microsoft.com/office/drawing/2014/main" id="{DC821D69-8176-40D1-892E-1CD4A6B63E5A}"/>
+              </a:ext>
+            </a:extLst>
+          </p:cNvPr>
+          <p:cNvSpPr>
+            <a:spLocks noGrp="1"/>
+          </p:cNvSpPr>
+          <p:nvPr>
+            <p:ph type="title"/>
+          </p:nvPr>
+        </p:nvSpPr>
+        <p:spPr>
+          <a:xfrm>
+            <a:off x="677334" y="609600"/>
+            <a:ext cx="8596668" cy="1320800"/>
+          </a:xfrm>
+        </p:spPr>
+        <p:txBody>
+          <a:bodyPr anchor="t">
+            <a:normAutofit/>
+          </a:bodyPr>
+          <a:lstStyle/>
+          <a:p>
+            <a:r>
+              <a:rPr lang="en-US" dirty="0"/>
+              <a:t>Inheritance</a:t>
+            </a:r>
+          </a:p>
+        </p:txBody>
+      </p:sp>
+      <p:sp>
+        <p:nvSpPr>
+          <p:cNvPr id="3" name="Content Placeholder 2">
+            <a:extLst>
+              <a:ext uri="{FF2B5EF4-FFF2-40B4-BE49-F238E27FC236}">
+                <a16:creationId xmlns:a16="http://schemas.microsoft.com/office/drawing/2014/main" id="{46DA5480-A129-4656-91C2-1CD506F3AED2}"/>
+              </a:ext>
+            </a:extLst>
+          </p:cNvPr>
+          <p:cNvSpPr>
+            <a:spLocks noGrp="1"/>
+          </p:cNvSpPr>
+          <p:nvPr>
+            <p:ph idx="1"/>
+          </p:nvPr>
+        </p:nvSpPr>
+        <p:spPr>
+          <a:xfrm>
+            <a:off x="677334" y="2160589"/>
+            <a:ext cx="3957349" cy="3749323"/>
+          </a:xfrm>
+        </p:spPr>
+        <p:txBody>
+          <a:bodyPr>
+            <a:normAutofit/>
+          </a:bodyPr>
+          <a:lstStyle/>
+          <a:p>
+            <a:pPr>
+              <a:lnSpc>
+                <a:spcPct val="90000"/>
+              </a:lnSpc>
+            </a:pPr>
+            <a:r>
+              <a:rPr lang="en-US" sz="1500" b="1" u="sng"/>
+              <a:t>Inheritance</a:t>
+            </a:r>
+            <a:r>
+              <a:rPr lang="en-US" sz="1500"/>
+              <a:t> is the process of creating a class from an existing class. </a:t>
+            </a:r>
+          </a:p>
+          <a:p>
+            <a:pPr>
+              <a:lnSpc>
+                <a:spcPct val="90000"/>
+              </a:lnSpc>
+            </a:pPr>
+            <a:r>
+              <a:rPr lang="en-US" sz="1500"/>
+              <a:t>The new class will have all of the original class’s state and behavior, but will also add its own, making it bigger.</a:t>
+            </a:r>
+          </a:p>
+          <a:p>
+            <a:pPr>
+              <a:lnSpc>
+                <a:spcPct val="90000"/>
+              </a:lnSpc>
+            </a:pPr>
+            <a:r>
+              <a:rPr lang="en-US" sz="1500"/>
+              <a:t>The new class is called a </a:t>
+            </a:r>
+            <a:r>
+              <a:rPr lang="en-US" sz="1500" b="1" u="sng"/>
+              <a:t>subclass</a:t>
+            </a:r>
+            <a:r>
+              <a:rPr lang="en-US" sz="1500"/>
+              <a:t> and the original class is called a </a:t>
+            </a:r>
+            <a:r>
+              <a:rPr lang="en-US" sz="1500" b="1" u="sng"/>
+              <a:t>superclass</a:t>
+            </a:r>
+            <a:r>
+              <a:rPr lang="en-US" sz="1500"/>
+              <a:t>.</a:t>
+            </a:r>
+          </a:p>
+          <a:p>
+            <a:pPr>
+              <a:lnSpc>
+                <a:spcPct val="90000"/>
+              </a:lnSpc>
+            </a:pPr>
+            <a:r>
+              <a:rPr lang="en-US" sz="1500"/>
+              <a:t>This is great because it allows for some code to only be written and tested in a superclass, them used in subclasses.</a:t>
+            </a:r>
+          </a:p>
+          <a:p>
+            <a:pPr>
+              <a:lnSpc>
+                <a:spcPct val="90000"/>
+              </a:lnSpc>
+            </a:pPr>
+            <a:r>
+              <a:rPr lang="en-US" sz="1500"/>
+              <a:t>A subclass of a class can be a superclass for another class, which leads to an </a:t>
+            </a:r>
+            <a:r>
+              <a:rPr lang="en-US" sz="1500" b="1" u="sng"/>
+              <a:t>inheritance hierarchy</a:t>
+            </a:r>
+            <a:r>
+              <a:rPr lang="en-US" sz="1500"/>
+              <a:t>.</a:t>
+            </a:r>
+          </a:p>
+        </p:txBody>
+      </p:sp>
+      <p:pic>
+        <p:nvPicPr>
+          <p:cNvPr id="7" name="Picture 6" descr="A screenshot of a cell phone&#10;&#10;Description automatically generated">
+            <a:extLst>
+              <a:ext uri="{FF2B5EF4-FFF2-40B4-BE49-F238E27FC236}">
+                <a16:creationId xmlns:a16="http://schemas.microsoft.com/office/drawing/2014/main" id="{18B85371-D98B-48FC-83EA-87D66A2ACBA7}"/>
+              </a:ext>
+            </a:extLst>
+          </p:cNvPr>
+          <p:cNvPicPr>
+            <a:picLocks noChangeAspect="1"/>
+          </p:cNvPicPr>
+          <p:nvPr/>
+        </p:nvPicPr>
+        <p:blipFill>
+          <a:blip r:embed="rId2"/>
+          <a:stretch>
+            <a:fillRect/>
+          </a:stretch>
+        </p:blipFill>
+        <p:spPr>
+          <a:xfrm>
+            <a:off x="4987137" y="2159331"/>
+            <a:ext cx="4204989" cy="3742439"/>
+          </a:xfrm>
+          <a:prstGeom prst="rect">
+            <a:avLst/>
+          </a:prstGeom>
+        </p:spPr>
+      </p:pic>
+    </p:spTree>
+    <p:extLst>
+      <p:ext uri="{BB962C8B-B14F-4D97-AF65-F5344CB8AC3E}">
+        <p14:creationId xmlns:p14="http://schemas.microsoft.com/office/powerpoint/2010/main" val="287410715"/>
+      </p:ext>
+    </p:extLst>
+  </p:cSld>
+  <p:clrMapOvr>
+    <a:masterClrMapping/>
+  </p:clrMapOvr>
+</p:sld>
+</file>
+
+<file path=ppt/slides/slide7.xml><?xml version="1.0" encoding="utf-8"?>
+<p:sld xmlns:a="http://schemas.openxmlformats.org/drawingml/2006/main" xmlns:r="http://schemas.openxmlformats.org/officeDocument/2006/relationships" xmlns:p="http://schemas.openxmlformats.org/presentationml/2006/main">
+  <p:cSld>
+    <p:bg>
+      <p:bgPr>
+        <a:solidFill>
+          <a:schemeClr val="bg1"/>
+        </a:solidFill>
+        <a:effectLst/>
+      </p:bgPr>
+    </p:bg>
+    <p:spTree>
+      <p:nvGrpSpPr>
+        <p:cNvPr id="1" name=""/>
+        <p:cNvGrpSpPr/>
+        <p:nvPr/>
+      </p:nvGrpSpPr>
+      <p:grpSpPr>
+        <a:xfrm>
+          <a:off x="0" y="0"/>
+          <a:ext cx="0" cy="0"/>
+          <a:chOff x="0" y="0"/>
+          <a:chExt cx="0" cy="0"/>
+        </a:xfrm>
+      </p:grpSpPr>
+      <p:sp>
+        <p:nvSpPr>
+          <p:cNvPr id="2" name="Title 1">
+            <a:extLst>
+              <a:ext uri="{FF2B5EF4-FFF2-40B4-BE49-F238E27FC236}">
+                <a16:creationId xmlns:a16="http://schemas.microsoft.com/office/drawing/2014/main" id="{8772C190-3717-41A7-AB53-C0D15D33C55C}"/>
+              </a:ext>
+            </a:extLst>
+          </p:cNvPr>
+          <p:cNvSpPr>
+            <a:spLocks noGrp="1"/>
+          </p:cNvSpPr>
+          <p:nvPr>
+            <p:ph type="title"/>
+          </p:nvPr>
+        </p:nvSpPr>
+        <p:spPr>
+          <a:xfrm>
+            <a:off x="676746" y="609600"/>
+            <a:ext cx="3729076" cy="1320800"/>
+          </a:xfrm>
+        </p:spPr>
+        <p:txBody>
+          <a:bodyPr anchor="ctr">
+            <a:normAutofit/>
+          </a:bodyPr>
+          <a:lstStyle/>
+          <a:p>
+            <a:r>
+              <a:rPr lang="en-US" dirty="0"/>
+              <a:t>Inheritance Pt. 2	</a:t>
+            </a:r>
+          </a:p>
+        </p:txBody>
+      </p:sp>
+      <p:sp>
+        <p:nvSpPr>
+          <p:cNvPr id="3" name="Content Placeholder 2">
+            <a:extLst>
+              <a:ext uri="{FF2B5EF4-FFF2-40B4-BE49-F238E27FC236}">
+                <a16:creationId xmlns:a16="http://schemas.microsoft.com/office/drawing/2014/main" id="{80E091F7-2EEE-437D-B1D3-99709F1A4E1C}"/>
+              </a:ext>
+            </a:extLst>
+          </p:cNvPr>
+          <p:cNvSpPr>
+            <a:spLocks noGrp="1"/>
+          </p:cNvSpPr>
+          <p:nvPr>
+            <p:ph idx="1"/>
+          </p:nvPr>
+        </p:nvSpPr>
+        <p:spPr>
+          <a:xfrm>
+            <a:off x="685167" y="2160589"/>
+            <a:ext cx="3720916" cy="3560733"/>
+          </a:xfrm>
+        </p:spPr>
+        <p:txBody>
+          <a:bodyPr>
+            <a:normAutofit/>
+          </a:bodyPr>
+          <a:lstStyle/>
+          <a:p>
+            <a:pPr>
+              <a:lnSpc>
+                <a:spcPct val="90000"/>
+              </a:lnSpc>
+            </a:pPr>
+            <a:r>
+              <a:rPr lang="en-US" sz="1500" dirty="0"/>
+              <a:t>Note in the diagram how the subclasses point up to their super classes. </a:t>
+            </a:r>
+          </a:p>
+          <a:p>
+            <a:pPr>
+              <a:lnSpc>
+                <a:spcPct val="90000"/>
+              </a:lnSpc>
+            </a:pPr>
+            <a:r>
+              <a:rPr lang="en-US" sz="1500" dirty="0"/>
+              <a:t>These arrows signify the </a:t>
+            </a:r>
+            <a:r>
+              <a:rPr lang="en-US" sz="1500" i="1" dirty="0"/>
+              <a:t>is-a</a:t>
+            </a:r>
+            <a:r>
+              <a:rPr lang="en-US" sz="1500" dirty="0"/>
+              <a:t> relationships within the inheritance hierarchy.</a:t>
+            </a:r>
+          </a:p>
+          <a:p>
+            <a:pPr>
+              <a:lnSpc>
+                <a:spcPct val="90000"/>
+              </a:lnSpc>
+            </a:pPr>
+            <a:r>
+              <a:rPr lang="en-US" sz="1500" dirty="0"/>
+              <a:t>For example, a Boat </a:t>
+            </a:r>
+            <a:r>
+              <a:rPr lang="en-US" sz="1500" i="1" dirty="0"/>
+              <a:t>is-a</a:t>
+            </a:r>
+            <a:r>
+              <a:rPr lang="en-US" sz="1500" dirty="0"/>
+              <a:t> Vehicle.</a:t>
+            </a:r>
+          </a:p>
+          <a:p>
+            <a:pPr>
+              <a:lnSpc>
+                <a:spcPct val="90000"/>
+              </a:lnSpc>
+            </a:pPr>
+            <a:r>
+              <a:rPr lang="en-US" sz="1500" dirty="0"/>
+              <a:t>The </a:t>
+            </a:r>
+            <a:r>
+              <a:rPr lang="en-US" sz="1500" i="1" dirty="0"/>
+              <a:t>is-a</a:t>
+            </a:r>
+            <a:r>
+              <a:rPr lang="en-US" sz="1500" dirty="0"/>
+              <a:t> relationship is transitive, so if Bicycle </a:t>
+            </a:r>
+            <a:r>
+              <a:rPr lang="en-US" sz="1500" i="1" dirty="0"/>
+              <a:t>is-a </a:t>
+            </a:r>
+            <a:r>
+              <a:rPr lang="en-US" sz="1500" dirty="0"/>
+              <a:t>Wheeled Vehicle, and Wheeled Vehicle </a:t>
+            </a:r>
+            <a:r>
+              <a:rPr lang="en-US" sz="1500" i="1" dirty="0"/>
+              <a:t>is-a</a:t>
+            </a:r>
+            <a:r>
+              <a:rPr lang="en-US" sz="1500" dirty="0"/>
+              <a:t> Vehicle, then Bicycle </a:t>
+            </a:r>
+            <a:r>
+              <a:rPr lang="en-US" sz="1500" i="1" dirty="0"/>
+              <a:t>is-a</a:t>
+            </a:r>
+            <a:r>
+              <a:rPr lang="en-US" sz="1500" dirty="0"/>
+              <a:t> Vehicle.</a:t>
+            </a:r>
+          </a:p>
+          <a:p>
+            <a:pPr>
+              <a:lnSpc>
+                <a:spcPct val="90000"/>
+              </a:lnSpc>
+            </a:pPr>
+            <a:r>
+              <a:rPr lang="en-US" sz="1500" dirty="0"/>
+              <a:t>The </a:t>
+            </a:r>
+            <a:r>
+              <a:rPr lang="en-US" sz="1500" i="1" dirty="0"/>
+              <a:t>is-a</a:t>
+            </a:r>
+            <a:r>
+              <a:rPr lang="en-US" sz="1500" dirty="0"/>
+              <a:t> relationship is one directional. A Minivan </a:t>
+            </a:r>
+            <a:r>
+              <a:rPr lang="en-US" sz="1500" i="1" dirty="0"/>
+              <a:t>is-a</a:t>
+            </a:r>
+            <a:r>
+              <a:rPr lang="en-US" sz="1500" dirty="0"/>
+              <a:t> Car, but a Car is not always a Minivan. </a:t>
+            </a:r>
+          </a:p>
+          <a:p>
+            <a:pPr>
+              <a:lnSpc>
+                <a:spcPct val="90000"/>
+              </a:lnSpc>
+            </a:pPr>
+            <a:endParaRPr lang="en-US" sz="1500" dirty="0"/>
+          </a:p>
+        </p:txBody>
+      </p:sp>
+      <p:pic>
+        <p:nvPicPr>
+          <p:cNvPr id="5" name="Picture 4" descr="A screenshot of a cell phone&#10;&#10;Description automatically generated">
+            <a:extLst>
+              <a:ext uri="{FF2B5EF4-FFF2-40B4-BE49-F238E27FC236}">
+                <a16:creationId xmlns:a16="http://schemas.microsoft.com/office/drawing/2014/main" id="{C43827E3-E358-479D-871B-6C6F87AE8C60}"/>
+              </a:ext>
+            </a:extLst>
+          </p:cNvPr>
+          <p:cNvPicPr>
+            <a:picLocks noChangeAspect="1"/>
+          </p:cNvPicPr>
+          <p:nvPr/>
+        </p:nvPicPr>
+        <p:blipFill>
+          <a:blip r:embed="rId3"/>
+          <a:stretch>
+            <a:fillRect/>
+          </a:stretch>
+        </p:blipFill>
+        <p:spPr>
+          <a:xfrm>
+            <a:off x="4654035" y="1128512"/>
+            <a:ext cx="4602747" cy="4096444"/>
+          </a:xfrm>
+          <a:prstGeom prst="rect">
+            <a:avLst/>
+          </a:prstGeom>
+        </p:spPr>
+      </p:pic>
+    </p:spTree>
+    <p:extLst>
+      <p:ext uri="{BB962C8B-B14F-4D97-AF65-F5344CB8AC3E}">
+        <p14:creationId xmlns:p14="http://schemas.microsoft.com/office/powerpoint/2010/main" val="804555844"/>
       </p:ext>
     </p:extLst>
   </p:cSld>
@@ -6188,4 +10980,299 @@
     </a:ext>
   </a:extLst>
 </a:theme>
+</file>
+
+<file path=ppt/theme/theme2.xml><?xml version="1.0" encoding="utf-8"?>
+<a:theme xmlns:a="http://schemas.openxmlformats.org/drawingml/2006/main" name="Office Theme">
+  <a:themeElements>
+    <a:clrScheme name="Office">
+      <a:dk1>
+        <a:sysClr val="windowText" lastClr="000000"/>
+      </a:dk1>
+      <a:lt1>
+        <a:sysClr val="window" lastClr="FFFFFF"/>
+      </a:lt1>
+      <a:dk2>
+        <a:srgbClr val="44546A"/>
+      </a:dk2>
+      <a:lt2>
+        <a:srgbClr val="E7E6E6"/>
+      </a:lt2>
+      <a:accent1>
+        <a:srgbClr val="4472C4"/>
+      </a:accent1>
+      <a:accent2>
+        <a:srgbClr val="ED7D31"/>
+      </a:accent2>
+      <a:accent3>
+        <a:srgbClr val="A5A5A5"/>
+      </a:accent3>
+      <a:accent4>
+        <a:srgbClr val="FFC000"/>
+      </a:accent4>
+      <a:accent5>
+        <a:srgbClr val="5B9BD5"/>
+      </a:accent5>
+      <a:accent6>
+        <a:srgbClr val="70AD47"/>
+      </a:accent6>
+      <a:hlink>
+        <a:srgbClr val="0563C1"/>
+      </a:hlink>
+      <a:folHlink>
+        <a:srgbClr val="954F72"/>
+      </a:folHlink>
+    </a:clrScheme>
+    <a:fontScheme name="Office">
+      <a:majorFont>
+        <a:latin typeface="Calibri Light" panose="020F0302020204030204"/>
+        <a:ea typeface=""/>
+        <a:cs typeface=""/>
+        <a:font script="Jpan" typeface="游ゴシック Light"/>
+        <a:font script="Hang" typeface="맑은 고딕"/>
+        <a:font script="Hans" typeface="等线 Light"/>
+        <a:font script="Hant" typeface="新細明體"/>
+        <a:font script="Arab" typeface="Times New Roman"/>
+        <a:font script="Hebr" typeface="Times New Roman"/>
+        <a:font script="Thai" typeface="Angsana New"/>
+        <a:font script="Ethi" typeface="Nyala"/>
+        <a:font script="Beng" typeface="Vrinda"/>
+        <a:font script="Gujr" typeface="Shruti"/>
+        <a:font script="Khmr" typeface="MoolBoran"/>
+        <a:font script="Knda" typeface="Tunga"/>
+        <a:font script="Guru" typeface="Raavi"/>
+        <a:font script="Cans" typeface="Euphemia"/>
+        <a:font script="Cher" typeface="Plantagenet Cherokee"/>
+        <a:font script="Yiii" typeface="Microsoft Yi Baiti"/>
+        <a:font script="Tibt" typeface="Microsoft Himalaya"/>
+        <a:font script="Thaa" typeface="MV Boli"/>
+        <a:font script="Deva" typeface="Mangal"/>
+        <a:font script="Telu" typeface="Gautami"/>
+        <a:font script="Taml" typeface="Latha"/>
+        <a:font script="Syrc" typeface="Estrangelo Edessa"/>
+        <a:font script="Orya" typeface="Kalinga"/>
+        <a:font script="Mlym" typeface="Kartika"/>
+        <a:font script="Laoo" typeface="DokChampa"/>
+        <a:font script="Sinh" typeface="Iskoola Pota"/>
+        <a:font script="Mong" typeface="Mongolian Baiti"/>
+        <a:font script="Viet" typeface="Times New Roman"/>
+        <a:font script="Uigh" typeface="Microsoft Uighur"/>
+        <a:font script="Geor" typeface="Sylfaen"/>
+        <a:font script="Armn" typeface="Arial"/>
+        <a:font script="Bugi" typeface="Leelawadee UI"/>
+        <a:font script="Bopo" typeface="Microsoft JhengHei"/>
+        <a:font script="Java" typeface="Javanese Text"/>
+        <a:font script="Lisu" typeface="Segoe UI"/>
+        <a:font script="Mymr" typeface="Myanmar Text"/>
+        <a:font script="Nkoo" typeface="Ebrima"/>
+        <a:font script="Olck" typeface="Nirmala UI"/>
+        <a:font script="Osma" typeface="Ebrima"/>
+        <a:font script="Phag" typeface="Phagspa"/>
+        <a:font script="Syrn" typeface="Estrangelo Edessa"/>
+        <a:font script="Syrj" typeface="Estrangelo Edessa"/>
+        <a:font script="Syre" typeface="Estrangelo Edessa"/>
+        <a:font script="Sora" typeface="Nirmala UI"/>
+        <a:font script="Tale" typeface="Microsoft Tai Le"/>
+        <a:font script="Talu" typeface="Microsoft New Tai Lue"/>
+        <a:font script="Tfng" typeface="Ebrima"/>
+      </a:majorFont>
+      <a:minorFont>
+        <a:latin typeface="Calibri" panose="020F0502020204030204"/>
+        <a:ea typeface=""/>
+        <a:cs typeface=""/>
+        <a:font script="Jpan" typeface="游ゴシック"/>
+        <a:font script="Hang" typeface="맑은 고딕"/>
+        <a:font script="Hans" typeface="等线"/>
+        <a:font script="Hant" typeface="新細明體"/>
+        <a:font script="Arab" typeface="Arial"/>
+        <a:font script="Hebr" typeface="Arial"/>
+        <a:font script="Thai" typeface="Cordia New"/>
+        <a:font script="Ethi" typeface="Nyala"/>
+        <a:font script="Beng" typeface="Vrinda"/>
+        <a:font script="Gujr" typeface="Shruti"/>
+        <a:font script="Khmr" typeface="DaunPenh"/>
+        <a:font script="Knda" typeface="Tunga"/>
+        <a:font script="Guru" typeface="Raavi"/>
+        <a:font script="Cans" typeface="Euphemia"/>
+        <a:font script="Cher" typeface="Plantagenet Cherokee"/>
+        <a:font script="Yiii" typeface="Microsoft Yi Baiti"/>
+        <a:font script="Tibt" typeface="Microsoft Himalaya"/>
+        <a:font script="Thaa" typeface="MV Boli"/>
+        <a:font script="Deva" typeface="Mangal"/>
+        <a:font script="Telu" typeface="Gautami"/>
+        <a:font script="Taml" typeface="Latha"/>
+        <a:font script="Syrc" typeface="Estrangelo Edessa"/>
+        <a:font script="Orya" typeface="Kalinga"/>
+        <a:font script="Mlym" typeface="Kartika"/>
+        <a:font script="Laoo" typeface="DokChampa"/>
+        <a:font script="Sinh" typeface="Iskoola Pota"/>
+        <a:font script="Mong" typeface="Mongolian Baiti"/>
+        <a:font script="Viet" typeface="Arial"/>
+        <a:font script="Uigh" typeface="Microsoft Uighur"/>
+        <a:font script="Geor" typeface="Sylfaen"/>
+        <a:font script="Armn" typeface="Arial"/>
+        <a:font script="Bugi" typeface="Leelawadee UI"/>
+        <a:font script="Bopo" typeface="Microsoft JhengHei"/>
+        <a:font script="Java" typeface="Javanese Text"/>
+        <a:font script="Lisu" typeface="Segoe UI"/>
+        <a:font script="Mymr" typeface="Myanmar Text"/>
+        <a:font script="Nkoo" typeface="Ebrima"/>
+        <a:font script="Olck" typeface="Nirmala UI"/>
+        <a:font script="Osma" typeface="Ebrima"/>
+        <a:font script="Phag" typeface="Phagspa"/>
+        <a:font script="Syrn" typeface="Estrangelo Edessa"/>
+        <a:font script="Syrj" typeface="Estrangelo Edessa"/>
+        <a:font script="Syre" typeface="Estrangelo Edessa"/>
+        <a:font script="Sora" typeface="Nirmala UI"/>
+        <a:font script="Tale" typeface="Microsoft Tai Le"/>
+        <a:font script="Talu" typeface="Microsoft New Tai Lue"/>
+        <a:font script="Tfng" typeface="Ebrima"/>
+      </a:minorFont>
+    </a:fontScheme>
+    <a:fmtScheme name="Office">
+      <a:fillStyleLst>
+        <a:solidFill>
+          <a:schemeClr val="phClr"/>
+        </a:solidFill>
+        <a:gradFill rotWithShape="1">
+          <a:gsLst>
+            <a:gs pos="0">
+              <a:schemeClr val="phClr">
+                <a:lumMod val="110000"/>
+                <a:satMod val="105000"/>
+                <a:tint val="67000"/>
+              </a:schemeClr>
+            </a:gs>
+            <a:gs pos="50000">
+              <a:schemeClr val="phClr">
+                <a:lumMod val="105000"/>
+                <a:satMod val="103000"/>
+                <a:tint val="73000"/>
+              </a:schemeClr>
+            </a:gs>
+            <a:gs pos="100000">
+              <a:schemeClr val="phClr">
+                <a:lumMod val="105000"/>
+                <a:satMod val="109000"/>
+                <a:tint val="81000"/>
+              </a:schemeClr>
+            </a:gs>
+          </a:gsLst>
+          <a:lin ang="5400000" scaled="0"/>
+        </a:gradFill>
+        <a:gradFill rotWithShape="1">
+          <a:gsLst>
+            <a:gs pos="0">
+              <a:schemeClr val="phClr">
+                <a:satMod val="103000"/>
+                <a:lumMod val="102000"/>
+                <a:tint val="94000"/>
+              </a:schemeClr>
+            </a:gs>
+            <a:gs pos="50000">
+              <a:schemeClr val="phClr">
+                <a:satMod val="110000"/>
+                <a:lumMod val="100000"/>
+                <a:shade val="100000"/>
+              </a:schemeClr>
+            </a:gs>
+            <a:gs pos="100000">
+              <a:schemeClr val="phClr">
+                <a:lumMod val="99000"/>
+                <a:satMod val="120000"/>
+                <a:shade val="78000"/>
+              </a:schemeClr>
+            </a:gs>
+          </a:gsLst>
+          <a:lin ang="5400000" scaled="0"/>
+        </a:gradFill>
+      </a:fillStyleLst>
+      <a:lnStyleLst>
+        <a:ln w="6350" cap="flat" cmpd="sng" algn="ctr">
+          <a:solidFill>
+            <a:schemeClr val="phClr"/>
+          </a:solidFill>
+          <a:prstDash val="solid"/>
+          <a:miter lim="800000"/>
+        </a:ln>
+        <a:ln w="12700" cap="flat" cmpd="sng" algn="ctr">
+          <a:solidFill>
+            <a:schemeClr val="phClr"/>
+          </a:solidFill>
+          <a:prstDash val="solid"/>
+          <a:miter lim="800000"/>
+        </a:ln>
+        <a:ln w="19050" cap="flat" cmpd="sng" algn="ctr">
+          <a:solidFill>
+            <a:schemeClr val="phClr"/>
+          </a:solidFill>
+          <a:prstDash val="solid"/>
+          <a:miter lim="800000"/>
+        </a:ln>
+      </a:lnStyleLst>
+      <a:effectStyleLst>
+        <a:effectStyle>
+          <a:effectLst/>
+        </a:effectStyle>
+        <a:effectStyle>
+          <a:effectLst/>
+        </a:effectStyle>
+        <a:effectStyle>
+          <a:effectLst>
+            <a:outerShdw blurRad="57150" dist="19050" dir="5400000" algn="ctr" rotWithShape="0">
+              <a:srgbClr val="000000">
+                <a:alpha val="63000"/>
+              </a:srgbClr>
+            </a:outerShdw>
+          </a:effectLst>
+        </a:effectStyle>
+      </a:effectStyleLst>
+      <a:bgFillStyleLst>
+        <a:solidFill>
+          <a:schemeClr val="phClr"/>
+        </a:solidFill>
+        <a:solidFill>
+          <a:schemeClr val="phClr">
+            <a:tint val="95000"/>
+            <a:satMod val="170000"/>
+          </a:schemeClr>
+        </a:solidFill>
+        <a:gradFill rotWithShape="1">
+          <a:gsLst>
+            <a:gs pos="0">
+              <a:schemeClr val="phClr">
+                <a:tint val="93000"/>
+                <a:satMod val="150000"/>
+                <a:shade val="98000"/>
+                <a:lumMod val="102000"/>
+              </a:schemeClr>
+            </a:gs>
+            <a:gs pos="50000">
+              <a:schemeClr val="phClr">
+                <a:tint val="98000"/>
+                <a:satMod val="130000"/>
+                <a:shade val="90000"/>
+                <a:lumMod val="103000"/>
+              </a:schemeClr>
+            </a:gs>
+            <a:gs pos="100000">
+              <a:schemeClr val="phClr">
+                <a:shade val="63000"/>
+                <a:satMod val="120000"/>
+              </a:schemeClr>
+            </a:gs>
+          </a:gsLst>
+          <a:lin ang="5400000" scaled="0"/>
+        </a:gradFill>
+      </a:bgFillStyleLst>
+    </a:fmtScheme>
+  </a:themeElements>
+  <a:objectDefaults/>
+  <a:extraClrSchemeLst/>
+  <a:extLst>
+    <a:ext uri="{05A4C25C-085E-4340-85A3-A5531E510DB2}">
+      <thm15:themeFamily xmlns:thm15="http://schemas.microsoft.com/office/thememl/2012/main" name="Office Theme" id="{62F939B6-93AF-4DB8-9C6B-D6C7DFDC589F}" vid="{4A3C46E8-61CC-4603-A589-7422A47A8E4A}"/>
+    </a:ext>
+  </a:extLst>
+</a:theme>
 </file>
--- a/Slides/Lesson1.4.pptx
+++ b/Slides/Lesson1.4.pptx
@@ -5,7 +5,7 @@
     <p:sldMasterId id="2147483648" r:id="rId1"/>
   </p:sldMasterIdLst>
   <p:notesMasterIdLst>
-    <p:notesMasterId r:id="rId9"/>
+    <p:notesMasterId r:id="rId13"/>
   </p:notesMasterIdLst>
   <p:sldIdLst>
     <p:sldId id="256" r:id="rId2"/>
@@ -15,6 +15,10 @@
     <p:sldId id="260" r:id="rId6"/>
     <p:sldId id="261" r:id="rId7"/>
     <p:sldId id="262" r:id="rId8"/>
+    <p:sldId id="263" r:id="rId9"/>
+    <p:sldId id="264" r:id="rId10"/>
+    <p:sldId id="266" r:id="rId11"/>
+    <p:sldId id="267" r:id="rId12"/>
   </p:sldIdLst>
   <p:sldSz cx="12192000" cy="6858000"/>
   <p:notesSz cx="6858000" cy="9144000"/>
@@ -2665,7 +2669,7 @@
           <a:p>
             <a:fld id="{E5E8C84B-D8A8-47B3-B318-2DA646335F2F}" type="datetimeFigureOut">
               <a:rPr lang="en-US" smtClean="0"/>
-              <a:t>4/16/2019</a:t>
+              <a:t>4/17/2019</a:t>
             </a:fld>
             <a:endParaRPr lang="en-US"/>
           </a:p>
@@ -3190,6 +3194,93 @@
 </p:notes>
 </file>
 
+<file path=ppt/notesSlides/notesSlide4.xml><?xml version="1.0" encoding="utf-8"?>
+<p:notes xmlns:a="http://schemas.openxmlformats.org/drawingml/2006/main" xmlns:r="http://schemas.openxmlformats.org/officeDocument/2006/relationships" xmlns:p="http://schemas.openxmlformats.org/presentationml/2006/main">
+  <p:cSld>
+    <p:spTree>
+      <p:nvGrpSpPr>
+        <p:cNvPr id="1" name=""/>
+        <p:cNvGrpSpPr/>
+        <p:nvPr/>
+      </p:nvGrpSpPr>
+      <p:grpSpPr>
+        <a:xfrm>
+          <a:off x="0" y="0"/>
+          <a:ext cx="0" cy="0"/>
+          <a:chOff x="0" y="0"/>
+          <a:chExt cx="0" cy="0"/>
+        </a:xfrm>
+      </p:grpSpPr>
+      <p:sp>
+        <p:nvSpPr>
+          <p:cNvPr id="2" name="Slide Image Placeholder 1"/>
+          <p:cNvSpPr>
+            <a:spLocks noGrp="1" noRot="1" noChangeAspect="1"/>
+          </p:cNvSpPr>
+          <p:nvPr>
+            <p:ph type="sldImg"/>
+          </p:nvPr>
+        </p:nvSpPr>
+        <p:spPr/>
+      </p:sp>
+      <p:sp>
+        <p:nvSpPr>
+          <p:cNvPr id="3" name="Notes Placeholder 2"/>
+          <p:cNvSpPr>
+            <a:spLocks noGrp="1"/>
+          </p:cNvSpPr>
+          <p:nvPr>
+            <p:ph type="body" idx="1"/>
+          </p:nvPr>
+        </p:nvSpPr>
+        <p:spPr/>
+        <p:txBody>
+          <a:bodyPr/>
+          <a:lstStyle/>
+          <a:p>
+            <a:r>
+              <a:rPr lang="en-US" dirty="0"/>
+              <a:t>Do example 3, and we are not done!</a:t>
+            </a:r>
+          </a:p>
+        </p:txBody>
+      </p:sp>
+      <p:sp>
+        <p:nvSpPr>
+          <p:cNvPr id="4" name="Slide Number Placeholder 3"/>
+          <p:cNvSpPr>
+            <a:spLocks noGrp="1"/>
+          </p:cNvSpPr>
+          <p:nvPr>
+            <p:ph type="sldNum" sz="quarter" idx="5"/>
+          </p:nvPr>
+        </p:nvSpPr>
+        <p:spPr/>
+        <p:txBody>
+          <a:bodyPr/>
+          <a:lstStyle/>
+          <a:p>
+            <a:fld id="{4C397B2A-FCB2-4CFC-8D19-A7AE88AABFF9}" type="slidenum">
+              <a:rPr lang="en-US" smtClean="0"/>
+              <a:t>11</a:t>
+            </a:fld>
+            <a:endParaRPr lang="en-US"/>
+          </a:p>
+        </p:txBody>
+      </p:sp>
+    </p:spTree>
+    <p:extLst>
+      <p:ext uri="{BB962C8B-B14F-4D97-AF65-F5344CB8AC3E}">
+        <p14:creationId xmlns:p14="http://schemas.microsoft.com/office/powerpoint/2010/main" val="4160293506"/>
+      </p:ext>
+    </p:extLst>
+  </p:cSld>
+  <p:clrMapOvr>
+    <a:masterClrMapping/>
+  </p:clrMapOvr>
+</p:notes>
+</file>
+
 <file path=ppt/slideLayouts/slideLayout1.xml><?xml version="1.0" encoding="utf-8"?>
 <p:sldLayout xmlns:a="http://schemas.openxmlformats.org/drawingml/2006/main" xmlns:r="http://schemas.openxmlformats.org/officeDocument/2006/relationships" xmlns:p="http://schemas.openxmlformats.org/presentationml/2006/main" showMasterSp="0" type="title" preserve="1">
   <p:cSld name="Title Slide">
@@ -3936,7 +4027,7 @@
             <a:fld id="{B61BEF0D-F0BB-DE4B-95CE-6DB70DBA9567}" type="datetimeFigureOut">
               <a:rPr lang="en-US" dirty="0"/>
               <a:pPr/>
-              <a:t>4/16/2019</a:t>
+              <a:t>4/17/2019</a:t>
             </a:fld>
             <a:endParaRPr lang="en-US" dirty="0"/>
           </a:p>
@@ -4184,7 +4275,7 @@
             <a:fld id="{B61BEF0D-F0BB-DE4B-95CE-6DB70DBA9567}" type="datetimeFigureOut">
               <a:rPr lang="en-US" dirty="0"/>
               <a:pPr/>
-              <a:t>4/16/2019</a:t>
+              <a:t>4/17/2019</a:t>
             </a:fld>
             <a:endParaRPr lang="en-US" dirty="0"/>
           </a:p>
@@ -4495,7 +4586,7 @@
             <a:fld id="{B61BEF0D-F0BB-DE4B-95CE-6DB70DBA9567}" type="datetimeFigureOut">
               <a:rPr lang="en-US" dirty="0"/>
               <a:pPr/>
-              <a:t>4/16/2019</a:t>
+              <a:t>4/17/2019</a:t>
             </a:fld>
             <a:endParaRPr lang="en-US" dirty="0"/>
           </a:p>
@@ -4825,7 +4916,7 @@
             <a:fld id="{B61BEF0D-F0BB-DE4B-95CE-6DB70DBA9567}" type="datetimeFigureOut">
               <a:rPr lang="en-US" dirty="0"/>
               <a:pPr/>
-              <a:t>4/16/2019</a:t>
+              <a:t>4/17/2019</a:t>
             </a:fld>
             <a:endParaRPr lang="en-US" dirty="0"/>
           </a:p>
@@ -5136,7 +5227,7 @@
             <a:fld id="{B61BEF0D-F0BB-DE4B-95CE-6DB70DBA9567}" type="datetimeFigureOut">
               <a:rPr lang="en-US" dirty="0"/>
               <a:pPr/>
-              <a:t>4/16/2019</a:t>
+              <a:t>4/17/2019</a:t>
             </a:fld>
             <a:endParaRPr lang="en-US" dirty="0"/>
           </a:p>
@@ -5526,7 +5617,7 @@
             <a:fld id="{B61BEF0D-F0BB-DE4B-95CE-6DB70DBA9567}" type="datetimeFigureOut">
               <a:rPr lang="en-US" dirty="0"/>
               <a:pPr/>
-              <a:t>4/16/2019</a:t>
+              <a:t>4/17/2019</a:t>
             </a:fld>
             <a:endParaRPr lang="en-US" dirty="0"/>
           </a:p>
@@ -5692,7 +5783,7 @@
           <a:p>
             <a:fld id="{55C6B4A9-1611-4792-9094-5F34BCA07E0B}" type="datetimeFigureOut">
               <a:rPr lang="en-US" dirty="0"/>
-              <a:t>4/16/2019</a:t>
+              <a:t>4/17/2019</a:t>
             </a:fld>
             <a:endParaRPr lang="en-US" dirty="0"/>
           </a:p>
@@ -5868,7 +5959,7 @@
             <a:fld id="{B61BEF0D-F0BB-DE4B-95CE-6DB70DBA9567}" type="datetimeFigureOut">
               <a:rPr lang="en-US" dirty="0"/>
               <a:pPr/>
-              <a:t>4/16/2019</a:t>
+              <a:t>4/17/2019</a:t>
             </a:fld>
             <a:endParaRPr lang="en-US" dirty="0"/>
           </a:p>
@@ -6034,7 +6125,7 @@
           <a:p>
             <a:fld id="{42A54C80-263E-416B-A8E0-580EDEADCBDC}" type="datetimeFigureOut">
               <a:rPr lang="en-US" dirty="0"/>
-              <a:t>4/16/2019</a:t>
+              <a:t>4/17/2019</a:t>
             </a:fld>
             <a:endParaRPr lang="en-US" dirty="0"/>
           </a:p>
@@ -6277,7 +6368,7 @@
             <a:fld id="{B61BEF0D-F0BB-DE4B-95CE-6DB70DBA9567}" type="datetimeFigureOut">
               <a:rPr lang="en-US" dirty="0"/>
               <a:pPr/>
-              <a:t>4/16/2019</a:t>
+              <a:t>4/17/2019</a:t>
             </a:fld>
             <a:endParaRPr lang="en-US" dirty="0"/>
           </a:p>
@@ -6505,7 +6596,7 @@
           <a:p>
             <a:fld id="{42A54C80-263E-416B-A8E0-580EDEADCBDC}" type="datetimeFigureOut">
               <a:rPr lang="en-US" dirty="0"/>
-              <a:t>4/16/2019</a:t>
+              <a:t>4/17/2019</a:t>
             </a:fld>
             <a:endParaRPr lang="en-US" dirty="0"/>
           </a:p>
@@ -6875,7 +6966,7 @@
             <a:fld id="{B61BEF0D-F0BB-DE4B-95CE-6DB70DBA9567}" type="datetimeFigureOut">
               <a:rPr lang="en-US" dirty="0"/>
               <a:pPr/>
-              <a:t>4/16/2019</a:t>
+              <a:t>4/17/2019</a:t>
             </a:fld>
             <a:endParaRPr lang="en-US" dirty="0"/>
           </a:p>
@@ -6995,7 +7086,7 @@
             <a:fld id="{B61BEF0D-F0BB-DE4B-95CE-6DB70DBA9567}" type="datetimeFigureOut">
               <a:rPr lang="en-US" dirty="0"/>
               <a:pPr/>
-              <a:t>4/16/2019</a:t>
+              <a:t>4/17/2019</a:t>
             </a:fld>
             <a:endParaRPr lang="en-US" dirty="0"/>
           </a:p>
@@ -7087,7 +7178,7 @@
             <a:fld id="{B61BEF0D-F0BB-DE4B-95CE-6DB70DBA9567}" type="datetimeFigureOut">
               <a:rPr lang="en-US" dirty="0"/>
               <a:pPr/>
-              <a:t>4/16/2019</a:t>
+              <a:t>4/17/2019</a:t>
             </a:fld>
             <a:endParaRPr lang="en-US" dirty="0"/>
           </a:p>
@@ -7338,7 +7429,7 @@
           <a:p>
             <a:fld id="{42A54C80-263E-416B-A8E0-580EDEADCBDC}" type="datetimeFigureOut">
               <a:rPr lang="en-US" dirty="0"/>
-              <a:t>4/16/2019</a:t>
+              <a:t>4/17/2019</a:t>
             </a:fld>
             <a:endParaRPr lang="en-US" dirty="0"/>
           </a:p>
@@ -7640,7 +7731,7 @@
             <a:fld id="{B61BEF0D-F0BB-DE4B-95CE-6DB70DBA9567}" type="datetimeFigureOut">
               <a:rPr lang="en-US" dirty="0"/>
               <a:pPr/>
-              <a:t>4/16/2019</a:t>
+              <a:t>4/17/2019</a:t>
             </a:fld>
             <a:endParaRPr lang="en-US" dirty="0"/>
           </a:p>
@@ -8338,7 +8429,7 @@
             <a:fld id="{B61BEF0D-F0BB-DE4B-95CE-6DB70DBA9567}" type="datetimeFigureOut">
               <a:rPr lang="en-US" dirty="0"/>
               <a:pPr/>
-              <a:t>4/16/2019</a:t>
+              <a:t>4/17/2019</a:t>
             </a:fld>
             <a:endParaRPr lang="en-US" dirty="0"/>
           </a:p>
@@ -8927,6 +9018,373 @@
 </p:sld>
 </file>
 
+<file path=ppt/slides/slide10.xml><?xml version="1.0" encoding="utf-8"?>
+<p:sld xmlns:a="http://schemas.openxmlformats.org/drawingml/2006/main" xmlns:r="http://schemas.openxmlformats.org/officeDocument/2006/relationships" xmlns:p="http://schemas.openxmlformats.org/presentationml/2006/main">
+  <p:cSld>
+    <p:spTree>
+      <p:nvGrpSpPr>
+        <p:cNvPr id="1" name=""/>
+        <p:cNvGrpSpPr/>
+        <p:nvPr/>
+      </p:nvGrpSpPr>
+      <p:grpSpPr>
+        <a:xfrm>
+          <a:off x="0" y="0"/>
+          <a:ext cx="0" cy="0"/>
+          <a:chOff x="0" y="0"/>
+          <a:chExt cx="0" cy="0"/>
+        </a:xfrm>
+      </p:grpSpPr>
+      <p:sp>
+        <p:nvSpPr>
+          <p:cNvPr id="2" name="Title 1">
+            <a:extLst>
+              <a:ext uri="{FF2B5EF4-FFF2-40B4-BE49-F238E27FC236}">
+                <a16:creationId xmlns:a16="http://schemas.microsoft.com/office/drawing/2014/main" id="{E37FE3EC-290D-4F93-B340-99EE4A7BF0D5}"/>
+              </a:ext>
+            </a:extLst>
+          </p:cNvPr>
+          <p:cNvSpPr>
+            <a:spLocks noGrp="1"/>
+          </p:cNvSpPr>
+          <p:nvPr>
+            <p:ph type="title"/>
+          </p:nvPr>
+        </p:nvSpPr>
+        <p:spPr/>
+        <p:txBody>
+          <a:bodyPr/>
+          <a:lstStyle/>
+          <a:p>
+            <a:r>
+              <a:rPr lang="en-US" dirty="0"/>
+              <a:t>Polymorphism</a:t>
+            </a:r>
+          </a:p>
+        </p:txBody>
+      </p:sp>
+      <p:sp>
+        <p:nvSpPr>
+          <p:cNvPr id="3" name="Content Placeholder 2">
+            <a:extLst>
+              <a:ext uri="{FF2B5EF4-FFF2-40B4-BE49-F238E27FC236}">
+                <a16:creationId xmlns:a16="http://schemas.microsoft.com/office/drawing/2014/main" id="{69AA75B4-BAA5-454C-B927-74B69AFEFA9F}"/>
+              </a:ext>
+            </a:extLst>
+          </p:cNvPr>
+          <p:cNvSpPr>
+            <a:spLocks noGrp="1"/>
+          </p:cNvSpPr>
+          <p:nvPr>
+            <p:ph idx="1"/>
+          </p:nvPr>
+        </p:nvSpPr>
+        <p:spPr/>
+        <p:txBody>
+          <a:bodyPr>
+            <a:normAutofit lnSpcReduction="10000"/>
+          </a:bodyPr>
+          <a:lstStyle/>
+          <a:p>
+            <a:r>
+              <a:rPr lang="en-US" dirty="0"/>
+              <a:t>The word </a:t>
+            </a:r>
+            <a:r>
+              <a:rPr lang="en-US" b="1" u="sng" dirty="0"/>
+              <a:t>Polymorphism</a:t>
+            </a:r>
+            <a:r>
+              <a:rPr lang="en-US" dirty="0"/>
+              <a:t> has Greek roots that roughly mean “many forms”</a:t>
+            </a:r>
+          </a:p>
+          <a:p>
+            <a:r>
+              <a:rPr lang="en-US" dirty="0"/>
+              <a:t>In Java, this means that an object of one type can take a form of an object of another type.</a:t>
+            </a:r>
+          </a:p>
+          <a:p>
+            <a:r>
+              <a:rPr lang="en-US" dirty="0"/>
+              <a:t>But wait! There’s rules to this.</a:t>
+            </a:r>
+          </a:p>
+          <a:p>
+            <a:r>
+              <a:rPr lang="en-US" dirty="0"/>
+              <a:t>This only works when there is an </a:t>
+            </a:r>
+            <a:r>
+              <a:rPr lang="en-US" i="1" dirty="0"/>
+              <a:t>is-a</a:t>
+            </a:r>
+            <a:r>
+              <a:rPr lang="en-US" dirty="0"/>
+              <a:t> relationship at play, meaning Polymorphism and Inheritance work hand in hand. </a:t>
+            </a:r>
+          </a:p>
+          <a:p>
+            <a:r>
+              <a:rPr lang="en-US" dirty="0"/>
+              <a:t>Basically, this means that a variable of the type of a super class can reference an instance of a subclass.</a:t>
+            </a:r>
+          </a:p>
+          <a:p>
+            <a:r>
+              <a:rPr lang="en-US" dirty="0"/>
+              <a:t>Also, when we override a method, we are making it </a:t>
+            </a:r>
+            <a:r>
+              <a:rPr lang="en-US" b="1" u="sng" dirty="0"/>
+              <a:t>polymorphic</a:t>
+            </a:r>
+            <a:r>
+              <a:rPr lang="en-US" dirty="0"/>
+              <a:t>, and when calling that method, the compiler will search bottom-up for an implementation of that method, so the subclass’s implementation will always be used.</a:t>
+            </a:r>
+          </a:p>
+        </p:txBody>
+      </p:sp>
+    </p:spTree>
+    <p:extLst>
+      <p:ext uri="{BB962C8B-B14F-4D97-AF65-F5344CB8AC3E}">
+        <p14:creationId xmlns:p14="http://schemas.microsoft.com/office/powerpoint/2010/main" val="852952256"/>
+      </p:ext>
+    </p:extLst>
+  </p:cSld>
+  <p:clrMapOvr>
+    <a:masterClrMapping/>
+  </p:clrMapOvr>
+</p:sld>
+</file>
+
+<file path=ppt/slides/slide11.xml><?xml version="1.0" encoding="utf-8"?>
+<p:sld xmlns:a="http://schemas.openxmlformats.org/drawingml/2006/main" xmlns:r="http://schemas.openxmlformats.org/officeDocument/2006/relationships" xmlns:p="http://schemas.openxmlformats.org/presentationml/2006/main">
+  <p:cSld>
+    <p:bg>
+      <p:bgPr>
+        <a:solidFill>
+          <a:schemeClr val="bg1"/>
+        </a:solidFill>
+        <a:effectLst/>
+      </p:bgPr>
+    </p:bg>
+    <p:spTree>
+      <p:nvGrpSpPr>
+        <p:cNvPr id="1" name=""/>
+        <p:cNvGrpSpPr/>
+        <p:nvPr/>
+      </p:nvGrpSpPr>
+      <p:grpSpPr>
+        <a:xfrm>
+          <a:off x="0" y="0"/>
+          <a:ext cx="0" cy="0"/>
+          <a:chOff x="0" y="0"/>
+          <a:chExt cx="0" cy="0"/>
+        </a:xfrm>
+      </p:grpSpPr>
+      <p:sp>
+        <p:nvSpPr>
+          <p:cNvPr id="2" name="Title 1">
+            <a:extLst>
+              <a:ext uri="{FF2B5EF4-FFF2-40B4-BE49-F238E27FC236}">
+                <a16:creationId xmlns:a16="http://schemas.microsoft.com/office/drawing/2014/main" id="{ECD92E5B-D663-4A99-959A-8CD28A367E70}"/>
+              </a:ext>
+            </a:extLst>
+          </p:cNvPr>
+          <p:cNvSpPr>
+            <a:spLocks noGrp="1"/>
+          </p:cNvSpPr>
+          <p:nvPr>
+            <p:ph type="title"/>
+          </p:nvPr>
+        </p:nvSpPr>
+        <p:spPr>
+          <a:xfrm>
+            <a:off x="677334" y="609600"/>
+            <a:ext cx="8596668" cy="1320800"/>
+          </a:xfrm>
+        </p:spPr>
+        <p:txBody>
+          <a:bodyPr anchor="t">
+            <a:normAutofit/>
+          </a:bodyPr>
+          <a:lstStyle/>
+          <a:p>
+            <a:r>
+              <a:rPr lang="en-US"/>
+              <a:t>More on Polymorphic Methods</a:t>
+            </a:r>
+            <a:endParaRPr lang="en-US" dirty="0"/>
+          </a:p>
+        </p:txBody>
+      </p:sp>
+      <p:sp>
+        <p:nvSpPr>
+          <p:cNvPr id="3" name="Content Placeholder 2">
+            <a:extLst>
+              <a:ext uri="{FF2B5EF4-FFF2-40B4-BE49-F238E27FC236}">
+                <a16:creationId xmlns:a16="http://schemas.microsoft.com/office/drawing/2014/main" id="{C674A975-BC79-4F52-8699-6C6F38C15CB2}"/>
+              </a:ext>
+            </a:extLst>
+          </p:cNvPr>
+          <p:cNvSpPr>
+            <a:spLocks noGrp="1"/>
+          </p:cNvSpPr>
+          <p:nvPr>
+            <p:ph idx="1"/>
+          </p:nvPr>
+        </p:nvSpPr>
+        <p:spPr>
+          <a:xfrm>
+            <a:off x="677334" y="2160590"/>
+            <a:ext cx="5220430" cy="3701270"/>
+          </a:xfrm>
+        </p:spPr>
+        <p:txBody>
+          <a:bodyPr>
+            <a:normAutofit/>
+          </a:bodyPr>
+          <a:lstStyle/>
+          <a:p>
+            <a:pPr>
+              <a:lnSpc>
+                <a:spcPct val="90000"/>
+              </a:lnSpc>
+            </a:pPr>
+            <a:r>
+              <a:rPr lang="en-US" sz="1500" dirty="0"/>
+              <a:t>For instance, take a look at the UML for example 2.</a:t>
+            </a:r>
+          </a:p>
+          <a:p>
+            <a:pPr>
+              <a:lnSpc>
+                <a:spcPct val="90000"/>
+              </a:lnSpc>
+            </a:pPr>
+            <a:r>
+              <a:rPr lang="en-US" sz="1500" dirty="0"/>
+              <a:t>If I had a </a:t>
+            </a:r>
+            <a:r>
+              <a:rPr lang="en-US" sz="1500" dirty="0" err="1"/>
+              <a:t>BankAccount</a:t>
+            </a:r>
+            <a:r>
+              <a:rPr lang="en-US" sz="1500" dirty="0"/>
+              <a:t> object and call withdraw, the compiler will use the withdraw method as defined in the </a:t>
+            </a:r>
+            <a:r>
+              <a:rPr lang="en-US" sz="1500" dirty="0" err="1"/>
+              <a:t>BankAccount</a:t>
+            </a:r>
+            <a:r>
+              <a:rPr lang="en-US" sz="1500" dirty="0"/>
+              <a:t> class.</a:t>
+            </a:r>
+          </a:p>
+          <a:p>
+            <a:pPr>
+              <a:lnSpc>
+                <a:spcPct val="90000"/>
+              </a:lnSpc>
+            </a:pPr>
+            <a:r>
+              <a:rPr lang="en-US" sz="1500" dirty="0"/>
+              <a:t>However, if I call withdraw on a </a:t>
+            </a:r>
+            <a:r>
+              <a:rPr lang="en-US" sz="1500" dirty="0" err="1"/>
+              <a:t>SavingsAccount</a:t>
+            </a:r>
+            <a:r>
+              <a:rPr lang="en-US" sz="1500" dirty="0"/>
+              <a:t> object, the compiler will see that there is no such definition in the </a:t>
+            </a:r>
+            <a:r>
+              <a:rPr lang="en-US" sz="1500" dirty="0" err="1"/>
+              <a:t>SavingsAccount</a:t>
+            </a:r>
+            <a:r>
+              <a:rPr lang="en-US" sz="1500" dirty="0"/>
+              <a:t> class, so it will go up to the superclass and use the definition there. In the case of a deeply nested hierarchy, it will keep searching upwards until a definition is found.</a:t>
+            </a:r>
+          </a:p>
+          <a:p>
+            <a:pPr>
+              <a:lnSpc>
+                <a:spcPct val="90000"/>
+              </a:lnSpc>
+            </a:pPr>
+            <a:r>
+              <a:rPr lang="en-US" sz="1500" dirty="0"/>
+              <a:t>Now, if I call withdraw on a </a:t>
+            </a:r>
+            <a:r>
+              <a:rPr lang="en-US" sz="1500" dirty="0" err="1"/>
+              <a:t>CheckingAccount</a:t>
+            </a:r>
+            <a:r>
+              <a:rPr lang="en-US" sz="1500" dirty="0"/>
+              <a:t> object, the compiler will see the definition of withdraw in the </a:t>
+            </a:r>
+            <a:r>
+              <a:rPr lang="en-US" sz="1500" dirty="0" err="1"/>
+              <a:t>CheckingAccount</a:t>
+            </a:r>
+            <a:r>
+              <a:rPr lang="en-US" sz="1500" dirty="0"/>
+              <a:t> class, and use that method.</a:t>
+            </a:r>
+          </a:p>
+        </p:txBody>
+      </p:sp>
+      <p:pic>
+        <p:nvPicPr>
+          <p:cNvPr id="5" name="Picture 4" descr="A screenshot of a cell phone&#10;&#10;Description automatically generated">
+            <a:extLst>
+              <a:ext uri="{FF2B5EF4-FFF2-40B4-BE49-F238E27FC236}">
+                <a16:creationId xmlns:a16="http://schemas.microsoft.com/office/drawing/2014/main" id="{4939C132-98CC-468C-A1F2-67977150B49D}"/>
+              </a:ext>
+            </a:extLst>
+          </p:cNvPr>
+          <p:cNvPicPr>
+            <a:picLocks noChangeAspect="1"/>
+          </p:cNvPicPr>
+          <p:nvPr/>
+        </p:nvPicPr>
+        <p:blipFill>
+          <a:blip r:embed="rId3"/>
+          <a:stretch>
+            <a:fillRect/>
+          </a:stretch>
+        </p:blipFill>
+        <p:spPr>
+          <a:xfrm>
+            <a:off x="6096000" y="1930400"/>
+            <a:ext cx="4086394" cy="3841547"/>
+          </a:xfrm>
+          <a:prstGeom prst="rect">
+            <a:avLst/>
+          </a:prstGeom>
+        </p:spPr>
+      </p:pic>
+    </p:spTree>
+    <p:extLst>
+      <p:ext uri="{BB962C8B-B14F-4D97-AF65-F5344CB8AC3E}">
+        <p14:creationId xmlns:p14="http://schemas.microsoft.com/office/powerpoint/2010/main" val="139010937"/>
+      </p:ext>
+    </p:extLst>
+  </p:cSld>
+  <p:clrMapOvr>
+    <a:masterClrMapping/>
+  </p:clrMapOvr>
+</p:sld>
+</file>
+
 <file path=ppt/slides/slide2.xml><?xml version="1.0" encoding="utf-8"?>
 <p:sld xmlns:a="http://schemas.openxmlformats.org/drawingml/2006/main" xmlns:r="http://schemas.openxmlformats.org/officeDocument/2006/relationships" xmlns:p="http://schemas.openxmlformats.org/presentationml/2006/main">
   <p:cSld>
@@ -10294,12 +10752,12 @@
         </p:nvSpPr>
         <p:spPr>
           <a:xfrm>
-            <a:off x="677334" y="609600"/>
-            <a:ext cx="8596668" cy="1320800"/>
+            <a:off x="676746" y="609600"/>
+            <a:ext cx="3729076" cy="1320800"/>
           </a:xfrm>
         </p:spPr>
         <p:txBody>
-          <a:bodyPr anchor="t">
+          <a:bodyPr anchor="ctr">
             <a:normAutofit/>
           </a:bodyPr>
           <a:lstStyle/>
@@ -10329,8 +10787,8 @@
         </p:nvSpPr>
         <p:spPr>
           <a:xfrm>
-            <a:off x="677334" y="2160589"/>
-            <a:ext cx="3957349" cy="3749323"/>
+            <a:off x="685167" y="2160589"/>
+            <a:ext cx="3720916" cy="3560733"/>
           </a:xfrm>
         </p:spPr>
         <p:txBody>
@@ -10345,11 +10803,11 @@
               </a:lnSpc>
             </a:pPr>
             <a:r>
-              <a:rPr lang="en-US" sz="1500" b="1" u="sng"/>
+              <a:rPr lang="en-US" sz="1400" b="1" u="sng" dirty="0"/>
               <a:t>Inheritance</a:t>
             </a:r>
             <a:r>
-              <a:rPr lang="en-US" sz="1500"/>
+              <a:rPr lang="en-US" sz="1400" dirty="0"/>
               <a:t> is the process of creating a class from an existing class. </a:t>
             </a:r>
           </a:p>
@@ -10360,7 +10818,7 @@
               </a:lnSpc>
             </a:pPr>
             <a:r>
-              <a:rPr lang="en-US" sz="1500"/>
+              <a:rPr lang="en-US" sz="1400" dirty="0"/>
               <a:t>The new class will have all of the original class’s state and behavior, but will also add its own, making it bigger.</a:t>
             </a:r>
           </a:p>
@@ -10371,23 +10829,23 @@
               </a:lnSpc>
             </a:pPr>
             <a:r>
-              <a:rPr lang="en-US" sz="1500"/>
+              <a:rPr lang="en-US" sz="1400" dirty="0"/>
               <a:t>The new class is called a </a:t>
             </a:r>
             <a:r>
-              <a:rPr lang="en-US" sz="1500" b="1" u="sng"/>
+              <a:rPr lang="en-US" sz="1400" b="1" u="sng" dirty="0"/>
               <a:t>subclass</a:t>
             </a:r>
             <a:r>
-              <a:rPr lang="en-US" sz="1500"/>
+              <a:rPr lang="en-US" sz="1400" dirty="0"/>
               <a:t> and the original class is called a </a:t>
             </a:r>
             <a:r>
-              <a:rPr lang="en-US" sz="1500" b="1" u="sng"/>
+              <a:rPr lang="en-US" sz="1400" b="1" u="sng" dirty="0"/>
               <a:t>superclass</a:t>
             </a:r>
             <a:r>
-              <a:rPr lang="en-US" sz="1500"/>
+              <a:rPr lang="en-US" sz="1400" dirty="0"/>
               <a:t>.</a:t>
             </a:r>
           </a:p>
@@ -10398,8 +10856,16 @@
               </a:lnSpc>
             </a:pPr>
             <a:r>
-              <a:rPr lang="en-US" sz="1500"/>
-              <a:t>This is great because it allows for some code to only be written and tested in a superclass, them used in subclasses.</a:t>
+              <a:rPr lang="en-US" sz="1400" dirty="0"/>
+              <a:t>This is great because it allows for some code to only be written and tested once in a superclass</a:t>
+            </a:r>
+            <a:r>
+              <a:rPr lang="en-US" sz="1400"/>
+              <a:t>, then </a:t>
+            </a:r>
+            <a:r>
+              <a:rPr lang="en-US" sz="1400" dirty="0"/>
+              <a:t>used in subclasses.</a:t>
             </a:r>
           </a:p>
           <a:p>
@@ -10409,15 +10875,15 @@
               </a:lnSpc>
             </a:pPr>
             <a:r>
-              <a:rPr lang="en-US" sz="1500"/>
+              <a:rPr lang="en-US" sz="1400" dirty="0"/>
               <a:t>A subclass of a class can be a superclass for another class, which leads to an </a:t>
             </a:r>
             <a:r>
-              <a:rPr lang="en-US" sz="1500" b="1" u="sng"/>
+              <a:rPr lang="en-US" sz="1400" b="1" u="sng" dirty="0"/>
               <a:t>inheritance hierarchy</a:t>
             </a:r>
             <a:r>
-              <a:rPr lang="en-US" sz="1500"/>
+              <a:rPr lang="en-US" sz="1400" dirty="0"/>
               <a:t>.</a:t>
             </a:r>
           </a:p>
@@ -10425,10 +10891,10 @@
       </p:sp>
       <p:pic>
         <p:nvPicPr>
-          <p:cNvPr id="7" name="Picture 6" descr="A screenshot of a cell phone&#10;&#10;Description automatically generated">
+          <p:cNvPr id="5" name="Picture 4" descr="A picture containing screenshot&#10;&#10;Description automatically generated">
             <a:extLst>
               <a:ext uri="{FF2B5EF4-FFF2-40B4-BE49-F238E27FC236}">
-                <a16:creationId xmlns:a16="http://schemas.microsoft.com/office/drawing/2014/main" id="{18B85371-D98B-48FC-83EA-87D66A2ACBA7}"/>
+                <a16:creationId xmlns:a16="http://schemas.microsoft.com/office/drawing/2014/main" id="{5AFED24B-8C26-4DB8-AD83-9FF7DC466E79}"/>
               </a:ext>
             </a:extLst>
           </p:cNvPr>
@@ -10445,8 +10911,8 @@
         </p:blipFill>
         <p:spPr>
           <a:xfrm>
-            <a:off x="4987137" y="2159331"/>
-            <a:ext cx="4204989" cy="3742439"/>
+            <a:off x="4654035" y="1210868"/>
+            <a:ext cx="4602747" cy="3931731"/>
           </a:xfrm>
           <a:prstGeom prst="rect">
             <a:avLst/>
@@ -10684,10 +11150,10 @@
       </p:sp>
       <p:pic>
         <p:nvPicPr>
-          <p:cNvPr id="5" name="Picture 4" descr="A screenshot of a cell phone&#10;&#10;Description automatically generated">
+          <p:cNvPr id="6" name="Picture 5" descr="A picture containing screenshot&#10;&#10;Description automatically generated">
             <a:extLst>
               <a:ext uri="{FF2B5EF4-FFF2-40B4-BE49-F238E27FC236}">
-                <a16:creationId xmlns:a16="http://schemas.microsoft.com/office/drawing/2014/main" id="{C43827E3-E358-479D-871B-6C6F87AE8C60}"/>
+                <a16:creationId xmlns:a16="http://schemas.microsoft.com/office/drawing/2014/main" id="{392E23FE-8341-4882-8AFB-5DE45A517AB3}"/>
               </a:ext>
             </a:extLst>
           </p:cNvPr>
@@ -10704,8 +11170,8 @@
         </p:blipFill>
         <p:spPr>
           <a:xfrm>
-            <a:off x="4654035" y="1128512"/>
-            <a:ext cx="4602747" cy="4096444"/>
+            <a:off x="4654035" y="1210868"/>
+            <a:ext cx="4602747" cy="3931731"/>
           </a:xfrm>
           <a:prstGeom prst="rect">
             <a:avLst/>
@@ -10716,6 +11182,1713 @@
     <p:extLst>
       <p:ext uri="{BB962C8B-B14F-4D97-AF65-F5344CB8AC3E}">
         <p14:creationId xmlns:p14="http://schemas.microsoft.com/office/powerpoint/2010/main" val="804555844"/>
+      </p:ext>
+    </p:extLst>
+  </p:cSld>
+  <p:clrMapOvr>
+    <a:masterClrMapping/>
+  </p:clrMapOvr>
+</p:sld>
+</file>
+
+<file path=ppt/slides/slide8.xml><?xml version="1.0" encoding="utf-8"?>
+<p:sld xmlns:a="http://schemas.openxmlformats.org/drawingml/2006/main" xmlns:r="http://schemas.openxmlformats.org/officeDocument/2006/relationships" xmlns:p="http://schemas.openxmlformats.org/presentationml/2006/main">
+  <p:cSld>
+    <p:bg>
+      <p:bgPr>
+        <a:solidFill>
+          <a:schemeClr val="bg1"/>
+        </a:solidFill>
+        <a:effectLst/>
+      </p:bgPr>
+    </p:bg>
+    <p:spTree>
+      <p:nvGrpSpPr>
+        <p:cNvPr id="1" name=""/>
+        <p:cNvGrpSpPr/>
+        <p:nvPr/>
+      </p:nvGrpSpPr>
+      <p:grpSpPr>
+        <a:xfrm>
+          <a:off x="0" y="0"/>
+          <a:ext cx="0" cy="0"/>
+          <a:chOff x="0" y="0"/>
+          <a:chExt cx="0" cy="0"/>
+        </a:xfrm>
+      </p:grpSpPr>
+      <p:grpSp>
+        <p:nvGrpSpPr>
+          <p:cNvPr id="26" name="Group 25">
+            <a:extLst>
+              <a:ext uri="{FF2B5EF4-FFF2-40B4-BE49-F238E27FC236}">
+                <a16:creationId xmlns:a16="http://schemas.microsoft.com/office/drawing/2014/main" id="{4815A7B4-532E-48C9-AC24-D78ACF3339DB}"/>
+              </a:ext>
+              <a:ext uri="{C183D7F6-B498-43B3-948B-1728B52AA6E4}">
+                <adec:decorative xmlns:adec="http://schemas.microsoft.com/office/drawing/2017/decorative" val="1"/>
+              </a:ext>
+            </a:extLst>
+          </p:cNvPr>
+          <p:cNvGrpSpPr>
+            <a:grpSpLocks noGrp="1" noUngrp="1" noRot="1" noChangeAspect="1" noMove="1" noResize="1"/>
+          </p:cNvGrpSpPr>
+          <p:nvPr>
+            <p:extLst>
+              <p:ext uri="{386F3935-93C4-4BCD-93E2-E3B085C9AB24}">
+                <p16:designElem xmlns:p16="http://schemas.microsoft.com/office/powerpoint/2015/main" val="1"/>
+              </p:ext>
+            </p:extLst>
+          </p:nvPr>
+        </p:nvGrpSpPr>
+        <p:grpSpPr>
+          <a:xfrm>
+            <a:off x="0" y="-8467"/>
+            <a:ext cx="12192000" cy="6866467"/>
+            <a:chOff x="0" y="-8467"/>
+            <a:chExt cx="12192000" cy="6866467"/>
+          </a:xfrm>
+        </p:grpSpPr>
+        <p:sp>
+          <p:nvSpPr>
+            <p:cNvPr id="27" name="Freeform 14">
+              <a:extLst>
+                <a:ext uri="{FF2B5EF4-FFF2-40B4-BE49-F238E27FC236}">
+                  <a16:creationId xmlns:a16="http://schemas.microsoft.com/office/drawing/2014/main" id="{D40109F4-CE5C-45F4-856E-F3F69C9FD4E1}"/>
+                </a:ext>
+                <a:ext uri="{C183D7F6-B498-43B3-948B-1728B52AA6E4}">
+                  <adec:decorative xmlns:adec="http://schemas.microsoft.com/office/drawing/2017/decorative" val="1"/>
+                </a:ext>
+              </a:extLst>
+            </p:cNvPr>
+            <p:cNvSpPr/>
+            <p:nvPr>
+              <p:extLst>
+                <p:ext uri="{386F3935-93C4-4BCD-93E2-E3B085C9AB24}">
+                  <p16:designElem xmlns:p16="http://schemas.microsoft.com/office/powerpoint/2015/main" val="1"/>
+                </p:ext>
+              </p:extLst>
+            </p:nvPr>
+          </p:nvSpPr>
+          <p:spPr>
+            <a:xfrm>
+              <a:off x="0" y="-7862"/>
+              <a:ext cx="863600" cy="5698067"/>
+            </a:xfrm>
+            <a:custGeom>
+              <a:avLst/>
+              <a:gdLst/>
+              <a:ahLst/>
+              <a:cxnLst/>
+              <a:rect l="l" t="t" r="r" b="b"/>
+              <a:pathLst>
+                <a:path w="863600" h="5698067">
+                  <a:moveTo>
+                    <a:pt x="0" y="8467"/>
+                  </a:moveTo>
+                  <a:lnTo>
+                    <a:pt x="863600" y="0"/>
+                  </a:lnTo>
+                  <a:lnTo>
+                    <a:pt x="863600" y="16934"/>
+                  </a:lnTo>
+                  <a:lnTo>
+                    <a:pt x="0" y="5698067"/>
+                  </a:lnTo>
+                  <a:lnTo>
+                    <a:pt x="0" y="8467"/>
+                  </a:lnTo>
+                  <a:close/>
+                </a:path>
+              </a:pathLst>
+            </a:custGeom>
+            <a:solidFill>
+              <a:schemeClr val="accent1">
+                <a:alpha val="70000"/>
+              </a:schemeClr>
+            </a:solidFill>
+            <a:ln>
+              <a:noFill/>
+            </a:ln>
+            <a:effectLst/>
+          </p:spPr>
+          <p:style>
+            <a:lnRef idx="1">
+              <a:schemeClr val="accent1"/>
+            </a:lnRef>
+            <a:fillRef idx="3">
+              <a:schemeClr val="accent1"/>
+            </a:fillRef>
+            <a:effectRef idx="2">
+              <a:schemeClr val="accent1"/>
+            </a:effectRef>
+            <a:fontRef idx="minor">
+              <a:schemeClr val="lt1"/>
+            </a:fontRef>
+          </p:style>
+        </p:sp>
+        <p:cxnSp>
+          <p:nvCxnSpPr>
+            <p:cNvPr id="28" name="Straight Connector 27">
+              <a:extLst>
+                <a:ext uri="{FF2B5EF4-FFF2-40B4-BE49-F238E27FC236}">
+                  <a16:creationId xmlns:a16="http://schemas.microsoft.com/office/drawing/2014/main" id="{3CBAA4DE-3D7B-460B-AE98-D9F9990C0B62}"/>
+                </a:ext>
+                <a:ext uri="{C183D7F6-B498-43B3-948B-1728B52AA6E4}">
+                  <adec:decorative xmlns:adec="http://schemas.microsoft.com/office/drawing/2017/decorative" val="1"/>
+                </a:ext>
+              </a:extLst>
+            </p:cNvPr>
+            <p:cNvCxnSpPr/>
+            <p:nvPr>
+              <p:extLst>
+                <p:ext uri="{386F3935-93C4-4BCD-93E2-E3B085C9AB24}">
+                  <p16:designElem xmlns:p16="http://schemas.microsoft.com/office/powerpoint/2015/main" val="1"/>
+                </p:ext>
+              </p:extLst>
+            </p:nvPr>
+          </p:nvCxnSpPr>
+          <p:spPr>
+            <a:xfrm>
+              <a:off x="9371012" y="0"/>
+              <a:ext cx="1219200" cy="6858000"/>
+            </a:xfrm>
+            <a:prstGeom prst="line">
+              <a:avLst/>
+            </a:prstGeom>
+            <a:ln w="9525">
+              <a:solidFill>
+                <a:schemeClr val="accent1">
+                  <a:alpha val="70000"/>
+                </a:schemeClr>
+              </a:solidFill>
+            </a:ln>
+          </p:spPr>
+          <p:style>
+            <a:lnRef idx="2">
+              <a:schemeClr val="accent1"/>
+            </a:lnRef>
+            <a:fillRef idx="0">
+              <a:schemeClr val="accent1"/>
+            </a:fillRef>
+            <a:effectRef idx="1">
+              <a:schemeClr val="accent1"/>
+            </a:effectRef>
+            <a:fontRef idx="minor">
+              <a:schemeClr val="tx1"/>
+            </a:fontRef>
+          </p:style>
+        </p:cxnSp>
+        <p:cxnSp>
+          <p:nvCxnSpPr>
+            <p:cNvPr id="29" name="Straight Connector 28">
+              <a:extLst>
+                <a:ext uri="{FF2B5EF4-FFF2-40B4-BE49-F238E27FC236}">
+                  <a16:creationId xmlns:a16="http://schemas.microsoft.com/office/drawing/2014/main" id="{7BF1ED3E-4F80-4AF6-A41B-44F53DDE610D}"/>
+                </a:ext>
+                <a:ext uri="{C183D7F6-B498-43B3-948B-1728B52AA6E4}">
+                  <adec:decorative xmlns:adec="http://schemas.microsoft.com/office/drawing/2017/decorative" val="1"/>
+                </a:ext>
+              </a:extLst>
+            </p:cNvPr>
+            <p:cNvCxnSpPr/>
+            <p:nvPr>
+              <p:extLst>
+                <p:ext uri="{386F3935-93C4-4BCD-93E2-E3B085C9AB24}">
+                  <p16:designElem xmlns:p16="http://schemas.microsoft.com/office/powerpoint/2015/main" val="1"/>
+                </p:ext>
+              </p:extLst>
+            </p:nvPr>
+          </p:nvCxnSpPr>
+          <p:spPr>
+            <a:xfrm flipH="1">
+              <a:off x="7425267" y="3681413"/>
+              <a:ext cx="4763558" cy="3176587"/>
+            </a:xfrm>
+            <a:prstGeom prst="line">
+              <a:avLst/>
+            </a:prstGeom>
+            <a:ln w="9525">
+              <a:solidFill>
+                <a:schemeClr val="accent1">
+                  <a:alpha val="70000"/>
+                </a:schemeClr>
+              </a:solidFill>
+            </a:ln>
+          </p:spPr>
+          <p:style>
+            <a:lnRef idx="2">
+              <a:schemeClr val="accent1"/>
+            </a:lnRef>
+            <a:fillRef idx="0">
+              <a:schemeClr val="accent1"/>
+            </a:fillRef>
+            <a:effectRef idx="1">
+              <a:schemeClr val="accent1"/>
+            </a:effectRef>
+            <a:fontRef idx="minor">
+              <a:schemeClr val="tx1"/>
+            </a:fontRef>
+          </p:style>
+        </p:cxnSp>
+        <p:sp>
+          <p:nvSpPr>
+            <p:cNvPr id="30" name="Rectangle 23">
+              <a:extLst>
+                <a:ext uri="{FF2B5EF4-FFF2-40B4-BE49-F238E27FC236}">
+                  <a16:creationId xmlns:a16="http://schemas.microsoft.com/office/drawing/2014/main" id="{C0B2D747-3E31-45C5-9A98-A9710A585FBB}"/>
+                </a:ext>
+                <a:ext uri="{C183D7F6-B498-43B3-948B-1728B52AA6E4}">
+                  <adec:decorative xmlns:adec="http://schemas.microsoft.com/office/drawing/2017/decorative" val="1"/>
+                </a:ext>
+              </a:extLst>
+            </p:cNvPr>
+            <p:cNvSpPr/>
+            <p:nvPr>
+              <p:extLst>
+                <p:ext uri="{386F3935-93C4-4BCD-93E2-E3B085C9AB24}">
+                  <p16:designElem xmlns:p16="http://schemas.microsoft.com/office/powerpoint/2015/main" val="1"/>
+                </p:ext>
+              </p:extLst>
+            </p:nvPr>
+          </p:nvSpPr>
+          <p:spPr>
+            <a:xfrm>
+              <a:off x="9181476" y="-8467"/>
+              <a:ext cx="3007349" cy="6866467"/>
+            </a:xfrm>
+            <a:custGeom>
+              <a:avLst/>
+              <a:gdLst/>
+              <a:ahLst/>
+              <a:cxnLst/>
+              <a:rect l="l" t="t" r="r" b="b"/>
+              <a:pathLst>
+                <a:path w="3007349" h="6866467">
+                  <a:moveTo>
+                    <a:pt x="2045532" y="0"/>
+                  </a:moveTo>
+                  <a:lnTo>
+                    <a:pt x="3007349" y="0"/>
+                  </a:lnTo>
+                  <a:lnTo>
+                    <a:pt x="3007349" y="6866467"/>
+                  </a:lnTo>
+                  <a:lnTo>
+                    <a:pt x="0" y="6866467"/>
+                  </a:lnTo>
+                  <a:lnTo>
+                    <a:pt x="2045532" y="0"/>
+                  </a:lnTo>
+                  <a:close/>
+                </a:path>
+              </a:pathLst>
+            </a:custGeom>
+            <a:solidFill>
+              <a:schemeClr val="accent1">
+                <a:alpha val="36000"/>
+              </a:schemeClr>
+            </a:solidFill>
+            <a:ln>
+              <a:noFill/>
+            </a:ln>
+            <a:effectLst/>
+          </p:spPr>
+          <p:style>
+            <a:lnRef idx="1">
+              <a:schemeClr val="accent1"/>
+            </a:lnRef>
+            <a:fillRef idx="3">
+              <a:schemeClr val="accent1"/>
+            </a:fillRef>
+            <a:effectRef idx="2">
+              <a:schemeClr val="accent1"/>
+            </a:effectRef>
+            <a:fontRef idx="minor">
+              <a:schemeClr val="lt1"/>
+            </a:fontRef>
+          </p:style>
+        </p:sp>
+        <p:sp>
+          <p:nvSpPr>
+            <p:cNvPr id="31" name="Rectangle 25">
+              <a:extLst>
+                <a:ext uri="{FF2B5EF4-FFF2-40B4-BE49-F238E27FC236}">
+                  <a16:creationId xmlns:a16="http://schemas.microsoft.com/office/drawing/2014/main" id="{A15FD4BA-3020-462D-8BE8-B3A65B8E492A}"/>
+                </a:ext>
+                <a:ext uri="{C183D7F6-B498-43B3-948B-1728B52AA6E4}">
+                  <adec:decorative xmlns:adec="http://schemas.microsoft.com/office/drawing/2017/decorative" val="1"/>
+                </a:ext>
+              </a:extLst>
+            </p:cNvPr>
+            <p:cNvSpPr/>
+            <p:nvPr>
+              <p:extLst>
+                <p:ext uri="{386F3935-93C4-4BCD-93E2-E3B085C9AB24}">
+                  <p16:designElem xmlns:p16="http://schemas.microsoft.com/office/powerpoint/2015/main" val="1"/>
+                </p:ext>
+              </p:extLst>
+            </p:nvPr>
+          </p:nvSpPr>
+          <p:spPr>
+            <a:xfrm>
+              <a:off x="9603442" y="-8467"/>
+              <a:ext cx="2588558" cy="6866467"/>
+            </a:xfrm>
+            <a:custGeom>
+              <a:avLst/>
+              <a:gdLst/>
+              <a:ahLst/>
+              <a:cxnLst/>
+              <a:rect l="l" t="t" r="r" b="b"/>
+              <a:pathLst>
+                <a:path w="2573311" h="6866467">
+                  <a:moveTo>
+                    <a:pt x="0" y="0"/>
+                  </a:moveTo>
+                  <a:lnTo>
+                    <a:pt x="2573311" y="0"/>
+                  </a:lnTo>
+                  <a:lnTo>
+                    <a:pt x="2573311" y="6866467"/>
+                  </a:lnTo>
+                  <a:lnTo>
+                    <a:pt x="1202336" y="6866467"/>
+                  </a:lnTo>
+                  <a:lnTo>
+                    <a:pt x="0" y="0"/>
+                  </a:lnTo>
+                  <a:close/>
+                </a:path>
+              </a:pathLst>
+            </a:custGeom>
+            <a:solidFill>
+              <a:schemeClr val="accent1">
+                <a:alpha val="20000"/>
+              </a:schemeClr>
+            </a:solidFill>
+            <a:ln>
+              <a:noFill/>
+            </a:ln>
+            <a:effectLst/>
+          </p:spPr>
+          <p:style>
+            <a:lnRef idx="1">
+              <a:schemeClr val="accent1"/>
+            </a:lnRef>
+            <a:fillRef idx="3">
+              <a:schemeClr val="accent1"/>
+            </a:fillRef>
+            <a:effectRef idx="2">
+              <a:schemeClr val="accent1"/>
+            </a:effectRef>
+            <a:fontRef idx="minor">
+              <a:schemeClr val="lt1"/>
+            </a:fontRef>
+          </p:style>
+        </p:sp>
+        <p:sp>
+          <p:nvSpPr>
+            <p:cNvPr id="32" name="Isosceles Triangle 31">
+              <a:extLst>
+                <a:ext uri="{FF2B5EF4-FFF2-40B4-BE49-F238E27FC236}">
+                  <a16:creationId xmlns:a16="http://schemas.microsoft.com/office/drawing/2014/main" id="{A304284A-7318-4DD5-898C-2F6B23C778FA}"/>
+                </a:ext>
+                <a:ext uri="{C183D7F6-B498-43B3-948B-1728B52AA6E4}">
+                  <adec:decorative xmlns:adec="http://schemas.microsoft.com/office/drawing/2017/decorative" val="1"/>
+                </a:ext>
+              </a:extLst>
+            </p:cNvPr>
+            <p:cNvSpPr/>
+            <p:nvPr>
+              <p:extLst>
+                <p:ext uri="{386F3935-93C4-4BCD-93E2-E3B085C9AB24}">
+                  <p16:designElem xmlns:p16="http://schemas.microsoft.com/office/powerpoint/2015/main" val="1"/>
+                </p:ext>
+              </p:extLst>
+            </p:nvPr>
+          </p:nvSpPr>
+          <p:spPr>
+            <a:xfrm>
+              <a:off x="8932333" y="3048000"/>
+              <a:ext cx="3259667" cy="3810000"/>
+            </a:xfrm>
+            <a:prstGeom prst="triangle">
+              <a:avLst>
+                <a:gd name="adj" fmla="val 100000"/>
+              </a:avLst>
+            </a:prstGeom>
+            <a:solidFill>
+              <a:schemeClr val="accent1">
+                <a:lumMod val="75000"/>
+                <a:alpha val="66000"/>
+              </a:schemeClr>
+            </a:solidFill>
+            <a:ln>
+              <a:noFill/>
+            </a:ln>
+            <a:effectLst/>
+          </p:spPr>
+          <p:style>
+            <a:lnRef idx="1">
+              <a:schemeClr val="accent1"/>
+            </a:lnRef>
+            <a:fillRef idx="3">
+              <a:schemeClr val="accent1"/>
+            </a:fillRef>
+            <a:effectRef idx="2">
+              <a:schemeClr val="accent1"/>
+            </a:effectRef>
+            <a:fontRef idx="minor">
+              <a:schemeClr val="lt1"/>
+            </a:fontRef>
+          </p:style>
+        </p:sp>
+        <p:sp>
+          <p:nvSpPr>
+            <p:cNvPr id="33" name="Rectangle 27">
+              <a:extLst>
+                <a:ext uri="{FF2B5EF4-FFF2-40B4-BE49-F238E27FC236}">
+                  <a16:creationId xmlns:a16="http://schemas.microsoft.com/office/drawing/2014/main" id="{9DF48E66-B635-4509-B115-E0987C014EBC}"/>
+                </a:ext>
+                <a:ext uri="{C183D7F6-B498-43B3-948B-1728B52AA6E4}">
+                  <adec:decorative xmlns:adec="http://schemas.microsoft.com/office/drawing/2017/decorative" val="1"/>
+                </a:ext>
+              </a:extLst>
+            </p:cNvPr>
+            <p:cNvSpPr/>
+            <p:nvPr>
+              <p:extLst>
+                <p:ext uri="{386F3935-93C4-4BCD-93E2-E3B085C9AB24}">
+                  <p16:designElem xmlns:p16="http://schemas.microsoft.com/office/powerpoint/2015/main" val="1"/>
+                </p:ext>
+              </p:extLst>
+            </p:nvPr>
+          </p:nvSpPr>
+          <p:spPr>
+            <a:xfrm>
+              <a:off x="9334500" y="-8467"/>
+              <a:ext cx="2854326" cy="6866467"/>
+            </a:xfrm>
+            <a:custGeom>
+              <a:avLst/>
+              <a:gdLst/>
+              <a:ahLst/>
+              <a:cxnLst/>
+              <a:rect l="l" t="t" r="r" b="b"/>
+              <a:pathLst>
+                <a:path w="2858013" h="6866467">
+                  <a:moveTo>
+                    <a:pt x="0" y="0"/>
+                  </a:moveTo>
+                  <a:lnTo>
+                    <a:pt x="2858013" y="0"/>
+                  </a:lnTo>
+                  <a:lnTo>
+                    <a:pt x="2858013" y="6866467"/>
+                  </a:lnTo>
+                  <a:lnTo>
+                    <a:pt x="2473942" y="6866467"/>
+                  </a:lnTo>
+                  <a:lnTo>
+                    <a:pt x="0" y="0"/>
+                  </a:lnTo>
+                  <a:close/>
+                </a:path>
+              </a:pathLst>
+            </a:custGeom>
+            <a:solidFill>
+              <a:schemeClr val="accent1">
+                <a:lumMod val="75000"/>
+                <a:alpha val="50000"/>
+              </a:schemeClr>
+            </a:solidFill>
+            <a:ln>
+              <a:noFill/>
+            </a:ln>
+            <a:effectLst/>
+          </p:spPr>
+          <p:style>
+            <a:lnRef idx="1">
+              <a:schemeClr val="accent1"/>
+            </a:lnRef>
+            <a:fillRef idx="3">
+              <a:schemeClr val="accent1"/>
+            </a:fillRef>
+            <a:effectRef idx="2">
+              <a:schemeClr val="accent1"/>
+            </a:effectRef>
+            <a:fontRef idx="minor">
+              <a:schemeClr val="lt1"/>
+            </a:fontRef>
+          </p:style>
+        </p:sp>
+        <p:sp>
+          <p:nvSpPr>
+            <p:cNvPr id="34" name="Rectangle 28">
+              <a:extLst>
+                <a:ext uri="{FF2B5EF4-FFF2-40B4-BE49-F238E27FC236}">
+                  <a16:creationId xmlns:a16="http://schemas.microsoft.com/office/drawing/2014/main" id="{E3B96D94-5F5A-4F4C-810C-917BF4D266C3}"/>
+                </a:ext>
+                <a:ext uri="{C183D7F6-B498-43B3-948B-1728B52AA6E4}">
+                  <adec:decorative xmlns:adec="http://schemas.microsoft.com/office/drawing/2017/decorative" val="1"/>
+                </a:ext>
+              </a:extLst>
+            </p:cNvPr>
+            <p:cNvSpPr/>
+            <p:nvPr>
+              <p:extLst>
+                <p:ext uri="{386F3935-93C4-4BCD-93E2-E3B085C9AB24}">
+                  <p16:designElem xmlns:p16="http://schemas.microsoft.com/office/powerpoint/2015/main" val="1"/>
+                </p:ext>
+              </p:extLst>
+            </p:nvPr>
+          </p:nvSpPr>
+          <p:spPr>
+            <a:xfrm>
+              <a:off x="10898730" y="-8467"/>
+              <a:ext cx="1290094" cy="6866467"/>
+            </a:xfrm>
+            <a:custGeom>
+              <a:avLst/>
+              <a:gdLst/>
+              <a:ahLst/>
+              <a:cxnLst/>
+              <a:rect l="l" t="t" r="r" b="b"/>
+              <a:pathLst>
+                <a:path w="1290094" h="6858000">
+                  <a:moveTo>
+                    <a:pt x="1019735" y="0"/>
+                  </a:moveTo>
+                  <a:lnTo>
+                    <a:pt x="1290094" y="0"/>
+                  </a:lnTo>
+                  <a:lnTo>
+                    <a:pt x="1290094" y="6858000"/>
+                  </a:lnTo>
+                  <a:lnTo>
+                    <a:pt x="0" y="6858000"/>
+                  </a:lnTo>
+                  <a:lnTo>
+                    <a:pt x="1019735" y="0"/>
+                  </a:lnTo>
+                  <a:close/>
+                </a:path>
+              </a:pathLst>
+            </a:custGeom>
+            <a:solidFill>
+              <a:schemeClr val="accent2">
+                <a:alpha val="70000"/>
+              </a:schemeClr>
+            </a:solidFill>
+            <a:ln>
+              <a:noFill/>
+            </a:ln>
+            <a:effectLst/>
+          </p:spPr>
+          <p:style>
+            <a:lnRef idx="1">
+              <a:schemeClr val="accent1"/>
+            </a:lnRef>
+            <a:fillRef idx="3">
+              <a:schemeClr val="accent1"/>
+            </a:fillRef>
+            <a:effectRef idx="2">
+              <a:schemeClr val="accent1"/>
+            </a:effectRef>
+            <a:fontRef idx="minor">
+              <a:schemeClr val="lt1"/>
+            </a:fontRef>
+          </p:style>
+        </p:sp>
+        <p:sp>
+          <p:nvSpPr>
+            <p:cNvPr id="35" name="Rectangle 29">
+              <a:extLst>
+                <a:ext uri="{FF2B5EF4-FFF2-40B4-BE49-F238E27FC236}">
+                  <a16:creationId xmlns:a16="http://schemas.microsoft.com/office/drawing/2014/main" id="{7F3782D6-BFF8-4389-9D39-A023ADAA92C1}"/>
+                </a:ext>
+                <a:ext uri="{C183D7F6-B498-43B3-948B-1728B52AA6E4}">
+                  <adec:decorative xmlns:adec="http://schemas.microsoft.com/office/drawing/2017/decorative" val="1"/>
+                </a:ext>
+              </a:extLst>
+            </p:cNvPr>
+            <p:cNvSpPr/>
+            <p:nvPr>
+              <p:extLst>
+                <p:ext uri="{386F3935-93C4-4BCD-93E2-E3B085C9AB24}">
+                  <p16:designElem xmlns:p16="http://schemas.microsoft.com/office/powerpoint/2015/main" val="1"/>
+                </p:ext>
+              </p:extLst>
+            </p:nvPr>
+          </p:nvSpPr>
+          <p:spPr>
+            <a:xfrm>
+              <a:off x="10938999" y="-8467"/>
+              <a:ext cx="1249825" cy="6866467"/>
+            </a:xfrm>
+            <a:custGeom>
+              <a:avLst/>
+              <a:gdLst/>
+              <a:ahLst/>
+              <a:cxnLst/>
+              <a:rect l="l" t="t" r="r" b="b"/>
+              <a:pathLst>
+                <a:path w="1249825" h="6858000">
+                  <a:moveTo>
+                    <a:pt x="0" y="0"/>
+                  </a:moveTo>
+                  <a:lnTo>
+                    <a:pt x="1249825" y="0"/>
+                  </a:lnTo>
+                  <a:lnTo>
+                    <a:pt x="1249825" y="6858000"/>
+                  </a:lnTo>
+                  <a:lnTo>
+                    <a:pt x="1109382" y="6858000"/>
+                  </a:lnTo>
+                  <a:lnTo>
+                    <a:pt x="0" y="0"/>
+                  </a:lnTo>
+                  <a:close/>
+                </a:path>
+              </a:pathLst>
+            </a:custGeom>
+            <a:solidFill>
+              <a:schemeClr val="accent2">
+                <a:lumMod val="75000"/>
+                <a:alpha val="80000"/>
+              </a:schemeClr>
+            </a:solidFill>
+            <a:ln>
+              <a:noFill/>
+            </a:ln>
+            <a:effectLst/>
+          </p:spPr>
+          <p:style>
+            <a:lnRef idx="1">
+              <a:schemeClr val="accent1"/>
+            </a:lnRef>
+            <a:fillRef idx="3">
+              <a:schemeClr val="accent1"/>
+            </a:fillRef>
+            <a:effectRef idx="2">
+              <a:schemeClr val="accent1"/>
+            </a:effectRef>
+            <a:fontRef idx="minor">
+              <a:schemeClr val="lt1"/>
+            </a:fontRef>
+          </p:style>
+        </p:sp>
+        <p:sp>
+          <p:nvSpPr>
+            <p:cNvPr id="36" name="Isosceles Triangle 35">
+              <a:extLst>
+                <a:ext uri="{FF2B5EF4-FFF2-40B4-BE49-F238E27FC236}">
+                  <a16:creationId xmlns:a16="http://schemas.microsoft.com/office/drawing/2014/main" id="{ECE162D4-FCAE-441B-B5E9-C91DE62124EF}"/>
+                </a:ext>
+                <a:ext uri="{C183D7F6-B498-43B3-948B-1728B52AA6E4}">
+                  <adec:decorative xmlns:adec="http://schemas.microsoft.com/office/drawing/2017/decorative" val="1"/>
+                </a:ext>
+              </a:extLst>
+            </p:cNvPr>
+            <p:cNvSpPr/>
+            <p:nvPr>
+              <p:extLst>
+                <p:ext uri="{386F3935-93C4-4BCD-93E2-E3B085C9AB24}">
+                  <p16:designElem xmlns:p16="http://schemas.microsoft.com/office/powerpoint/2015/main" val="1"/>
+                </p:ext>
+              </p:extLst>
+            </p:nvPr>
+          </p:nvSpPr>
+          <p:spPr>
+            <a:xfrm>
+              <a:off x="10371666" y="3589867"/>
+              <a:ext cx="1817159" cy="3268133"/>
+            </a:xfrm>
+            <a:prstGeom prst="triangle">
+              <a:avLst>
+                <a:gd name="adj" fmla="val 100000"/>
+              </a:avLst>
+            </a:prstGeom>
+            <a:solidFill>
+              <a:schemeClr val="accent1">
+                <a:lumMod val="75000"/>
+                <a:alpha val="66000"/>
+              </a:schemeClr>
+            </a:solidFill>
+            <a:ln>
+              <a:noFill/>
+            </a:ln>
+            <a:effectLst/>
+          </p:spPr>
+          <p:style>
+            <a:lnRef idx="1">
+              <a:schemeClr val="accent1"/>
+            </a:lnRef>
+            <a:fillRef idx="3">
+              <a:schemeClr val="accent1"/>
+            </a:fillRef>
+            <a:effectRef idx="2">
+              <a:schemeClr val="accent1"/>
+            </a:effectRef>
+            <a:fontRef idx="minor">
+              <a:schemeClr val="lt1"/>
+            </a:fontRef>
+          </p:style>
+        </p:sp>
+      </p:grpSp>
+      <p:sp>
+        <p:nvSpPr>
+          <p:cNvPr id="2" name="Title 1">
+            <a:extLst>
+              <a:ext uri="{FF2B5EF4-FFF2-40B4-BE49-F238E27FC236}">
+                <a16:creationId xmlns:a16="http://schemas.microsoft.com/office/drawing/2014/main" id="{533C90F1-5208-4A58-AB66-372B209378BD}"/>
+              </a:ext>
+            </a:extLst>
+          </p:cNvPr>
+          <p:cNvSpPr>
+            <a:spLocks noGrp="1"/>
+          </p:cNvSpPr>
+          <p:nvPr>
+            <p:ph type="title"/>
+          </p:nvPr>
+        </p:nvSpPr>
+        <p:spPr>
+          <a:xfrm>
+            <a:off x="4974337" y="1265314"/>
+            <a:ext cx="4299666" cy="3249131"/>
+          </a:xfrm>
+        </p:spPr>
+        <p:txBody>
+          <a:bodyPr vert="horz" lIns="91440" tIns="45720" rIns="91440" bIns="45720" rtlCol="0" anchor="b">
+            <a:normAutofit/>
+          </a:bodyPr>
+          <a:lstStyle/>
+          <a:p>
+            <a:r>
+              <a:rPr lang="en-US" sz="5400"/>
+              <a:t>Example 1 UML</a:t>
+            </a:r>
+          </a:p>
+        </p:txBody>
+      </p:sp>
+      <p:sp>
+        <p:nvSpPr>
+          <p:cNvPr id="38" name="Isosceles Triangle 37">
+            <a:extLst>
+              <a:ext uri="{FF2B5EF4-FFF2-40B4-BE49-F238E27FC236}">
+                <a16:creationId xmlns:a16="http://schemas.microsoft.com/office/drawing/2014/main" id="{DC99427B-A97E-40A3-B1FD-4557346C6A91}"/>
+              </a:ext>
+              <a:ext uri="{C183D7F6-B498-43B3-948B-1728B52AA6E4}">
+                <adec:decorative xmlns:adec="http://schemas.microsoft.com/office/drawing/2017/decorative" val="1"/>
+              </a:ext>
+            </a:extLst>
+          </p:cNvPr>
+          <p:cNvSpPr>
+            <a:spLocks noGrp="1" noRot="1" noChangeAspect="1" noMove="1" noResize="1" noEditPoints="1" noAdjustHandles="1" noChangeArrowheads="1" noChangeShapeType="1" noTextEdit="1"/>
+          </p:cNvSpPr>
+          <p:nvPr>
+            <p:extLst>
+              <p:ext uri="{386F3935-93C4-4BCD-93E2-E3B085C9AB24}">
+                <p16:designElem xmlns:p16="http://schemas.microsoft.com/office/powerpoint/2015/main" val="1"/>
+              </p:ext>
+            </p:extLst>
+          </p:nvPr>
+        </p:nvSpPr>
+        <p:spPr>
+          <a:xfrm rot="10800000">
+            <a:off x="3174" y="12700"/>
+            <a:ext cx="842596" cy="5666154"/>
+          </a:xfrm>
+          <a:prstGeom prst="triangle">
+            <a:avLst>
+              <a:gd name="adj" fmla="val 100000"/>
+            </a:avLst>
+          </a:prstGeom>
+          <a:solidFill>
+            <a:schemeClr val="accent1">
+              <a:alpha val="85000"/>
+            </a:schemeClr>
+          </a:solidFill>
+          <a:ln>
+            <a:noFill/>
+          </a:ln>
+          <a:effectLst/>
+        </p:spPr>
+        <p:style>
+          <a:lnRef idx="1">
+            <a:schemeClr val="accent1"/>
+          </a:lnRef>
+          <a:fillRef idx="3">
+            <a:schemeClr val="accent1"/>
+          </a:fillRef>
+          <a:effectRef idx="2">
+            <a:schemeClr val="accent1"/>
+          </a:effectRef>
+          <a:fontRef idx="minor">
+            <a:schemeClr val="lt1"/>
+          </a:fontRef>
+        </p:style>
+      </p:sp>
+      <p:pic>
+        <p:nvPicPr>
+          <p:cNvPr id="6" name="Picture Placeholder 5" descr="A screenshot of a cell phone&#10;&#10;Description automatically generated">
+            <a:extLst>
+              <a:ext uri="{FF2B5EF4-FFF2-40B4-BE49-F238E27FC236}">
+                <a16:creationId xmlns:a16="http://schemas.microsoft.com/office/drawing/2014/main" id="{78980F43-EB2F-4CA3-B463-CDE262D4F17B}"/>
+              </a:ext>
+            </a:extLst>
+          </p:cNvPr>
+          <p:cNvPicPr>
+            <a:picLocks noGrp="1" noChangeAspect="1"/>
+          </p:cNvPicPr>
+          <p:nvPr>
+            <p:ph type="pic" idx="1"/>
+          </p:nvPr>
+        </p:nvPicPr>
+        <p:blipFill rotWithShape="1">
+          <a:blip r:embed="rId2"/>
+          <a:srcRect l="3362" r="3361" b="-1"/>
+          <a:stretch/>
+        </p:blipFill>
+        <p:spPr>
+          <a:xfrm>
+            <a:off x="907558" y="1265315"/>
+            <a:ext cx="3746737" cy="4335340"/>
+          </a:xfrm>
+          <a:prstGeom prst="rect">
+            <a:avLst/>
+          </a:prstGeom>
+        </p:spPr>
+      </p:pic>
+    </p:spTree>
+    <p:extLst>
+      <p:ext uri="{BB962C8B-B14F-4D97-AF65-F5344CB8AC3E}">
+        <p14:creationId xmlns:p14="http://schemas.microsoft.com/office/powerpoint/2010/main" val="1368281083"/>
+      </p:ext>
+    </p:extLst>
+  </p:cSld>
+  <p:clrMapOvr>
+    <a:masterClrMapping/>
+  </p:clrMapOvr>
+</p:sld>
+</file>
+
+<file path=ppt/slides/slide9.xml><?xml version="1.0" encoding="utf-8"?>
+<p:sld xmlns:a="http://schemas.openxmlformats.org/drawingml/2006/main" xmlns:r="http://schemas.openxmlformats.org/officeDocument/2006/relationships" xmlns:p="http://schemas.openxmlformats.org/presentationml/2006/main">
+  <p:cSld>
+    <p:bg>
+      <p:bgPr>
+        <a:solidFill>
+          <a:schemeClr val="bg1"/>
+        </a:solidFill>
+        <a:effectLst/>
+      </p:bgPr>
+    </p:bg>
+    <p:spTree>
+      <p:nvGrpSpPr>
+        <p:cNvPr id="1" name=""/>
+        <p:cNvGrpSpPr/>
+        <p:nvPr/>
+      </p:nvGrpSpPr>
+      <p:grpSpPr>
+        <a:xfrm>
+          <a:off x="0" y="0"/>
+          <a:ext cx="0" cy="0"/>
+          <a:chOff x="0" y="0"/>
+          <a:chExt cx="0" cy="0"/>
+        </a:xfrm>
+      </p:grpSpPr>
+      <p:grpSp>
+        <p:nvGrpSpPr>
+          <p:cNvPr id="41" name="Group 10">
+            <a:extLst>
+              <a:ext uri="{FF2B5EF4-FFF2-40B4-BE49-F238E27FC236}">
+                <a16:creationId xmlns:a16="http://schemas.microsoft.com/office/drawing/2014/main" id="{A5AFB369-4673-4727-A7CD-D86AFE0AE069}"/>
+              </a:ext>
+              <a:ext uri="{C183D7F6-B498-43B3-948B-1728B52AA6E4}">
+                <adec:decorative xmlns:adec="http://schemas.microsoft.com/office/drawing/2017/decorative" val="1"/>
+              </a:ext>
+            </a:extLst>
+          </p:cNvPr>
+          <p:cNvGrpSpPr>
+            <a:grpSpLocks noGrp="1" noUngrp="1" noRot="1" noChangeAspect="1" noMove="1" noResize="1"/>
+          </p:cNvGrpSpPr>
+          <p:nvPr>
+            <p:extLst>
+              <p:ext uri="{386F3935-93C4-4BCD-93E2-E3B085C9AB24}">
+                <p16:designElem xmlns:p16="http://schemas.microsoft.com/office/powerpoint/2015/main" val="1"/>
+              </p:ext>
+            </p:extLst>
+          </p:nvPr>
+        </p:nvGrpSpPr>
+        <p:grpSpPr>
+          <a:xfrm>
+            <a:off x="0" y="-8467"/>
+            <a:ext cx="12192000" cy="6866467"/>
+            <a:chOff x="0" y="-8467"/>
+            <a:chExt cx="12192000" cy="6866467"/>
+          </a:xfrm>
+        </p:grpSpPr>
+        <p:sp>
+          <p:nvSpPr>
+            <p:cNvPr id="12" name="Freeform 14">
+              <a:extLst>
+                <a:ext uri="{FF2B5EF4-FFF2-40B4-BE49-F238E27FC236}">
+                  <a16:creationId xmlns:a16="http://schemas.microsoft.com/office/drawing/2014/main" id="{50709826-4D6B-4A97-8DB3-5DA16662622F}"/>
+                </a:ext>
+                <a:ext uri="{C183D7F6-B498-43B3-948B-1728B52AA6E4}">
+                  <adec:decorative xmlns:adec="http://schemas.microsoft.com/office/drawing/2017/decorative" val="1"/>
+                </a:ext>
+              </a:extLst>
+            </p:cNvPr>
+            <p:cNvSpPr/>
+            <p:nvPr>
+              <p:extLst>
+                <p:ext uri="{386F3935-93C4-4BCD-93E2-E3B085C9AB24}">
+                  <p16:designElem xmlns:p16="http://schemas.microsoft.com/office/powerpoint/2015/main" val="1"/>
+                </p:ext>
+              </p:extLst>
+            </p:nvPr>
+          </p:nvSpPr>
+          <p:spPr>
+            <a:xfrm>
+              <a:off x="0" y="-7862"/>
+              <a:ext cx="863600" cy="5698067"/>
+            </a:xfrm>
+            <a:custGeom>
+              <a:avLst/>
+              <a:gdLst/>
+              <a:ahLst/>
+              <a:cxnLst/>
+              <a:rect l="l" t="t" r="r" b="b"/>
+              <a:pathLst>
+                <a:path w="863600" h="5698067">
+                  <a:moveTo>
+                    <a:pt x="0" y="8467"/>
+                  </a:moveTo>
+                  <a:lnTo>
+                    <a:pt x="863600" y="0"/>
+                  </a:lnTo>
+                  <a:lnTo>
+                    <a:pt x="863600" y="16934"/>
+                  </a:lnTo>
+                  <a:lnTo>
+                    <a:pt x="0" y="5698067"/>
+                  </a:lnTo>
+                  <a:lnTo>
+                    <a:pt x="0" y="8467"/>
+                  </a:lnTo>
+                  <a:close/>
+                </a:path>
+              </a:pathLst>
+            </a:custGeom>
+            <a:solidFill>
+              <a:schemeClr val="accent1">
+                <a:alpha val="70000"/>
+              </a:schemeClr>
+            </a:solidFill>
+            <a:ln>
+              <a:noFill/>
+            </a:ln>
+            <a:effectLst/>
+          </p:spPr>
+          <p:style>
+            <a:lnRef idx="1">
+              <a:schemeClr val="accent1"/>
+            </a:lnRef>
+            <a:fillRef idx="3">
+              <a:schemeClr val="accent1"/>
+            </a:fillRef>
+            <a:effectRef idx="2">
+              <a:schemeClr val="accent1"/>
+            </a:effectRef>
+            <a:fontRef idx="minor">
+              <a:schemeClr val="lt1"/>
+            </a:fontRef>
+          </p:style>
+        </p:sp>
+        <p:cxnSp>
+          <p:nvCxnSpPr>
+            <p:cNvPr id="13" name="Straight Connector 12">
+              <a:extLst>
+                <a:ext uri="{FF2B5EF4-FFF2-40B4-BE49-F238E27FC236}">
+                  <a16:creationId xmlns:a16="http://schemas.microsoft.com/office/drawing/2014/main" id="{47263F58-6EE6-45B3-9BF2-C0BD5D30A556}"/>
+                </a:ext>
+                <a:ext uri="{C183D7F6-B498-43B3-948B-1728B52AA6E4}">
+                  <adec:decorative xmlns:adec="http://schemas.microsoft.com/office/drawing/2017/decorative" val="1"/>
+                </a:ext>
+              </a:extLst>
+            </p:cNvPr>
+            <p:cNvCxnSpPr/>
+            <p:nvPr>
+              <p:extLst>
+                <p:ext uri="{386F3935-93C4-4BCD-93E2-E3B085C9AB24}">
+                  <p16:designElem xmlns:p16="http://schemas.microsoft.com/office/powerpoint/2015/main" val="1"/>
+                </p:ext>
+              </p:extLst>
+            </p:nvPr>
+          </p:nvCxnSpPr>
+          <p:spPr>
+            <a:xfrm>
+              <a:off x="9371012" y="0"/>
+              <a:ext cx="1219200" cy="6858000"/>
+            </a:xfrm>
+            <a:prstGeom prst="line">
+              <a:avLst/>
+            </a:prstGeom>
+            <a:ln w="9525">
+              <a:solidFill>
+                <a:schemeClr val="accent1">
+                  <a:alpha val="70000"/>
+                </a:schemeClr>
+              </a:solidFill>
+            </a:ln>
+          </p:spPr>
+          <p:style>
+            <a:lnRef idx="2">
+              <a:schemeClr val="accent1"/>
+            </a:lnRef>
+            <a:fillRef idx="0">
+              <a:schemeClr val="accent1"/>
+            </a:fillRef>
+            <a:effectRef idx="1">
+              <a:schemeClr val="accent1"/>
+            </a:effectRef>
+            <a:fontRef idx="minor">
+              <a:schemeClr val="tx1"/>
+            </a:fontRef>
+          </p:style>
+        </p:cxnSp>
+        <p:cxnSp>
+          <p:nvCxnSpPr>
+            <p:cNvPr id="14" name="Straight Connector 13">
+              <a:extLst>
+                <a:ext uri="{FF2B5EF4-FFF2-40B4-BE49-F238E27FC236}">
+                  <a16:creationId xmlns:a16="http://schemas.microsoft.com/office/drawing/2014/main" id="{5197CE03-EB81-4718-BEA1-C2D488961E50}"/>
+                </a:ext>
+                <a:ext uri="{C183D7F6-B498-43B3-948B-1728B52AA6E4}">
+                  <adec:decorative xmlns:adec="http://schemas.microsoft.com/office/drawing/2017/decorative" val="1"/>
+                </a:ext>
+              </a:extLst>
+            </p:cNvPr>
+            <p:cNvCxnSpPr/>
+            <p:nvPr>
+              <p:extLst>
+                <p:ext uri="{386F3935-93C4-4BCD-93E2-E3B085C9AB24}">
+                  <p16:designElem xmlns:p16="http://schemas.microsoft.com/office/powerpoint/2015/main" val="1"/>
+                </p:ext>
+              </p:extLst>
+            </p:nvPr>
+          </p:nvCxnSpPr>
+          <p:spPr>
+            <a:xfrm flipH="1">
+              <a:off x="7425267" y="3681413"/>
+              <a:ext cx="4763558" cy="3176587"/>
+            </a:xfrm>
+            <a:prstGeom prst="line">
+              <a:avLst/>
+            </a:prstGeom>
+            <a:ln w="9525">
+              <a:solidFill>
+                <a:schemeClr val="accent1">
+                  <a:alpha val="70000"/>
+                </a:schemeClr>
+              </a:solidFill>
+            </a:ln>
+          </p:spPr>
+          <p:style>
+            <a:lnRef idx="2">
+              <a:schemeClr val="accent1"/>
+            </a:lnRef>
+            <a:fillRef idx="0">
+              <a:schemeClr val="accent1"/>
+            </a:fillRef>
+            <a:effectRef idx="1">
+              <a:schemeClr val="accent1"/>
+            </a:effectRef>
+            <a:fontRef idx="minor">
+              <a:schemeClr val="tx1"/>
+            </a:fontRef>
+          </p:style>
+        </p:cxnSp>
+        <p:sp>
+          <p:nvSpPr>
+            <p:cNvPr id="15" name="Rectangle 23">
+              <a:extLst>
+                <a:ext uri="{FF2B5EF4-FFF2-40B4-BE49-F238E27FC236}">
+                  <a16:creationId xmlns:a16="http://schemas.microsoft.com/office/drawing/2014/main" id="{A3451629-72D6-4E33-A99A-40FAF7445DD5}"/>
+                </a:ext>
+                <a:ext uri="{C183D7F6-B498-43B3-948B-1728B52AA6E4}">
+                  <adec:decorative xmlns:adec="http://schemas.microsoft.com/office/drawing/2017/decorative" val="1"/>
+                </a:ext>
+              </a:extLst>
+            </p:cNvPr>
+            <p:cNvSpPr/>
+            <p:nvPr>
+              <p:extLst>
+                <p:ext uri="{386F3935-93C4-4BCD-93E2-E3B085C9AB24}">
+                  <p16:designElem xmlns:p16="http://schemas.microsoft.com/office/powerpoint/2015/main" val="1"/>
+                </p:ext>
+              </p:extLst>
+            </p:nvPr>
+          </p:nvSpPr>
+          <p:spPr>
+            <a:xfrm>
+              <a:off x="9181476" y="-8467"/>
+              <a:ext cx="3007349" cy="6866467"/>
+            </a:xfrm>
+            <a:custGeom>
+              <a:avLst/>
+              <a:gdLst/>
+              <a:ahLst/>
+              <a:cxnLst/>
+              <a:rect l="l" t="t" r="r" b="b"/>
+              <a:pathLst>
+                <a:path w="3007349" h="6866467">
+                  <a:moveTo>
+                    <a:pt x="2045532" y="0"/>
+                  </a:moveTo>
+                  <a:lnTo>
+                    <a:pt x="3007349" y="0"/>
+                  </a:lnTo>
+                  <a:lnTo>
+                    <a:pt x="3007349" y="6866467"/>
+                  </a:lnTo>
+                  <a:lnTo>
+                    <a:pt x="0" y="6866467"/>
+                  </a:lnTo>
+                  <a:lnTo>
+                    <a:pt x="2045532" y="0"/>
+                  </a:lnTo>
+                  <a:close/>
+                </a:path>
+              </a:pathLst>
+            </a:custGeom>
+            <a:solidFill>
+              <a:schemeClr val="accent1">
+                <a:alpha val="36000"/>
+              </a:schemeClr>
+            </a:solidFill>
+            <a:ln>
+              <a:noFill/>
+            </a:ln>
+            <a:effectLst/>
+          </p:spPr>
+          <p:style>
+            <a:lnRef idx="1">
+              <a:schemeClr val="accent1"/>
+            </a:lnRef>
+            <a:fillRef idx="3">
+              <a:schemeClr val="accent1"/>
+            </a:fillRef>
+            <a:effectRef idx="2">
+              <a:schemeClr val="accent1"/>
+            </a:effectRef>
+            <a:fontRef idx="minor">
+              <a:schemeClr val="lt1"/>
+            </a:fontRef>
+          </p:style>
+        </p:sp>
+        <p:sp>
+          <p:nvSpPr>
+            <p:cNvPr id="16" name="Rectangle 25">
+              <a:extLst>
+                <a:ext uri="{FF2B5EF4-FFF2-40B4-BE49-F238E27FC236}">
+                  <a16:creationId xmlns:a16="http://schemas.microsoft.com/office/drawing/2014/main" id="{E04F0FD4-BCD5-4435-A6B5-A2E69303B73F}"/>
+                </a:ext>
+                <a:ext uri="{C183D7F6-B498-43B3-948B-1728B52AA6E4}">
+                  <adec:decorative xmlns:adec="http://schemas.microsoft.com/office/drawing/2017/decorative" val="1"/>
+                </a:ext>
+              </a:extLst>
+            </p:cNvPr>
+            <p:cNvSpPr/>
+            <p:nvPr>
+              <p:extLst>
+                <p:ext uri="{386F3935-93C4-4BCD-93E2-E3B085C9AB24}">
+                  <p16:designElem xmlns:p16="http://schemas.microsoft.com/office/powerpoint/2015/main" val="1"/>
+                </p:ext>
+              </p:extLst>
+            </p:nvPr>
+          </p:nvSpPr>
+          <p:spPr>
+            <a:xfrm>
+              <a:off x="9603442" y="-8467"/>
+              <a:ext cx="2588558" cy="6866467"/>
+            </a:xfrm>
+            <a:custGeom>
+              <a:avLst/>
+              <a:gdLst/>
+              <a:ahLst/>
+              <a:cxnLst/>
+              <a:rect l="l" t="t" r="r" b="b"/>
+              <a:pathLst>
+                <a:path w="2573311" h="6866467">
+                  <a:moveTo>
+                    <a:pt x="0" y="0"/>
+                  </a:moveTo>
+                  <a:lnTo>
+                    <a:pt x="2573311" y="0"/>
+                  </a:lnTo>
+                  <a:lnTo>
+                    <a:pt x="2573311" y="6866467"/>
+                  </a:lnTo>
+                  <a:lnTo>
+                    <a:pt x="1202336" y="6866467"/>
+                  </a:lnTo>
+                  <a:lnTo>
+                    <a:pt x="0" y="0"/>
+                  </a:lnTo>
+                  <a:close/>
+                </a:path>
+              </a:pathLst>
+            </a:custGeom>
+            <a:solidFill>
+              <a:schemeClr val="accent1">
+                <a:alpha val="20000"/>
+              </a:schemeClr>
+            </a:solidFill>
+            <a:ln>
+              <a:noFill/>
+            </a:ln>
+            <a:effectLst/>
+          </p:spPr>
+          <p:style>
+            <a:lnRef idx="1">
+              <a:schemeClr val="accent1"/>
+            </a:lnRef>
+            <a:fillRef idx="3">
+              <a:schemeClr val="accent1"/>
+            </a:fillRef>
+            <a:effectRef idx="2">
+              <a:schemeClr val="accent1"/>
+            </a:effectRef>
+            <a:fontRef idx="minor">
+              <a:schemeClr val="lt1"/>
+            </a:fontRef>
+          </p:style>
+        </p:sp>
+        <p:sp>
+          <p:nvSpPr>
+            <p:cNvPr id="17" name="Isosceles Triangle 16">
+              <a:extLst>
+                <a:ext uri="{FF2B5EF4-FFF2-40B4-BE49-F238E27FC236}">
+                  <a16:creationId xmlns:a16="http://schemas.microsoft.com/office/drawing/2014/main" id="{DE110F09-1C81-4E73-B5E9-D857CD879F04}"/>
+                </a:ext>
+                <a:ext uri="{C183D7F6-B498-43B3-948B-1728B52AA6E4}">
+                  <adec:decorative xmlns:adec="http://schemas.microsoft.com/office/drawing/2017/decorative" val="1"/>
+                </a:ext>
+              </a:extLst>
+            </p:cNvPr>
+            <p:cNvSpPr/>
+            <p:nvPr>
+              <p:extLst>
+                <p:ext uri="{386F3935-93C4-4BCD-93E2-E3B085C9AB24}">
+                  <p16:designElem xmlns:p16="http://schemas.microsoft.com/office/powerpoint/2015/main" val="1"/>
+                </p:ext>
+              </p:extLst>
+            </p:nvPr>
+          </p:nvSpPr>
+          <p:spPr>
+            <a:xfrm>
+              <a:off x="8932333" y="3048000"/>
+              <a:ext cx="3259667" cy="3810000"/>
+            </a:xfrm>
+            <a:prstGeom prst="triangle">
+              <a:avLst>
+                <a:gd name="adj" fmla="val 100000"/>
+              </a:avLst>
+            </a:prstGeom>
+            <a:solidFill>
+              <a:schemeClr val="accent1">
+                <a:lumMod val="75000"/>
+                <a:alpha val="66000"/>
+              </a:schemeClr>
+            </a:solidFill>
+            <a:ln>
+              <a:noFill/>
+            </a:ln>
+            <a:effectLst/>
+          </p:spPr>
+          <p:style>
+            <a:lnRef idx="1">
+              <a:schemeClr val="accent1"/>
+            </a:lnRef>
+            <a:fillRef idx="3">
+              <a:schemeClr val="accent1"/>
+            </a:fillRef>
+            <a:effectRef idx="2">
+              <a:schemeClr val="accent1"/>
+            </a:effectRef>
+            <a:fontRef idx="minor">
+              <a:schemeClr val="lt1"/>
+            </a:fontRef>
+          </p:style>
+        </p:sp>
+        <p:sp>
+          <p:nvSpPr>
+            <p:cNvPr id="18" name="Rectangle 27">
+              <a:extLst>
+                <a:ext uri="{FF2B5EF4-FFF2-40B4-BE49-F238E27FC236}">
+                  <a16:creationId xmlns:a16="http://schemas.microsoft.com/office/drawing/2014/main" id="{273A9C01-06BD-4E8E-8BBF-2E2A9ECF49C5}"/>
+                </a:ext>
+                <a:ext uri="{C183D7F6-B498-43B3-948B-1728B52AA6E4}">
+                  <adec:decorative xmlns:adec="http://schemas.microsoft.com/office/drawing/2017/decorative" val="1"/>
+                </a:ext>
+              </a:extLst>
+            </p:cNvPr>
+            <p:cNvSpPr/>
+            <p:nvPr>
+              <p:extLst>
+                <p:ext uri="{386F3935-93C4-4BCD-93E2-E3B085C9AB24}">
+                  <p16:designElem xmlns:p16="http://schemas.microsoft.com/office/powerpoint/2015/main" val="1"/>
+                </p:ext>
+              </p:extLst>
+            </p:nvPr>
+          </p:nvSpPr>
+          <p:spPr>
+            <a:xfrm>
+              <a:off x="9334500" y="-8467"/>
+              <a:ext cx="2854326" cy="6866467"/>
+            </a:xfrm>
+            <a:custGeom>
+              <a:avLst/>
+              <a:gdLst/>
+              <a:ahLst/>
+              <a:cxnLst/>
+              <a:rect l="l" t="t" r="r" b="b"/>
+              <a:pathLst>
+                <a:path w="2858013" h="6866467">
+                  <a:moveTo>
+                    <a:pt x="0" y="0"/>
+                  </a:moveTo>
+                  <a:lnTo>
+                    <a:pt x="2858013" y="0"/>
+                  </a:lnTo>
+                  <a:lnTo>
+                    <a:pt x="2858013" y="6866467"/>
+                  </a:lnTo>
+                  <a:lnTo>
+                    <a:pt x="2473942" y="6866467"/>
+                  </a:lnTo>
+                  <a:lnTo>
+                    <a:pt x="0" y="0"/>
+                  </a:lnTo>
+                  <a:close/>
+                </a:path>
+              </a:pathLst>
+            </a:custGeom>
+            <a:solidFill>
+              <a:schemeClr val="accent1">
+                <a:lumMod val="75000"/>
+                <a:alpha val="50000"/>
+              </a:schemeClr>
+            </a:solidFill>
+            <a:ln>
+              <a:noFill/>
+            </a:ln>
+            <a:effectLst/>
+          </p:spPr>
+          <p:style>
+            <a:lnRef idx="1">
+              <a:schemeClr val="accent1"/>
+            </a:lnRef>
+            <a:fillRef idx="3">
+              <a:schemeClr val="accent1"/>
+            </a:fillRef>
+            <a:effectRef idx="2">
+              <a:schemeClr val="accent1"/>
+            </a:effectRef>
+            <a:fontRef idx="minor">
+              <a:schemeClr val="lt1"/>
+            </a:fontRef>
+          </p:style>
+        </p:sp>
+        <p:sp>
+          <p:nvSpPr>
+            <p:cNvPr id="19" name="Rectangle 28">
+              <a:extLst>
+                <a:ext uri="{FF2B5EF4-FFF2-40B4-BE49-F238E27FC236}">
+                  <a16:creationId xmlns:a16="http://schemas.microsoft.com/office/drawing/2014/main" id="{B206C9B2-27BE-4B6F-A4D0-485FBBEB58FE}"/>
+                </a:ext>
+                <a:ext uri="{C183D7F6-B498-43B3-948B-1728B52AA6E4}">
+                  <adec:decorative xmlns:adec="http://schemas.microsoft.com/office/drawing/2017/decorative" val="1"/>
+                </a:ext>
+              </a:extLst>
+            </p:cNvPr>
+            <p:cNvSpPr/>
+            <p:nvPr>
+              <p:extLst>
+                <p:ext uri="{386F3935-93C4-4BCD-93E2-E3B085C9AB24}">
+                  <p16:designElem xmlns:p16="http://schemas.microsoft.com/office/powerpoint/2015/main" val="1"/>
+                </p:ext>
+              </p:extLst>
+            </p:nvPr>
+          </p:nvSpPr>
+          <p:spPr>
+            <a:xfrm>
+              <a:off x="10898730" y="-8467"/>
+              <a:ext cx="1290094" cy="6866467"/>
+            </a:xfrm>
+            <a:custGeom>
+              <a:avLst/>
+              <a:gdLst/>
+              <a:ahLst/>
+              <a:cxnLst/>
+              <a:rect l="l" t="t" r="r" b="b"/>
+              <a:pathLst>
+                <a:path w="1290094" h="6858000">
+                  <a:moveTo>
+                    <a:pt x="1019735" y="0"/>
+                  </a:moveTo>
+                  <a:lnTo>
+                    <a:pt x="1290094" y="0"/>
+                  </a:lnTo>
+                  <a:lnTo>
+                    <a:pt x="1290094" y="6858000"/>
+                  </a:lnTo>
+                  <a:lnTo>
+                    <a:pt x="0" y="6858000"/>
+                  </a:lnTo>
+                  <a:lnTo>
+                    <a:pt x="1019735" y="0"/>
+                  </a:lnTo>
+                  <a:close/>
+                </a:path>
+              </a:pathLst>
+            </a:custGeom>
+            <a:solidFill>
+              <a:schemeClr val="accent2">
+                <a:alpha val="70000"/>
+              </a:schemeClr>
+            </a:solidFill>
+            <a:ln>
+              <a:noFill/>
+            </a:ln>
+            <a:effectLst/>
+          </p:spPr>
+          <p:style>
+            <a:lnRef idx="1">
+              <a:schemeClr val="accent1"/>
+            </a:lnRef>
+            <a:fillRef idx="3">
+              <a:schemeClr val="accent1"/>
+            </a:fillRef>
+            <a:effectRef idx="2">
+              <a:schemeClr val="accent1"/>
+            </a:effectRef>
+            <a:fontRef idx="minor">
+              <a:schemeClr val="lt1"/>
+            </a:fontRef>
+          </p:style>
+        </p:sp>
+        <p:sp>
+          <p:nvSpPr>
+            <p:cNvPr id="20" name="Rectangle 29">
+              <a:extLst>
+                <a:ext uri="{FF2B5EF4-FFF2-40B4-BE49-F238E27FC236}">
+                  <a16:creationId xmlns:a16="http://schemas.microsoft.com/office/drawing/2014/main" id="{2E7D673E-0C5C-4F2B-B46E-3E9286B9E866}"/>
+                </a:ext>
+                <a:ext uri="{C183D7F6-B498-43B3-948B-1728B52AA6E4}">
+                  <adec:decorative xmlns:adec="http://schemas.microsoft.com/office/drawing/2017/decorative" val="1"/>
+                </a:ext>
+              </a:extLst>
+            </p:cNvPr>
+            <p:cNvSpPr/>
+            <p:nvPr>
+              <p:extLst>
+                <p:ext uri="{386F3935-93C4-4BCD-93E2-E3B085C9AB24}">
+                  <p16:designElem xmlns:p16="http://schemas.microsoft.com/office/powerpoint/2015/main" val="1"/>
+                </p:ext>
+              </p:extLst>
+            </p:nvPr>
+          </p:nvSpPr>
+          <p:spPr>
+            <a:xfrm>
+              <a:off x="10938999" y="-8467"/>
+              <a:ext cx="1249825" cy="6866467"/>
+            </a:xfrm>
+            <a:custGeom>
+              <a:avLst/>
+              <a:gdLst/>
+              <a:ahLst/>
+              <a:cxnLst/>
+              <a:rect l="l" t="t" r="r" b="b"/>
+              <a:pathLst>
+                <a:path w="1249825" h="6858000">
+                  <a:moveTo>
+                    <a:pt x="0" y="0"/>
+                  </a:moveTo>
+                  <a:lnTo>
+                    <a:pt x="1249825" y="0"/>
+                  </a:lnTo>
+                  <a:lnTo>
+                    <a:pt x="1249825" y="6858000"/>
+                  </a:lnTo>
+                  <a:lnTo>
+                    <a:pt x="1109382" y="6858000"/>
+                  </a:lnTo>
+                  <a:lnTo>
+                    <a:pt x="0" y="0"/>
+                  </a:lnTo>
+                  <a:close/>
+                </a:path>
+              </a:pathLst>
+            </a:custGeom>
+            <a:solidFill>
+              <a:schemeClr val="accent2">
+                <a:lumMod val="75000"/>
+                <a:alpha val="80000"/>
+              </a:schemeClr>
+            </a:solidFill>
+            <a:ln>
+              <a:noFill/>
+            </a:ln>
+            <a:effectLst/>
+          </p:spPr>
+          <p:style>
+            <a:lnRef idx="1">
+              <a:schemeClr val="accent1"/>
+            </a:lnRef>
+            <a:fillRef idx="3">
+              <a:schemeClr val="accent1"/>
+            </a:fillRef>
+            <a:effectRef idx="2">
+              <a:schemeClr val="accent1"/>
+            </a:effectRef>
+            <a:fontRef idx="minor">
+              <a:schemeClr val="lt1"/>
+            </a:fontRef>
+          </p:style>
+        </p:sp>
+        <p:sp>
+          <p:nvSpPr>
+            <p:cNvPr id="21" name="Isosceles Triangle 20">
+              <a:extLst>
+                <a:ext uri="{FF2B5EF4-FFF2-40B4-BE49-F238E27FC236}">
+                  <a16:creationId xmlns:a16="http://schemas.microsoft.com/office/drawing/2014/main" id="{F0F78B34-9B26-4CA9-B8F0-B9638730F9F6}"/>
+                </a:ext>
+                <a:ext uri="{C183D7F6-B498-43B3-948B-1728B52AA6E4}">
+                  <adec:decorative xmlns:adec="http://schemas.microsoft.com/office/drawing/2017/decorative" val="1"/>
+                </a:ext>
+              </a:extLst>
+            </p:cNvPr>
+            <p:cNvSpPr/>
+            <p:nvPr>
+              <p:extLst>
+                <p:ext uri="{386F3935-93C4-4BCD-93E2-E3B085C9AB24}">
+                  <p16:designElem xmlns:p16="http://schemas.microsoft.com/office/powerpoint/2015/main" val="1"/>
+                </p:ext>
+              </p:extLst>
+            </p:nvPr>
+          </p:nvSpPr>
+          <p:spPr>
+            <a:xfrm>
+              <a:off x="10371666" y="3589867"/>
+              <a:ext cx="1817159" cy="3268133"/>
+            </a:xfrm>
+            <a:prstGeom prst="triangle">
+              <a:avLst>
+                <a:gd name="adj" fmla="val 100000"/>
+              </a:avLst>
+            </a:prstGeom>
+            <a:solidFill>
+              <a:schemeClr val="accent1">
+                <a:lumMod val="75000"/>
+                <a:alpha val="66000"/>
+              </a:schemeClr>
+            </a:solidFill>
+            <a:ln>
+              <a:noFill/>
+            </a:ln>
+            <a:effectLst/>
+          </p:spPr>
+          <p:style>
+            <a:lnRef idx="1">
+              <a:schemeClr val="accent1"/>
+            </a:lnRef>
+            <a:fillRef idx="3">
+              <a:schemeClr val="accent1"/>
+            </a:fillRef>
+            <a:effectRef idx="2">
+              <a:schemeClr val="accent1"/>
+            </a:effectRef>
+            <a:fontRef idx="minor">
+              <a:schemeClr val="lt1"/>
+            </a:fontRef>
+          </p:style>
+        </p:sp>
+      </p:grpSp>
+      <p:sp>
+        <p:nvSpPr>
+          <p:cNvPr id="2" name="Title 1">
+            <a:extLst>
+              <a:ext uri="{FF2B5EF4-FFF2-40B4-BE49-F238E27FC236}">
+                <a16:creationId xmlns:a16="http://schemas.microsoft.com/office/drawing/2014/main" id="{91277B4E-842C-4921-830C-41ECC60E74F0}"/>
+              </a:ext>
+            </a:extLst>
+          </p:cNvPr>
+          <p:cNvSpPr>
+            <a:spLocks noGrp="1"/>
+          </p:cNvSpPr>
+          <p:nvPr>
+            <p:ph type="title"/>
+          </p:nvPr>
+        </p:nvSpPr>
+        <p:spPr>
+          <a:xfrm>
+            <a:off x="6094856" y="1680201"/>
+            <a:ext cx="3179146" cy="2367559"/>
+          </a:xfrm>
+        </p:spPr>
+        <p:txBody>
+          <a:bodyPr vert="horz" lIns="91440" tIns="45720" rIns="91440" bIns="45720" rtlCol="0" anchor="b">
+            <a:normAutofit/>
+          </a:bodyPr>
+          <a:lstStyle/>
+          <a:p>
+            <a:pPr algn="r"/>
+            <a:r>
+              <a:rPr lang="en-US" sz="5400"/>
+              <a:t>Example 2 UML</a:t>
+            </a:r>
+          </a:p>
+        </p:txBody>
+      </p:sp>
+      <p:pic>
+        <p:nvPicPr>
+          <p:cNvPr id="6" name="Picture Placeholder 5" descr="A screenshot of a cell phone&#10;&#10;Description automatically generated">
+            <a:extLst>
+              <a:ext uri="{FF2B5EF4-FFF2-40B4-BE49-F238E27FC236}">
+                <a16:creationId xmlns:a16="http://schemas.microsoft.com/office/drawing/2014/main" id="{4EF2A7DF-0F43-49E0-9E06-553D7F6B38DE}"/>
+              </a:ext>
+            </a:extLst>
+          </p:cNvPr>
+          <p:cNvPicPr>
+            <a:picLocks noGrp="1" noChangeAspect="1"/>
+          </p:cNvPicPr>
+          <p:nvPr>
+            <p:ph type="pic" idx="1"/>
+          </p:nvPr>
+        </p:nvPicPr>
+        <p:blipFill rotWithShape="1">
+          <a:blip r:embed="rId2"/>
+          <a:srcRect t="3635" r="-2" b="3633"/>
+          <a:stretch/>
+        </p:blipFill>
+        <p:spPr>
+          <a:xfrm>
+            <a:off x="888603" y="1261330"/>
+            <a:ext cx="4973212" cy="4335340"/>
+          </a:xfrm>
+          <a:prstGeom prst="rect">
+            <a:avLst/>
+          </a:prstGeom>
+        </p:spPr>
+      </p:pic>
+    </p:spTree>
+    <p:extLst>
+      <p:ext uri="{BB962C8B-B14F-4D97-AF65-F5344CB8AC3E}">
+        <p14:creationId xmlns:p14="http://schemas.microsoft.com/office/powerpoint/2010/main" val="3231535861"/>
       </p:ext>
     </p:extLst>
   </p:cSld>

--- a/Slides/Lesson1.4.pptx
+++ b/Slides/Lesson1.4.pptx
@@ -5,7 +5,7 @@
     <p:sldMasterId id="2147483648" r:id="rId1"/>
   </p:sldMasterIdLst>
   <p:notesMasterIdLst>
-    <p:notesMasterId r:id="rId13"/>
+    <p:notesMasterId r:id="rId14"/>
   </p:notesMasterIdLst>
   <p:sldIdLst>
     <p:sldId id="256" r:id="rId2"/>
@@ -19,6 +19,7 @@
     <p:sldId id="264" r:id="rId10"/>
     <p:sldId id="266" r:id="rId11"/>
     <p:sldId id="267" r:id="rId12"/>
+    <p:sldId id="268" r:id="rId13"/>
   </p:sldIdLst>
   <p:sldSz cx="12192000" cy="6858000"/>
   <p:notesSz cx="6858000" cy="9144000"/>
@@ -3238,6 +3239,90 @@
           <a:bodyPr/>
           <a:lstStyle/>
           <a:p>
+            <a:endParaRPr lang="en-US" dirty="0"/>
+          </a:p>
+        </p:txBody>
+      </p:sp>
+      <p:sp>
+        <p:nvSpPr>
+          <p:cNvPr id="4" name="Slide Number Placeholder 3"/>
+          <p:cNvSpPr>
+            <a:spLocks noGrp="1"/>
+          </p:cNvSpPr>
+          <p:nvPr>
+            <p:ph type="sldNum" sz="quarter" idx="5"/>
+          </p:nvPr>
+        </p:nvSpPr>
+        <p:spPr/>
+        <p:txBody>
+          <a:bodyPr/>
+          <a:lstStyle/>
+          <a:p>
+            <a:fld id="{4C397B2A-FCB2-4CFC-8D19-A7AE88AABFF9}" type="slidenum">
+              <a:rPr lang="en-US" smtClean="0"/>
+              <a:t>8</a:t>
+            </a:fld>
+            <a:endParaRPr lang="en-US"/>
+          </a:p>
+        </p:txBody>
+      </p:sp>
+    </p:spTree>
+    <p:extLst>
+      <p:ext uri="{BB962C8B-B14F-4D97-AF65-F5344CB8AC3E}">
+        <p14:creationId xmlns:p14="http://schemas.microsoft.com/office/powerpoint/2010/main" val="3872484453"/>
+      </p:ext>
+    </p:extLst>
+  </p:cSld>
+  <p:clrMapOvr>
+    <a:masterClrMapping/>
+  </p:clrMapOvr>
+</p:notes>
+</file>
+
+<file path=ppt/notesSlides/notesSlide5.xml><?xml version="1.0" encoding="utf-8"?>
+<p:notes xmlns:a="http://schemas.openxmlformats.org/drawingml/2006/main" xmlns:r="http://schemas.openxmlformats.org/officeDocument/2006/relationships" xmlns:p="http://schemas.openxmlformats.org/presentationml/2006/main">
+  <p:cSld>
+    <p:spTree>
+      <p:nvGrpSpPr>
+        <p:cNvPr id="1" name=""/>
+        <p:cNvGrpSpPr/>
+        <p:nvPr/>
+      </p:nvGrpSpPr>
+      <p:grpSpPr>
+        <a:xfrm>
+          <a:off x="0" y="0"/>
+          <a:ext cx="0" cy="0"/>
+          <a:chOff x="0" y="0"/>
+          <a:chExt cx="0" cy="0"/>
+        </a:xfrm>
+      </p:grpSpPr>
+      <p:sp>
+        <p:nvSpPr>
+          <p:cNvPr id="2" name="Slide Image Placeholder 1"/>
+          <p:cNvSpPr>
+            <a:spLocks noGrp="1" noRot="1" noChangeAspect="1"/>
+          </p:cNvSpPr>
+          <p:nvPr>
+            <p:ph type="sldImg"/>
+          </p:nvPr>
+        </p:nvSpPr>
+        <p:spPr/>
+      </p:sp>
+      <p:sp>
+        <p:nvSpPr>
+          <p:cNvPr id="3" name="Notes Placeholder 2"/>
+          <p:cNvSpPr>
+            <a:spLocks noGrp="1"/>
+          </p:cNvSpPr>
+          <p:nvPr>
+            <p:ph type="body" idx="1"/>
+          </p:nvPr>
+        </p:nvSpPr>
+        <p:spPr/>
+        <p:txBody>
+          <a:bodyPr/>
+          <a:lstStyle/>
+          <a:p>
             <a:r>
               <a:rPr lang="en-US" dirty="0"/>
               <a:t>Do example 3, and we are not done!</a:t>
@@ -3272,6 +3357,93 @@
     <p:extLst>
       <p:ext uri="{BB962C8B-B14F-4D97-AF65-F5344CB8AC3E}">
         <p14:creationId xmlns:p14="http://schemas.microsoft.com/office/powerpoint/2010/main" val="4160293506"/>
+      </p:ext>
+    </p:extLst>
+  </p:cSld>
+  <p:clrMapOvr>
+    <a:masterClrMapping/>
+  </p:clrMapOvr>
+</p:notes>
+</file>
+
+<file path=ppt/notesSlides/notesSlide6.xml><?xml version="1.0" encoding="utf-8"?>
+<p:notes xmlns:a="http://schemas.openxmlformats.org/drawingml/2006/main" xmlns:r="http://schemas.openxmlformats.org/officeDocument/2006/relationships" xmlns:p="http://schemas.openxmlformats.org/presentationml/2006/main">
+  <p:cSld>
+    <p:spTree>
+      <p:nvGrpSpPr>
+        <p:cNvPr id="1" name=""/>
+        <p:cNvGrpSpPr/>
+        <p:nvPr/>
+      </p:nvGrpSpPr>
+      <p:grpSpPr>
+        <a:xfrm>
+          <a:off x="0" y="0"/>
+          <a:ext cx="0" cy="0"/>
+          <a:chOff x="0" y="0"/>
+          <a:chExt cx="0" cy="0"/>
+        </a:xfrm>
+      </p:grpSpPr>
+      <p:sp>
+        <p:nvSpPr>
+          <p:cNvPr id="2" name="Slide Image Placeholder 1"/>
+          <p:cNvSpPr>
+            <a:spLocks noGrp="1" noRot="1" noChangeAspect="1"/>
+          </p:cNvSpPr>
+          <p:nvPr>
+            <p:ph type="sldImg"/>
+          </p:nvPr>
+        </p:nvSpPr>
+        <p:spPr/>
+      </p:sp>
+      <p:sp>
+        <p:nvSpPr>
+          <p:cNvPr id="3" name="Notes Placeholder 2"/>
+          <p:cNvSpPr>
+            <a:spLocks noGrp="1"/>
+          </p:cNvSpPr>
+          <p:nvPr>
+            <p:ph type="body" idx="1"/>
+          </p:nvPr>
+        </p:nvSpPr>
+        <p:spPr/>
+        <p:txBody>
+          <a:bodyPr/>
+          <a:lstStyle/>
+          <a:p>
+            <a:r>
+              <a:rPr lang="en-US" dirty="0"/>
+              <a:t>That last point is especially true in game development, where we will be using several abstract classes.</a:t>
+            </a:r>
+          </a:p>
+        </p:txBody>
+      </p:sp>
+      <p:sp>
+        <p:nvSpPr>
+          <p:cNvPr id="4" name="Slide Number Placeholder 3"/>
+          <p:cNvSpPr>
+            <a:spLocks noGrp="1"/>
+          </p:cNvSpPr>
+          <p:nvPr>
+            <p:ph type="sldNum" sz="quarter" idx="5"/>
+          </p:nvPr>
+        </p:nvSpPr>
+        <p:spPr/>
+        <p:txBody>
+          <a:bodyPr/>
+          <a:lstStyle/>
+          <a:p>
+            <a:fld id="{4C397B2A-FCB2-4CFC-8D19-A7AE88AABFF9}" type="slidenum">
+              <a:rPr lang="en-US" smtClean="0"/>
+              <a:t>12</a:t>
+            </a:fld>
+            <a:endParaRPr lang="en-US"/>
+          </a:p>
+        </p:txBody>
+      </p:sp>
+    </p:spTree>
+    <p:extLst>
+      <p:ext uri="{BB962C8B-B14F-4D97-AF65-F5344CB8AC3E}">
+        <p14:creationId xmlns:p14="http://schemas.microsoft.com/office/powerpoint/2010/main" val="2005506908"/>
       </p:ext>
     </p:extLst>
   </p:cSld>
@@ -9385,6 +9557,146 @@
 </p:sld>
 </file>
 
+<file path=ppt/slides/slide12.xml><?xml version="1.0" encoding="utf-8"?>
+<p:sld xmlns:a="http://schemas.openxmlformats.org/drawingml/2006/main" xmlns:r="http://schemas.openxmlformats.org/officeDocument/2006/relationships" xmlns:p="http://schemas.openxmlformats.org/presentationml/2006/main">
+  <p:cSld>
+    <p:spTree>
+      <p:nvGrpSpPr>
+        <p:cNvPr id="1" name=""/>
+        <p:cNvGrpSpPr/>
+        <p:nvPr/>
+      </p:nvGrpSpPr>
+      <p:grpSpPr>
+        <a:xfrm>
+          <a:off x="0" y="0"/>
+          <a:ext cx="0" cy="0"/>
+          <a:chOff x="0" y="0"/>
+          <a:chExt cx="0" cy="0"/>
+        </a:xfrm>
+      </p:grpSpPr>
+      <p:sp>
+        <p:nvSpPr>
+          <p:cNvPr id="2" name="Title 1">
+            <a:extLst>
+              <a:ext uri="{FF2B5EF4-FFF2-40B4-BE49-F238E27FC236}">
+                <a16:creationId xmlns:a16="http://schemas.microsoft.com/office/drawing/2014/main" id="{DDCDE2D7-7689-426A-AEF0-99370B8ED453}"/>
+              </a:ext>
+            </a:extLst>
+          </p:cNvPr>
+          <p:cNvSpPr>
+            <a:spLocks noGrp="1"/>
+          </p:cNvSpPr>
+          <p:nvPr>
+            <p:ph type="title"/>
+          </p:nvPr>
+        </p:nvSpPr>
+        <p:spPr/>
+        <p:txBody>
+          <a:bodyPr/>
+          <a:lstStyle/>
+          <a:p>
+            <a:r>
+              <a:rPr lang="en-US" dirty="0"/>
+              <a:t>Abstract Classes</a:t>
+            </a:r>
+          </a:p>
+        </p:txBody>
+      </p:sp>
+      <p:sp>
+        <p:nvSpPr>
+          <p:cNvPr id="3" name="Content Placeholder 2">
+            <a:extLst>
+              <a:ext uri="{FF2B5EF4-FFF2-40B4-BE49-F238E27FC236}">
+                <a16:creationId xmlns:a16="http://schemas.microsoft.com/office/drawing/2014/main" id="{58C421B0-ABA3-411C-A698-CB63E50F606C}"/>
+              </a:ext>
+            </a:extLst>
+          </p:cNvPr>
+          <p:cNvSpPr>
+            <a:spLocks noGrp="1"/>
+          </p:cNvSpPr>
+          <p:nvPr>
+            <p:ph idx="1"/>
+          </p:nvPr>
+        </p:nvSpPr>
+        <p:spPr/>
+        <p:txBody>
+          <a:bodyPr/>
+          <a:lstStyle/>
+          <a:p>
+            <a:r>
+              <a:rPr lang="en-US" dirty="0"/>
+              <a:t>An </a:t>
+            </a:r>
+            <a:r>
+              <a:rPr lang="en-US" b="1" u="sng" dirty="0"/>
+              <a:t>Abstract Class</a:t>
+            </a:r>
+            <a:r>
+              <a:rPr lang="en-US" dirty="0"/>
+              <a:t> is a superclass that represent an abstract object. Meaning that there will be no direct instances of that class.</a:t>
+            </a:r>
+          </a:p>
+          <a:p>
+            <a:r>
+              <a:rPr lang="en-US" dirty="0"/>
+              <a:t>To create an object from an abstract class, there must be a subclass.</a:t>
+            </a:r>
+          </a:p>
+          <a:p>
+            <a:r>
+              <a:rPr lang="en-US" dirty="0"/>
+              <a:t>Classes that are not abstract are </a:t>
+            </a:r>
+            <a:r>
+              <a:rPr lang="en-US" b="1" u="sng" dirty="0"/>
+              <a:t>concrete</a:t>
+            </a:r>
+            <a:r>
+              <a:rPr lang="en-US" dirty="0"/>
+              <a:t>.</a:t>
+            </a:r>
+          </a:p>
+          <a:p>
+            <a:r>
+              <a:rPr lang="en-US" dirty="0"/>
+              <a:t>Abstract classes contain abstract methods, that define only the signature of the method. </a:t>
+            </a:r>
+          </a:p>
+          <a:p>
+            <a:r>
+              <a:rPr lang="en-US" dirty="0"/>
+              <a:t>A concrete class </a:t>
+            </a:r>
+            <a:r>
+              <a:rPr lang="en-US" i="1" dirty="0"/>
+              <a:t>must</a:t>
+            </a:r>
+            <a:r>
+              <a:rPr lang="en-US" dirty="0"/>
+              <a:t> implement all abstract methods in it’s super class hierarchy.</a:t>
+            </a:r>
+          </a:p>
+          <a:p>
+            <a:r>
+              <a:rPr lang="en-US" dirty="0"/>
+              <a:t>Combining abstract classes and polymorphism is where OOP’s true capabilities shine.</a:t>
+            </a:r>
+          </a:p>
+        </p:txBody>
+      </p:sp>
+    </p:spTree>
+    <p:extLst>
+      <p:ext uri="{BB962C8B-B14F-4D97-AF65-F5344CB8AC3E}">
+        <p14:creationId xmlns:p14="http://schemas.microsoft.com/office/powerpoint/2010/main" val="2878569981"/>
+      </p:ext>
+    </p:extLst>
+  </p:cSld>
+  <p:clrMapOvr>
+    <a:masterClrMapping/>
+  </p:clrMapOvr>
+</p:sld>
+</file>
+
 <file path=ppt/slides/slide2.xml><?xml version="1.0" encoding="utf-8"?>
 <p:sld xmlns:a="http://schemas.openxmlformats.org/drawingml/2006/main" xmlns:r="http://schemas.openxmlformats.org/officeDocument/2006/relationships" xmlns:p="http://schemas.openxmlformats.org/presentationml/2006/main">
   <p:cSld>
@@ -12046,7 +12358,7 @@
           </p:nvPr>
         </p:nvPicPr>
         <p:blipFill rotWithShape="1">
-          <a:blip r:embed="rId2"/>
+          <a:blip r:embed="rId3"/>
           <a:srcRect l="3362" r="3361" b="-1"/>
           <a:stretch/>
         </p:blipFill>

--- a/Slides/Lesson1.4.pptx
+++ b/Slides/Lesson1.4.pptx
@@ -5,7 +5,7 @@
     <p:sldMasterId id="2147483648" r:id="rId1"/>
   </p:sldMasterIdLst>
   <p:notesMasterIdLst>
-    <p:notesMasterId r:id="rId14"/>
+    <p:notesMasterId r:id="rId16"/>
   </p:notesMasterIdLst>
   <p:sldIdLst>
     <p:sldId id="256" r:id="rId2"/>
@@ -20,6 +20,8 @@
     <p:sldId id="266" r:id="rId11"/>
     <p:sldId id="267" r:id="rId12"/>
     <p:sldId id="268" r:id="rId13"/>
+    <p:sldId id="269" r:id="rId14"/>
+    <p:sldId id="270" r:id="rId15"/>
   </p:sldIdLst>
   <p:sldSz cx="12192000" cy="6858000"/>
   <p:notesSz cx="6858000" cy="9144000"/>
@@ -9697,6 +9699,914 @@
 </p:sld>
 </file>
 
+<file path=ppt/slides/slide13.xml><?xml version="1.0" encoding="utf-8"?>
+<p:sld xmlns:a="http://schemas.openxmlformats.org/drawingml/2006/main" xmlns:r="http://schemas.openxmlformats.org/officeDocument/2006/relationships" xmlns:p="http://schemas.openxmlformats.org/presentationml/2006/main">
+  <p:cSld>
+    <p:bg>
+      <p:bgPr>
+        <a:solidFill>
+          <a:schemeClr val="bg1"/>
+        </a:solidFill>
+        <a:effectLst/>
+      </p:bgPr>
+    </p:bg>
+    <p:spTree>
+      <p:nvGrpSpPr>
+        <p:cNvPr id="1" name=""/>
+        <p:cNvGrpSpPr/>
+        <p:nvPr/>
+      </p:nvGrpSpPr>
+      <p:grpSpPr>
+        <a:xfrm>
+          <a:off x="0" y="0"/>
+          <a:ext cx="0" cy="0"/>
+          <a:chOff x="0" y="0"/>
+          <a:chExt cx="0" cy="0"/>
+        </a:xfrm>
+      </p:grpSpPr>
+      <p:grpSp>
+        <p:nvGrpSpPr>
+          <p:cNvPr id="27" name="Group 26">
+            <a:extLst>
+              <a:ext uri="{FF2B5EF4-FFF2-40B4-BE49-F238E27FC236}">
+                <a16:creationId xmlns:a16="http://schemas.microsoft.com/office/drawing/2014/main" id="{A5AFB369-4673-4727-A7CD-D86AFE0AE069}"/>
+              </a:ext>
+              <a:ext uri="{C183D7F6-B498-43B3-948B-1728B52AA6E4}">
+                <adec:decorative xmlns:adec="http://schemas.microsoft.com/office/drawing/2017/decorative" val="1"/>
+              </a:ext>
+            </a:extLst>
+          </p:cNvPr>
+          <p:cNvGrpSpPr>
+            <a:grpSpLocks noGrp="1" noUngrp="1" noRot="1" noChangeAspect="1" noMove="1" noResize="1"/>
+          </p:cNvGrpSpPr>
+          <p:nvPr>
+            <p:extLst>
+              <p:ext uri="{386F3935-93C4-4BCD-93E2-E3B085C9AB24}">
+                <p16:designElem xmlns:p16="http://schemas.microsoft.com/office/powerpoint/2015/main" val="1"/>
+              </p:ext>
+            </p:extLst>
+          </p:nvPr>
+        </p:nvGrpSpPr>
+        <p:grpSpPr>
+          <a:xfrm>
+            <a:off x="0" y="-8467"/>
+            <a:ext cx="12192000" cy="6866467"/>
+            <a:chOff x="0" y="-8467"/>
+            <a:chExt cx="12192000" cy="6866467"/>
+          </a:xfrm>
+        </p:grpSpPr>
+        <p:sp>
+          <p:nvSpPr>
+            <p:cNvPr id="28" name="Freeform 14">
+              <a:extLst>
+                <a:ext uri="{FF2B5EF4-FFF2-40B4-BE49-F238E27FC236}">
+                  <a16:creationId xmlns:a16="http://schemas.microsoft.com/office/drawing/2014/main" id="{50709826-4D6B-4A97-8DB3-5DA16662622F}"/>
+                </a:ext>
+                <a:ext uri="{C183D7F6-B498-43B3-948B-1728B52AA6E4}">
+                  <adec:decorative xmlns:adec="http://schemas.microsoft.com/office/drawing/2017/decorative" val="1"/>
+                </a:ext>
+              </a:extLst>
+            </p:cNvPr>
+            <p:cNvSpPr/>
+            <p:nvPr>
+              <p:extLst>
+                <p:ext uri="{386F3935-93C4-4BCD-93E2-E3B085C9AB24}">
+                  <p16:designElem xmlns:p16="http://schemas.microsoft.com/office/powerpoint/2015/main" val="1"/>
+                </p:ext>
+              </p:extLst>
+            </p:nvPr>
+          </p:nvSpPr>
+          <p:spPr>
+            <a:xfrm>
+              <a:off x="0" y="-7862"/>
+              <a:ext cx="863600" cy="5698067"/>
+            </a:xfrm>
+            <a:custGeom>
+              <a:avLst/>
+              <a:gdLst/>
+              <a:ahLst/>
+              <a:cxnLst/>
+              <a:rect l="l" t="t" r="r" b="b"/>
+              <a:pathLst>
+                <a:path w="863600" h="5698067">
+                  <a:moveTo>
+                    <a:pt x="0" y="8467"/>
+                  </a:moveTo>
+                  <a:lnTo>
+                    <a:pt x="863600" y="0"/>
+                  </a:lnTo>
+                  <a:lnTo>
+                    <a:pt x="863600" y="16934"/>
+                  </a:lnTo>
+                  <a:lnTo>
+                    <a:pt x="0" y="5698067"/>
+                  </a:lnTo>
+                  <a:lnTo>
+                    <a:pt x="0" y="8467"/>
+                  </a:lnTo>
+                  <a:close/>
+                </a:path>
+              </a:pathLst>
+            </a:custGeom>
+            <a:solidFill>
+              <a:schemeClr val="accent1">
+                <a:alpha val="70000"/>
+              </a:schemeClr>
+            </a:solidFill>
+            <a:ln>
+              <a:noFill/>
+            </a:ln>
+            <a:effectLst/>
+          </p:spPr>
+          <p:style>
+            <a:lnRef idx="1">
+              <a:schemeClr val="accent1"/>
+            </a:lnRef>
+            <a:fillRef idx="3">
+              <a:schemeClr val="accent1"/>
+            </a:fillRef>
+            <a:effectRef idx="2">
+              <a:schemeClr val="accent1"/>
+            </a:effectRef>
+            <a:fontRef idx="minor">
+              <a:schemeClr val="lt1"/>
+            </a:fontRef>
+          </p:style>
+        </p:sp>
+        <p:cxnSp>
+          <p:nvCxnSpPr>
+            <p:cNvPr id="29" name="Straight Connector 28">
+              <a:extLst>
+                <a:ext uri="{FF2B5EF4-FFF2-40B4-BE49-F238E27FC236}">
+                  <a16:creationId xmlns:a16="http://schemas.microsoft.com/office/drawing/2014/main" id="{47263F58-6EE6-45B3-9BF2-C0BD5D30A556}"/>
+                </a:ext>
+                <a:ext uri="{C183D7F6-B498-43B3-948B-1728B52AA6E4}">
+                  <adec:decorative xmlns:adec="http://schemas.microsoft.com/office/drawing/2017/decorative" val="1"/>
+                </a:ext>
+              </a:extLst>
+            </p:cNvPr>
+            <p:cNvCxnSpPr/>
+            <p:nvPr>
+              <p:extLst>
+                <p:ext uri="{386F3935-93C4-4BCD-93E2-E3B085C9AB24}">
+                  <p16:designElem xmlns:p16="http://schemas.microsoft.com/office/powerpoint/2015/main" val="1"/>
+                </p:ext>
+              </p:extLst>
+            </p:nvPr>
+          </p:nvCxnSpPr>
+          <p:spPr>
+            <a:xfrm>
+              <a:off x="9371012" y="0"/>
+              <a:ext cx="1219200" cy="6858000"/>
+            </a:xfrm>
+            <a:prstGeom prst="line">
+              <a:avLst/>
+            </a:prstGeom>
+            <a:ln w="9525">
+              <a:solidFill>
+                <a:schemeClr val="accent1">
+                  <a:alpha val="70000"/>
+                </a:schemeClr>
+              </a:solidFill>
+            </a:ln>
+          </p:spPr>
+          <p:style>
+            <a:lnRef idx="2">
+              <a:schemeClr val="accent1"/>
+            </a:lnRef>
+            <a:fillRef idx="0">
+              <a:schemeClr val="accent1"/>
+            </a:fillRef>
+            <a:effectRef idx="1">
+              <a:schemeClr val="accent1"/>
+            </a:effectRef>
+            <a:fontRef idx="minor">
+              <a:schemeClr val="tx1"/>
+            </a:fontRef>
+          </p:style>
+        </p:cxnSp>
+        <p:cxnSp>
+          <p:nvCxnSpPr>
+            <p:cNvPr id="30" name="Straight Connector 29">
+              <a:extLst>
+                <a:ext uri="{FF2B5EF4-FFF2-40B4-BE49-F238E27FC236}">
+                  <a16:creationId xmlns:a16="http://schemas.microsoft.com/office/drawing/2014/main" id="{5197CE03-EB81-4718-BEA1-C2D488961E50}"/>
+                </a:ext>
+                <a:ext uri="{C183D7F6-B498-43B3-948B-1728B52AA6E4}">
+                  <adec:decorative xmlns:adec="http://schemas.microsoft.com/office/drawing/2017/decorative" val="1"/>
+                </a:ext>
+              </a:extLst>
+            </p:cNvPr>
+            <p:cNvCxnSpPr/>
+            <p:nvPr>
+              <p:extLst>
+                <p:ext uri="{386F3935-93C4-4BCD-93E2-E3B085C9AB24}">
+                  <p16:designElem xmlns:p16="http://schemas.microsoft.com/office/powerpoint/2015/main" val="1"/>
+                </p:ext>
+              </p:extLst>
+            </p:nvPr>
+          </p:nvCxnSpPr>
+          <p:spPr>
+            <a:xfrm flipH="1">
+              <a:off x="7425267" y="3681413"/>
+              <a:ext cx="4763558" cy="3176587"/>
+            </a:xfrm>
+            <a:prstGeom prst="line">
+              <a:avLst/>
+            </a:prstGeom>
+            <a:ln w="9525">
+              <a:solidFill>
+                <a:schemeClr val="accent1">
+                  <a:alpha val="70000"/>
+                </a:schemeClr>
+              </a:solidFill>
+            </a:ln>
+          </p:spPr>
+          <p:style>
+            <a:lnRef idx="2">
+              <a:schemeClr val="accent1"/>
+            </a:lnRef>
+            <a:fillRef idx="0">
+              <a:schemeClr val="accent1"/>
+            </a:fillRef>
+            <a:effectRef idx="1">
+              <a:schemeClr val="accent1"/>
+            </a:effectRef>
+            <a:fontRef idx="minor">
+              <a:schemeClr val="tx1"/>
+            </a:fontRef>
+          </p:style>
+        </p:cxnSp>
+        <p:sp>
+          <p:nvSpPr>
+            <p:cNvPr id="31" name="Rectangle 23">
+              <a:extLst>
+                <a:ext uri="{FF2B5EF4-FFF2-40B4-BE49-F238E27FC236}">
+                  <a16:creationId xmlns:a16="http://schemas.microsoft.com/office/drawing/2014/main" id="{A3451629-72D6-4E33-A99A-40FAF7445DD5}"/>
+                </a:ext>
+                <a:ext uri="{C183D7F6-B498-43B3-948B-1728B52AA6E4}">
+                  <adec:decorative xmlns:adec="http://schemas.microsoft.com/office/drawing/2017/decorative" val="1"/>
+                </a:ext>
+              </a:extLst>
+            </p:cNvPr>
+            <p:cNvSpPr/>
+            <p:nvPr>
+              <p:extLst>
+                <p:ext uri="{386F3935-93C4-4BCD-93E2-E3B085C9AB24}">
+                  <p16:designElem xmlns:p16="http://schemas.microsoft.com/office/powerpoint/2015/main" val="1"/>
+                </p:ext>
+              </p:extLst>
+            </p:nvPr>
+          </p:nvSpPr>
+          <p:spPr>
+            <a:xfrm>
+              <a:off x="9181476" y="-8467"/>
+              <a:ext cx="3007349" cy="6866467"/>
+            </a:xfrm>
+            <a:custGeom>
+              <a:avLst/>
+              <a:gdLst/>
+              <a:ahLst/>
+              <a:cxnLst/>
+              <a:rect l="l" t="t" r="r" b="b"/>
+              <a:pathLst>
+                <a:path w="3007349" h="6866467">
+                  <a:moveTo>
+                    <a:pt x="2045532" y="0"/>
+                  </a:moveTo>
+                  <a:lnTo>
+                    <a:pt x="3007349" y="0"/>
+                  </a:lnTo>
+                  <a:lnTo>
+                    <a:pt x="3007349" y="6866467"/>
+                  </a:lnTo>
+                  <a:lnTo>
+                    <a:pt x="0" y="6866467"/>
+                  </a:lnTo>
+                  <a:lnTo>
+                    <a:pt x="2045532" y="0"/>
+                  </a:lnTo>
+                  <a:close/>
+                </a:path>
+              </a:pathLst>
+            </a:custGeom>
+            <a:solidFill>
+              <a:schemeClr val="accent1">
+                <a:alpha val="36000"/>
+              </a:schemeClr>
+            </a:solidFill>
+            <a:ln>
+              <a:noFill/>
+            </a:ln>
+            <a:effectLst/>
+          </p:spPr>
+          <p:style>
+            <a:lnRef idx="1">
+              <a:schemeClr val="accent1"/>
+            </a:lnRef>
+            <a:fillRef idx="3">
+              <a:schemeClr val="accent1"/>
+            </a:fillRef>
+            <a:effectRef idx="2">
+              <a:schemeClr val="accent1"/>
+            </a:effectRef>
+            <a:fontRef idx="minor">
+              <a:schemeClr val="lt1"/>
+            </a:fontRef>
+          </p:style>
+        </p:sp>
+        <p:sp>
+          <p:nvSpPr>
+            <p:cNvPr id="32" name="Rectangle 25">
+              <a:extLst>
+                <a:ext uri="{FF2B5EF4-FFF2-40B4-BE49-F238E27FC236}">
+                  <a16:creationId xmlns:a16="http://schemas.microsoft.com/office/drawing/2014/main" id="{E04F0FD4-BCD5-4435-A6B5-A2E69303B73F}"/>
+                </a:ext>
+                <a:ext uri="{C183D7F6-B498-43B3-948B-1728B52AA6E4}">
+                  <adec:decorative xmlns:adec="http://schemas.microsoft.com/office/drawing/2017/decorative" val="1"/>
+                </a:ext>
+              </a:extLst>
+            </p:cNvPr>
+            <p:cNvSpPr/>
+            <p:nvPr>
+              <p:extLst>
+                <p:ext uri="{386F3935-93C4-4BCD-93E2-E3B085C9AB24}">
+                  <p16:designElem xmlns:p16="http://schemas.microsoft.com/office/powerpoint/2015/main" val="1"/>
+                </p:ext>
+              </p:extLst>
+            </p:nvPr>
+          </p:nvSpPr>
+          <p:spPr>
+            <a:xfrm>
+              <a:off x="9603442" y="-8467"/>
+              <a:ext cx="2588558" cy="6866467"/>
+            </a:xfrm>
+            <a:custGeom>
+              <a:avLst/>
+              <a:gdLst/>
+              <a:ahLst/>
+              <a:cxnLst/>
+              <a:rect l="l" t="t" r="r" b="b"/>
+              <a:pathLst>
+                <a:path w="2573311" h="6866467">
+                  <a:moveTo>
+                    <a:pt x="0" y="0"/>
+                  </a:moveTo>
+                  <a:lnTo>
+                    <a:pt x="2573311" y="0"/>
+                  </a:lnTo>
+                  <a:lnTo>
+                    <a:pt x="2573311" y="6866467"/>
+                  </a:lnTo>
+                  <a:lnTo>
+                    <a:pt x="1202336" y="6866467"/>
+                  </a:lnTo>
+                  <a:lnTo>
+                    <a:pt x="0" y="0"/>
+                  </a:lnTo>
+                  <a:close/>
+                </a:path>
+              </a:pathLst>
+            </a:custGeom>
+            <a:solidFill>
+              <a:schemeClr val="accent1">
+                <a:alpha val="20000"/>
+              </a:schemeClr>
+            </a:solidFill>
+            <a:ln>
+              <a:noFill/>
+            </a:ln>
+            <a:effectLst/>
+          </p:spPr>
+          <p:style>
+            <a:lnRef idx="1">
+              <a:schemeClr val="accent1"/>
+            </a:lnRef>
+            <a:fillRef idx="3">
+              <a:schemeClr val="accent1"/>
+            </a:fillRef>
+            <a:effectRef idx="2">
+              <a:schemeClr val="accent1"/>
+            </a:effectRef>
+            <a:fontRef idx="minor">
+              <a:schemeClr val="lt1"/>
+            </a:fontRef>
+          </p:style>
+        </p:sp>
+        <p:sp>
+          <p:nvSpPr>
+            <p:cNvPr id="33" name="Isosceles Triangle 32">
+              <a:extLst>
+                <a:ext uri="{FF2B5EF4-FFF2-40B4-BE49-F238E27FC236}">
+                  <a16:creationId xmlns:a16="http://schemas.microsoft.com/office/drawing/2014/main" id="{DE110F09-1C81-4E73-B5E9-D857CD879F04}"/>
+                </a:ext>
+                <a:ext uri="{C183D7F6-B498-43B3-948B-1728B52AA6E4}">
+                  <adec:decorative xmlns:adec="http://schemas.microsoft.com/office/drawing/2017/decorative" val="1"/>
+                </a:ext>
+              </a:extLst>
+            </p:cNvPr>
+            <p:cNvSpPr/>
+            <p:nvPr>
+              <p:extLst>
+                <p:ext uri="{386F3935-93C4-4BCD-93E2-E3B085C9AB24}">
+                  <p16:designElem xmlns:p16="http://schemas.microsoft.com/office/powerpoint/2015/main" val="1"/>
+                </p:ext>
+              </p:extLst>
+            </p:nvPr>
+          </p:nvSpPr>
+          <p:spPr>
+            <a:xfrm>
+              <a:off x="8932333" y="3048000"/>
+              <a:ext cx="3259667" cy="3810000"/>
+            </a:xfrm>
+            <a:prstGeom prst="triangle">
+              <a:avLst>
+                <a:gd name="adj" fmla="val 100000"/>
+              </a:avLst>
+            </a:prstGeom>
+            <a:solidFill>
+              <a:schemeClr val="accent1">
+                <a:lumMod val="75000"/>
+                <a:alpha val="66000"/>
+              </a:schemeClr>
+            </a:solidFill>
+            <a:ln>
+              <a:noFill/>
+            </a:ln>
+            <a:effectLst/>
+          </p:spPr>
+          <p:style>
+            <a:lnRef idx="1">
+              <a:schemeClr val="accent1"/>
+            </a:lnRef>
+            <a:fillRef idx="3">
+              <a:schemeClr val="accent1"/>
+            </a:fillRef>
+            <a:effectRef idx="2">
+              <a:schemeClr val="accent1"/>
+            </a:effectRef>
+            <a:fontRef idx="minor">
+              <a:schemeClr val="lt1"/>
+            </a:fontRef>
+          </p:style>
+        </p:sp>
+        <p:sp>
+          <p:nvSpPr>
+            <p:cNvPr id="34" name="Rectangle 27">
+              <a:extLst>
+                <a:ext uri="{FF2B5EF4-FFF2-40B4-BE49-F238E27FC236}">
+                  <a16:creationId xmlns:a16="http://schemas.microsoft.com/office/drawing/2014/main" id="{273A9C01-06BD-4E8E-8BBF-2E2A9ECF49C5}"/>
+                </a:ext>
+                <a:ext uri="{C183D7F6-B498-43B3-948B-1728B52AA6E4}">
+                  <adec:decorative xmlns:adec="http://schemas.microsoft.com/office/drawing/2017/decorative" val="1"/>
+                </a:ext>
+              </a:extLst>
+            </p:cNvPr>
+            <p:cNvSpPr/>
+            <p:nvPr>
+              <p:extLst>
+                <p:ext uri="{386F3935-93C4-4BCD-93E2-E3B085C9AB24}">
+                  <p16:designElem xmlns:p16="http://schemas.microsoft.com/office/powerpoint/2015/main" val="1"/>
+                </p:ext>
+              </p:extLst>
+            </p:nvPr>
+          </p:nvSpPr>
+          <p:spPr>
+            <a:xfrm>
+              <a:off x="9334500" y="-8467"/>
+              <a:ext cx="2854326" cy="6866467"/>
+            </a:xfrm>
+            <a:custGeom>
+              <a:avLst/>
+              <a:gdLst/>
+              <a:ahLst/>
+              <a:cxnLst/>
+              <a:rect l="l" t="t" r="r" b="b"/>
+              <a:pathLst>
+                <a:path w="2858013" h="6866467">
+                  <a:moveTo>
+                    <a:pt x="0" y="0"/>
+                  </a:moveTo>
+                  <a:lnTo>
+                    <a:pt x="2858013" y="0"/>
+                  </a:lnTo>
+                  <a:lnTo>
+                    <a:pt x="2858013" y="6866467"/>
+                  </a:lnTo>
+                  <a:lnTo>
+                    <a:pt x="2473942" y="6866467"/>
+                  </a:lnTo>
+                  <a:lnTo>
+                    <a:pt x="0" y="0"/>
+                  </a:lnTo>
+                  <a:close/>
+                </a:path>
+              </a:pathLst>
+            </a:custGeom>
+            <a:solidFill>
+              <a:schemeClr val="accent1">
+                <a:lumMod val="75000"/>
+                <a:alpha val="50000"/>
+              </a:schemeClr>
+            </a:solidFill>
+            <a:ln>
+              <a:noFill/>
+            </a:ln>
+            <a:effectLst/>
+          </p:spPr>
+          <p:style>
+            <a:lnRef idx="1">
+              <a:schemeClr val="accent1"/>
+            </a:lnRef>
+            <a:fillRef idx="3">
+              <a:schemeClr val="accent1"/>
+            </a:fillRef>
+            <a:effectRef idx="2">
+              <a:schemeClr val="accent1"/>
+            </a:effectRef>
+            <a:fontRef idx="minor">
+              <a:schemeClr val="lt1"/>
+            </a:fontRef>
+          </p:style>
+        </p:sp>
+        <p:sp>
+          <p:nvSpPr>
+            <p:cNvPr id="35" name="Rectangle 28">
+              <a:extLst>
+                <a:ext uri="{FF2B5EF4-FFF2-40B4-BE49-F238E27FC236}">
+                  <a16:creationId xmlns:a16="http://schemas.microsoft.com/office/drawing/2014/main" id="{B206C9B2-27BE-4B6F-A4D0-485FBBEB58FE}"/>
+                </a:ext>
+                <a:ext uri="{C183D7F6-B498-43B3-948B-1728B52AA6E4}">
+                  <adec:decorative xmlns:adec="http://schemas.microsoft.com/office/drawing/2017/decorative" val="1"/>
+                </a:ext>
+              </a:extLst>
+            </p:cNvPr>
+            <p:cNvSpPr/>
+            <p:nvPr>
+              <p:extLst>
+                <p:ext uri="{386F3935-93C4-4BCD-93E2-E3B085C9AB24}">
+                  <p16:designElem xmlns:p16="http://schemas.microsoft.com/office/powerpoint/2015/main" val="1"/>
+                </p:ext>
+              </p:extLst>
+            </p:nvPr>
+          </p:nvSpPr>
+          <p:spPr>
+            <a:xfrm>
+              <a:off x="10898730" y="-8467"/>
+              <a:ext cx="1290094" cy="6866467"/>
+            </a:xfrm>
+            <a:custGeom>
+              <a:avLst/>
+              <a:gdLst/>
+              <a:ahLst/>
+              <a:cxnLst/>
+              <a:rect l="l" t="t" r="r" b="b"/>
+              <a:pathLst>
+                <a:path w="1290094" h="6858000">
+                  <a:moveTo>
+                    <a:pt x="1019735" y="0"/>
+                  </a:moveTo>
+                  <a:lnTo>
+                    <a:pt x="1290094" y="0"/>
+                  </a:lnTo>
+                  <a:lnTo>
+                    <a:pt x="1290094" y="6858000"/>
+                  </a:lnTo>
+                  <a:lnTo>
+                    <a:pt x="0" y="6858000"/>
+                  </a:lnTo>
+                  <a:lnTo>
+                    <a:pt x="1019735" y="0"/>
+                  </a:lnTo>
+                  <a:close/>
+                </a:path>
+              </a:pathLst>
+            </a:custGeom>
+            <a:solidFill>
+              <a:schemeClr val="accent2">
+                <a:alpha val="70000"/>
+              </a:schemeClr>
+            </a:solidFill>
+            <a:ln>
+              <a:noFill/>
+            </a:ln>
+            <a:effectLst/>
+          </p:spPr>
+          <p:style>
+            <a:lnRef idx="1">
+              <a:schemeClr val="accent1"/>
+            </a:lnRef>
+            <a:fillRef idx="3">
+              <a:schemeClr val="accent1"/>
+            </a:fillRef>
+            <a:effectRef idx="2">
+              <a:schemeClr val="accent1"/>
+            </a:effectRef>
+            <a:fontRef idx="minor">
+              <a:schemeClr val="lt1"/>
+            </a:fontRef>
+          </p:style>
+        </p:sp>
+        <p:sp>
+          <p:nvSpPr>
+            <p:cNvPr id="36" name="Rectangle 29">
+              <a:extLst>
+                <a:ext uri="{FF2B5EF4-FFF2-40B4-BE49-F238E27FC236}">
+                  <a16:creationId xmlns:a16="http://schemas.microsoft.com/office/drawing/2014/main" id="{2E7D673E-0C5C-4F2B-B46E-3E9286B9E866}"/>
+                </a:ext>
+                <a:ext uri="{C183D7F6-B498-43B3-948B-1728B52AA6E4}">
+                  <adec:decorative xmlns:adec="http://schemas.microsoft.com/office/drawing/2017/decorative" val="1"/>
+                </a:ext>
+              </a:extLst>
+            </p:cNvPr>
+            <p:cNvSpPr/>
+            <p:nvPr>
+              <p:extLst>
+                <p:ext uri="{386F3935-93C4-4BCD-93E2-E3B085C9AB24}">
+                  <p16:designElem xmlns:p16="http://schemas.microsoft.com/office/powerpoint/2015/main" val="1"/>
+                </p:ext>
+              </p:extLst>
+            </p:nvPr>
+          </p:nvSpPr>
+          <p:spPr>
+            <a:xfrm>
+              <a:off x="10938999" y="-8467"/>
+              <a:ext cx="1249825" cy="6866467"/>
+            </a:xfrm>
+            <a:custGeom>
+              <a:avLst/>
+              <a:gdLst/>
+              <a:ahLst/>
+              <a:cxnLst/>
+              <a:rect l="l" t="t" r="r" b="b"/>
+              <a:pathLst>
+                <a:path w="1249825" h="6858000">
+                  <a:moveTo>
+                    <a:pt x="0" y="0"/>
+                  </a:moveTo>
+                  <a:lnTo>
+                    <a:pt x="1249825" y="0"/>
+                  </a:lnTo>
+                  <a:lnTo>
+                    <a:pt x="1249825" y="6858000"/>
+                  </a:lnTo>
+                  <a:lnTo>
+                    <a:pt x="1109382" y="6858000"/>
+                  </a:lnTo>
+                  <a:lnTo>
+                    <a:pt x="0" y="0"/>
+                  </a:lnTo>
+                  <a:close/>
+                </a:path>
+              </a:pathLst>
+            </a:custGeom>
+            <a:solidFill>
+              <a:schemeClr val="accent2">
+                <a:lumMod val="75000"/>
+                <a:alpha val="80000"/>
+              </a:schemeClr>
+            </a:solidFill>
+            <a:ln>
+              <a:noFill/>
+            </a:ln>
+            <a:effectLst/>
+          </p:spPr>
+          <p:style>
+            <a:lnRef idx="1">
+              <a:schemeClr val="accent1"/>
+            </a:lnRef>
+            <a:fillRef idx="3">
+              <a:schemeClr val="accent1"/>
+            </a:fillRef>
+            <a:effectRef idx="2">
+              <a:schemeClr val="accent1"/>
+            </a:effectRef>
+            <a:fontRef idx="minor">
+              <a:schemeClr val="lt1"/>
+            </a:fontRef>
+          </p:style>
+        </p:sp>
+        <p:sp>
+          <p:nvSpPr>
+            <p:cNvPr id="37" name="Isosceles Triangle 36">
+              <a:extLst>
+                <a:ext uri="{FF2B5EF4-FFF2-40B4-BE49-F238E27FC236}">
+                  <a16:creationId xmlns:a16="http://schemas.microsoft.com/office/drawing/2014/main" id="{F0F78B34-9B26-4CA9-B8F0-B9638730F9F6}"/>
+                </a:ext>
+                <a:ext uri="{C183D7F6-B498-43B3-948B-1728B52AA6E4}">
+                  <adec:decorative xmlns:adec="http://schemas.microsoft.com/office/drawing/2017/decorative" val="1"/>
+                </a:ext>
+              </a:extLst>
+            </p:cNvPr>
+            <p:cNvSpPr/>
+            <p:nvPr>
+              <p:extLst>
+                <p:ext uri="{386F3935-93C4-4BCD-93E2-E3B085C9AB24}">
+                  <p16:designElem xmlns:p16="http://schemas.microsoft.com/office/powerpoint/2015/main" val="1"/>
+                </p:ext>
+              </p:extLst>
+            </p:nvPr>
+          </p:nvSpPr>
+          <p:spPr>
+            <a:xfrm>
+              <a:off x="10371666" y="3589867"/>
+              <a:ext cx="1817159" cy="3268133"/>
+            </a:xfrm>
+            <a:prstGeom prst="triangle">
+              <a:avLst>
+                <a:gd name="adj" fmla="val 100000"/>
+              </a:avLst>
+            </a:prstGeom>
+            <a:solidFill>
+              <a:schemeClr val="accent1">
+                <a:lumMod val="75000"/>
+                <a:alpha val="66000"/>
+              </a:schemeClr>
+            </a:solidFill>
+            <a:ln>
+              <a:noFill/>
+            </a:ln>
+            <a:effectLst/>
+          </p:spPr>
+          <p:style>
+            <a:lnRef idx="1">
+              <a:schemeClr val="accent1"/>
+            </a:lnRef>
+            <a:fillRef idx="3">
+              <a:schemeClr val="accent1"/>
+            </a:fillRef>
+            <a:effectRef idx="2">
+              <a:schemeClr val="accent1"/>
+            </a:effectRef>
+            <a:fontRef idx="minor">
+              <a:schemeClr val="lt1"/>
+            </a:fontRef>
+          </p:style>
+        </p:sp>
+      </p:grpSp>
+      <p:sp>
+        <p:nvSpPr>
+          <p:cNvPr id="2" name="Title 1">
+            <a:extLst>
+              <a:ext uri="{FF2B5EF4-FFF2-40B4-BE49-F238E27FC236}">
+                <a16:creationId xmlns:a16="http://schemas.microsoft.com/office/drawing/2014/main" id="{992243A4-62B3-4094-B486-0D0BF70D3234}"/>
+              </a:ext>
+            </a:extLst>
+          </p:cNvPr>
+          <p:cNvSpPr>
+            <a:spLocks noGrp="1"/>
+          </p:cNvSpPr>
+          <p:nvPr>
+            <p:ph type="title"/>
+          </p:nvPr>
+        </p:nvSpPr>
+        <p:spPr>
+          <a:xfrm>
+            <a:off x="4863951" y="1680201"/>
+            <a:ext cx="4410051" cy="2367559"/>
+          </a:xfrm>
+        </p:spPr>
+        <p:txBody>
+          <a:bodyPr vert="horz" lIns="91440" tIns="45720" rIns="91440" bIns="45720" rtlCol="0" anchor="b">
+            <a:normAutofit/>
+          </a:bodyPr>
+          <a:lstStyle/>
+          <a:p>
+            <a:pPr algn="r"/>
+            <a:r>
+              <a:rPr lang="en-US" sz="5400"/>
+              <a:t>Example 4 UML</a:t>
+            </a:r>
+          </a:p>
+        </p:txBody>
+      </p:sp>
+      <p:pic>
+        <p:nvPicPr>
+          <p:cNvPr id="5" name="Content Placeholder 4" descr="A screenshot of a cell phone&#10;&#10;Description automatically generated">
+            <a:extLst>
+              <a:ext uri="{FF2B5EF4-FFF2-40B4-BE49-F238E27FC236}">
+                <a16:creationId xmlns:a16="http://schemas.microsoft.com/office/drawing/2014/main" id="{29C01319-3BCD-49B7-A84E-D4F1E24D9D7E}"/>
+              </a:ext>
+            </a:extLst>
+          </p:cNvPr>
+          <p:cNvPicPr>
+            <a:picLocks noGrp="1" noChangeAspect="1"/>
+          </p:cNvPicPr>
+          <p:nvPr>
+            <p:ph idx="1"/>
+          </p:nvPr>
+        </p:nvPicPr>
+        <p:blipFill rotWithShape="1">
+          <a:blip r:embed="rId2"/>
+          <a:srcRect l="3488" r="6630" b="3"/>
+          <a:stretch/>
+        </p:blipFill>
+        <p:spPr>
+          <a:xfrm>
+            <a:off x="888604" y="1265315"/>
+            <a:ext cx="3746710" cy="4335340"/>
+          </a:xfrm>
+          <a:prstGeom prst="rect">
+            <a:avLst/>
+          </a:prstGeom>
+        </p:spPr>
+      </p:pic>
+    </p:spTree>
+    <p:extLst>
+      <p:ext uri="{BB962C8B-B14F-4D97-AF65-F5344CB8AC3E}">
+        <p14:creationId xmlns:p14="http://schemas.microsoft.com/office/powerpoint/2010/main" val="3351745457"/>
+      </p:ext>
+    </p:extLst>
+  </p:cSld>
+  <p:clrMapOvr>
+    <a:masterClrMapping/>
+  </p:clrMapOvr>
+</p:sld>
+</file>
+
+<file path=ppt/slides/slide14.xml><?xml version="1.0" encoding="utf-8"?>
+<p:sld xmlns:a="http://schemas.openxmlformats.org/drawingml/2006/main" xmlns:r="http://schemas.openxmlformats.org/officeDocument/2006/relationships" xmlns:p="http://schemas.openxmlformats.org/presentationml/2006/main">
+  <p:cSld>
+    <p:spTree>
+      <p:nvGrpSpPr>
+        <p:cNvPr id="1" name=""/>
+        <p:cNvGrpSpPr/>
+        <p:nvPr/>
+      </p:nvGrpSpPr>
+      <p:grpSpPr>
+        <a:xfrm>
+          <a:off x="0" y="0"/>
+          <a:ext cx="0" cy="0"/>
+          <a:chOff x="0" y="0"/>
+          <a:chExt cx="0" cy="0"/>
+        </a:xfrm>
+      </p:grpSpPr>
+      <p:sp>
+        <p:nvSpPr>
+          <p:cNvPr id="2" name="Title 1">
+            <a:extLst>
+              <a:ext uri="{FF2B5EF4-FFF2-40B4-BE49-F238E27FC236}">
+                <a16:creationId xmlns:a16="http://schemas.microsoft.com/office/drawing/2014/main" id="{6E2AC874-35BB-4DCB-9CC4-D8018CD57377}"/>
+              </a:ext>
+            </a:extLst>
+          </p:cNvPr>
+          <p:cNvSpPr>
+            <a:spLocks noGrp="1"/>
+          </p:cNvSpPr>
+          <p:nvPr>
+            <p:ph type="title"/>
+          </p:nvPr>
+        </p:nvSpPr>
+        <p:spPr/>
+        <p:txBody>
+          <a:bodyPr/>
+          <a:lstStyle/>
+          <a:p>
+            <a:r>
+              <a:rPr lang="en-US" dirty="0"/>
+              <a:t>Interfaces</a:t>
+            </a:r>
+          </a:p>
+        </p:txBody>
+      </p:sp>
+      <p:sp>
+        <p:nvSpPr>
+          <p:cNvPr id="3" name="Content Placeholder 2">
+            <a:extLst>
+              <a:ext uri="{FF2B5EF4-FFF2-40B4-BE49-F238E27FC236}">
+                <a16:creationId xmlns:a16="http://schemas.microsoft.com/office/drawing/2014/main" id="{324131F8-B40A-4EAD-A23D-54E55A57EA1F}"/>
+              </a:ext>
+            </a:extLst>
+          </p:cNvPr>
+          <p:cNvSpPr>
+            <a:spLocks noGrp="1"/>
+          </p:cNvSpPr>
+          <p:nvPr>
+            <p:ph idx="1"/>
+          </p:nvPr>
+        </p:nvSpPr>
+        <p:spPr/>
+        <p:txBody>
+          <a:bodyPr/>
+          <a:lstStyle/>
+          <a:p>
+            <a:endParaRPr lang="en-US"/>
+          </a:p>
+        </p:txBody>
+      </p:sp>
+    </p:spTree>
+    <p:extLst>
+      <p:ext uri="{BB962C8B-B14F-4D97-AF65-F5344CB8AC3E}">
+        <p14:creationId xmlns:p14="http://schemas.microsoft.com/office/powerpoint/2010/main" val="986304680"/>
+      </p:ext>
+    </p:extLst>
+  </p:cSld>
+  <p:clrMapOvr>
+    <a:masterClrMapping/>
+  </p:clrMapOvr>
+</p:sld>
+</file>
+
 <file path=ppt/slides/slide2.xml><?xml version="1.0" encoding="utf-8"?>
 <p:sld xmlns:a="http://schemas.openxmlformats.org/drawingml/2006/main" xmlns:r="http://schemas.openxmlformats.org/officeDocument/2006/relationships" xmlns:p="http://schemas.openxmlformats.org/presentationml/2006/main">
   <p:cSld>
@@ -11530,10 +12440,10 @@
       </p:grpSpPr>
       <p:grpSp>
         <p:nvGrpSpPr>
-          <p:cNvPr id="26" name="Group 25">
+          <p:cNvPr id="43" name="Group 42">
             <a:extLst>
               <a:ext uri="{FF2B5EF4-FFF2-40B4-BE49-F238E27FC236}">
-                <a16:creationId xmlns:a16="http://schemas.microsoft.com/office/drawing/2014/main" id="{4815A7B4-532E-48C9-AC24-D78ACF3339DB}"/>
+                <a16:creationId xmlns:a16="http://schemas.microsoft.com/office/drawing/2014/main" id="{A5AFB369-4673-4727-A7CD-D86AFE0AE069}"/>
               </a:ext>
               <a:ext uri="{C183D7F6-B498-43B3-948B-1728B52AA6E4}">
                 <adec:decorative xmlns:adec="http://schemas.microsoft.com/office/drawing/2017/decorative" val="1"/>
@@ -11561,10 +12471,10 @@
         </p:grpSpPr>
         <p:sp>
           <p:nvSpPr>
-            <p:cNvPr id="27" name="Freeform 14">
+            <p:cNvPr id="44" name="Freeform 14">
               <a:extLst>
                 <a:ext uri="{FF2B5EF4-FFF2-40B4-BE49-F238E27FC236}">
-                  <a16:creationId xmlns:a16="http://schemas.microsoft.com/office/drawing/2014/main" id="{D40109F4-CE5C-45F4-856E-F3F69C9FD4E1}"/>
+                  <a16:creationId xmlns:a16="http://schemas.microsoft.com/office/drawing/2014/main" id="{50709826-4D6B-4A97-8DB3-5DA16662622F}"/>
                 </a:ext>
                 <a:ext uri="{C183D7F6-B498-43B3-948B-1728B52AA6E4}">
                   <adec:decorative xmlns:adec="http://schemas.microsoft.com/office/drawing/2017/decorative" val="1"/>
@@ -11639,10 +12549,10 @@
         </p:sp>
         <p:cxnSp>
           <p:nvCxnSpPr>
-            <p:cNvPr id="28" name="Straight Connector 27">
+            <p:cNvPr id="45" name="Straight Connector 44">
               <a:extLst>
                 <a:ext uri="{FF2B5EF4-FFF2-40B4-BE49-F238E27FC236}">
-                  <a16:creationId xmlns:a16="http://schemas.microsoft.com/office/drawing/2014/main" id="{3CBAA4DE-3D7B-460B-AE98-D9F9990C0B62}"/>
+                  <a16:creationId xmlns:a16="http://schemas.microsoft.com/office/drawing/2014/main" id="{47263F58-6EE6-45B3-9BF2-C0BD5D30A556}"/>
                 </a:ext>
                 <a:ext uri="{C183D7F6-B498-43B3-948B-1728B52AA6E4}">
                   <adec:decorative xmlns:adec="http://schemas.microsoft.com/office/drawing/2017/decorative" val="1"/>
@@ -11691,10 +12601,10 @@
         </p:cxnSp>
         <p:cxnSp>
           <p:nvCxnSpPr>
-            <p:cNvPr id="29" name="Straight Connector 28">
+            <p:cNvPr id="46" name="Straight Connector 45">
               <a:extLst>
                 <a:ext uri="{FF2B5EF4-FFF2-40B4-BE49-F238E27FC236}">
-                  <a16:creationId xmlns:a16="http://schemas.microsoft.com/office/drawing/2014/main" id="{7BF1ED3E-4F80-4AF6-A41B-44F53DDE610D}"/>
+                  <a16:creationId xmlns:a16="http://schemas.microsoft.com/office/drawing/2014/main" id="{5197CE03-EB81-4718-BEA1-C2D488961E50}"/>
                 </a:ext>
                 <a:ext uri="{C183D7F6-B498-43B3-948B-1728B52AA6E4}">
                   <adec:decorative xmlns:adec="http://schemas.microsoft.com/office/drawing/2017/decorative" val="1"/>
@@ -11743,10 +12653,10 @@
         </p:cxnSp>
         <p:sp>
           <p:nvSpPr>
-            <p:cNvPr id="30" name="Rectangle 23">
+            <p:cNvPr id="47" name="Rectangle 23">
               <a:extLst>
                 <a:ext uri="{FF2B5EF4-FFF2-40B4-BE49-F238E27FC236}">
-                  <a16:creationId xmlns:a16="http://schemas.microsoft.com/office/drawing/2014/main" id="{C0B2D747-3E31-45C5-9A98-A9710A585FBB}"/>
+                  <a16:creationId xmlns:a16="http://schemas.microsoft.com/office/drawing/2014/main" id="{A3451629-72D6-4E33-A99A-40FAF7445DD5}"/>
                 </a:ext>
                 <a:ext uri="{C183D7F6-B498-43B3-948B-1728B52AA6E4}">
                   <adec:decorative xmlns:adec="http://schemas.microsoft.com/office/drawing/2017/decorative" val="1"/>
@@ -11821,10 +12731,10 @@
         </p:sp>
         <p:sp>
           <p:nvSpPr>
-            <p:cNvPr id="31" name="Rectangle 25">
+            <p:cNvPr id="48" name="Rectangle 25">
               <a:extLst>
                 <a:ext uri="{FF2B5EF4-FFF2-40B4-BE49-F238E27FC236}">
-                  <a16:creationId xmlns:a16="http://schemas.microsoft.com/office/drawing/2014/main" id="{A15FD4BA-3020-462D-8BE8-B3A65B8E492A}"/>
+                  <a16:creationId xmlns:a16="http://schemas.microsoft.com/office/drawing/2014/main" id="{E04F0FD4-BCD5-4435-A6B5-A2E69303B73F}"/>
                 </a:ext>
                 <a:ext uri="{C183D7F6-B498-43B3-948B-1728B52AA6E4}">
                   <adec:decorative xmlns:adec="http://schemas.microsoft.com/office/drawing/2017/decorative" val="1"/>
@@ -11899,10 +12809,10 @@
         </p:sp>
         <p:sp>
           <p:nvSpPr>
-            <p:cNvPr id="32" name="Isosceles Triangle 31">
+            <p:cNvPr id="49" name="Isosceles Triangle 48">
               <a:extLst>
                 <a:ext uri="{FF2B5EF4-FFF2-40B4-BE49-F238E27FC236}">
-                  <a16:creationId xmlns:a16="http://schemas.microsoft.com/office/drawing/2014/main" id="{A304284A-7318-4DD5-898C-2F6B23C778FA}"/>
+                  <a16:creationId xmlns:a16="http://schemas.microsoft.com/office/drawing/2014/main" id="{DE110F09-1C81-4E73-B5E9-D857CD879F04}"/>
                 </a:ext>
                 <a:ext uri="{C183D7F6-B498-43B3-948B-1728B52AA6E4}">
                   <adec:decorative xmlns:adec="http://schemas.microsoft.com/office/drawing/2017/decorative" val="1"/>
@@ -11956,10 +12866,10 @@
         </p:sp>
         <p:sp>
           <p:nvSpPr>
-            <p:cNvPr id="33" name="Rectangle 27">
+            <p:cNvPr id="50" name="Rectangle 27">
               <a:extLst>
                 <a:ext uri="{FF2B5EF4-FFF2-40B4-BE49-F238E27FC236}">
-                  <a16:creationId xmlns:a16="http://schemas.microsoft.com/office/drawing/2014/main" id="{9DF48E66-B635-4509-B115-E0987C014EBC}"/>
+                  <a16:creationId xmlns:a16="http://schemas.microsoft.com/office/drawing/2014/main" id="{273A9C01-06BD-4E8E-8BBF-2E2A9ECF49C5}"/>
                 </a:ext>
                 <a:ext uri="{C183D7F6-B498-43B3-948B-1728B52AA6E4}">
                   <adec:decorative xmlns:adec="http://schemas.microsoft.com/office/drawing/2017/decorative" val="1"/>
@@ -12035,10 +12945,10 @@
         </p:sp>
         <p:sp>
           <p:nvSpPr>
-            <p:cNvPr id="34" name="Rectangle 28">
+            <p:cNvPr id="51" name="Rectangle 28">
               <a:extLst>
                 <a:ext uri="{FF2B5EF4-FFF2-40B4-BE49-F238E27FC236}">
-                  <a16:creationId xmlns:a16="http://schemas.microsoft.com/office/drawing/2014/main" id="{E3B96D94-5F5A-4F4C-810C-917BF4D266C3}"/>
+                  <a16:creationId xmlns:a16="http://schemas.microsoft.com/office/drawing/2014/main" id="{B206C9B2-27BE-4B6F-A4D0-485FBBEB58FE}"/>
                 </a:ext>
                 <a:ext uri="{C183D7F6-B498-43B3-948B-1728B52AA6E4}">
                   <adec:decorative xmlns:adec="http://schemas.microsoft.com/office/drawing/2017/decorative" val="1"/>
@@ -12113,10 +13023,10 @@
         </p:sp>
         <p:sp>
           <p:nvSpPr>
-            <p:cNvPr id="35" name="Rectangle 29">
+            <p:cNvPr id="52" name="Rectangle 29">
               <a:extLst>
                 <a:ext uri="{FF2B5EF4-FFF2-40B4-BE49-F238E27FC236}">
-                  <a16:creationId xmlns:a16="http://schemas.microsoft.com/office/drawing/2014/main" id="{7F3782D6-BFF8-4389-9D39-A023ADAA92C1}"/>
+                  <a16:creationId xmlns:a16="http://schemas.microsoft.com/office/drawing/2014/main" id="{2E7D673E-0C5C-4F2B-B46E-3E9286B9E866}"/>
                 </a:ext>
                 <a:ext uri="{C183D7F6-B498-43B3-948B-1728B52AA6E4}">
                   <adec:decorative xmlns:adec="http://schemas.microsoft.com/office/drawing/2017/decorative" val="1"/>
@@ -12192,10 +13102,10 @@
         </p:sp>
         <p:sp>
           <p:nvSpPr>
-            <p:cNvPr id="36" name="Isosceles Triangle 35">
+            <p:cNvPr id="53" name="Isosceles Triangle 52">
               <a:extLst>
                 <a:ext uri="{FF2B5EF4-FFF2-40B4-BE49-F238E27FC236}">
-                  <a16:creationId xmlns:a16="http://schemas.microsoft.com/office/drawing/2014/main" id="{ECE162D4-FCAE-441B-B5E9-C91DE62124EF}"/>
+                  <a16:creationId xmlns:a16="http://schemas.microsoft.com/office/drawing/2014/main" id="{F0F78B34-9B26-4CA9-B8F0-B9638730F9F6}"/>
                 </a:ext>
                 <a:ext uri="{C183D7F6-B498-43B3-948B-1728B52AA6E4}">
                   <adec:decorative xmlns:adec="http://schemas.microsoft.com/office/drawing/2017/decorative" val="1"/>
@@ -12266,8 +13176,8 @@
         </p:nvSpPr>
         <p:spPr>
           <a:xfrm>
-            <a:off x="4974337" y="1265314"/>
-            <a:ext cx="4299666" cy="3249131"/>
+            <a:off x="4863951" y="1680201"/>
+            <a:ext cx="4410051" cy="2367559"/>
           </a:xfrm>
         </p:spPr>
         <p:txBody>
@@ -12276,70 +13186,13 @@
           </a:bodyPr>
           <a:lstStyle/>
           <a:p>
+            <a:pPr algn="r"/>
             <a:r>
               <a:rPr lang="en-US" sz="5400"/>
               <a:t>Example 1 UML</a:t>
             </a:r>
           </a:p>
         </p:txBody>
-      </p:sp>
-      <p:sp>
-        <p:nvSpPr>
-          <p:cNvPr id="38" name="Isosceles Triangle 37">
-            <a:extLst>
-              <a:ext uri="{FF2B5EF4-FFF2-40B4-BE49-F238E27FC236}">
-                <a16:creationId xmlns:a16="http://schemas.microsoft.com/office/drawing/2014/main" id="{DC99427B-A97E-40A3-B1FD-4557346C6A91}"/>
-              </a:ext>
-              <a:ext uri="{C183D7F6-B498-43B3-948B-1728B52AA6E4}">
-                <adec:decorative xmlns:adec="http://schemas.microsoft.com/office/drawing/2017/decorative" val="1"/>
-              </a:ext>
-            </a:extLst>
-          </p:cNvPr>
-          <p:cNvSpPr>
-            <a:spLocks noGrp="1" noRot="1" noChangeAspect="1" noMove="1" noResize="1" noEditPoints="1" noAdjustHandles="1" noChangeArrowheads="1" noChangeShapeType="1" noTextEdit="1"/>
-          </p:cNvSpPr>
-          <p:nvPr>
-            <p:extLst>
-              <p:ext uri="{386F3935-93C4-4BCD-93E2-E3B085C9AB24}">
-                <p16:designElem xmlns:p16="http://schemas.microsoft.com/office/powerpoint/2015/main" val="1"/>
-              </p:ext>
-            </p:extLst>
-          </p:nvPr>
-        </p:nvSpPr>
-        <p:spPr>
-          <a:xfrm rot="10800000">
-            <a:off x="3174" y="12700"/>
-            <a:ext cx="842596" cy="5666154"/>
-          </a:xfrm>
-          <a:prstGeom prst="triangle">
-            <a:avLst>
-              <a:gd name="adj" fmla="val 100000"/>
-            </a:avLst>
-          </a:prstGeom>
-          <a:solidFill>
-            <a:schemeClr val="accent1">
-              <a:alpha val="85000"/>
-            </a:schemeClr>
-          </a:solidFill>
-          <a:ln>
-            <a:noFill/>
-          </a:ln>
-          <a:effectLst/>
-        </p:spPr>
-        <p:style>
-          <a:lnRef idx="1">
-            <a:schemeClr val="accent1"/>
-          </a:lnRef>
-          <a:fillRef idx="3">
-            <a:schemeClr val="accent1"/>
-          </a:fillRef>
-          <a:effectRef idx="2">
-            <a:schemeClr val="accent1"/>
-          </a:effectRef>
-          <a:fontRef idx="minor">
-            <a:schemeClr val="lt1"/>
-          </a:fontRef>
-        </p:style>
       </p:sp>
       <p:pic>
         <p:nvPicPr>
@@ -12359,13 +13212,13 @@
         </p:nvPicPr>
         <p:blipFill rotWithShape="1">
           <a:blip r:embed="rId3"/>
-          <a:srcRect l="3362" r="3361" b="-1"/>
+          <a:srcRect l="3363" r="3360" b="-1"/>
           <a:stretch/>
         </p:blipFill>
         <p:spPr>
           <a:xfrm>
-            <a:off x="907558" y="1265315"/>
-            <a:ext cx="3746737" cy="4335340"/>
+            <a:off x="888604" y="1265315"/>
+            <a:ext cx="3746710" cy="4335340"/>
           </a:xfrm>
           <a:prstGeom prst="rect">
             <a:avLst/>

--- a/Slides/Lesson1.4.pptx
+++ b/Slides/Lesson1.4.pptx
@@ -5,7 +5,7 @@
     <p:sldMasterId id="2147483648" r:id="rId1"/>
   </p:sldMasterIdLst>
   <p:notesMasterIdLst>
-    <p:notesMasterId r:id="rId16"/>
+    <p:notesMasterId r:id="rId18"/>
   </p:notesMasterIdLst>
   <p:sldIdLst>
     <p:sldId id="256" r:id="rId2"/>
@@ -22,6 +22,8 @@
     <p:sldId id="268" r:id="rId13"/>
     <p:sldId id="269" r:id="rId14"/>
     <p:sldId id="270" r:id="rId15"/>
+    <p:sldId id="271" r:id="rId16"/>
+    <p:sldId id="272" r:id="rId17"/>
   </p:sldIdLst>
   <p:sldSz cx="12192000" cy="6858000"/>
   <p:notesSz cx="6858000" cy="9144000"/>
@@ -2672,7 +2674,7 @@
           <a:p>
             <a:fld id="{E5E8C84B-D8A8-47B3-B318-2DA646335F2F}" type="datetimeFigureOut">
               <a:rPr lang="en-US" smtClean="0"/>
-              <a:t>4/17/2019</a:t>
+              <a:t>4/18/2019</a:t>
             </a:fld>
             <a:endParaRPr lang="en-US"/>
           </a:p>
@@ -3156,7 +3158,7 @@
           <a:p>
             <a:r>
               <a:rPr lang="en-US" dirty="0"/>
-              <a:t>Before doing Polymorphism, go to code examples for Encapsulation and Inheritance</a:t>
+              <a:t>Some languages can have multiple inheritance, but it is strongly discouraged.</a:t>
             </a:r>
           </a:p>
         </p:txBody>
@@ -3178,7 +3180,7 @@
           <a:p>
             <a:fld id="{4C397B2A-FCB2-4CFC-8D19-A7AE88AABFF9}" type="slidenum">
               <a:rPr lang="en-US" smtClean="0"/>
-              <a:t>7</a:t>
+              <a:t>6</a:t>
             </a:fld>
             <a:endParaRPr lang="en-US"/>
           </a:p>
@@ -3187,7 +3189,7 @@
     </p:spTree>
     <p:extLst>
       <p:ext uri="{BB962C8B-B14F-4D97-AF65-F5344CB8AC3E}">
-        <p14:creationId xmlns:p14="http://schemas.microsoft.com/office/powerpoint/2010/main" val="3874238815"/>
+        <p14:creationId xmlns:p14="http://schemas.microsoft.com/office/powerpoint/2010/main" val="4145193128"/>
       </p:ext>
     </p:extLst>
   </p:cSld>
@@ -3241,7 +3243,10 @@
           <a:bodyPr/>
           <a:lstStyle/>
           <a:p>
-            <a:endParaRPr lang="en-US" dirty="0"/>
+            <a:r>
+              <a:rPr lang="en-US" dirty="0"/>
+              <a:t>Before doing Polymorphism, go to code examples for Encapsulation and Inheritance</a:t>
+            </a:r>
           </a:p>
         </p:txBody>
       </p:sp>
@@ -3262,7 +3267,7 @@
           <a:p>
             <a:fld id="{4C397B2A-FCB2-4CFC-8D19-A7AE88AABFF9}" type="slidenum">
               <a:rPr lang="en-US" smtClean="0"/>
-              <a:t>8</a:t>
+              <a:t>7</a:t>
             </a:fld>
             <a:endParaRPr lang="en-US"/>
           </a:p>
@@ -3271,7 +3276,7 @@
     </p:spTree>
     <p:extLst>
       <p:ext uri="{BB962C8B-B14F-4D97-AF65-F5344CB8AC3E}">
-        <p14:creationId xmlns:p14="http://schemas.microsoft.com/office/powerpoint/2010/main" val="3872484453"/>
+        <p14:creationId xmlns:p14="http://schemas.microsoft.com/office/powerpoint/2010/main" val="3874238815"/>
       </p:ext>
     </p:extLst>
   </p:cSld>
@@ -3327,7 +3332,7 @@
           <a:p>
             <a:r>
               <a:rPr lang="en-US" dirty="0"/>
-              <a:t>Do example 3, and we are not done!</a:t>
+              <a:t>UML Stands for Unified Modeling Language</a:t>
             </a:r>
           </a:p>
         </p:txBody>
@@ -3349,7 +3354,7 @@
           <a:p>
             <a:fld id="{4C397B2A-FCB2-4CFC-8D19-A7AE88AABFF9}" type="slidenum">
               <a:rPr lang="en-US" smtClean="0"/>
-              <a:t>11</a:t>
+              <a:t>8</a:t>
             </a:fld>
             <a:endParaRPr lang="en-US"/>
           </a:p>
@@ -3358,7 +3363,7 @@
     </p:spTree>
     <p:extLst>
       <p:ext uri="{BB962C8B-B14F-4D97-AF65-F5344CB8AC3E}">
-        <p14:creationId xmlns:p14="http://schemas.microsoft.com/office/powerpoint/2010/main" val="4160293506"/>
+        <p14:creationId xmlns:p14="http://schemas.microsoft.com/office/powerpoint/2010/main" val="3872484453"/>
       </p:ext>
     </p:extLst>
   </p:cSld>
@@ -3414,7 +3419,7 @@
           <a:p>
             <a:r>
               <a:rPr lang="en-US" dirty="0"/>
-              <a:t>That last point is especially true in game development, where we will be using several abstract classes.</a:t>
+              <a:t>Do example 3, and we are not done! Mention Late Binding, when the compiler can’t tell from just the code itself which one to use, so it needs to go up the hierarchy at runtime.</a:t>
             </a:r>
           </a:p>
         </p:txBody>
@@ -3436,6 +3441,93 @@
           <a:p>
             <a:fld id="{4C397B2A-FCB2-4CFC-8D19-A7AE88AABFF9}" type="slidenum">
               <a:rPr lang="en-US" smtClean="0"/>
+              <a:t>11</a:t>
+            </a:fld>
+            <a:endParaRPr lang="en-US"/>
+          </a:p>
+        </p:txBody>
+      </p:sp>
+    </p:spTree>
+    <p:extLst>
+      <p:ext uri="{BB962C8B-B14F-4D97-AF65-F5344CB8AC3E}">
+        <p14:creationId xmlns:p14="http://schemas.microsoft.com/office/powerpoint/2010/main" val="4160293506"/>
+      </p:ext>
+    </p:extLst>
+  </p:cSld>
+  <p:clrMapOvr>
+    <a:masterClrMapping/>
+  </p:clrMapOvr>
+</p:notes>
+</file>
+
+<file path=ppt/notesSlides/notesSlide7.xml><?xml version="1.0" encoding="utf-8"?>
+<p:notes xmlns:a="http://schemas.openxmlformats.org/drawingml/2006/main" xmlns:r="http://schemas.openxmlformats.org/officeDocument/2006/relationships" xmlns:p="http://schemas.openxmlformats.org/presentationml/2006/main">
+  <p:cSld>
+    <p:spTree>
+      <p:nvGrpSpPr>
+        <p:cNvPr id="1" name=""/>
+        <p:cNvGrpSpPr/>
+        <p:nvPr/>
+      </p:nvGrpSpPr>
+      <p:grpSpPr>
+        <a:xfrm>
+          <a:off x="0" y="0"/>
+          <a:ext cx="0" cy="0"/>
+          <a:chOff x="0" y="0"/>
+          <a:chExt cx="0" cy="0"/>
+        </a:xfrm>
+      </p:grpSpPr>
+      <p:sp>
+        <p:nvSpPr>
+          <p:cNvPr id="2" name="Slide Image Placeholder 1"/>
+          <p:cNvSpPr>
+            <a:spLocks noGrp="1" noRot="1" noChangeAspect="1"/>
+          </p:cNvSpPr>
+          <p:nvPr>
+            <p:ph type="sldImg"/>
+          </p:nvPr>
+        </p:nvSpPr>
+        <p:spPr/>
+      </p:sp>
+      <p:sp>
+        <p:nvSpPr>
+          <p:cNvPr id="3" name="Notes Placeholder 2"/>
+          <p:cNvSpPr>
+            <a:spLocks noGrp="1"/>
+          </p:cNvSpPr>
+          <p:nvPr>
+            <p:ph type="body" idx="1"/>
+          </p:nvPr>
+        </p:nvSpPr>
+        <p:spPr/>
+        <p:txBody>
+          <a:bodyPr/>
+          <a:lstStyle/>
+          <a:p>
+            <a:r>
+              <a:rPr lang="en-US" dirty="0"/>
+              <a:t>That last point is especially true in game development, where we will be using several abstract classes.</a:t>
+            </a:r>
+          </a:p>
+        </p:txBody>
+      </p:sp>
+      <p:sp>
+        <p:nvSpPr>
+          <p:cNvPr id="4" name="Slide Number Placeholder 3"/>
+          <p:cNvSpPr>
+            <a:spLocks noGrp="1"/>
+          </p:cNvSpPr>
+          <p:nvPr>
+            <p:ph type="sldNum" sz="quarter" idx="5"/>
+          </p:nvPr>
+        </p:nvSpPr>
+        <p:spPr/>
+        <p:txBody>
+          <a:bodyPr/>
+          <a:lstStyle/>
+          <a:p>
+            <a:fld id="{4C397B2A-FCB2-4CFC-8D19-A7AE88AABFF9}" type="slidenum">
+              <a:rPr lang="en-US" smtClean="0"/>
               <a:t>12</a:t>
             </a:fld>
             <a:endParaRPr lang="en-US"/>
@@ -3446,6 +3538,101 @@
     <p:extLst>
       <p:ext uri="{BB962C8B-B14F-4D97-AF65-F5344CB8AC3E}">
         <p14:creationId xmlns:p14="http://schemas.microsoft.com/office/powerpoint/2010/main" val="2005506908"/>
+      </p:ext>
+    </p:extLst>
+  </p:cSld>
+  <p:clrMapOvr>
+    <a:masterClrMapping/>
+  </p:clrMapOvr>
+</p:notes>
+</file>
+
+<file path=ppt/notesSlides/notesSlide8.xml><?xml version="1.0" encoding="utf-8"?>
+<p:notes xmlns:a="http://schemas.openxmlformats.org/drawingml/2006/main" xmlns:r="http://schemas.openxmlformats.org/officeDocument/2006/relationships" xmlns:p="http://schemas.openxmlformats.org/presentationml/2006/main">
+  <p:cSld>
+    <p:spTree>
+      <p:nvGrpSpPr>
+        <p:cNvPr id="1" name=""/>
+        <p:cNvGrpSpPr/>
+        <p:nvPr/>
+      </p:nvGrpSpPr>
+      <p:grpSpPr>
+        <a:xfrm>
+          <a:off x="0" y="0"/>
+          <a:ext cx="0" cy="0"/>
+          <a:chOff x="0" y="0"/>
+          <a:chExt cx="0" cy="0"/>
+        </a:xfrm>
+      </p:grpSpPr>
+      <p:sp>
+        <p:nvSpPr>
+          <p:cNvPr id="2" name="Slide Image Placeholder 1"/>
+          <p:cNvSpPr>
+            <a:spLocks noGrp="1" noRot="1" noChangeAspect="1"/>
+          </p:cNvSpPr>
+          <p:nvPr>
+            <p:ph type="sldImg"/>
+          </p:nvPr>
+        </p:nvSpPr>
+        <p:spPr/>
+      </p:sp>
+      <p:sp>
+        <p:nvSpPr>
+          <p:cNvPr id="3" name="Notes Placeholder 2"/>
+          <p:cNvSpPr>
+            <a:spLocks noGrp="1"/>
+          </p:cNvSpPr>
+          <p:nvPr>
+            <p:ph type="body" idx="1"/>
+          </p:nvPr>
+        </p:nvSpPr>
+        <p:spPr/>
+        <p:txBody>
+          <a:bodyPr/>
+          <a:lstStyle/>
+          <a:p>
+            <a:r>
+              <a:rPr lang="en-US" dirty="0"/>
+              <a:t>In UML, </a:t>
+            </a:r>
+            <a:r>
+              <a:rPr lang="en-US" dirty="0" err="1"/>
+              <a:t>inerfaces</a:t>
+            </a:r>
+            <a:r>
+              <a:rPr lang="en-US" dirty="0"/>
+              <a:t> being implemented are shown with a dashed arrow.</a:t>
+            </a:r>
+          </a:p>
+        </p:txBody>
+      </p:sp>
+      <p:sp>
+        <p:nvSpPr>
+          <p:cNvPr id="4" name="Slide Number Placeholder 3"/>
+          <p:cNvSpPr>
+            <a:spLocks noGrp="1"/>
+          </p:cNvSpPr>
+          <p:nvPr>
+            <p:ph type="sldNum" sz="quarter" idx="5"/>
+          </p:nvPr>
+        </p:nvSpPr>
+        <p:spPr/>
+        <p:txBody>
+          <a:bodyPr/>
+          <a:lstStyle/>
+          <a:p>
+            <a:fld id="{4C397B2A-FCB2-4CFC-8D19-A7AE88AABFF9}" type="slidenum">
+              <a:rPr lang="en-US" smtClean="0"/>
+              <a:t>15</a:t>
+            </a:fld>
+            <a:endParaRPr lang="en-US"/>
+          </a:p>
+        </p:txBody>
+      </p:sp>
+    </p:spTree>
+    <p:extLst>
+      <p:ext uri="{BB962C8B-B14F-4D97-AF65-F5344CB8AC3E}">
+        <p14:creationId xmlns:p14="http://schemas.microsoft.com/office/powerpoint/2010/main" val="1130175469"/>
       </p:ext>
     </p:extLst>
   </p:cSld>
@@ -4201,7 +4388,7 @@
             <a:fld id="{B61BEF0D-F0BB-DE4B-95CE-6DB70DBA9567}" type="datetimeFigureOut">
               <a:rPr lang="en-US" dirty="0"/>
               <a:pPr/>
-              <a:t>4/17/2019</a:t>
+              <a:t>4/18/2019</a:t>
             </a:fld>
             <a:endParaRPr lang="en-US" dirty="0"/>
           </a:p>
@@ -4449,7 +4636,7 @@
             <a:fld id="{B61BEF0D-F0BB-DE4B-95CE-6DB70DBA9567}" type="datetimeFigureOut">
               <a:rPr lang="en-US" dirty="0"/>
               <a:pPr/>
-              <a:t>4/17/2019</a:t>
+              <a:t>4/18/2019</a:t>
             </a:fld>
             <a:endParaRPr lang="en-US" dirty="0"/>
           </a:p>
@@ -4760,7 +4947,7 @@
             <a:fld id="{B61BEF0D-F0BB-DE4B-95CE-6DB70DBA9567}" type="datetimeFigureOut">
               <a:rPr lang="en-US" dirty="0"/>
               <a:pPr/>
-              <a:t>4/17/2019</a:t>
+              <a:t>4/18/2019</a:t>
             </a:fld>
             <a:endParaRPr lang="en-US" dirty="0"/>
           </a:p>
@@ -5090,7 +5277,7 @@
             <a:fld id="{B61BEF0D-F0BB-DE4B-95CE-6DB70DBA9567}" type="datetimeFigureOut">
               <a:rPr lang="en-US" dirty="0"/>
               <a:pPr/>
-              <a:t>4/17/2019</a:t>
+              <a:t>4/18/2019</a:t>
             </a:fld>
             <a:endParaRPr lang="en-US" dirty="0"/>
           </a:p>
@@ -5401,7 +5588,7 @@
             <a:fld id="{B61BEF0D-F0BB-DE4B-95CE-6DB70DBA9567}" type="datetimeFigureOut">
               <a:rPr lang="en-US" dirty="0"/>
               <a:pPr/>
-              <a:t>4/17/2019</a:t>
+              <a:t>4/18/2019</a:t>
             </a:fld>
             <a:endParaRPr lang="en-US" dirty="0"/>
           </a:p>
@@ -5791,7 +5978,7 @@
             <a:fld id="{B61BEF0D-F0BB-DE4B-95CE-6DB70DBA9567}" type="datetimeFigureOut">
               <a:rPr lang="en-US" dirty="0"/>
               <a:pPr/>
-              <a:t>4/17/2019</a:t>
+              <a:t>4/18/2019</a:t>
             </a:fld>
             <a:endParaRPr lang="en-US" dirty="0"/>
           </a:p>
@@ -5957,7 +6144,7 @@
           <a:p>
             <a:fld id="{55C6B4A9-1611-4792-9094-5F34BCA07E0B}" type="datetimeFigureOut">
               <a:rPr lang="en-US" dirty="0"/>
-              <a:t>4/17/2019</a:t>
+              <a:t>4/18/2019</a:t>
             </a:fld>
             <a:endParaRPr lang="en-US" dirty="0"/>
           </a:p>
@@ -6133,7 +6320,7 @@
             <a:fld id="{B61BEF0D-F0BB-DE4B-95CE-6DB70DBA9567}" type="datetimeFigureOut">
               <a:rPr lang="en-US" dirty="0"/>
               <a:pPr/>
-              <a:t>4/17/2019</a:t>
+              <a:t>4/18/2019</a:t>
             </a:fld>
             <a:endParaRPr lang="en-US" dirty="0"/>
           </a:p>
@@ -6299,7 +6486,7 @@
           <a:p>
             <a:fld id="{42A54C80-263E-416B-A8E0-580EDEADCBDC}" type="datetimeFigureOut">
               <a:rPr lang="en-US" dirty="0"/>
-              <a:t>4/17/2019</a:t>
+              <a:t>4/18/2019</a:t>
             </a:fld>
             <a:endParaRPr lang="en-US" dirty="0"/>
           </a:p>
@@ -6542,7 +6729,7 @@
             <a:fld id="{B61BEF0D-F0BB-DE4B-95CE-6DB70DBA9567}" type="datetimeFigureOut">
               <a:rPr lang="en-US" dirty="0"/>
               <a:pPr/>
-              <a:t>4/17/2019</a:t>
+              <a:t>4/18/2019</a:t>
             </a:fld>
             <a:endParaRPr lang="en-US" dirty="0"/>
           </a:p>
@@ -6770,7 +6957,7 @@
           <a:p>
             <a:fld id="{42A54C80-263E-416B-A8E0-580EDEADCBDC}" type="datetimeFigureOut">
               <a:rPr lang="en-US" dirty="0"/>
-              <a:t>4/17/2019</a:t>
+              <a:t>4/18/2019</a:t>
             </a:fld>
             <a:endParaRPr lang="en-US" dirty="0"/>
           </a:p>
@@ -7140,7 +7327,7 @@
             <a:fld id="{B61BEF0D-F0BB-DE4B-95CE-6DB70DBA9567}" type="datetimeFigureOut">
               <a:rPr lang="en-US" dirty="0"/>
               <a:pPr/>
-              <a:t>4/17/2019</a:t>
+              <a:t>4/18/2019</a:t>
             </a:fld>
             <a:endParaRPr lang="en-US" dirty="0"/>
           </a:p>
@@ -7260,7 +7447,7 @@
             <a:fld id="{B61BEF0D-F0BB-DE4B-95CE-6DB70DBA9567}" type="datetimeFigureOut">
               <a:rPr lang="en-US" dirty="0"/>
               <a:pPr/>
-              <a:t>4/17/2019</a:t>
+              <a:t>4/18/2019</a:t>
             </a:fld>
             <a:endParaRPr lang="en-US" dirty="0"/>
           </a:p>
@@ -7352,7 +7539,7 @@
             <a:fld id="{B61BEF0D-F0BB-DE4B-95CE-6DB70DBA9567}" type="datetimeFigureOut">
               <a:rPr lang="en-US" dirty="0"/>
               <a:pPr/>
-              <a:t>4/17/2019</a:t>
+              <a:t>4/18/2019</a:t>
             </a:fld>
             <a:endParaRPr lang="en-US" dirty="0"/>
           </a:p>
@@ -7603,7 +7790,7 @@
           <a:p>
             <a:fld id="{42A54C80-263E-416B-A8E0-580EDEADCBDC}" type="datetimeFigureOut">
               <a:rPr lang="en-US" dirty="0"/>
-              <a:t>4/17/2019</a:t>
+              <a:t>4/18/2019</a:t>
             </a:fld>
             <a:endParaRPr lang="en-US" dirty="0"/>
           </a:p>
@@ -7905,7 +8092,7 @@
             <a:fld id="{B61BEF0D-F0BB-DE4B-95CE-6DB70DBA9567}" type="datetimeFigureOut">
               <a:rPr lang="en-US" dirty="0"/>
               <a:pPr/>
-              <a:t>4/17/2019</a:t>
+              <a:t>4/18/2019</a:t>
             </a:fld>
             <a:endParaRPr lang="en-US" dirty="0"/>
           </a:p>
@@ -8603,7 +8790,7 @@
             <a:fld id="{B61BEF0D-F0BB-DE4B-95CE-6DB70DBA9567}" type="datetimeFigureOut">
               <a:rPr lang="en-US" dirty="0"/>
               <a:pPr/>
-              <a:t>4/17/2019</a:t>
+              <a:t>4/18/2019</a:t>
             </a:fld>
             <a:endParaRPr lang="en-US" dirty="0"/>
           </a:p>
@@ -10587,10 +10774,97 @@
         </p:nvSpPr>
         <p:spPr/>
         <p:txBody>
-          <a:bodyPr/>
+          <a:bodyPr>
+            <a:normAutofit fontScale="85000" lnSpcReduction="20000"/>
+          </a:bodyPr>
           <a:lstStyle/>
           <a:p>
-            <a:endParaRPr lang="en-US"/>
+            <a:r>
+              <a:rPr lang="en-US" dirty="0"/>
+              <a:t>An </a:t>
+            </a:r>
+            <a:r>
+              <a:rPr lang="en-US" b="1" u="sng" dirty="0"/>
+              <a:t>Interface</a:t>
+            </a:r>
+            <a:r>
+              <a:rPr lang="en-US" b="1" dirty="0"/>
+              <a:t> </a:t>
+            </a:r>
+            <a:r>
+              <a:rPr lang="en-US" dirty="0"/>
+              <a:t>is a definition for some of the behavior of an object.</a:t>
+            </a:r>
+          </a:p>
+          <a:p>
+            <a:r>
+              <a:rPr lang="en-US" dirty="0"/>
+              <a:t>Like an abstract class, no instance is created of an interface directly.</a:t>
+            </a:r>
+          </a:p>
+          <a:p>
+            <a:r>
+              <a:rPr lang="en-US" dirty="0"/>
+              <a:t>However, an interface does not carry any state, and cannot have any implementations for behavior, unlike an abstract class.</a:t>
+            </a:r>
+          </a:p>
+          <a:p>
+            <a:r>
+              <a:rPr lang="en-US" dirty="0"/>
+              <a:t>An interface does not define an object, it is merely a set of methods that need to be </a:t>
+            </a:r>
+            <a:r>
+              <a:rPr lang="en-US" i="1" dirty="0"/>
+              <a:t>implemented</a:t>
+            </a:r>
+            <a:r>
+              <a:rPr lang="en-US" dirty="0"/>
+              <a:t> in a class.</a:t>
+            </a:r>
+          </a:p>
+          <a:p>
+            <a:r>
+              <a:rPr lang="en-US" dirty="0"/>
+              <a:t>A class does not extend an interface, a class </a:t>
+            </a:r>
+            <a:r>
+              <a:rPr lang="en-US" b="1" u="sng" dirty="0"/>
+              <a:t>implements</a:t>
+            </a:r>
+            <a:r>
+              <a:rPr lang="en-US" dirty="0"/>
+              <a:t> an interface. </a:t>
+            </a:r>
+          </a:p>
+          <a:p>
+            <a:r>
+              <a:rPr lang="en-US" dirty="0"/>
+              <a:t>Like abstract class, an implementation for all methods in an interface must be found in a concrete class. </a:t>
+            </a:r>
+          </a:p>
+          <a:p>
+            <a:r>
+              <a:rPr lang="en-US" dirty="0"/>
+              <a:t>Classes that define completely unlike objects may implement the same interface.</a:t>
+            </a:r>
+          </a:p>
+          <a:p>
+            <a:r>
+              <a:rPr lang="en-US" dirty="0"/>
+              <a:t>Classes can implement zero or many interfaces.</a:t>
+            </a:r>
+          </a:p>
+          <a:p>
+            <a:r>
+              <a:rPr lang="en-US" dirty="0"/>
+              <a:t>Interfaces can extend other interfaces.</a:t>
+            </a:r>
+          </a:p>
+          <a:p>
+            <a:r>
+              <a:rPr lang="en-US" dirty="0"/>
+              <a:t>Interfaces can extend multiple interfaces, unlike classes.</a:t>
+            </a:r>
           </a:p>
         </p:txBody>
       </p:sp>
@@ -10598,6 +10872,1772 @@
     <p:extLst>
       <p:ext uri="{BB962C8B-B14F-4D97-AF65-F5344CB8AC3E}">
         <p14:creationId xmlns:p14="http://schemas.microsoft.com/office/powerpoint/2010/main" val="986304680"/>
+      </p:ext>
+    </p:extLst>
+  </p:cSld>
+  <p:clrMapOvr>
+    <a:masterClrMapping/>
+  </p:clrMapOvr>
+</p:sld>
+</file>
+
+<file path=ppt/slides/slide15.xml><?xml version="1.0" encoding="utf-8"?>
+<p:sld xmlns:a="http://schemas.openxmlformats.org/drawingml/2006/main" xmlns:r="http://schemas.openxmlformats.org/officeDocument/2006/relationships" xmlns:p="http://schemas.openxmlformats.org/presentationml/2006/main">
+  <p:cSld>
+    <p:bg>
+      <p:bgPr>
+        <a:solidFill>
+          <a:schemeClr val="bg1"/>
+        </a:solidFill>
+        <a:effectLst/>
+      </p:bgPr>
+    </p:bg>
+    <p:spTree>
+      <p:nvGrpSpPr>
+        <p:cNvPr id="1" name=""/>
+        <p:cNvGrpSpPr/>
+        <p:nvPr/>
+      </p:nvGrpSpPr>
+      <p:grpSpPr>
+        <a:xfrm>
+          <a:off x="0" y="0"/>
+          <a:ext cx="0" cy="0"/>
+          <a:chOff x="0" y="0"/>
+          <a:chExt cx="0" cy="0"/>
+        </a:xfrm>
+      </p:grpSpPr>
+      <p:grpSp>
+        <p:nvGrpSpPr>
+          <p:cNvPr id="10" name="Group 9">
+            <a:extLst>
+              <a:ext uri="{FF2B5EF4-FFF2-40B4-BE49-F238E27FC236}">
+                <a16:creationId xmlns:a16="http://schemas.microsoft.com/office/drawing/2014/main" id="{4815A7B4-532E-48C9-AC24-D78ACF3339DB}"/>
+              </a:ext>
+              <a:ext uri="{C183D7F6-B498-43B3-948B-1728B52AA6E4}">
+                <adec:decorative xmlns:adec="http://schemas.microsoft.com/office/drawing/2017/decorative" val="1"/>
+              </a:ext>
+            </a:extLst>
+          </p:cNvPr>
+          <p:cNvGrpSpPr>
+            <a:grpSpLocks noGrp="1" noUngrp="1" noRot="1" noChangeAspect="1" noMove="1" noResize="1"/>
+          </p:cNvGrpSpPr>
+          <p:nvPr>
+            <p:extLst>
+              <p:ext uri="{386F3935-93C4-4BCD-93E2-E3B085C9AB24}">
+                <p16:designElem xmlns:p16="http://schemas.microsoft.com/office/powerpoint/2015/main" val="1"/>
+              </p:ext>
+            </p:extLst>
+          </p:nvPr>
+        </p:nvGrpSpPr>
+        <p:grpSpPr>
+          <a:xfrm>
+            <a:off x="0" y="-8467"/>
+            <a:ext cx="12192000" cy="6866467"/>
+            <a:chOff x="0" y="-8467"/>
+            <a:chExt cx="12192000" cy="6866467"/>
+          </a:xfrm>
+        </p:grpSpPr>
+        <p:sp>
+          <p:nvSpPr>
+            <p:cNvPr id="11" name="Freeform 14">
+              <a:extLst>
+                <a:ext uri="{FF2B5EF4-FFF2-40B4-BE49-F238E27FC236}">
+                  <a16:creationId xmlns:a16="http://schemas.microsoft.com/office/drawing/2014/main" id="{D40109F4-CE5C-45F4-856E-F3F69C9FD4E1}"/>
+                </a:ext>
+                <a:ext uri="{C183D7F6-B498-43B3-948B-1728B52AA6E4}">
+                  <adec:decorative xmlns:adec="http://schemas.microsoft.com/office/drawing/2017/decorative" val="1"/>
+                </a:ext>
+              </a:extLst>
+            </p:cNvPr>
+            <p:cNvSpPr/>
+            <p:nvPr>
+              <p:extLst>
+                <p:ext uri="{386F3935-93C4-4BCD-93E2-E3B085C9AB24}">
+                  <p16:designElem xmlns:p16="http://schemas.microsoft.com/office/powerpoint/2015/main" val="1"/>
+                </p:ext>
+              </p:extLst>
+            </p:nvPr>
+          </p:nvSpPr>
+          <p:spPr>
+            <a:xfrm>
+              <a:off x="0" y="-7862"/>
+              <a:ext cx="863600" cy="5698067"/>
+            </a:xfrm>
+            <a:custGeom>
+              <a:avLst/>
+              <a:gdLst/>
+              <a:ahLst/>
+              <a:cxnLst/>
+              <a:rect l="l" t="t" r="r" b="b"/>
+              <a:pathLst>
+                <a:path w="863600" h="5698067">
+                  <a:moveTo>
+                    <a:pt x="0" y="8467"/>
+                  </a:moveTo>
+                  <a:lnTo>
+                    <a:pt x="863600" y="0"/>
+                  </a:lnTo>
+                  <a:lnTo>
+                    <a:pt x="863600" y="16934"/>
+                  </a:lnTo>
+                  <a:lnTo>
+                    <a:pt x="0" y="5698067"/>
+                  </a:lnTo>
+                  <a:lnTo>
+                    <a:pt x="0" y="8467"/>
+                  </a:lnTo>
+                  <a:close/>
+                </a:path>
+              </a:pathLst>
+            </a:custGeom>
+            <a:solidFill>
+              <a:schemeClr val="accent1">
+                <a:alpha val="70000"/>
+              </a:schemeClr>
+            </a:solidFill>
+            <a:ln>
+              <a:noFill/>
+            </a:ln>
+            <a:effectLst/>
+          </p:spPr>
+          <p:style>
+            <a:lnRef idx="1">
+              <a:schemeClr val="accent1"/>
+            </a:lnRef>
+            <a:fillRef idx="3">
+              <a:schemeClr val="accent1"/>
+            </a:fillRef>
+            <a:effectRef idx="2">
+              <a:schemeClr val="accent1"/>
+            </a:effectRef>
+            <a:fontRef idx="minor">
+              <a:schemeClr val="lt1"/>
+            </a:fontRef>
+          </p:style>
+        </p:sp>
+        <p:cxnSp>
+          <p:nvCxnSpPr>
+            <p:cNvPr id="12" name="Straight Connector 11">
+              <a:extLst>
+                <a:ext uri="{FF2B5EF4-FFF2-40B4-BE49-F238E27FC236}">
+                  <a16:creationId xmlns:a16="http://schemas.microsoft.com/office/drawing/2014/main" id="{3CBAA4DE-3D7B-460B-AE98-D9F9990C0B62}"/>
+                </a:ext>
+                <a:ext uri="{C183D7F6-B498-43B3-948B-1728B52AA6E4}">
+                  <adec:decorative xmlns:adec="http://schemas.microsoft.com/office/drawing/2017/decorative" val="1"/>
+                </a:ext>
+              </a:extLst>
+            </p:cNvPr>
+            <p:cNvCxnSpPr/>
+            <p:nvPr>
+              <p:extLst>
+                <p:ext uri="{386F3935-93C4-4BCD-93E2-E3B085C9AB24}">
+                  <p16:designElem xmlns:p16="http://schemas.microsoft.com/office/powerpoint/2015/main" val="1"/>
+                </p:ext>
+              </p:extLst>
+            </p:nvPr>
+          </p:nvCxnSpPr>
+          <p:spPr>
+            <a:xfrm>
+              <a:off x="9371012" y="0"/>
+              <a:ext cx="1219200" cy="6858000"/>
+            </a:xfrm>
+            <a:prstGeom prst="line">
+              <a:avLst/>
+            </a:prstGeom>
+            <a:ln w="9525">
+              <a:solidFill>
+                <a:schemeClr val="accent1">
+                  <a:alpha val="70000"/>
+                </a:schemeClr>
+              </a:solidFill>
+            </a:ln>
+          </p:spPr>
+          <p:style>
+            <a:lnRef idx="2">
+              <a:schemeClr val="accent1"/>
+            </a:lnRef>
+            <a:fillRef idx="0">
+              <a:schemeClr val="accent1"/>
+            </a:fillRef>
+            <a:effectRef idx="1">
+              <a:schemeClr val="accent1"/>
+            </a:effectRef>
+            <a:fontRef idx="minor">
+              <a:schemeClr val="tx1"/>
+            </a:fontRef>
+          </p:style>
+        </p:cxnSp>
+        <p:cxnSp>
+          <p:nvCxnSpPr>
+            <p:cNvPr id="13" name="Straight Connector 12">
+              <a:extLst>
+                <a:ext uri="{FF2B5EF4-FFF2-40B4-BE49-F238E27FC236}">
+                  <a16:creationId xmlns:a16="http://schemas.microsoft.com/office/drawing/2014/main" id="{7BF1ED3E-4F80-4AF6-A41B-44F53DDE610D}"/>
+                </a:ext>
+                <a:ext uri="{C183D7F6-B498-43B3-948B-1728B52AA6E4}">
+                  <adec:decorative xmlns:adec="http://schemas.microsoft.com/office/drawing/2017/decorative" val="1"/>
+                </a:ext>
+              </a:extLst>
+            </p:cNvPr>
+            <p:cNvCxnSpPr/>
+            <p:nvPr>
+              <p:extLst>
+                <p:ext uri="{386F3935-93C4-4BCD-93E2-E3B085C9AB24}">
+                  <p16:designElem xmlns:p16="http://schemas.microsoft.com/office/powerpoint/2015/main" val="1"/>
+                </p:ext>
+              </p:extLst>
+            </p:nvPr>
+          </p:nvCxnSpPr>
+          <p:spPr>
+            <a:xfrm flipH="1">
+              <a:off x="7425267" y="3681413"/>
+              <a:ext cx="4763558" cy="3176587"/>
+            </a:xfrm>
+            <a:prstGeom prst="line">
+              <a:avLst/>
+            </a:prstGeom>
+            <a:ln w="9525">
+              <a:solidFill>
+                <a:schemeClr val="accent1">
+                  <a:alpha val="70000"/>
+                </a:schemeClr>
+              </a:solidFill>
+            </a:ln>
+          </p:spPr>
+          <p:style>
+            <a:lnRef idx="2">
+              <a:schemeClr val="accent1"/>
+            </a:lnRef>
+            <a:fillRef idx="0">
+              <a:schemeClr val="accent1"/>
+            </a:fillRef>
+            <a:effectRef idx="1">
+              <a:schemeClr val="accent1"/>
+            </a:effectRef>
+            <a:fontRef idx="minor">
+              <a:schemeClr val="tx1"/>
+            </a:fontRef>
+          </p:style>
+        </p:cxnSp>
+        <p:sp>
+          <p:nvSpPr>
+            <p:cNvPr id="14" name="Rectangle 23">
+              <a:extLst>
+                <a:ext uri="{FF2B5EF4-FFF2-40B4-BE49-F238E27FC236}">
+                  <a16:creationId xmlns:a16="http://schemas.microsoft.com/office/drawing/2014/main" id="{C0B2D747-3E31-45C5-9A98-A9710A585FBB}"/>
+                </a:ext>
+                <a:ext uri="{C183D7F6-B498-43B3-948B-1728B52AA6E4}">
+                  <adec:decorative xmlns:adec="http://schemas.microsoft.com/office/drawing/2017/decorative" val="1"/>
+                </a:ext>
+              </a:extLst>
+            </p:cNvPr>
+            <p:cNvSpPr/>
+            <p:nvPr>
+              <p:extLst>
+                <p:ext uri="{386F3935-93C4-4BCD-93E2-E3B085C9AB24}">
+                  <p16:designElem xmlns:p16="http://schemas.microsoft.com/office/powerpoint/2015/main" val="1"/>
+                </p:ext>
+              </p:extLst>
+            </p:nvPr>
+          </p:nvSpPr>
+          <p:spPr>
+            <a:xfrm>
+              <a:off x="9181476" y="-8467"/>
+              <a:ext cx="3007349" cy="6866467"/>
+            </a:xfrm>
+            <a:custGeom>
+              <a:avLst/>
+              <a:gdLst/>
+              <a:ahLst/>
+              <a:cxnLst/>
+              <a:rect l="l" t="t" r="r" b="b"/>
+              <a:pathLst>
+                <a:path w="3007349" h="6866467">
+                  <a:moveTo>
+                    <a:pt x="2045532" y="0"/>
+                  </a:moveTo>
+                  <a:lnTo>
+                    <a:pt x="3007349" y="0"/>
+                  </a:lnTo>
+                  <a:lnTo>
+                    <a:pt x="3007349" y="6866467"/>
+                  </a:lnTo>
+                  <a:lnTo>
+                    <a:pt x="0" y="6866467"/>
+                  </a:lnTo>
+                  <a:lnTo>
+                    <a:pt x="2045532" y="0"/>
+                  </a:lnTo>
+                  <a:close/>
+                </a:path>
+              </a:pathLst>
+            </a:custGeom>
+            <a:solidFill>
+              <a:schemeClr val="accent1">
+                <a:alpha val="36000"/>
+              </a:schemeClr>
+            </a:solidFill>
+            <a:ln>
+              <a:noFill/>
+            </a:ln>
+            <a:effectLst/>
+          </p:spPr>
+          <p:style>
+            <a:lnRef idx="1">
+              <a:schemeClr val="accent1"/>
+            </a:lnRef>
+            <a:fillRef idx="3">
+              <a:schemeClr val="accent1"/>
+            </a:fillRef>
+            <a:effectRef idx="2">
+              <a:schemeClr val="accent1"/>
+            </a:effectRef>
+            <a:fontRef idx="minor">
+              <a:schemeClr val="lt1"/>
+            </a:fontRef>
+          </p:style>
+        </p:sp>
+        <p:sp>
+          <p:nvSpPr>
+            <p:cNvPr id="15" name="Rectangle 25">
+              <a:extLst>
+                <a:ext uri="{FF2B5EF4-FFF2-40B4-BE49-F238E27FC236}">
+                  <a16:creationId xmlns:a16="http://schemas.microsoft.com/office/drawing/2014/main" id="{A15FD4BA-3020-462D-8BE8-B3A65B8E492A}"/>
+                </a:ext>
+                <a:ext uri="{C183D7F6-B498-43B3-948B-1728B52AA6E4}">
+                  <adec:decorative xmlns:adec="http://schemas.microsoft.com/office/drawing/2017/decorative" val="1"/>
+                </a:ext>
+              </a:extLst>
+            </p:cNvPr>
+            <p:cNvSpPr/>
+            <p:nvPr>
+              <p:extLst>
+                <p:ext uri="{386F3935-93C4-4BCD-93E2-E3B085C9AB24}">
+                  <p16:designElem xmlns:p16="http://schemas.microsoft.com/office/powerpoint/2015/main" val="1"/>
+                </p:ext>
+              </p:extLst>
+            </p:nvPr>
+          </p:nvSpPr>
+          <p:spPr>
+            <a:xfrm>
+              <a:off x="9603442" y="-8467"/>
+              <a:ext cx="2588558" cy="6866467"/>
+            </a:xfrm>
+            <a:custGeom>
+              <a:avLst/>
+              <a:gdLst/>
+              <a:ahLst/>
+              <a:cxnLst/>
+              <a:rect l="l" t="t" r="r" b="b"/>
+              <a:pathLst>
+                <a:path w="2573311" h="6866467">
+                  <a:moveTo>
+                    <a:pt x="0" y="0"/>
+                  </a:moveTo>
+                  <a:lnTo>
+                    <a:pt x="2573311" y="0"/>
+                  </a:lnTo>
+                  <a:lnTo>
+                    <a:pt x="2573311" y="6866467"/>
+                  </a:lnTo>
+                  <a:lnTo>
+                    <a:pt x="1202336" y="6866467"/>
+                  </a:lnTo>
+                  <a:lnTo>
+                    <a:pt x="0" y="0"/>
+                  </a:lnTo>
+                  <a:close/>
+                </a:path>
+              </a:pathLst>
+            </a:custGeom>
+            <a:solidFill>
+              <a:schemeClr val="accent1">
+                <a:alpha val="20000"/>
+              </a:schemeClr>
+            </a:solidFill>
+            <a:ln>
+              <a:noFill/>
+            </a:ln>
+            <a:effectLst/>
+          </p:spPr>
+          <p:style>
+            <a:lnRef idx="1">
+              <a:schemeClr val="accent1"/>
+            </a:lnRef>
+            <a:fillRef idx="3">
+              <a:schemeClr val="accent1"/>
+            </a:fillRef>
+            <a:effectRef idx="2">
+              <a:schemeClr val="accent1"/>
+            </a:effectRef>
+            <a:fontRef idx="minor">
+              <a:schemeClr val="lt1"/>
+            </a:fontRef>
+          </p:style>
+        </p:sp>
+        <p:sp>
+          <p:nvSpPr>
+            <p:cNvPr id="16" name="Isosceles Triangle 15">
+              <a:extLst>
+                <a:ext uri="{FF2B5EF4-FFF2-40B4-BE49-F238E27FC236}">
+                  <a16:creationId xmlns:a16="http://schemas.microsoft.com/office/drawing/2014/main" id="{A304284A-7318-4DD5-898C-2F6B23C778FA}"/>
+                </a:ext>
+                <a:ext uri="{C183D7F6-B498-43B3-948B-1728B52AA6E4}">
+                  <adec:decorative xmlns:adec="http://schemas.microsoft.com/office/drawing/2017/decorative" val="1"/>
+                </a:ext>
+              </a:extLst>
+            </p:cNvPr>
+            <p:cNvSpPr/>
+            <p:nvPr>
+              <p:extLst>
+                <p:ext uri="{386F3935-93C4-4BCD-93E2-E3B085C9AB24}">
+                  <p16:designElem xmlns:p16="http://schemas.microsoft.com/office/powerpoint/2015/main" val="1"/>
+                </p:ext>
+              </p:extLst>
+            </p:nvPr>
+          </p:nvSpPr>
+          <p:spPr>
+            <a:xfrm>
+              <a:off x="8932333" y="3048000"/>
+              <a:ext cx="3259667" cy="3810000"/>
+            </a:xfrm>
+            <a:prstGeom prst="triangle">
+              <a:avLst>
+                <a:gd name="adj" fmla="val 100000"/>
+              </a:avLst>
+            </a:prstGeom>
+            <a:solidFill>
+              <a:schemeClr val="accent1">
+                <a:lumMod val="75000"/>
+                <a:alpha val="66000"/>
+              </a:schemeClr>
+            </a:solidFill>
+            <a:ln>
+              <a:noFill/>
+            </a:ln>
+            <a:effectLst/>
+          </p:spPr>
+          <p:style>
+            <a:lnRef idx="1">
+              <a:schemeClr val="accent1"/>
+            </a:lnRef>
+            <a:fillRef idx="3">
+              <a:schemeClr val="accent1"/>
+            </a:fillRef>
+            <a:effectRef idx="2">
+              <a:schemeClr val="accent1"/>
+            </a:effectRef>
+            <a:fontRef idx="minor">
+              <a:schemeClr val="lt1"/>
+            </a:fontRef>
+          </p:style>
+        </p:sp>
+        <p:sp>
+          <p:nvSpPr>
+            <p:cNvPr id="17" name="Rectangle 27">
+              <a:extLst>
+                <a:ext uri="{FF2B5EF4-FFF2-40B4-BE49-F238E27FC236}">
+                  <a16:creationId xmlns:a16="http://schemas.microsoft.com/office/drawing/2014/main" id="{9DF48E66-B635-4509-B115-E0987C014EBC}"/>
+                </a:ext>
+                <a:ext uri="{C183D7F6-B498-43B3-948B-1728B52AA6E4}">
+                  <adec:decorative xmlns:adec="http://schemas.microsoft.com/office/drawing/2017/decorative" val="1"/>
+                </a:ext>
+              </a:extLst>
+            </p:cNvPr>
+            <p:cNvSpPr/>
+            <p:nvPr>
+              <p:extLst>
+                <p:ext uri="{386F3935-93C4-4BCD-93E2-E3B085C9AB24}">
+                  <p16:designElem xmlns:p16="http://schemas.microsoft.com/office/powerpoint/2015/main" val="1"/>
+                </p:ext>
+              </p:extLst>
+            </p:nvPr>
+          </p:nvSpPr>
+          <p:spPr>
+            <a:xfrm>
+              <a:off x="9334500" y="-8467"/>
+              <a:ext cx="2854326" cy="6866467"/>
+            </a:xfrm>
+            <a:custGeom>
+              <a:avLst/>
+              <a:gdLst/>
+              <a:ahLst/>
+              <a:cxnLst/>
+              <a:rect l="l" t="t" r="r" b="b"/>
+              <a:pathLst>
+                <a:path w="2858013" h="6866467">
+                  <a:moveTo>
+                    <a:pt x="0" y="0"/>
+                  </a:moveTo>
+                  <a:lnTo>
+                    <a:pt x="2858013" y="0"/>
+                  </a:lnTo>
+                  <a:lnTo>
+                    <a:pt x="2858013" y="6866467"/>
+                  </a:lnTo>
+                  <a:lnTo>
+                    <a:pt x="2473942" y="6866467"/>
+                  </a:lnTo>
+                  <a:lnTo>
+                    <a:pt x="0" y="0"/>
+                  </a:lnTo>
+                  <a:close/>
+                </a:path>
+              </a:pathLst>
+            </a:custGeom>
+            <a:solidFill>
+              <a:schemeClr val="accent1">
+                <a:lumMod val="75000"/>
+                <a:alpha val="50000"/>
+              </a:schemeClr>
+            </a:solidFill>
+            <a:ln>
+              <a:noFill/>
+            </a:ln>
+            <a:effectLst/>
+          </p:spPr>
+          <p:style>
+            <a:lnRef idx="1">
+              <a:schemeClr val="accent1"/>
+            </a:lnRef>
+            <a:fillRef idx="3">
+              <a:schemeClr val="accent1"/>
+            </a:fillRef>
+            <a:effectRef idx="2">
+              <a:schemeClr val="accent1"/>
+            </a:effectRef>
+            <a:fontRef idx="minor">
+              <a:schemeClr val="lt1"/>
+            </a:fontRef>
+          </p:style>
+        </p:sp>
+        <p:sp>
+          <p:nvSpPr>
+            <p:cNvPr id="18" name="Rectangle 28">
+              <a:extLst>
+                <a:ext uri="{FF2B5EF4-FFF2-40B4-BE49-F238E27FC236}">
+                  <a16:creationId xmlns:a16="http://schemas.microsoft.com/office/drawing/2014/main" id="{E3B96D94-5F5A-4F4C-810C-917BF4D266C3}"/>
+                </a:ext>
+                <a:ext uri="{C183D7F6-B498-43B3-948B-1728B52AA6E4}">
+                  <adec:decorative xmlns:adec="http://schemas.microsoft.com/office/drawing/2017/decorative" val="1"/>
+                </a:ext>
+              </a:extLst>
+            </p:cNvPr>
+            <p:cNvSpPr/>
+            <p:nvPr>
+              <p:extLst>
+                <p:ext uri="{386F3935-93C4-4BCD-93E2-E3B085C9AB24}">
+                  <p16:designElem xmlns:p16="http://schemas.microsoft.com/office/powerpoint/2015/main" val="1"/>
+                </p:ext>
+              </p:extLst>
+            </p:nvPr>
+          </p:nvSpPr>
+          <p:spPr>
+            <a:xfrm>
+              <a:off x="10898730" y="-8467"/>
+              <a:ext cx="1290094" cy="6866467"/>
+            </a:xfrm>
+            <a:custGeom>
+              <a:avLst/>
+              <a:gdLst/>
+              <a:ahLst/>
+              <a:cxnLst/>
+              <a:rect l="l" t="t" r="r" b="b"/>
+              <a:pathLst>
+                <a:path w="1290094" h="6858000">
+                  <a:moveTo>
+                    <a:pt x="1019735" y="0"/>
+                  </a:moveTo>
+                  <a:lnTo>
+                    <a:pt x="1290094" y="0"/>
+                  </a:lnTo>
+                  <a:lnTo>
+                    <a:pt x="1290094" y="6858000"/>
+                  </a:lnTo>
+                  <a:lnTo>
+                    <a:pt x="0" y="6858000"/>
+                  </a:lnTo>
+                  <a:lnTo>
+                    <a:pt x="1019735" y="0"/>
+                  </a:lnTo>
+                  <a:close/>
+                </a:path>
+              </a:pathLst>
+            </a:custGeom>
+            <a:solidFill>
+              <a:schemeClr val="accent2">
+                <a:alpha val="70000"/>
+              </a:schemeClr>
+            </a:solidFill>
+            <a:ln>
+              <a:noFill/>
+            </a:ln>
+            <a:effectLst/>
+          </p:spPr>
+          <p:style>
+            <a:lnRef idx="1">
+              <a:schemeClr val="accent1"/>
+            </a:lnRef>
+            <a:fillRef idx="3">
+              <a:schemeClr val="accent1"/>
+            </a:fillRef>
+            <a:effectRef idx="2">
+              <a:schemeClr val="accent1"/>
+            </a:effectRef>
+            <a:fontRef idx="minor">
+              <a:schemeClr val="lt1"/>
+            </a:fontRef>
+          </p:style>
+        </p:sp>
+        <p:sp>
+          <p:nvSpPr>
+            <p:cNvPr id="19" name="Rectangle 29">
+              <a:extLst>
+                <a:ext uri="{FF2B5EF4-FFF2-40B4-BE49-F238E27FC236}">
+                  <a16:creationId xmlns:a16="http://schemas.microsoft.com/office/drawing/2014/main" id="{7F3782D6-BFF8-4389-9D39-A023ADAA92C1}"/>
+                </a:ext>
+                <a:ext uri="{C183D7F6-B498-43B3-948B-1728B52AA6E4}">
+                  <adec:decorative xmlns:adec="http://schemas.microsoft.com/office/drawing/2017/decorative" val="1"/>
+                </a:ext>
+              </a:extLst>
+            </p:cNvPr>
+            <p:cNvSpPr/>
+            <p:nvPr>
+              <p:extLst>
+                <p:ext uri="{386F3935-93C4-4BCD-93E2-E3B085C9AB24}">
+                  <p16:designElem xmlns:p16="http://schemas.microsoft.com/office/powerpoint/2015/main" val="1"/>
+                </p:ext>
+              </p:extLst>
+            </p:nvPr>
+          </p:nvSpPr>
+          <p:spPr>
+            <a:xfrm>
+              <a:off x="10938999" y="-8467"/>
+              <a:ext cx="1249825" cy="6866467"/>
+            </a:xfrm>
+            <a:custGeom>
+              <a:avLst/>
+              <a:gdLst/>
+              <a:ahLst/>
+              <a:cxnLst/>
+              <a:rect l="l" t="t" r="r" b="b"/>
+              <a:pathLst>
+                <a:path w="1249825" h="6858000">
+                  <a:moveTo>
+                    <a:pt x="0" y="0"/>
+                  </a:moveTo>
+                  <a:lnTo>
+                    <a:pt x="1249825" y="0"/>
+                  </a:lnTo>
+                  <a:lnTo>
+                    <a:pt x="1249825" y="6858000"/>
+                  </a:lnTo>
+                  <a:lnTo>
+                    <a:pt x="1109382" y="6858000"/>
+                  </a:lnTo>
+                  <a:lnTo>
+                    <a:pt x="0" y="0"/>
+                  </a:lnTo>
+                  <a:close/>
+                </a:path>
+              </a:pathLst>
+            </a:custGeom>
+            <a:solidFill>
+              <a:schemeClr val="accent2">
+                <a:lumMod val="75000"/>
+                <a:alpha val="80000"/>
+              </a:schemeClr>
+            </a:solidFill>
+            <a:ln>
+              <a:noFill/>
+            </a:ln>
+            <a:effectLst/>
+          </p:spPr>
+          <p:style>
+            <a:lnRef idx="1">
+              <a:schemeClr val="accent1"/>
+            </a:lnRef>
+            <a:fillRef idx="3">
+              <a:schemeClr val="accent1"/>
+            </a:fillRef>
+            <a:effectRef idx="2">
+              <a:schemeClr val="accent1"/>
+            </a:effectRef>
+            <a:fontRef idx="minor">
+              <a:schemeClr val="lt1"/>
+            </a:fontRef>
+          </p:style>
+        </p:sp>
+        <p:sp>
+          <p:nvSpPr>
+            <p:cNvPr id="20" name="Isosceles Triangle 19">
+              <a:extLst>
+                <a:ext uri="{FF2B5EF4-FFF2-40B4-BE49-F238E27FC236}">
+                  <a16:creationId xmlns:a16="http://schemas.microsoft.com/office/drawing/2014/main" id="{ECE162D4-FCAE-441B-B5E9-C91DE62124EF}"/>
+                </a:ext>
+                <a:ext uri="{C183D7F6-B498-43B3-948B-1728B52AA6E4}">
+                  <adec:decorative xmlns:adec="http://schemas.microsoft.com/office/drawing/2017/decorative" val="1"/>
+                </a:ext>
+              </a:extLst>
+            </p:cNvPr>
+            <p:cNvSpPr/>
+            <p:nvPr>
+              <p:extLst>
+                <p:ext uri="{386F3935-93C4-4BCD-93E2-E3B085C9AB24}">
+                  <p16:designElem xmlns:p16="http://schemas.microsoft.com/office/powerpoint/2015/main" val="1"/>
+                </p:ext>
+              </p:extLst>
+            </p:nvPr>
+          </p:nvSpPr>
+          <p:spPr>
+            <a:xfrm>
+              <a:off x="10371666" y="3589867"/>
+              <a:ext cx="1817159" cy="3268133"/>
+            </a:xfrm>
+            <a:prstGeom prst="triangle">
+              <a:avLst>
+                <a:gd name="adj" fmla="val 100000"/>
+              </a:avLst>
+            </a:prstGeom>
+            <a:solidFill>
+              <a:schemeClr val="accent1">
+                <a:lumMod val="75000"/>
+                <a:alpha val="66000"/>
+              </a:schemeClr>
+            </a:solidFill>
+            <a:ln>
+              <a:noFill/>
+            </a:ln>
+            <a:effectLst/>
+          </p:spPr>
+          <p:style>
+            <a:lnRef idx="1">
+              <a:schemeClr val="accent1"/>
+            </a:lnRef>
+            <a:fillRef idx="3">
+              <a:schemeClr val="accent1"/>
+            </a:fillRef>
+            <a:effectRef idx="2">
+              <a:schemeClr val="accent1"/>
+            </a:effectRef>
+            <a:fontRef idx="minor">
+              <a:schemeClr val="lt1"/>
+            </a:fontRef>
+          </p:style>
+        </p:sp>
+      </p:grpSp>
+      <p:sp>
+        <p:nvSpPr>
+          <p:cNvPr id="2" name="Title 1">
+            <a:extLst>
+              <a:ext uri="{FF2B5EF4-FFF2-40B4-BE49-F238E27FC236}">
+                <a16:creationId xmlns:a16="http://schemas.microsoft.com/office/drawing/2014/main" id="{FFFF7DC6-1D69-422D-B273-29018FAB96A4}"/>
+              </a:ext>
+            </a:extLst>
+          </p:cNvPr>
+          <p:cNvSpPr>
+            <a:spLocks noGrp="1"/>
+          </p:cNvSpPr>
+          <p:nvPr>
+            <p:ph type="title"/>
+          </p:nvPr>
+        </p:nvSpPr>
+        <p:spPr>
+          <a:xfrm>
+            <a:off x="6094855" y="1261331"/>
+            <a:ext cx="3497565" cy="3002662"/>
+          </a:xfrm>
+        </p:spPr>
+        <p:txBody>
+          <a:bodyPr vert="horz" lIns="91440" tIns="45720" rIns="91440" bIns="45720" rtlCol="0" anchor="b">
+            <a:normAutofit/>
+          </a:bodyPr>
+          <a:lstStyle/>
+          <a:p>
+            <a:r>
+              <a:rPr lang="en-US" sz="4400"/>
+              <a:t>Example 5 UML</a:t>
+            </a:r>
+          </a:p>
+        </p:txBody>
+      </p:sp>
+      <p:sp>
+        <p:nvSpPr>
+          <p:cNvPr id="22" name="Isosceles Triangle 21">
+            <a:extLst>
+              <a:ext uri="{FF2B5EF4-FFF2-40B4-BE49-F238E27FC236}">
+                <a16:creationId xmlns:a16="http://schemas.microsoft.com/office/drawing/2014/main" id="{F6E918B1-FA59-42EF-8A8E-B0F3D1E54084}"/>
+              </a:ext>
+              <a:ext uri="{C183D7F6-B498-43B3-948B-1728B52AA6E4}">
+                <adec:decorative xmlns:adec="http://schemas.microsoft.com/office/drawing/2017/decorative" val="1"/>
+              </a:ext>
+            </a:extLst>
+          </p:cNvPr>
+          <p:cNvSpPr>
+            <a:spLocks noGrp="1" noRot="1" noChangeAspect="1" noMove="1" noResize="1" noEditPoints="1" noAdjustHandles="1" noChangeArrowheads="1" noChangeShapeType="1" noTextEdit="1"/>
+          </p:cNvSpPr>
+          <p:nvPr>
+            <p:extLst>
+              <p:ext uri="{386F3935-93C4-4BCD-93E2-E3B085C9AB24}">
+                <p16:designElem xmlns:p16="http://schemas.microsoft.com/office/powerpoint/2015/main" val="1"/>
+              </p:ext>
+            </p:extLst>
+          </p:nvPr>
+        </p:nvSpPr>
+        <p:spPr>
+          <a:xfrm rot="10800000">
+            <a:off x="3174" y="12700"/>
+            <a:ext cx="842596" cy="5666154"/>
+          </a:xfrm>
+          <a:prstGeom prst="triangle">
+            <a:avLst>
+              <a:gd name="adj" fmla="val 100000"/>
+            </a:avLst>
+          </a:prstGeom>
+          <a:solidFill>
+            <a:schemeClr val="accent1">
+              <a:alpha val="85000"/>
+            </a:schemeClr>
+          </a:solidFill>
+          <a:ln>
+            <a:noFill/>
+          </a:ln>
+          <a:effectLst/>
+        </p:spPr>
+        <p:style>
+          <a:lnRef idx="1">
+            <a:schemeClr val="accent1"/>
+          </a:lnRef>
+          <a:fillRef idx="3">
+            <a:schemeClr val="accent1"/>
+          </a:fillRef>
+          <a:effectRef idx="2">
+            <a:schemeClr val="accent1"/>
+          </a:effectRef>
+          <a:fontRef idx="minor">
+            <a:schemeClr val="lt1"/>
+          </a:fontRef>
+        </p:style>
+      </p:sp>
+      <p:pic>
+        <p:nvPicPr>
+          <p:cNvPr id="5" name="Content Placeholder 4">
+            <a:extLst>
+              <a:ext uri="{FF2B5EF4-FFF2-40B4-BE49-F238E27FC236}">
+                <a16:creationId xmlns:a16="http://schemas.microsoft.com/office/drawing/2014/main" id="{149DC7A5-2D3D-4C6B-8088-D0969872D68C}"/>
+              </a:ext>
+            </a:extLst>
+          </p:cNvPr>
+          <p:cNvPicPr>
+            <a:picLocks noGrp="1" noChangeAspect="1"/>
+          </p:cNvPicPr>
+          <p:nvPr>
+            <p:ph idx="1"/>
+          </p:nvPr>
+        </p:nvPicPr>
+        <p:blipFill>
+          <a:blip r:embed="rId3"/>
+          <a:stretch>
+            <a:fillRect/>
+          </a:stretch>
+        </p:blipFill>
+        <p:spPr>
+          <a:xfrm>
+            <a:off x="888603" y="1649624"/>
+            <a:ext cx="4887354" cy="3558752"/>
+          </a:xfrm>
+          <a:prstGeom prst="rect">
+            <a:avLst/>
+          </a:prstGeom>
+        </p:spPr>
+      </p:pic>
+    </p:spTree>
+    <p:extLst>
+      <p:ext uri="{BB962C8B-B14F-4D97-AF65-F5344CB8AC3E}">
+        <p14:creationId xmlns:p14="http://schemas.microsoft.com/office/powerpoint/2010/main" val="1827924934"/>
+      </p:ext>
+    </p:extLst>
+  </p:cSld>
+  <p:clrMapOvr>
+    <a:masterClrMapping/>
+  </p:clrMapOvr>
+</p:sld>
+</file>
+
+<file path=ppt/slides/slide16.xml><?xml version="1.0" encoding="utf-8"?>
+<p:sld xmlns:a="http://schemas.openxmlformats.org/drawingml/2006/main" xmlns:r="http://schemas.openxmlformats.org/officeDocument/2006/relationships" xmlns:p="http://schemas.openxmlformats.org/presentationml/2006/main">
+  <p:cSld>
+    <p:bg>
+      <p:bgPr>
+        <a:solidFill>
+          <a:schemeClr val="bg1"/>
+        </a:solidFill>
+        <a:effectLst/>
+      </p:bgPr>
+    </p:bg>
+    <p:spTree>
+      <p:nvGrpSpPr>
+        <p:cNvPr id="1" name=""/>
+        <p:cNvGrpSpPr/>
+        <p:nvPr/>
+      </p:nvGrpSpPr>
+      <p:grpSpPr>
+        <a:xfrm>
+          <a:off x="0" y="0"/>
+          <a:ext cx="0" cy="0"/>
+          <a:chOff x="0" y="0"/>
+          <a:chExt cx="0" cy="0"/>
+        </a:xfrm>
+      </p:grpSpPr>
+      <p:grpSp>
+        <p:nvGrpSpPr>
+          <p:cNvPr id="10" name="Group 9">
+            <a:extLst>
+              <a:ext uri="{FF2B5EF4-FFF2-40B4-BE49-F238E27FC236}">
+                <a16:creationId xmlns:a16="http://schemas.microsoft.com/office/drawing/2014/main" id="{4815A7B4-532E-48C9-AC24-D78ACF3339DB}"/>
+              </a:ext>
+              <a:ext uri="{C183D7F6-B498-43B3-948B-1728B52AA6E4}">
+                <adec:decorative xmlns:adec="http://schemas.microsoft.com/office/drawing/2017/decorative" val="1"/>
+              </a:ext>
+            </a:extLst>
+          </p:cNvPr>
+          <p:cNvGrpSpPr>
+            <a:grpSpLocks noGrp="1" noUngrp="1" noRot="1" noChangeAspect="1" noMove="1" noResize="1"/>
+          </p:cNvGrpSpPr>
+          <p:nvPr>
+            <p:extLst>
+              <p:ext uri="{386F3935-93C4-4BCD-93E2-E3B085C9AB24}">
+                <p16:designElem xmlns:p16="http://schemas.microsoft.com/office/powerpoint/2015/main" val="1"/>
+              </p:ext>
+            </p:extLst>
+          </p:nvPr>
+        </p:nvGrpSpPr>
+        <p:grpSpPr>
+          <a:xfrm>
+            <a:off x="0" y="-8467"/>
+            <a:ext cx="12192000" cy="6866467"/>
+            <a:chOff x="0" y="-8467"/>
+            <a:chExt cx="12192000" cy="6866467"/>
+          </a:xfrm>
+        </p:grpSpPr>
+        <p:sp>
+          <p:nvSpPr>
+            <p:cNvPr id="11" name="Freeform 14">
+              <a:extLst>
+                <a:ext uri="{FF2B5EF4-FFF2-40B4-BE49-F238E27FC236}">
+                  <a16:creationId xmlns:a16="http://schemas.microsoft.com/office/drawing/2014/main" id="{D40109F4-CE5C-45F4-856E-F3F69C9FD4E1}"/>
+                </a:ext>
+                <a:ext uri="{C183D7F6-B498-43B3-948B-1728B52AA6E4}">
+                  <adec:decorative xmlns:adec="http://schemas.microsoft.com/office/drawing/2017/decorative" val="1"/>
+                </a:ext>
+              </a:extLst>
+            </p:cNvPr>
+            <p:cNvSpPr/>
+            <p:nvPr>
+              <p:extLst>
+                <p:ext uri="{386F3935-93C4-4BCD-93E2-E3B085C9AB24}">
+                  <p16:designElem xmlns:p16="http://schemas.microsoft.com/office/powerpoint/2015/main" val="1"/>
+                </p:ext>
+              </p:extLst>
+            </p:nvPr>
+          </p:nvSpPr>
+          <p:spPr>
+            <a:xfrm>
+              <a:off x="0" y="-7862"/>
+              <a:ext cx="863600" cy="5698067"/>
+            </a:xfrm>
+            <a:custGeom>
+              <a:avLst/>
+              <a:gdLst/>
+              <a:ahLst/>
+              <a:cxnLst/>
+              <a:rect l="l" t="t" r="r" b="b"/>
+              <a:pathLst>
+                <a:path w="863600" h="5698067">
+                  <a:moveTo>
+                    <a:pt x="0" y="8467"/>
+                  </a:moveTo>
+                  <a:lnTo>
+                    <a:pt x="863600" y="0"/>
+                  </a:lnTo>
+                  <a:lnTo>
+                    <a:pt x="863600" y="16934"/>
+                  </a:lnTo>
+                  <a:lnTo>
+                    <a:pt x="0" y="5698067"/>
+                  </a:lnTo>
+                  <a:lnTo>
+                    <a:pt x="0" y="8467"/>
+                  </a:lnTo>
+                  <a:close/>
+                </a:path>
+              </a:pathLst>
+            </a:custGeom>
+            <a:solidFill>
+              <a:schemeClr val="accent1">
+                <a:alpha val="70000"/>
+              </a:schemeClr>
+            </a:solidFill>
+            <a:ln>
+              <a:noFill/>
+            </a:ln>
+            <a:effectLst/>
+          </p:spPr>
+          <p:style>
+            <a:lnRef idx="1">
+              <a:schemeClr val="accent1"/>
+            </a:lnRef>
+            <a:fillRef idx="3">
+              <a:schemeClr val="accent1"/>
+            </a:fillRef>
+            <a:effectRef idx="2">
+              <a:schemeClr val="accent1"/>
+            </a:effectRef>
+            <a:fontRef idx="minor">
+              <a:schemeClr val="lt1"/>
+            </a:fontRef>
+          </p:style>
+        </p:sp>
+        <p:cxnSp>
+          <p:nvCxnSpPr>
+            <p:cNvPr id="12" name="Straight Connector 11">
+              <a:extLst>
+                <a:ext uri="{FF2B5EF4-FFF2-40B4-BE49-F238E27FC236}">
+                  <a16:creationId xmlns:a16="http://schemas.microsoft.com/office/drawing/2014/main" id="{3CBAA4DE-3D7B-460B-AE98-D9F9990C0B62}"/>
+                </a:ext>
+                <a:ext uri="{C183D7F6-B498-43B3-948B-1728B52AA6E4}">
+                  <adec:decorative xmlns:adec="http://schemas.microsoft.com/office/drawing/2017/decorative" val="1"/>
+                </a:ext>
+              </a:extLst>
+            </p:cNvPr>
+            <p:cNvCxnSpPr/>
+            <p:nvPr>
+              <p:extLst>
+                <p:ext uri="{386F3935-93C4-4BCD-93E2-E3B085C9AB24}">
+                  <p16:designElem xmlns:p16="http://schemas.microsoft.com/office/powerpoint/2015/main" val="1"/>
+                </p:ext>
+              </p:extLst>
+            </p:nvPr>
+          </p:nvCxnSpPr>
+          <p:spPr>
+            <a:xfrm>
+              <a:off x="9371012" y="0"/>
+              <a:ext cx="1219200" cy="6858000"/>
+            </a:xfrm>
+            <a:prstGeom prst="line">
+              <a:avLst/>
+            </a:prstGeom>
+            <a:ln w="9525">
+              <a:solidFill>
+                <a:schemeClr val="accent1">
+                  <a:alpha val="70000"/>
+                </a:schemeClr>
+              </a:solidFill>
+            </a:ln>
+          </p:spPr>
+          <p:style>
+            <a:lnRef idx="2">
+              <a:schemeClr val="accent1"/>
+            </a:lnRef>
+            <a:fillRef idx="0">
+              <a:schemeClr val="accent1"/>
+            </a:fillRef>
+            <a:effectRef idx="1">
+              <a:schemeClr val="accent1"/>
+            </a:effectRef>
+            <a:fontRef idx="minor">
+              <a:schemeClr val="tx1"/>
+            </a:fontRef>
+          </p:style>
+        </p:cxnSp>
+        <p:cxnSp>
+          <p:nvCxnSpPr>
+            <p:cNvPr id="13" name="Straight Connector 12">
+              <a:extLst>
+                <a:ext uri="{FF2B5EF4-FFF2-40B4-BE49-F238E27FC236}">
+                  <a16:creationId xmlns:a16="http://schemas.microsoft.com/office/drawing/2014/main" id="{7BF1ED3E-4F80-4AF6-A41B-44F53DDE610D}"/>
+                </a:ext>
+                <a:ext uri="{C183D7F6-B498-43B3-948B-1728B52AA6E4}">
+                  <adec:decorative xmlns:adec="http://schemas.microsoft.com/office/drawing/2017/decorative" val="1"/>
+                </a:ext>
+              </a:extLst>
+            </p:cNvPr>
+            <p:cNvCxnSpPr/>
+            <p:nvPr>
+              <p:extLst>
+                <p:ext uri="{386F3935-93C4-4BCD-93E2-E3B085C9AB24}">
+                  <p16:designElem xmlns:p16="http://schemas.microsoft.com/office/powerpoint/2015/main" val="1"/>
+                </p:ext>
+              </p:extLst>
+            </p:nvPr>
+          </p:nvCxnSpPr>
+          <p:spPr>
+            <a:xfrm flipH="1">
+              <a:off x="7425267" y="3681413"/>
+              <a:ext cx="4763558" cy="3176587"/>
+            </a:xfrm>
+            <a:prstGeom prst="line">
+              <a:avLst/>
+            </a:prstGeom>
+            <a:ln w="9525">
+              <a:solidFill>
+                <a:schemeClr val="accent1">
+                  <a:alpha val="70000"/>
+                </a:schemeClr>
+              </a:solidFill>
+            </a:ln>
+          </p:spPr>
+          <p:style>
+            <a:lnRef idx="2">
+              <a:schemeClr val="accent1"/>
+            </a:lnRef>
+            <a:fillRef idx="0">
+              <a:schemeClr val="accent1"/>
+            </a:fillRef>
+            <a:effectRef idx="1">
+              <a:schemeClr val="accent1"/>
+            </a:effectRef>
+            <a:fontRef idx="minor">
+              <a:schemeClr val="tx1"/>
+            </a:fontRef>
+          </p:style>
+        </p:cxnSp>
+        <p:sp>
+          <p:nvSpPr>
+            <p:cNvPr id="14" name="Rectangle 23">
+              <a:extLst>
+                <a:ext uri="{FF2B5EF4-FFF2-40B4-BE49-F238E27FC236}">
+                  <a16:creationId xmlns:a16="http://schemas.microsoft.com/office/drawing/2014/main" id="{C0B2D747-3E31-45C5-9A98-A9710A585FBB}"/>
+                </a:ext>
+                <a:ext uri="{C183D7F6-B498-43B3-948B-1728B52AA6E4}">
+                  <adec:decorative xmlns:adec="http://schemas.microsoft.com/office/drawing/2017/decorative" val="1"/>
+                </a:ext>
+              </a:extLst>
+            </p:cNvPr>
+            <p:cNvSpPr/>
+            <p:nvPr>
+              <p:extLst>
+                <p:ext uri="{386F3935-93C4-4BCD-93E2-E3B085C9AB24}">
+                  <p16:designElem xmlns:p16="http://schemas.microsoft.com/office/powerpoint/2015/main" val="1"/>
+                </p:ext>
+              </p:extLst>
+            </p:nvPr>
+          </p:nvSpPr>
+          <p:spPr>
+            <a:xfrm>
+              <a:off x="9181476" y="-8467"/>
+              <a:ext cx="3007349" cy="6866467"/>
+            </a:xfrm>
+            <a:custGeom>
+              <a:avLst/>
+              <a:gdLst/>
+              <a:ahLst/>
+              <a:cxnLst/>
+              <a:rect l="l" t="t" r="r" b="b"/>
+              <a:pathLst>
+                <a:path w="3007349" h="6866467">
+                  <a:moveTo>
+                    <a:pt x="2045532" y="0"/>
+                  </a:moveTo>
+                  <a:lnTo>
+                    <a:pt x="3007349" y="0"/>
+                  </a:lnTo>
+                  <a:lnTo>
+                    <a:pt x="3007349" y="6866467"/>
+                  </a:lnTo>
+                  <a:lnTo>
+                    <a:pt x="0" y="6866467"/>
+                  </a:lnTo>
+                  <a:lnTo>
+                    <a:pt x="2045532" y="0"/>
+                  </a:lnTo>
+                  <a:close/>
+                </a:path>
+              </a:pathLst>
+            </a:custGeom>
+            <a:solidFill>
+              <a:schemeClr val="accent1">
+                <a:alpha val="36000"/>
+              </a:schemeClr>
+            </a:solidFill>
+            <a:ln>
+              <a:noFill/>
+            </a:ln>
+            <a:effectLst/>
+          </p:spPr>
+          <p:style>
+            <a:lnRef idx="1">
+              <a:schemeClr val="accent1"/>
+            </a:lnRef>
+            <a:fillRef idx="3">
+              <a:schemeClr val="accent1"/>
+            </a:fillRef>
+            <a:effectRef idx="2">
+              <a:schemeClr val="accent1"/>
+            </a:effectRef>
+            <a:fontRef idx="minor">
+              <a:schemeClr val="lt1"/>
+            </a:fontRef>
+          </p:style>
+        </p:sp>
+        <p:sp>
+          <p:nvSpPr>
+            <p:cNvPr id="15" name="Rectangle 25">
+              <a:extLst>
+                <a:ext uri="{FF2B5EF4-FFF2-40B4-BE49-F238E27FC236}">
+                  <a16:creationId xmlns:a16="http://schemas.microsoft.com/office/drawing/2014/main" id="{A15FD4BA-3020-462D-8BE8-B3A65B8E492A}"/>
+                </a:ext>
+                <a:ext uri="{C183D7F6-B498-43B3-948B-1728B52AA6E4}">
+                  <adec:decorative xmlns:adec="http://schemas.microsoft.com/office/drawing/2017/decorative" val="1"/>
+                </a:ext>
+              </a:extLst>
+            </p:cNvPr>
+            <p:cNvSpPr/>
+            <p:nvPr>
+              <p:extLst>
+                <p:ext uri="{386F3935-93C4-4BCD-93E2-E3B085C9AB24}">
+                  <p16:designElem xmlns:p16="http://schemas.microsoft.com/office/powerpoint/2015/main" val="1"/>
+                </p:ext>
+              </p:extLst>
+            </p:nvPr>
+          </p:nvSpPr>
+          <p:spPr>
+            <a:xfrm>
+              <a:off x="9603442" y="-8467"/>
+              <a:ext cx="2588558" cy="6866467"/>
+            </a:xfrm>
+            <a:custGeom>
+              <a:avLst/>
+              <a:gdLst/>
+              <a:ahLst/>
+              <a:cxnLst/>
+              <a:rect l="l" t="t" r="r" b="b"/>
+              <a:pathLst>
+                <a:path w="2573311" h="6866467">
+                  <a:moveTo>
+                    <a:pt x="0" y="0"/>
+                  </a:moveTo>
+                  <a:lnTo>
+                    <a:pt x="2573311" y="0"/>
+                  </a:lnTo>
+                  <a:lnTo>
+                    <a:pt x="2573311" y="6866467"/>
+                  </a:lnTo>
+                  <a:lnTo>
+                    <a:pt x="1202336" y="6866467"/>
+                  </a:lnTo>
+                  <a:lnTo>
+                    <a:pt x="0" y="0"/>
+                  </a:lnTo>
+                  <a:close/>
+                </a:path>
+              </a:pathLst>
+            </a:custGeom>
+            <a:solidFill>
+              <a:schemeClr val="accent1">
+                <a:alpha val="20000"/>
+              </a:schemeClr>
+            </a:solidFill>
+            <a:ln>
+              <a:noFill/>
+            </a:ln>
+            <a:effectLst/>
+          </p:spPr>
+          <p:style>
+            <a:lnRef idx="1">
+              <a:schemeClr val="accent1"/>
+            </a:lnRef>
+            <a:fillRef idx="3">
+              <a:schemeClr val="accent1"/>
+            </a:fillRef>
+            <a:effectRef idx="2">
+              <a:schemeClr val="accent1"/>
+            </a:effectRef>
+            <a:fontRef idx="minor">
+              <a:schemeClr val="lt1"/>
+            </a:fontRef>
+          </p:style>
+        </p:sp>
+        <p:sp>
+          <p:nvSpPr>
+            <p:cNvPr id="16" name="Isosceles Triangle 15">
+              <a:extLst>
+                <a:ext uri="{FF2B5EF4-FFF2-40B4-BE49-F238E27FC236}">
+                  <a16:creationId xmlns:a16="http://schemas.microsoft.com/office/drawing/2014/main" id="{A304284A-7318-4DD5-898C-2F6B23C778FA}"/>
+                </a:ext>
+                <a:ext uri="{C183D7F6-B498-43B3-948B-1728B52AA6E4}">
+                  <adec:decorative xmlns:adec="http://schemas.microsoft.com/office/drawing/2017/decorative" val="1"/>
+                </a:ext>
+              </a:extLst>
+            </p:cNvPr>
+            <p:cNvSpPr/>
+            <p:nvPr>
+              <p:extLst>
+                <p:ext uri="{386F3935-93C4-4BCD-93E2-E3B085C9AB24}">
+                  <p16:designElem xmlns:p16="http://schemas.microsoft.com/office/powerpoint/2015/main" val="1"/>
+                </p:ext>
+              </p:extLst>
+            </p:nvPr>
+          </p:nvSpPr>
+          <p:spPr>
+            <a:xfrm>
+              <a:off x="8932333" y="3048000"/>
+              <a:ext cx="3259667" cy="3810000"/>
+            </a:xfrm>
+            <a:prstGeom prst="triangle">
+              <a:avLst>
+                <a:gd name="adj" fmla="val 100000"/>
+              </a:avLst>
+            </a:prstGeom>
+            <a:solidFill>
+              <a:schemeClr val="accent1">
+                <a:lumMod val="75000"/>
+                <a:alpha val="66000"/>
+              </a:schemeClr>
+            </a:solidFill>
+            <a:ln>
+              <a:noFill/>
+            </a:ln>
+            <a:effectLst/>
+          </p:spPr>
+          <p:style>
+            <a:lnRef idx="1">
+              <a:schemeClr val="accent1"/>
+            </a:lnRef>
+            <a:fillRef idx="3">
+              <a:schemeClr val="accent1"/>
+            </a:fillRef>
+            <a:effectRef idx="2">
+              <a:schemeClr val="accent1"/>
+            </a:effectRef>
+            <a:fontRef idx="minor">
+              <a:schemeClr val="lt1"/>
+            </a:fontRef>
+          </p:style>
+        </p:sp>
+        <p:sp>
+          <p:nvSpPr>
+            <p:cNvPr id="17" name="Rectangle 27">
+              <a:extLst>
+                <a:ext uri="{FF2B5EF4-FFF2-40B4-BE49-F238E27FC236}">
+                  <a16:creationId xmlns:a16="http://schemas.microsoft.com/office/drawing/2014/main" id="{9DF48E66-B635-4509-B115-E0987C014EBC}"/>
+                </a:ext>
+                <a:ext uri="{C183D7F6-B498-43B3-948B-1728B52AA6E4}">
+                  <adec:decorative xmlns:adec="http://schemas.microsoft.com/office/drawing/2017/decorative" val="1"/>
+                </a:ext>
+              </a:extLst>
+            </p:cNvPr>
+            <p:cNvSpPr/>
+            <p:nvPr>
+              <p:extLst>
+                <p:ext uri="{386F3935-93C4-4BCD-93E2-E3B085C9AB24}">
+                  <p16:designElem xmlns:p16="http://schemas.microsoft.com/office/powerpoint/2015/main" val="1"/>
+                </p:ext>
+              </p:extLst>
+            </p:nvPr>
+          </p:nvSpPr>
+          <p:spPr>
+            <a:xfrm>
+              <a:off x="9334500" y="-8467"/>
+              <a:ext cx="2854326" cy="6866467"/>
+            </a:xfrm>
+            <a:custGeom>
+              <a:avLst/>
+              <a:gdLst/>
+              <a:ahLst/>
+              <a:cxnLst/>
+              <a:rect l="l" t="t" r="r" b="b"/>
+              <a:pathLst>
+                <a:path w="2858013" h="6866467">
+                  <a:moveTo>
+                    <a:pt x="0" y="0"/>
+                  </a:moveTo>
+                  <a:lnTo>
+                    <a:pt x="2858013" y="0"/>
+                  </a:lnTo>
+                  <a:lnTo>
+                    <a:pt x="2858013" y="6866467"/>
+                  </a:lnTo>
+                  <a:lnTo>
+                    <a:pt x="2473942" y="6866467"/>
+                  </a:lnTo>
+                  <a:lnTo>
+                    <a:pt x="0" y="0"/>
+                  </a:lnTo>
+                  <a:close/>
+                </a:path>
+              </a:pathLst>
+            </a:custGeom>
+            <a:solidFill>
+              <a:schemeClr val="accent1">
+                <a:lumMod val="75000"/>
+                <a:alpha val="50000"/>
+              </a:schemeClr>
+            </a:solidFill>
+            <a:ln>
+              <a:noFill/>
+            </a:ln>
+            <a:effectLst/>
+          </p:spPr>
+          <p:style>
+            <a:lnRef idx="1">
+              <a:schemeClr val="accent1"/>
+            </a:lnRef>
+            <a:fillRef idx="3">
+              <a:schemeClr val="accent1"/>
+            </a:fillRef>
+            <a:effectRef idx="2">
+              <a:schemeClr val="accent1"/>
+            </a:effectRef>
+            <a:fontRef idx="minor">
+              <a:schemeClr val="lt1"/>
+            </a:fontRef>
+          </p:style>
+        </p:sp>
+        <p:sp>
+          <p:nvSpPr>
+            <p:cNvPr id="18" name="Rectangle 28">
+              <a:extLst>
+                <a:ext uri="{FF2B5EF4-FFF2-40B4-BE49-F238E27FC236}">
+                  <a16:creationId xmlns:a16="http://schemas.microsoft.com/office/drawing/2014/main" id="{E3B96D94-5F5A-4F4C-810C-917BF4D266C3}"/>
+                </a:ext>
+                <a:ext uri="{C183D7F6-B498-43B3-948B-1728B52AA6E4}">
+                  <adec:decorative xmlns:adec="http://schemas.microsoft.com/office/drawing/2017/decorative" val="1"/>
+                </a:ext>
+              </a:extLst>
+            </p:cNvPr>
+            <p:cNvSpPr/>
+            <p:nvPr>
+              <p:extLst>
+                <p:ext uri="{386F3935-93C4-4BCD-93E2-E3B085C9AB24}">
+                  <p16:designElem xmlns:p16="http://schemas.microsoft.com/office/powerpoint/2015/main" val="1"/>
+                </p:ext>
+              </p:extLst>
+            </p:nvPr>
+          </p:nvSpPr>
+          <p:spPr>
+            <a:xfrm>
+              <a:off x="10898730" y="-8467"/>
+              <a:ext cx="1290094" cy="6866467"/>
+            </a:xfrm>
+            <a:custGeom>
+              <a:avLst/>
+              <a:gdLst/>
+              <a:ahLst/>
+              <a:cxnLst/>
+              <a:rect l="l" t="t" r="r" b="b"/>
+              <a:pathLst>
+                <a:path w="1290094" h="6858000">
+                  <a:moveTo>
+                    <a:pt x="1019735" y="0"/>
+                  </a:moveTo>
+                  <a:lnTo>
+                    <a:pt x="1290094" y="0"/>
+                  </a:lnTo>
+                  <a:lnTo>
+                    <a:pt x="1290094" y="6858000"/>
+                  </a:lnTo>
+                  <a:lnTo>
+                    <a:pt x="0" y="6858000"/>
+                  </a:lnTo>
+                  <a:lnTo>
+                    <a:pt x="1019735" y="0"/>
+                  </a:lnTo>
+                  <a:close/>
+                </a:path>
+              </a:pathLst>
+            </a:custGeom>
+            <a:solidFill>
+              <a:schemeClr val="accent2">
+                <a:alpha val="70000"/>
+              </a:schemeClr>
+            </a:solidFill>
+            <a:ln>
+              <a:noFill/>
+            </a:ln>
+            <a:effectLst/>
+          </p:spPr>
+          <p:style>
+            <a:lnRef idx="1">
+              <a:schemeClr val="accent1"/>
+            </a:lnRef>
+            <a:fillRef idx="3">
+              <a:schemeClr val="accent1"/>
+            </a:fillRef>
+            <a:effectRef idx="2">
+              <a:schemeClr val="accent1"/>
+            </a:effectRef>
+            <a:fontRef idx="minor">
+              <a:schemeClr val="lt1"/>
+            </a:fontRef>
+          </p:style>
+        </p:sp>
+        <p:sp>
+          <p:nvSpPr>
+            <p:cNvPr id="19" name="Rectangle 29">
+              <a:extLst>
+                <a:ext uri="{FF2B5EF4-FFF2-40B4-BE49-F238E27FC236}">
+                  <a16:creationId xmlns:a16="http://schemas.microsoft.com/office/drawing/2014/main" id="{7F3782D6-BFF8-4389-9D39-A023ADAA92C1}"/>
+                </a:ext>
+                <a:ext uri="{C183D7F6-B498-43B3-948B-1728B52AA6E4}">
+                  <adec:decorative xmlns:adec="http://schemas.microsoft.com/office/drawing/2017/decorative" val="1"/>
+                </a:ext>
+              </a:extLst>
+            </p:cNvPr>
+            <p:cNvSpPr/>
+            <p:nvPr>
+              <p:extLst>
+                <p:ext uri="{386F3935-93C4-4BCD-93E2-E3B085C9AB24}">
+                  <p16:designElem xmlns:p16="http://schemas.microsoft.com/office/powerpoint/2015/main" val="1"/>
+                </p:ext>
+              </p:extLst>
+            </p:nvPr>
+          </p:nvSpPr>
+          <p:spPr>
+            <a:xfrm>
+              <a:off x="10938999" y="-8467"/>
+              <a:ext cx="1249825" cy="6866467"/>
+            </a:xfrm>
+            <a:custGeom>
+              <a:avLst/>
+              <a:gdLst/>
+              <a:ahLst/>
+              <a:cxnLst/>
+              <a:rect l="l" t="t" r="r" b="b"/>
+              <a:pathLst>
+                <a:path w="1249825" h="6858000">
+                  <a:moveTo>
+                    <a:pt x="0" y="0"/>
+                  </a:moveTo>
+                  <a:lnTo>
+                    <a:pt x="1249825" y="0"/>
+                  </a:lnTo>
+                  <a:lnTo>
+                    <a:pt x="1249825" y="6858000"/>
+                  </a:lnTo>
+                  <a:lnTo>
+                    <a:pt x="1109382" y="6858000"/>
+                  </a:lnTo>
+                  <a:lnTo>
+                    <a:pt x="0" y="0"/>
+                  </a:lnTo>
+                  <a:close/>
+                </a:path>
+              </a:pathLst>
+            </a:custGeom>
+            <a:solidFill>
+              <a:schemeClr val="accent2">
+                <a:lumMod val="75000"/>
+                <a:alpha val="80000"/>
+              </a:schemeClr>
+            </a:solidFill>
+            <a:ln>
+              <a:noFill/>
+            </a:ln>
+            <a:effectLst/>
+          </p:spPr>
+          <p:style>
+            <a:lnRef idx="1">
+              <a:schemeClr val="accent1"/>
+            </a:lnRef>
+            <a:fillRef idx="3">
+              <a:schemeClr val="accent1"/>
+            </a:fillRef>
+            <a:effectRef idx="2">
+              <a:schemeClr val="accent1"/>
+            </a:effectRef>
+            <a:fontRef idx="minor">
+              <a:schemeClr val="lt1"/>
+            </a:fontRef>
+          </p:style>
+        </p:sp>
+        <p:sp>
+          <p:nvSpPr>
+            <p:cNvPr id="20" name="Isosceles Triangle 19">
+              <a:extLst>
+                <a:ext uri="{FF2B5EF4-FFF2-40B4-BE49-F238E27FC236}">
+                  <a16:creationId xmlns:a16="http://schemas.microsoft.com/office/drawing/2014/main" id="{ECE162D4-FCAE-441B-B5E9-C91DE62124EF}"/>
+                </a:ext>
+                <a:ext uri="{C183D7F6-B498-43B3-948B-1728B52AA6E4}">
+                  <adec:decorative xmlns:adec="http://schemas.microsoft.com/office/drawing/2017/decorative" val="1"/>
+                </a:ext>
+              </a:extLst>
+            </p:cNvPr>
+            <p:cNvSpPr/>
+            <p:nvPr>
+              <p:extLst>
+                <p:ext uri="{386F3935-93C4-4BCD-93E2-E3B085C9AB24}">
+                  <p16:designElem xmlns:p16="http://schemas.microsoft.com/office/powerpoint/2015/main" val="1"/>
+                </p:ext>
+              </p:extLst>
+            </p:nvPr>
+          </p:nvSpPr>
+          <p:spPr>
+            <a:xfrm>
+              <a:off x="10371666" y="3589867"/>
+              <a:ext cx="1817159" cy="3268133"/>
+            </a:xfrm>
+            <a:prstGeom prst="triangle">
+              <a:avLst>
+                <a:gd name="adj" fmla="val 100000"/>
+              </a:avLst>
+            </a:prstGeom>
+            <a:solidFill>
+              <a:schemeClr val="accent1">
+                <a:lumMod val="75000"/>
+                <a:alpha val="66000"/>
+              </a:schemeClr>
+            </a:solidFill>
+            <a:ln>
+              <a:noFill/>
+            </a:ln>
+            <a:effectLst/>
+          </p:spPr>
+          <p:style>
+            <a:lnRef idx="1">
+              <a:schemeClr val="accent1"/>
+            </a:lnRef>
+            <a:fillRef idx="3">
+              <a:schemeClr val="accent1"/>
+            </a:fillRef>
+            <a:effectRef idx="2">
+              <a:schemeClr val="accent1"/>
+            </a:effectRef>
+            <a:fontRef idx="minor">
+              <a:schemeClr val="lt1"/>
+            </a:fontRef>
+          </p:style>
+        </p:sp>
+      </p:grpSp>
+      <p:sp>
+        <p:nvSpPr>
+          <p:cNvPr id="2" name="Title 1">
+            <a:extLst>
+              <a:ext uri="{FF2B5EF4-FFF2-40B4-BE49-F238E27FC236}">
+                <a16:creationId xmlns:a16="http://schemas.microsoft.com/office/drawing/2014/main" id="{42DC528D-7CB9-47F4-A864-ABBE19B0A29F}"/>
+              </a:ext>
+            </a:extLst>
+          </p:cNvPr>
+          <p:cNvSpPr>
+            <a:spLocks noGrp="1"/>
+          </p:cNvSpPr>
+          <p:nvPr>
+            <p:ph type="title"/>
+          </p:nvPr>
+        </p:nvSpPr>
+        <p:spPr>
+          <a:xfrm>
+            <a:off x="6094855" y="1261331"/>
+            <a:ext cx="3497565" cy="3002662"/>
+          </a:xfrm>
+        </p:spPr>
+        <p:txBody>
+          <a:bodyPr vert="horz" lIns="91440" tIns="45720" rIns="91440" bIns="45720" rtlCol="0" anchor="b">
+            <a:normAutofit/>
+          </a:bodyPr>
+          <a:lstStyle/>
+          <a:p>
+            <a:r>
+              <a:rPr lang="en-US" sz="4400"/>
+              <a:t>Any Questions?</a:t>
+            </a:r>
+          </a:p>
+        </p:txBody>
+      </p:sp>
+      <p:sp>
+        <p:nvSpPr>
+          <p:cNvPr id="22" name="Isosceles Triangle 21">
+            <a:extLst>
+              <a:ext uri="{FF2B5EF4-FFF2-40B4-BE49-F238E27FC236}">
+                <a16:creationId xmlns:a16="http://schemas.microsoft.com/office/drawing/2014/main" id="{F6E918B1-FA59-42EF-8A8E-B0F3D1E54084}"/>
+              </a:ext>
+              <a:ext uri="{C183D7F6-B498-43B3-948B-1728B52AA6E4}">
+                <adec:decorative xmlns:adec="http://schemas.microsoft.com/office/drawing/2017/decorative" val="1"/>
+              </a:ext>
+            </a:extLst>
+          </p:cNvPr>
+          <p:cNvSpPr>
+            <a:spLocks noGrp="1" noRot="1" noChangeAspect="1" noMove="1" noResize="1" noEditPoints="1" noAdjustHandles="1" noChangeArrowheads="1" noChangeShapeType="1" noTextEdit="1"/>
+          </p:cNvSpPr>
+          <p:nvPr>
+            <p:extLst>
+              <p:ext uri="{386F3935-93C4-4BCD-93E2-E3B085C9AB24}">
+                <p16:designElem xmlns:p16="http://schemas.microsoft.com/office/powerpoint/2015/main" val="1"/>
+              </p:ext>
+            </p:extLst>
+          </p:nvPr>
+        </p:nvSpPr>
+        <p:spPr>
+          <a:xfrm rot="10800000">
+            <a:off x="3174" y="12700"/>
+            <a:ext cx="842596" cy="5666154"/>
+          </a:xfrm>
+          <a:prstGeom prst="triangle">
+            <a:avLst>
+              <a:gd name="adj" fmla="val 100000"/>
+            </a:avLst>
+          </a:prstGeom>
+          <a:solidFill>
+            <a:schemeClr val="accent1">
+              <a:alpha val="85000"/>
+            </a:schemeClr>
+          </a:solidFill>
+          <a:ln>
+            <a:noFill/>
+          </a:ln>
+          <a:effectLst/>
+        </p:spPr>
+        <p:style>
+          <a:lnRef idx="1">
+            <a:schemeClr val="accent1"/>
+          </a:lnRef>
+          <a:fillRef idx="3">
+            <a:schemeClr val="accent1"/>
+          </a:fillRef>
+          <a:effectRef idx="2">
+            <a:schemeClr val="accent1"/>
+          </a:effectRef>
+          <a:fontRef idx="minor">
+            <a:schemeClr val="lt1"/>
+          </a:fontRef>
+        </p:style>
+      </p:sp>
+      <p:pic>
+        <p:nvPicPr>
+          <p:cNvPr id="5" name="Content Placeholder 4">
+            <a:extLst>
+              <a:ext uri="{FF2B5EF4-FFF2-40B4-BE49-F238E27FC236}">
+                <a16:creationId xmlns:a16="http://schemas.microsoft.com/office/drawing/2014/main" id="{683ACAE9-1F63-4EB0-ACA9-C136CE5882D2}"/>
+              </a:ext>
+            </a:extLst>
+          </p:cNvPr>
+          <p:cNvPicPr>
+            <a:picLocks noGrp="1" noChangeAspect="1"/>
+          </p:cNvPicPr>
+          <p:nvPr>
+            <p:ph idx="1"/>
+          </p:nvPr>
+        </p:nvPicPr>
+        <p:blipFill>
+          <a:blip r:embed="rId2"/>
+          <a:stretch>
+            <a:fillRect/>
+          </a:stretch>
+        </p:blipFill>
+        <p:spPr>
+          <a:xfrm>
+            <a:off x="888603" y="1577914"/>
+            <a:ext cx="4887354" cy="3702171"/>
+          </a:xfrm>
+          <a:prstGeom prst="rect">
+            <a:avLst/>
+          </a:prstGeom>
+        </p:spPr>
+      </p:pic>
+    </p:spTree>
+    <p:extLst>
+      <p:ext uri="{BB962C8B-B14F-4D97-AF65-F5344CB8AC3E}">
+        <p14:creationId xmlns:p14="http://schemas.microsoft.com/office/powerpoint/2010/main" val="2102124689"/>
       </p:ext>
     </p:extLst>
   </p:cSld>
@@ -12015,7 +14055,7 @@
         </p:spPr>
         <p:txBody>
           <a:bodyPr>
-            <a:normAutofit/>
+            <a:normAutofit lnSpcReduction="10000"/>
           </a:bodyPr>
           <a:lstStyle/>
           <a:p>
@@ -12079,15 +14119,7 @@
             </a:pPr>
             <a:r>
               <a:rPr lang="en-US" sz="1400" dirty="0"/>
-              <a:t>This is great because it allows for some code to only be written and tested once in a superclass</a:t>
-            </a:r>
-            <a:r>
-              <a:rPr lang="en-US" sz="1400"/>
-              <a:t>, then </a:t>
-            </a:r>
-            <a:r>
-              <a:rPr lang="en-US" sz="1400" dirty="0"/>
-              <a:t>used in subclasses.</a:t>
+              <a:t>This is great because it allows for some code to only be written and tested once in a superclass, then used in subclasses.</a:t>
             </a:r>
           </a:p>
           <a:p>
@@ -12107,6 +14139,17 @@
             <a:r>
               <a:rPr lang="en-US" sz="1400" dirty="0"/>
               <a:t>.</a:t>
+            </a:r>
+          </a:p>
+          <a:p>
+            <a:pPr>
+              <a:lnSpc>
+                <a:spcPct val="90000"/>
+              </a:lnSpc>
+            </a:pPr>
+            <a:r>
+              <a:rPr lang="en-US" sz="1400" dirty="0"/>
+              <a:t>A class in Java can only extend one other class, and cannot extend itself.</a:t>
             </a:r>
           </a:p>
         </p:txBody>
@@ -12126,7 +14169,7 @@
           <p:nvPr/>
         </p:nvPicPr>
         <p:blipFill>
-          <a:blip r:embed="rId2"/>
+          <a:blip r:embed="rId3"/>
           <a:stretch>
             <a:fillRect/>
           </a:stretch>
@@ -12233,12 +14276,12 @@
         <p:spPr>
           <a:xfrm>
             <a:off x="685167" y="2160589"/>
-            <a:ext cx="3720916" cy="3560733"/>
+            <a:ext cx="3720916" cy="3931731"/>
           </a:xfrm>
         </p:spPr>
         <p:txBody>
           <a:bodyPr>
-            <a:normAutofit/>
+            <a:normAutofit fontScale="92500" lnSpcReduction="10000"/>
           </a:bodyPr>
           <a:lstStyle/>
           <a:p>
@@ -12358,6 +14401,36 @@
             <a:r>
               <a:rPr lang="en-US" sz="1500" dirty="0"/>
               <a:t> Car, but a Car is not always a Minivan. </a:t>
+            </a:r>
+          </a:p>
+          <a:p>
+            <a:pPr>
+              <a:lnSpc>
+                <a:spcPct val="90000"/>
+              </a:lnSpc>
+            </a:pPr>
+            <a:r>
+              <a:rPr lang="en-US" sz="1500" dirty="0"/>
+              <a:t>If a class does not explicitly extend another class, then it extends Object.</a:t>
+            </a:r>
+          </a:p>
+          <a:p>
+            <a:pPr>
+              <a:lnSpc>
+                <a:spcPct val="90000"/>
+              </a:lnSpc>
+            </a:pPr>
+            <a:r>
+              <a:rPr lang="en-US" sz="1500" dirty="0"/>
+              <a:t>All classes have an </a:t>
+            </a:r>
+            <a:r>
+              <a:rPr lang="en-US" sz="1500" i="1" dirty="0"/>
+              <a:t>is-a</a:t>
+            </a:r>
+            <a:r>
+              <a:rPr lang="en-US" sz="1500" dirty="0"/>
+              <a:t> relationship with Object</a:t>
             </a:r>
           </a:p>
           <a:p>
